--- a/MatrixWorld.pptx
+++ b/MatrixWorld.pptx
@@ -245,7 +245,7 @@
           <a:p>
             <a:fld id="{855F31C7-9260-9F43-86C6-63C2C1EE0131}" type="datetimeFigureOut">
               <a:rPr kumimoji="1" lang="ja-JP" altLang="en-US" smtClean="0"/>
-              <a:t>2022/9/22</a:t>
+              <a:t>2022/10/16</a:t>
             </a:fld>
             <a:endParaRPr kumimoji="1" lang="ja-JP" altLang="en-US"/>
           </a:p>
@@ -447,7 +447,7 @@
           <a:p>
             <a:fld id="{855F31C7-9260-9F43-86C6-63C2C1EE0131}" type="datetimeFigureOut">
               <a:rPr kumimoji="1" lang="ja-JP" altLang="en-US" smtClean="0"/>
-              <a:t>2022/9/22</a:t>
+              <a:t>2022/10/16</a:t>
             </a:fld>
             <a:endParaRPr kumimoji="1" lang="ja-JP" altLang="en-US"/>
           </a:p>
@@ -659,7 +659,7 @@
           <a:p>
             <a:fld id="{855F31C7-9260-9F43-86C6-63C2C1EE0131}" type="datetimeFigureOut">
               <a:rPr kumimoji="1" lang="ja-JP" altLang="en-US" smtClean="0"/>
-              <a:t>2022/9/22</a:t>
+              <a:t>2022/10/16</a:t>
             </a:fld>
             <a:endParaRPr kumimoji="1" lang="ja-JP" altLang="en-US"/>
           </a:p>
@@ -861,7 +861,7 @@
           <a:p>
             <a:fld id="{855F31C7-9260-9F43-86C6-63C2C1EE0131}" type="datetimeFigureOut">
               <a:rPr kumimoji="1" lang="ja-JP" altLang="en-US" smtClean="0"/>
-              <a:t>2022/9/22</a:t>
+              <a:t>2022/10/16</a:t>
             </a:fld>
             <a:endParaRPr kumimoji="1" lang="ja-JP" altLang="en-US"/>
           </a:p>
@@ -1107,7 +1107,7 @@
           <a:p>
             <a:fld id="{855F31C7-9260-9F43-86C6-63C2C1EE0131}" type="datetimeFigureOut">
               <a:rPr kumimoji="1" lang="ja-JP" altLang="en-US" smtClean="0"/>
-              <a:t>2022/9/22</a:t>
+              <a:t>2022/10/16</a:t>
             </a:fld>
             <a:endParaRPr kumimoji="1" lang="ja-JP" altLang="en-US"/>
           </a:p>
@@ -1403,7 +1403,7 @@
           <a:p>
             <a:fld id="{855F31C7-9260-9F43-86C6-63C2C1EE0131}" type="datetimeFigureOut">
               <a:rPr kumimoji="1" lang="ja-JP" altLang="en-US" smtClean="0"/>
-              <a:t>2022/9/22</a:t>
+              <a:t>2022/10/16</a:t>
             </a:fld>
             <a:endParaRPr kumimoji="1" lang="ja-JP" altLang="en-US"/>
           </a:p>
@@ -1834,7 +1834,7 @@
           <a:p>
             <a:fld id="{855F31C7-9260-9F43-86C6-63C2C1EE0131}" type="datetimeFigureOut">
               <a:rPr kumimoji="1" lang="ja-JP" altLang="en-US" smtClean="0"/>
-              <a:t>2022/9/22</a:t>
+              <a:t>2022/10/16</a:t>
             </a:fld>
             <a:endParaRPr kumimoji="1" lang="ja-JP" altLang="en-US"/>
           </a:p>
@@ -1952,7 +1952,7 @@
           <a:p>
             <a:fld id="{855F31C7-9260-9F43-86C6-63C2C1EE0131}" type="datetimeFigureOut">
               <a:rPr kumimoji="1" lang="ja-JP" altLang="en-US" smtClean="0"/>
-              <a:t>2022/9/22</a:t>
+              <a:t>2022/10/16</a:t>
             </a:fld>
             <a:endParaRPr kumimoji="1" lang="ja-JP" altLang="en-US"/>
           </a:p>
@@ -2047,7 +2047,7 @@
           <a:p>
             <a:fld id="{855F31C7-9260-9F43-86C6-63C2C1EE0131}" type="datetimeFigureOut">
               <a:rPr kumimoji="1" lang="ja-JP" altLang="en-US" smtClean="0"/>
-              <a:t>2022/9/22</a:t>
+              <a:t>2022/10/16</a:t>
             </a:fld>
             <a:endParaRPr kumimoji="1" lang="ja-JP" altLang="en-US"/>
           </a:p>
@@ -2356,7 +2356,7 @@
           <a:p>
             <a:fld id="{855F31C7-9260-9F43-86C6-63C2C1EE0131}" type="datetimeFigureOut">
               <a:rPr kumimoji="1" lang="ja-JP" altLang="en-US" smtClean="0"/>
-              <a:t>2022/9/22</a:t>
+              <a:t>2022/10/16</a:t>
             </a:fld>
             <a:endParaRPr kumimoji="1" lang="ja-JP" altLang="en-US"/>
           </a:p>
@@ -2613,7 +2613,7 @@
           <a:p>
             <a:fld id="{855F31C7-9260-9F43-86C6-63C2C1EE0131}" type="datetimeFigureOut">
               <a:rPr kumimoji="1" lang="ja-JP" altLang="en-US" smtClean="0"/>
-              <a:t>2022/9/22</a:t>
+              <a:t>2022/10/16</a:t>
             </a:fld>
             <a:endParaRPr kumimoji="1" lang="ja-JP" altLang="en-US"/>
           </a:p>
@@ -2858,7 +2858,7 @@
           <a:p>
             <a:fld id="{855F31C7-9260-9F43-86C6-63C2C1EE0131}" type="datetimeFigureOut">
               <a:rPr kumimoji="1" lang="ja-JP" altLang="en-US" smtClean="0"/>
-              <a:t>2022/9/22</a:t>
+              <a:t>2022/10/16</a:t>
             </a:fld>
             <a:endParaRPr kumimoji="1" lang="ja-JP" altLang="en-US"/>
           </a:p>
@@ -3824,7 +3824,7 @@
         <p:spPr>
           <a:xfrm>
             <a:off x="4026198" y="3243466"/>
-            <a:ext cx="2346803" cy="518209"/>
+            <a:ext cx="2346803" cy="561675"/>
           </a:xfrm>
           <a:prstGeom prst="roundRect">
             <a:avLst>
@@ -4573,8 +4573,8 @@
           </p:sp>
         </mc:Fallback>
       </mc:AlternateContent>
-      <mc:AlternateContent xmlns:mc="http://schemas.openxmlformats.org/markup-compatibility/2006">
-        <mc:Choice xmlns:a14="http://schemas.microsoft.com/office/drawing/2010/main" Requires="a14">
+      <mc:AlternateContent xmlns:mc="http://schemas.openxmlformats.org/markup-compatibility/2006" xmlns:a14="http://schemas.microsoft.com/office/drawing/2010/main">
+        <mc:Choice Requires="a14">
           <p:sp>
             <p:nvSpPr>
               <p:cNvPr id="17" name="テキスト ボックス 16">
@@ -4624,7 +4624,7 @@
             </p:txBody>
           </p:sp>
         </mc:Choice>
-        <mc:Fallback>
+        <mc:Fallback xmlns="">
           <p:sp>
             <p:nvSpPr>
               <p:cNvPr id="17" name="テキスト ボックス 16">
@@ -5180,8 +5180,8 @@
           </p:sp>
         </mc:Fallback>
       </mc:AlternateContent>
-      <mc:AlternateContent xmlns:mc="http://schemas.openxmlformats.org/markup-compatibility/2006">
-        <mc:Choice xmlns:a14="http://schemas.microsoft.com/office/drawing/2010/main" Requires="a14">
+      <mc:AlternateContent xmlns:mc="http://schemas.openxmlformats.org/markup-compatibility/2006" xmlns:a14="http://schemas.microsoft.com/office/drawing/2010/main">
+        <mc:Choice Requires="a14">
           <p:sp>
             <p:nvSpPr>
               <p:cNvPr id="25" name="テキスト ボックス 24">
@@ -5265,7 +5265,7 @@
             </p:txBody>
           </p:sp>
         </mc:Choice>
-        <mc:Fallback>
+        <mc:Fallback xmlns="">
           <p:sp>
             <p:nvSpPr>
               <p:cNvPr id="25" name="テキスト ボックス 24">
@@ -6269,8 +6269,8 @@
           </a:p>
         </p:txBody>
       </p:sp>
-      <mc:AlternateContent xmlns:mc="http://schemas.openxmlformats.org/markup-compatibility/2006">
-        <mc:Choice xmlns:a14="http://schemas.microsoft.com/office/drawing/2010/main" Requires="a14">
+      <mc:AlternateContent xmlns:mc="http://schemas.openxmlformats.org/markup-compatibility/2006" xmlns:a14="http://schemas.microsoft.com/office/drawing/2010/main">
+        <mc:Choice Requires="a14">
           <p:sp>
             <p:nvSpPr>
               <p:cNvPr id="37" name="テキスト ボックス 36">
@@ -6342,7 +6342,7 @@
             </p:txBody>
           </p:sp>
         </mc:Choice>
-        <mc:Fallback>
+        <mc:Fallback xmlns="">
           <p:sp>
             <p:nvSpPr>
               <p:cNvPr id="37" name="テキスト ボックス 36">
@@ -6776,8 +6776,8 @@
           </a:p>
         </p:txBody>
       </p:sp>
-      <mc:AlternateContent xmlns:mc="http://schemas.openxmlformats.org/markup-compatibility/2006">
-        <mc:Choice xmlns:a14="http://schemas.microsoft.com/office/drawing/2010/main" Requires="a14">
+      <mc:AlternateContent xmlns:mc="http://schemas.openxmlformats.org/markup-compatibility/2006" xmlns:a14="http://schemas.microsoft.com/office/drawing/2010/main">
+        <mc:Choice Requires="a14">
           <p:sp>
             <p:nvSpPr>
               <p:cNvPr id="49" name="テキスト ボックス 48">
@@ -6849,7 +6849,7 @@
             </p:txBody>
           </p:sp>
         </mc:Choice>
-        <mc:Fallback>
+        <mc:Fallback xmlns="">
           <p:sp>
             <p:nvSpPr>
               <p:cNvPr id="49" name="テキスト ボックス 48">
@@ -6974,8 +6974,8 @@
           </a:p>
         </p:txBody>
       </p:sp>
-      <mc:AlternateContent xmlns:mc="http://schemas.openxmlformats.org/markup-compatibility/2006">
-        <mc:Choice xmlns:a14="http://schemas.microsoft.com/office/drawing/2010/main" Requires="a14">
+      <mc:AlternateContent xmlns:mc="http://schemas.openxmlformats.org/markup-compatibility/2006" xmlns:a14="http://schemas.microsoft.com/office/drawing/2010/main">
+        <mc:Choice Requires="a14">
           <p:sp>
             <p:nvSpPr>
               <p:cNvPr id="57" name="テキスト ボックス 56">
@@ -7050,7 +7050,7 @@
             </p:txBody>
           </p:sp>
         </mc:Choice>
-        <mc:Fallback>
+        <mc:Fallback xmlns="">
           <p:sp>
             <p:nvSpPr>
               <p:cNvPr id="57" name="テキスト ボックス 56">
@@ -7095,8 +7095,8 @@
           </p:sp>
         </mc:Fallback>
       </mc:AlternateContent>
-      <mc:AlternateContent xmlns:mc="http://schemas.openxmlformats.org/markup-compatibility/2006">
-        <mc:Choice xmlns:a14="http://schemas.microsoft.com/office/drawing/2010/main" Requires="a14">
+      <mc:AlternateContent xmlns:mc="http://schemas.openxmlformats.org/markup-compatibility/2006" xmlns:a14="http://schemas.microsoft.com/office/drawing/2010/main">
+        <mc:Choice Requires="a14">
           <p:sp>
             <p:nvSpPr>
               <p:cNvPr id="58" name="テキスト ボックス 57">
@@ -7230,7 +7230,7 @@
             </p:txBody>
           </p:sp>
         </mc:Choice>
-        <mc:Fallback>
+        <mc:Fallback xmlns="">
           <p:sp>
             <p:nvSpPr>
               <p:cNvPr id="58" name="テキスト ボックス 57">
@@ -7275,8 +7275,8 @@
           </p:sp>
         </mc:Fallback>
       </mc:AlternateContent>
-      <mc:AlternateContent xmlns:mc="http://schemas.openxmlformats.org/markup-compatibility/2006">
-        <mc:Choice xmlns:a14="http://schemas.microsoft.com/office/drawing/2010/main" Requires="a14">
+      <mc:AlternateContent xmlns:mc="http://schemas.openxmlformats.org/markup-compatibility/2006" xmlns:a14="http://schemas.microsoft.com/office/drawing/2010/main">
+        <mc:Choice Requires="a14">
           <p:sp>
             <p:nvSpPr>
               <p:cNvPr id="61" name="テキスト ボックス 60">
@@ -7342,7 +7342,7 @@
             </p:txBody>
           </p:sp>
         </mc:Choice>
-        <mc:Fallback>
+        <mc:Fallback xmlns="">
           <p:sp>
             <p:nvSpPr>
               <p:cNvPr id="61" name="テキスト ボックス 60">
@@ -7387,8 +7387,8 @@
           </p:sp>
         </mc:Fallback>
       </mc:AlternateContent>
-      <mc:AlternateContent xmlns:mc="http://schemas.openxmlformats.org/markup-compatibility/2006">
-        <mc:Choice xmlns:a14="http://schemas.microsoft.com/office/drawing/2010/main" Requires="a14">
+      <mc:AlternateContent xmlns:mc="http://schemas.openxmlformats.org/markup-compatibility/2006" xmlns:a14="http://schemas.microsoft.com/office/drawing/2010/main">
+        <mc:Choice Requires="a14">
           <p:sp>
             <p:nvSpPr>
               <p:cNvPr id="62" name="テキスト ボックス 61">
@@ -7500,7 +7500,7 @@
             </p:txBody>
           </p:sp>
         </mc:Choice>
-        <mc:Fallback>
+        <mc:Fallback xmlns="">
           <p:sp>
             <p:nvSpPr>
               <p:cNvPr id="62" name="テキスト ボックス 61">
@@ -7587,8 +7587,8 @@
           </a:fontRef>
         </p:style>
       </p:cxnSp>
-      <mc:AlternateContent xmlns:mc="http://schemas.openxmlformats.org/markup-compatibility/2006">
-        <mc:Choice xmlns:a14="http://schemas.microsoft.com/office/drawing/2010/main" Requires="a14">
+      <mc:AlternateContent xmlns:mc="http://schemas.openxmlformats.org/markup-compatibility/2006" xmlns:a14="http://schemas.microsoft.com/office/drawing/2010/main">
+        <mc:Choice Requires="a14">
           <p:sp>
             <p:nvSpPr>
               <p:cNvPr id="63" name="テキスト ボックス 62">
@@ -7729,7 +7729,7 @@
             </p:txBody>
           </p:sp>
         </mc:Choice>
-        <mc:Fallback>
+        <mc:Fallback xmlns="">
           <p:sp>
             <p:nvSpPr>
               <p:cNvPr id="63" name="テキスト ボックス 62">
@@ -7790,7 +7790,7 @@
         </p:nvCxnSpPr>
         <p:spPr>
           <a:xfrm>
-            <a:off x="3996127" y="3810314"/>
+            <a:off x="3996127" y="3836192"/>
             <a:ext cx="309661" cy="0"/>
           </a:xfrm>
           <a:prstGeom prst="straightConnector1">
@@ -7816,8 +7816,8 @@
           </a:fontRef>
         </p:style>
       </p:cxnSp>
-      <mc:AlternateContent xmlns:mc="http://schemas.openxmlformats.org/markup-compatibility/2006">
-        <mc:Choice xmlns:a14="http://schemas.microsoft.com/office/drawing/2010/main" Requires="a14">
+      <mc:AlternateContent xmlns:mc="http://schemas.openxmlformats.org/markup-compatibility/2006" xmlns:a14="http://schemas.microsoft.com/office/drawing/2010/main">
+        <mc:Choice Requires="a14">
           <p:sp>
             <p:nvSpPr>
               <p:cNvPr id="69" name="テキスト ボックス 68">
@@ -7931,7 +7931,7 @@
             </p:txBody>
           </p:sp>
         </mc:Choice>
-        <mc:Fallback>
+        <mc:Fallback xmlns="">
           <p:sp>
             <p:nvSpPr>
               <p:cNvPr id="69" name="テキスト ボックス 68">
@@ -8021,8 +8021,8 @@
           </a:p>
         </p:txBody>
       </p:sp>
-      <mc:AlternateContent xmlns:mc="http://schemas.openxmlformats.org/markup-compatibility/2006">
-        <mc:Choice xmlns:a14="http://schemas.microsoft.com/office/drawing/2010/main" Requires="a14">
+      <mc:AlternateContent xmlns:mc="http://schemas.openxmlformats.org/markup-compatibility/2006" xmlns:a14="http://schemas.microsoft.com/office/drawing/2010/main">
+        <mc:Choice Requires="a14">
           <p:sp>
             <p:nvSpPr>
               <p:cNvPr id="73" name="テキスト ボックス 72">
@@ -8097,7 +8097,7 @@
             </p:txBody>
           </p:sp>
         </mc:Choice>
-        <mc:Fallback>
+        <mc:Fallback xmlns="">
           <p:sp>
             <p:nvSpPr>
               <p:cNvPr id="73" name="テキスト ボックス 72">
@@ -8179,8 +8179,8 @@
           </a:p>
         </p:txBody>
       </p:sp>
-      <mc:AlternateContent xmlns:mc="http://schemas.openxmlformats.org/markup-compatibility/2006">
-        <mc:Choice xmlns:a14="http://schemas.microsoft.com/office/drawing/2010/main" Requires="a14">
+      <mc:AlternateContent xmlns:mc="http://schemas.openxmlformats.org/markup-compatibility/2006" xmlns:a14="http://schemas.microsoft.com/office/drawing/2010/main">
+        <mc:Choice Requires="a14">
           <p:sp>
             <p:nvSpPr>
               <p:cNvPr id="77" name="テキスト ボックス 76">
@@ -8285,7 +8285,7 @@
             </p:txBody>
           </p:sp>
         </mc:Choice>
-        <mc:Fallback>
+        <mc:Fallback xmlns="">
           <p:sp>
             <p:nvSpPr>
               <p:cNvPr id="77" name="テキスト ボックス 76">
@@ -8823,8 +8823,8 @@
           </p:sp>
         </mc:Fallback>
       </mc:AlternateContent>
-      <mc:AlternateContent xmlns:mc="http://schemas.openxmlformats.org/markup-compatibility/2006">
-        <mc:Choice xmlns:a14="http://schemas.microsoft.com/office/drawing/2010/main" Requires="a14">
+      <mc:AlternateContent xmlns:mc="http://schemas.openxmlformats.org/markup-compatibility/2006" xmlns:a14="http://schemas.microsoft.com/office/drawing/2010/main">
+        <mc:Choice Requires="a14">
           <p:sp>
             <p:nvSpPr>
               <p:cNvPr id="76" name="テキスト ボックス 75">
@@ -8853,6 +8853,7 @@
               </a:bodyPr>
               <a:lstStyle/>
               <a:p>
+                <a:pPr/>
                 <a14:m>
                   <m:oMathPara xmlns:m="http://schemas.openxmlformats.org/officeDocument/2006/math">
                     <m:oMathParaPr>
@@ -8972,7 +8973,7 @@
             </p:txBody>
           </p:sp>
         </mc:Choice>
-        <mc:Fallback>
+        <mc:Fallback xmlns="">
           <p:sp>
             <p:nvSpPr>
               <p:cNvPr id="76" name="テキスト ボックス 75">
@@ -9537,8 +9538,8 @@
           </a:fontRef>
         </p:style>
       </p:cxnSp>
-      <mc:AlternateContent xmlns:mc="http://schemas.openxmlformats.org/markup-compatibility/2006">
-        <mc:Choice xmlns:a14="http://schemas.microsoft.com/office/drawing/2010/main" Requires="a14">
+      <mc:AlternateContent xmlns:mc="http://schemas.openxmlformats.org/markup-compatibility/2006" xmlns:a14="http://schemas.microsoft.com/office/drawing/2010/main">
+        <mc:Choice Requires="a14">
           <p:sp>
             <p:nvSpPr>
               <p:cNvPr id="110" name="テキスト ボックス 109">
@@ -9631,7 +9632,7 @@
             </p:txBody>
           </p:sp>
         </mc:Choice>
-        <mc:Fallback>
+        <mc:Fallback xmlns="">
           <p:sp>
             <p:nvSpPr>
               <p:cNvPr id="110" name="テキスト ボックス 109">
@@ -9676,8 +9677,8 @@
           </p:sp>
         </mc:Fallback>
       </mc:AlternateContent>
-      <mc:AlternateContent xmlns:mc="http://schemas.openxmlformats.org/markup-compatibility/2006">
-        <mc:Choice xmlns:a14="http://schemas.microsoft.com/office/drawing/2010/main" Requires="a14">
+      <mc:AlternateContent xmlns:mc="http://schemas.openxmlformats.org/markup-compatibility/2006" xmlns:a14="http://schemas.microsoft.com/office/drawing/2010/main">
+        <mc:Choice Requires="a14">
           <p:sp>
             <p:nvSpPr>
               <p:cNvPr id="111" name="テキスト ボックス 110">
@@ -9775,7 +9776,7 @@
             </p:txBody>
           </p:sp>
         </mc:Choice>
-        <mc:Fallback>
+        <mc:Fallback xmlns="">
           <p:sp>
             <p:nvSpPr>
               <p:cNvPr id="111" name="テキスト ボックス 110">
@@ -12081,13 +12082,13 @@
                 <a:latin typeface="Times New Roman" panose="02020603050405020304" pitchFamily="18" charset="0"/>
                 <a:cs typeface="Times New Roman" panose="02020603050405020304" pitchFamily="18" charset="0"/>
               </a:rPr>
-              <a:t>(v1.4.5, Spet.22,2022)</a:t>
+              <a:t>(v1.4.6, Oct.16,2022)</a:t>
             </a:r>
           </a:p>
         </p:txBody>
       </p:sp>
-      <mc:AlternateContent xmlns:mc="http://schemas.openxmlformats.org/markup-compatibility/2006">
-        <mc:Choice xmlns:a14="http://schemas.microsoft.com/office/drawing/2010/main" Requires="a14">
+      <mc:AlternateContent xmlns:mc="http://schemas.openxmlformats.org/markup-compatibility/2006" xmlns:a14="http://schemas.microsoft.com/office/drawing/2010/main">
+        <mc:Choice Requires="a14">
           <p:sp>
             <p:nvSpPr>
               <p:cNvPr id="74" name="テキスト ボックス 73">
@@ -12140,7 +12141,7 @@
             </p:txBody>
           </p:sp>
         </mc:Choice>
-        <mc:Fallback>
+        <mc:Fallback xmlns="">
           <p:sp>
             <p:nvSpPr>
               <p:cNvPr id="74" name="テキスト ボックス 73">
@@ -12201,7 +12202,7 @@
             </p:nvSpPr>
             <p:spPr>
               <a:xfrm>
-                <a:off x="5152829" y="3497828"/>
+                <a:off x="5624713" y="3522644"/>
                 <a:ext cx="576295" cy="221792"/>
               </a:xfrm>
               <a:prstGeom prst="rect">
@@ -12337,7 +12338,7 @@
             </p:nvSpPr>
             <p:spPr>
               <a:xfrm>
-                <a:off x="5152829" y="3497828"/>
+                <a:off x="5624713" y="3522644"/>
                 <a:ext cx="576295" cy="221792"/>
               </a:xfrm>
               <a:prstGeom prst="rect">
@@ -12346,7 +12347,7 @@
               <a:blipFill>
                 <a:blip r:embed="rId51"/>
                 <a:stretch>
-                  <a:fillRect b="-16667"/>
+                  <a:fillRect l="-2174" b="-16667"/>
                 </a:stretch>
               </a:blipFill>
             </p:spPr>
@@ -12381,7 +12382,7 @@
             </p:nvSpPr>
             <p:spPr>
               <a:xfrm>
-                <a:off x="5607561" y="3339634"/>
+                <a:off x="4768567" y="3529243"/>
                 <a:ext cx="801864" cy="227948"/>
               </a:xfrm>
               <a:prstGeom prst="rect">
@@ -12553,7 +12554,7 @@
             </p:nvSpPr>
             <p:spPr>
               <a:xfrm>
-                <a:off x="5607561" y="3339634"/>
+                <a:off x="4768567" y="3529243"/>
                 <a:ext cx="801864" cy="227948"/>
               </a:xfrm>
               <a:prstGeom prst="rect">
@@ -12562,7 +12563,7 @@
               <a:blipFill>
                 <a:blip r:embed="rId52"/>
                 <a:stretch>
-                  <a:fillRect b="-16667"/>
+                  <a:fillRect b="-15789"/>
                 </a:stretch>
               </a:blipFill>
             </p:spPr>
@@ -13645,8 +13646,8 @@
           </a:p>
         </p:txBody>
       </p:sp>
-      <mc:AlternateContent xmlns:mc="http://schemas.openxmlformats.org/markup-compatibility/2006">
-        <mc:Choice xmlns:a14="http://schemas.microsoft.com/office/drawing/2010/main" Requires="a14">
+      <mc:AlternateContent xmlns:mc="http://schemas.openxmlformats.org/markup-compatibility/2006" xmlns:a14="http://schemas.microsoft.com/office/drawing/2010/main">
+        <mc:Choice Requires="a14">
           <p:sp>
             <p:nvSpPr>
               <p:cNvPr id="20" name="テキスト ボックス 19">
@@ -13749,7 +13750,7 @@
             </p:txBody>
           </p:sp>
         </mc:Choice>
-        <mc:Fallback>
+        <mc:Fallback xmlns="">
           <p:sp>
             <p:nvSpPr>
               <p:cNvPr id="20" name="テキスト ボックス 19">
@@ -13794,8 +13795,8 @@
           </p:sp>
         </mc:Fallback>
       </mc:AlternateContent>
-      <mc:AlternateContent xmlns:mc="http://schemas.openxmlformats.org/markup-compatibility/2006">
-        <mc:Choice xmlns:a14="http://schemas.microsoft.com/office/drawing/2010/main" Requires="a14">
+      <mc:AlternateContent xmlns:mc="http://schemas.openxmlformats.org/markup-compatibility/2006" xmlns:a14="http://schemas.microsoft.com/office/drawing/2010/main">
+        <mc:Choice Requires="a14">
           <p:sp>
             <p:nvSpPr>
               <p:cNvPr id="21" name="テキスト ボックス 20">
@@ -13860,7 +13861,7 @@
             </p:txBody>
           </p:sp>
         </mc:Choice>
-        <mc:Fallback>
+        <mc:Fallback xmlns="">
           <p:sp>
             <p:nvSpPr>
               <p:cNvPr id="21" name="テキスト ボックス 20">
@@ -13905,8 +13906,8 @@
           </p:sp>
         </mc:Fallback>
       </mc:AlternateContent>
-      <mc:AlternateContent xmlns:mc="http://schemas.openxmlformats.org/markup-compatibility/2006">
-        <mc:Choice xmlns:a14="http://schemas.microsoft.com/office/drawing/2010/main" Requires="a14">
+      <mc:AlternateContent xmlns:mc="http://schemas.openxmlformats.org/markup-compatibility/2006" xmlns:a14="http://schemas.microsoft.com/office/drawing/2010/main">
+        <mc:Choice Requires="a14">
           <p:sp>
             <p:nvSpPr>
               <p:cNvPr id="25" name="テキスト ボックス 24">
@@ -13971,7 +13972,7 @@
             </p:txBody>
           </p:sp>
         </mc:Choice>
-        <mc:Fallback>
+        <mc:Fallback xmlns="">
           <p:sp>
             <p:nvSpPr>
               <p:cNvPr id="25" name="テキスト ボックス 24">
@@ -14016,8 +14017,8 @@
           </p:sp>
         </mc:Fallback>
       </mc:AlternateContent>
-      <mc:AlternateContent xmlns:mc="http://schemas.openxmlformats.org/markup-compatibility/2006">
-        <mc:Choice xmlns:a14="http://schemas.microsoft.com/office/drawing/2010/main" Requires="a14">
+      <mc:AlternateContent xmlns:mc="http://schemas.openxmlformats.org/markup-compatibility/2006" xmlns:a14="http://schemas.microsoft.com/office/drawing/2010/main">
+        <mc:Choice Requires="a14">
           <p:sp>
             <p:nvSpPr>
               <p:cNvPr id="26" name="テキスト ボックス 25">
@@ -14135,7 +14136,7 @@
             </p:txBody>
           </p:sp>
         </mc:Choice>
-        <mc:Fallback>
+        <mc:Fallback xmlns="">
           <p:sp>
             <p:nvSpPr>
               <p:cNvPr id="26" name="テキスト ボックス 25">
@@ -14180,8 +14181,8 @@
           </p:sp>
         </mc:Fallback>
       </mc:AlternateContent>
-      <mc:AlternateContent xmlns:mc="http://schemas.openxmlformats.org/markup-compatibility/2006">
-        <mc:Choice xmlns:a14="http://schemas.microsoft.com/office/drawing/2010/main" Requires="a14">
+      <mc:AlternateContent xmlns:mc="http://schemas.openxmlformats.org/markup-compatibility/2006" xmlns:a14="http://schemas.microsoft.com/office/drawing/2010/main">
+        <mc:Choice Requires="a14">
           <p:sp>
             <p:nvSpPr>
               <p:cNvPr id="27" name="テキスト ボックス 26">
@@ -14293,7 +14294,7 @@
             </p:txBody>
           </p:sp>
         </mc:Choice>
-        <mc:Fallback>
+        <mc:Fallback xmlns="">
           <p:sp>
             <p:nvSpPr>
               <p:cNvPr id="27" name="テキスト ボックス 26">
@@ -15147,8 +15148,8 @@
           </a:p>
         </p:txBody>
       </p:sp>
-      <mc:AlternateContent xmlns:mc="http://schemas.openxmlformats.org/markup-compatibility/2006">
-        <mc:Choice xmlns:a14="http://schemas.microsoft.com/office/drawing/2010/main" Requires="a14">
+      <mc:AlternateContent xmlns:mc="http://schemas.openxmlformats.org/markup-compatibility/2006" xmlns:a14="http://schemas.microsoft.com/office/drawing/2010/main">
+        <mc:Choice Requires="a14">
           <p:sp>
             <p:nvSpPr>
               <p:cNvPr id="49" name="テキスト ボックス 48">
@@ -15237,7 +15238,7 @@
             </p:txBody>
           </p:sp>
         </mc:Choice>
-        <mc:Fallback>
+        <mc:Fallback xmlns="">
           <p:sp>
             <p:nvSpPr>
               <p:cNvPr id="49" name="テキスト ボックス 48">
@@ -15356,8 +15357,8 @@
           </a:p>
         </p:txBody>
       </p:sp>
-      <mc:AlternateContent xmlns:mc="http://schemas.openxmlformats.org/markup-compatibility/2006">
-        <mc:Choice xmlns:a14="http://schemas.microsoft.com/office/drawing/2010/main" Requires="a14">
+      <mc:AlternateContent xmlns:mc="http://schemas.openxmlformats.org/markup-compatibility/2006" xmlns:a14="http://schemas.microsoft.com/office/drawing/2010/main">
+        <mc:Choice Requires="a14">
           <p:sp>
             <p:nvSpPr>
               <p:cNvPr id="57" name="テキスト ボックス 56">
@@ -15432,7 +15433,7 @@
             </p:txBody>
           </p:sp>
         </mc:Choice>
-        <mc:Fallback>
+        <mc:Fallback xmlns="">
           <p:sp>
             <p:nvSpPr>
               <p:cNvPr id="57" name="テキスト ボックス 56">
@@ -15477,8 +15478,8 @@
           </p:sp>
         </mc:Fallback>
       </mc:AlternateContent>
-      <mc:AlternateContent xmlns:mc="http://schemas.openxmlformats.org/markup-compatibility/2006">
-        <mc:Choice xmlns:a14="http://schemas.microsoft.com/office/drawing/2010/main" Requires="a14">
+      <mc:AlternateContent xmlns:mc="http://schemas.openxmlformats.org/markup-compatibility/2006" xmlns:a14="http://schemas.microsoft.com/office/drawing/2010/main">
+        <mc:Choice Requires="a14">
           <p:sp>
             <p:nvSpPr>
               <p:cNvPr id="61" name="テキスト ボックス 60">
@@ -15544,7 +15545,7 @@
             </p:txBody>
           </p:sp>
         </mc:Choice>
-        <mc:Fallback>
+        <mc:Fallback xmlns="">
           <p:sp>
             <p:nvSpPr>
               <p:cNvPr id="61" name="テキスト ボックス 60">
@@ -15589,8 +15590,8 @@
           </p:sp>
         </mc:Fallback>
       </mc:AlternateContent>
-      <mc:AlternateContent xmlns:mc="http://schemas.openxmlformats.org/markup-compatibility/2006">
-        <mc:Choice xmlns:a14="http://schemas.microsoft.com/office/drawing/2010/main" Requires="a14">
+      <mc:AlternateContent xmlns:mc="http://schemas.openxmlformats.org/markup-compatibility/2006" xmlns:a14="http://schemas.microsoft.com/office/drawing/2010/main">
+        <mc:Choice Requires="a14">
           <p:sp>
             <p:nvSpPr>
               <p:cNvPr id="62" name="テキスト ボックス 61">
@@ -15702,7 +15703,7 @@
             </p:txBody>
           </p:sp>
         </mc:Choice>
-        <mc:Fallback>
+        <mc:Fallback xmlns="">
           <p:sp>
             <p:nvSpPr>
               <p:cNvPr id="62" name="テキスト ボックス 61">
@@ -15789,8 +15790,8 @@
           </a:fontRef>
         </p:style>
       </p:cxnSp>
-      <mc:AlternateContent xmlns:mc="http://schemas.openxmlformats.org/markup-compatibility/2006">
-        <mc:Choice xmlns:a14="http://schemas.microsoft.com/office/drawing/2010/main" Requires="a14">
+      <mc:AlternateContent xmlns:mc="http://schemas.openxmlformats.org/markup-compatibility/2006" xmlns:a14="http://schemas.microsoft.com/office/drawing/2010/main">
+        <mc:Choice Requires="a14">
           <p:sp>
             <p:nvSpPr>
               <p:cNvPr id="63" name="テキスト ボックス 62">
@@ -15931,7 +15932,7 @@
             </p:txBody>
           </p:sp>
         </mc:Choice>
-        <mc:Fallback>
+        <mc:Fallback xmlns="">
           <p:sp>
             <p:nvSpPr>
               <p:cNvPr id="63" name="テキスト ボックス 62">
@@ -16018,8 +16019,8 @@
           </a:fontRef>
         </p:style>
       </p:cxnSp>
-      <mc:AlternateContent xmlns:mc="http://schemas.openxmlformats.org/markup-compatibility/2006">
-        <mc:Choice xmlns:a14="http://schemas.microsoft.com/office/drawing/2010/main" Requires="a14">
+      <mc:AlternateContent xmlns:mc="http://schemas.openxmlformats.org/markup-compatibility/2006" xmlns:a14="http://schemas.microsoft.com/office/drawing/2010/main">
+        <mc:Choice Requires="a14">
           <p:sp>
             <p:nvSpPr>
               <p:cNvPr id="68" name="テキスト ボックス 67">
@@ -16113,7 +16114,7 @@
             </p:txBody>
           </p:sp>
         </mc:Choice>
-        <mc:Fallback>
+        <mc:Fallback xmlns="">
           <p:sp>
             <p:nvSpPr>
               <p:cNvPr id="68" name="テキスト ボックス 67">
@@ -16158,8 +16159,8 @@
           </p:sp>
         </mc:Fallback>
       </mc:AlternateContent>
-      <mc:AlternateContent xmlns:mc="http://schemas.openxmlformats.org/markup-compatibility/2006">
-        <mc:Choice xmlns:a14="http://schemas.microsoft.com/office/drawing/2010/main" Requires="a14">
+      <mc:AlternateContent xmlns:mc="http://schemas.openxmlformats.org/markup-compatibility/2006" xmlns:a14="http://schemas.microsoft.com/office/drawing/2010/main">
+        <mc:Choice Requires="a14">
           <p:sp>
             <p:nvSpPr>
               <p:cNvPr id="69" name="テキスト ボックス 68">
@@ -16271,7 +16272,7 @@
             </p:txBody>
           </p:sp>
         </mc:Choice>
-        <mc:Fallback>
+        <mc:Fallback xmlns="">
           <p:sp>
             <p:nvSpPr>
               <p:cNvPr id="69" name="テキスト ボックス 68">
@@ -16363,8 +16364,8 @@
           </a:p>
         </p:txBody>
       </p:sp>
-      <mc:AlternateContent xmlns:mc="http://schemas.openxmlformats.org/markup-compatibility/2006">
-        <mc:Choice xmlns:a14="http://schemas.microsoft.com/office/drawing/2010/main" Requires="a14">
+      <mc:AlternateContent xmlns:mc="http://schemas.openxmlformats.org/markup-compatibility/2006" xmlns:a14="http://schemas.microsoft.com/office/drawing/2010/main">
+        <mc:Choice Requires="a14">
           <p:sp>
             <p:nvSpPr>
               <p:cNvPr id="73" name="テキスト ボックス 72">
@@ -16439,7 +16440,7 @@
             </p:txBody>
           </p:sp>
         </mc:Choice>
-        <mc:Fallback>
+        <mc:Fallback xmlns="">
           <p:sp>
             <p:nvSpPr>
               <p:cNvPr id="73" name="テキスト ボックス 72">
@@ -16484,8 +16485,8 @@
           </p:sp>
         </mc:Fallback>
       </mc:AlternateContent>
-      <mc:AlternateContent xmlns:mc="http://schemas.openxmlformats.org/markup-compatibility/2006">
-        <mc:Choice xmlns:a14="http://schemas.microsoft.com/office/drawing/2010/main" Requires="a14">
+      <mc:AlternateContent xmlns:mc="http://schemas.openxmlformats.org/markup-compatibility/2006" xmlns:a14="http://schemas.microsoft.com/office/drawing/2010/main">
+        <mc:Choice Requires="a14">
           <p:sp>
             <p:nvSpPr>
               <p:cNvPr id="77" name="テキスト ボックス 76">
@@ -16550,7 +16551,7 @@
             </p:txBody>
           </p:sp>
         </mc:Choice>
-        <mc:Fallback>
+        <mc:Fallback xmlns="">
           <p:sp>
             <p:nvSpPr>
               <p:cNvPr id="77" name="テキスト ボックス 76">
@@ -17508,8 +17509,8 @@
           </a:fontRef>
         </p:style>
       </p:cxnSp>
-      <mc:AlternateContent xmlns:mc="http://schemas.openxmlformats.org/markup-compatibility/2006">
-        <mc:Choice xmlns:a14="http://schemas.microsoft.com/office/drawing/2010/main" Requires="a14">
+      <mc:AlternateContent xmlns:mc="http://schemas.openxmlformats.org/markup-compatibility/2006" xmlns:a14="http://schemas.microsoft.com/office/drawing/2010/main">
+        <mc:Choice Requires="a14">
           <p:sp>
             <p:nvSpPr>
               <p:cNvPr id="110" name="テキスト ボックス 109">
@@ -17605,7 +17606,7 @@
             </p:txBody>
           </p:sp>
         </mc:Choice>
-        <mc:Fallback>
+        <mc:Fallback xmlns="">
           <p:sp>
             <p:nvSpPr>
               <p:cNvPr id="110" name="テキスト ボックス 109">
@@ -17650,8 +17651,8 @@
           </p:sp>
         </mc:Fallback>
       </mc:AlternateContent>
-      <mc:AlternateContent xmlns:mc="http://schemas.openxmlformats.org/markup-compatibility/2006">
-        <mc:Choice xmlns:a14="http://schemas.microsoft.com/office/drawing/2010/main" Requires="a14">
+      <mc:AlternateContent xmlns:mc="http://schemas.openxmlformats.org/markup-compatibility/2006" xmlns:a14="http://schemas.microsoft.com/office/drawing/2010/main">
+        <mc:Choice Requires="a14">
           <p:sp>
             <p:nvSpPr>
               <p:cNvPr id="111" name="テキスト ボックス 110">
@@ -17743,7 +17744,7 @@
             </p:txBody>
           </p:sp>
         </mc:Choice>
-        <mc:Fallback>
+        <mc:Fallback xmlns="">
           <p:sp>
             <p:nvSpPr>
               <p:cNvPr id="111" name="テキスト ボックス 110">
@@ -18253,7 +18254,7 @@
                 <a:latin typeface="Times New Roman" panose="02020603050405020304" pitchFamily="18" charset="0"/>
                 <a:cs typeface="Times New Roman" panose="02020603050405020304" pitchFamily="18" charset="0"/>
               </a:rPr>
-              <a:t>(v1.4.5, Spet.22,2022)</a:t>
+              <a:t>(v1.4.6, Oct.16,2022)</a:t>
             </a:r>
           </a:p>
         </p:txBody>
@@ -18357,8 +18358,8 @@
           </a:p>
         </p:txBody>
       </p:sp>
-      <mc:AlternateContent xmlns:mc="http://schemas.openxmlformats.org/markup-compatibility/2006">
-        <mc:Choice xmlns:a14="http://schemas.microsoft.com/office/drawing/2010/main" Requires="a14">
+      <mc:AlternateContent xmlns:mc="http://schemas.openxmlformats.org/markup-compatibility/2006" xmlns:a14="http://schemas.microsoft.com/office/drawing/2010/main">
+        <mc:Choice Requires="a14">
           <p:sp>
             <p:nvSpPr>
               <p:cNvPr id="94" name="テキスト ボックス 93">
@@ -18457,7 +18458,7 @@
             </p:txBody>
           </p:sp>
         </mc:Choice>
-        <mc:Fallback>
+        <mc:Fallback xmlns="">
           <p:sp>
             <p:nvSpPr>
               <p:cNvPr id="94" name="テキスト ボックス 93">
@@ -19958,8 +19959,8 @@
           </a:p>
         </p:txBody>
       </p:sp>
-      <mc:AlternateContent xmlns:mc="http://schemas.openxmlformats.org/markup-compatibility/2006">
-        <mc:Choice xmlns:a14="http://schemas.microsoft.com/office/drawing/2010/main" Requires="a14">
+      <mc:AlternateContent xmlns:mc="http://schemas.openxmlformats.org/markup-compatibility/2006" xmlns:a14="http://schemas.microsoft.com/office/drawing/2010/main">
+        <mc:Choice Requires="a14">
           <p:sp>
             <p:nvSpPr>
               <p:cNvPr id="76" name="テキスト ボックス 75">
@@ -20106,7 +20107,7 @@
             </p:txBody>
           </p:sp>
         </mc:Choice>
-        <mc:Fallback>
+        <mc:Fallback xmlns="">
           <p:sp>
             <p:nvSpPr>
               <p:cNvPr id="76" name="テキスト ボックス 75">
@@ -20241,8 +20242,8 @@
           </a:p>
         </p:txBody>
       </p:sp>
-      <mc:AlternateContent xmlns:mc="http://schemas.openxmlformats.org/markup-compatibility/2006">
-        <mc:Choice xmlns:a14="http://schemas.microsoft.com/office/drawing/2010/main" Requires="a14">
+      <mc:AlternateContent xmlns:mc="http://schemas.openxmlformats.org/markup-compatibility/2006" xmlns:a14="http://schemas.microsoft.com/office/drawing/2010/main">
+        <mc:Choice Requires="a14">
           <p:sp>
             <p:nvSpPr>
               <p:cNvPr id="37" name="テキスト ボックス 36">
@@ -20331,7 +20332,7 @@
             </p:txBody>
           </p:sp>
         </mc:Choice>
-        <mc:Fallback>
+        <mc:Fallback xmlns="">
           <p:sp>
             <p:nvSpPr>
               <p:cNvPr id="37" name="テキスト ボックス 36">
@@ -20376,8 +20377,8 @@
           </p:sp>
         </mc:Fallback>
       </mc:AlternateContent>
-      <mc:AlternateContent xmlns:mc="http://schemas.openxmlformats.org/markup-compatibility/2006">
-        <mc:Choice xmlns:a14="http://schemas.microsoft.com/office/drawing/2010/main" Requires="a14">
+      <mc:AlternateContent xmlns:mc="http://schemas.openxmlformats.org/markup-compatibility/2006" xmlns:a14="http://schemas.microsoft.com/office/drawing/2010/main">
+        <mc:Choice Requires="a14">
           <p:sp>
             <p:nvSpPr>
               <p:cNvPr id="7" name="テキスト ボックス 6">
@@ -20427,7 +20428,7 @@
             </p:txBody>
           </p:sp>
         </mc:Choice>
-        <mc:Fallback>
+        <mc:Fallback xmlns="">
           <p:sp>
             <p:nvSpPr>
               <p:cNvPr id="7" name="テキスト ボックス 6">
@@ -20531,8 +20532,8 @@
         </p:nvSpPr>
         <p:spPr>
           <a:xfrm>
-            <a:off x="4026198" y="3243467"/>
-            <a:ext cx="2421471" cy="519434"/>
+            <a:off x="4026198" y="3243466"/>
+            <a:ext cx="2421471" cy="548761"/>
           </a:xfrm>
           <a:prstGeom prst="roundRect">
             <a:avLst>
@@ -20566,8 +20567,8 @@
           </a:p>
         </p:txBody>
       </p:sp>
-      <mc:AlternateContent xmlns:mc="http://schemas.openxmlformats.org/markup-compatibility/2006">
-        <mc:Choice xmlns:a14="http://schemas.microsoft.com/office/drawing/2010/main" Requires="a14">
+      <mc:AlternateContent xmlns:mc="http://schemas.openxmlformats.org/markup-compatibility/2006" xmlns:a14="http://schemas.microsoft.com/office/drawing/2010/main">
+        <mc:Choice Requires="a14">
           <p:sp>
             <p:nvSpPr>
               <p:cNvPr id="74" name="テキスト ボックス 73">
@@ -20620,7 +20621,7 @@
             </p:txBody>
           </p:sp>
         </mc:Choice>
-        <mc:Fallback>
+        <mc:Fallback xmlns="">
           <p:sp>
             <p:nvSpPr>
               <p:cNvPr id="74" name="テキスト ボックス 73">
@@ -20714,8 +20715,8 @@
           </a:p>
         </p:txBody>
       </p:sp>
-      <mc:AlternateContent xmlns:mc="http://schemas.openxmlformats.org/markup-compatibility/2006">
-        <mc:Choice xmlns:a14="http://schemas.microsoft.com/office/drawing/2010/main" Requires="a14">
+      <mc:AlternateContent xmlns:mc="http://schemas.openxmlformats.org/markup-compatibility/2006" xmlns:a14="http://schemas.microsoft.com/office/drawing/2010/main">
+        <mc:Choice Requires="a14">
           <p:sp>
             <p:nvSpPr>
               <p:cNvPr id="24" name="テキスト ボックス 23">
@@ -20829,7 +20830,7 @@
             </p:txBody>
           </p:sp>
         </mc:Choice>
-        <mc:Fallback>
+        <mc:Fallback xmlns="">
           <p:sp>
             <p:nvSpPr>
               <p:cNvPr id="24" name="テキスト ボックス 23">
@@ -20942,7 +20943,7 @@
             </p:nvSpPr>
             <p:spPr>
               <a:xfrm>
-                <a:off x="5152829" y="3497828"/>
+                <a:off x="5610588" y="3540630"/>
                 <a:ext cx="576295" cy="221792"/>
               </a:xfrm>
               <a:prstGeom prst="rect">
@@ -21078,7 +21079,7 @@
             </p:nvSpPr>
             <p:spPr>
               <a:xfrm>
-                <a:off x="5152829" y="3497828"/>
+                <a:off x="5610588" y="3540630"/>
                 <a:ext cx="576295" cy="221792"/>
               </a:xfrm>
               <a:prstGeom prst="rect">
@@ -21087,7 +21088,7 @@
               <a:blipFill>
                 <a:blip r:embed="rId57"/>
                 <a:stretch>
-                  <a:fillRect b="-16667"/>
+                  <a:fillRect b="-10526"/>
                 </a:stretch>
               </a:blipFill>
             </p:spPr>
@@ -21122,7 +21123,7 @@
             </p:nvSpPr>
             <p:spPr>
               <a:xfrm>
-                <a:off x="5607561" y="3339634"/>
+                <a:off x="4761233" y="3545712"/>
                 <a:ext cx="801864" cy="227948"/>
               </a:xfrm>
               <a:prstGeom prst="rect">
@@ -21294,7 +21295,7 @@
             </p:nvSpPr>
             <p:spPr>
               <a:xfrm>
-                <a:off x="5607561" y="3339634"/>
+                <a:off x="4761233" y="3545712"/>
                 <a:ext cx="801864" cy="227948"/>
               </a:xfrm>
               <a:prstGeom prst="rect">
@@ -21303,7 +21304,7 @@
               <a:blipFill>
                 <a:blip r:embed="rId58"/>
                 <a:stretch>
-                  <a:fillRect b="-16667"/>
+                  <a:fillRect b="-10526"/>
                 </a:stretch>
               </a:blipFill>
             </p:spPr>

--- a/MatrixWorld.pptx
+++ b/MatrixWorld.pptx
@@ -245,7 +245,7 @@
           <a:p>
             <a:fld id="{855F31C7-9260-9F43-86C6-63C2C1EE0131}" type="datetimeFigureOut">
               <a:rPr kumimoji="1" lang="ja-JP" altLang="en-US" smtClean="0"/>
-              <a:t>2022/10/16</a:t>
+              <a:t>2022/10/25</a:t>
             </a:fld>
             <a:endParaRPr kumimoji="1" lang="ja-JP" altLang="en-US"/>
           </a:p>
@@ -447,7 +447,7 @@
           <a:p>
             <a:fld id="{855F31C7-9260-9F43-86C6-63C2C1EE0131}" type="datetimeFigureOut">
               <a:rPr kumimoji="1" lang="ja-JP" altLang="en-US" smtClean="0"/>
-              <a:t>2022/10/16</a:t>
+              <a:t>2022/10/25</a:t>
             </a:fld>
             <a:endParaRPr kumimoji="1" lang="ja-JP" altLang="en-US"/>
           </a:p>
@@ -659,7 +659,7 @@
           <a:p>
             <a:fld id="{855F31C7-9260-9F43-86C6-63C2C1EE0131}" type="datetimeFigureOut">
               <a:rPr kumimoji="1" lang="ja-JP" altLang="en-US" smtClean="0"/>
-              <a:t>2022/10/16</a:t>
+              <a:t>2022/10/25</a:t>
             </a:fld>
             <a:endParaRPr kumimoji="1" lang="ja-JP" altLang="en-US"/>
           </a:p>
@@ -861,7 +861,7 @@
           <a:p>
             <a:fld id="{855F31C7-9260-9F43-86C6-63C2C1EE0131}" type="datetimeFigureOut">
               <a:rPr kumimoji="1" lang="ja-JP" altLang="en-US" smtClean="0"/>
-              <a:t>2022/10/16</a:t>
+              <a:t>2022/10/25</a:t>
             </a:fld>
             <a:endParaRPr kumimoji="1" lang="ja-JP" altLang="en-US"/>
           </a:p>
@@ -1107,7 +1107,7 @@
           <a:p>
             <a:fld id="{855F31C7-9260-9F43-86C6-63C2C1EE0131}" type="datetimeFigureOut">
               <a:rPr kumimoji="1" lang="ja-JP" altLang="en-US" smtClean="0"/>
-              <a:t>2022/10/16</a:t>
+              <a:t>2022/10/25</a:t>
             </a:fld>
             <a:endParaRPr kumimoji="1" lang="ja-JP" altLang="en-US"/>
           </a:p>
@@ -1403,7 +1403,7 @@
           <a:p>
             <a:fld id="{855F31C7-9260-9F43-86C6-63C2C1EE0131}" type="datetimeFigureOut">
               <a:rPr kumimoji="1" lang="ja-JP" altLang="en-US" smtClean="0"/>
-              <a:t>2022/10/16</a:t>
+              <a:t>2022/10/25</a:t>
             </a:fld>
             <a:endParaRPr kumimoji="1" lang="ja-JP" altLang="en-US"/>
           </a:p>
@@ -1834,7 +1834,7 @@
           <a:p>
             <a:fld id="{855F31C7-9260-9F43-86C6-63C2C1EE0131}" type="datetimeFigureOut">
               <a:rPr kumimoji="1" lang="ja-JP" altLang="en-US" smtClean="0"/>
-              <a:t>2022/10/16</a:t>
+              <a:t>2022/10/25</a:t>
             </a:fld>
             <a:endParaRPr kumimoji="1" lang="ja-JP" altLang="en-US"/>
           </a:p>
@@ -1952,7 +1952,7 @@
           <a:p>
             <a:fld id="{855F31C7-9260-9F43-86C6-63C2C1EE0131}" type="datetimeFigureOut">
               <a:rPr kumimoji="1" lang="ja-JP" altLang="en-US" smtClean="0"/>
-              <a:t>2022/10/16</a:t>
+              <a:t>2022/10/25</a:t>
             </a:fld>
             <a:endParaRPr kumimoji="1" lang="ja-JP" altLang="en-US"/>
           </a:p>
@@ -2047,7 +2047,7 @@
           <a:p>
             <a:fld id="{855F31C7-9260-9F43-86C6-63C2C1EE0131}" type="datetimeFigureOut">
               <a:rPr kumimoji="1" lang="ja-JP" altLang="en-US" smtClean="0"/>
-              <a:t>2022/10/16</a:t>
+              <a:t>2022/10/25</a:t>
             </a:fld>
             <a:endParaRPr kumimoji="1" lang="ja-JP" altLang="en-US"/>
           </a:p>
@@ -2356,7 +2356,7 @@
           <a:p>
             <a:fld id="{855F31C7-9260-9F43-86C6-63C2C1EE0131}" type="datetimeFigureOut">
               <a:rPr kumimoji="1" lang="ja-JP" altLang="en-US" smtClean="0"/>
-              <a:t>2022/10/16</a:t>
+              <a:t>2022/10/25</a:t>
             </a:fld>
             <a:endParaRPr kumimoji="1" lang="ja-JP" altLang="en-US"/>
           </a:p>
@@ -2613,7 +2613,7 @@
           <a:p>
             <a:fld id="{855F31C7-9260-9F43-86C6-63C2C1EE0131}" type="datetimeFigureOut">
               <a:rPr kumimoji="1" lang="ja-JP" altLang="en-US" smtClean="0"/>
-              <a:t>2022/10/16</a:t>
+              <a:t>2022/10/25</a:t>
             </a:fld>
             <a:endParaRPr kumimoji="1" lang="ja-JP" altLang="en-US"/>
           </a:p>
@@ -2858,7 +2858,7 @@
           <a:p>
             <a:fld id="{855F31C7-9260-9F43-86C6-63C2C1EE0131}" type="datetimeFigureOut">
               <a:rPr kumimoji="1" lang="ja-JP" altLang="en-US" smtClean="0"/>
-              <a:t>2022/10/16</a:t>
+              <a:t>2022/10/25</a:t>
             </a:fld>
             <a:endParaRPr kumimoji="1" lang="ja-JP" altLang="en-US"/>
           </a:p>
@@ -5310,8 +5310,8 @@
           </p:sp>
         </mc:Fallback>
       </mc:AlternateContent>
-      <mc:AlternateContent xmlns:mc="http://schemas.openxmlformats.org/markup-compatibility/2006" xmlns:a14="http://schemas.microsoft.com/office/drawing/2010/main">
-        <mc:Choice Requires="a14">
+      <mc:AlternateContent xmlns:mc="http://schemas.openxmlformats.org/markup-compatibility/2006">
+        <mc:Choice xmlns:a14="http://schemas.microsoft.com/office/drawing/2010/main" Requires="a14">
           <p:sp>
             <p:nvSpPr>
               <p:cNvPr id="26" name="テキスト ボックス 25">
@@ -5326,7 +5326,7 @@
             </p:nvSpPr>
             <p:spPr>
               <a:xfrm>
-                <a:off x="2361965" y="2297179"/>
+                <a:off x="2292957" y="2297179"/>
                 <a:ext cx="1574784" cy="256224"/>
               </a:xfrm>
               <a:prstGeom prst="rect">
@@ -5434,7 +5434,7 @@
                         <a:rPr lang="en-US" altLang="ja-JP" sz="825" b="0" i="1">
                           <a:latin typeface="Cambria Math" panose="02040503050406030204" pitchFamily="18" charset="0"/>
                         </a:rPr>
-                        <m:t>𝑑𝑖𝑎𝑔𝑜𝑛𝑖𝑧𝑎𝑏𝑙𝑒</m:t>
+                        <m:t>𝑑𝑖𝑎𝑔𝑜𝑛𝑎𝑙𝑖𝑧𝑎𝑏𝑙𝑒</m:t>
                       </m:r>
                       <m:r>
                         <a:rPr lang="en-US" altLang="ja-JP" sz="825" b="0" i="1">
@@ -5480,7 +5480,7 @@
             </p:txBody>
           </p:sp>
         </mc:Choice>
-        <mc:Fallback xmlns="">
+        <mc:Fallback>
           <p:sp>
             <p:nvSpPr>
               <p:cNvPr id="26" name="テキスト ボックス 25">
@@ -5497,7 +5497,7 @@
             </p:nvSpPr>
             <p:spPr>
               <a:xfrm>
-                <a:off x="2361965" y="2297179"/>
+                <a:off x="2292957" y="2297179"/>
                 <a:ext cx="1574784" cy="256224"/>
               </a:xfrm>
               <a:prstGeom prst="rect">
@@ -5506,7 +5506,7 @@
               <a:blipFill>
                 <a:blip r:embed="rId9"/>
                 <a:stretch>
-                  <a:fillRect l="-3175" r="-7937" b="-13636"/>
+                  <a:fillRect l="-3200" r="-14400" b="-13636"/>
                 </a:stretch>
               </a:blipFill>
             </p:spPr>
@@ -7790,7 +7790,7 @@
         </p:nvCxnSpPr>
         <p:spPr>
           <a:xfrm>
-            <a:off x="3996127" y="3836192"/>
+            <a:off x="3996127" y="3818940"/>
             <a:ext cx="309661" cy="0"/>
           </a:xfrm>
           <a:prstGeom prst="straightConnector1">
@@ -10430,8 +10430,8 @@
           </a:p>
         </p:txBody>
       </p:sp>
-      <mc:AlternateContent xmlns:mc="http://schemas.openxmlformats.org/markup-compatibility/2006" xmlns:a14="http://schemas.microsoft.com/office/drawing/2010/main">
-        <mc:Choice Requires="a14">
+      <mc:AlternateContent xmlns:mc="http://schemas.openxmlformats.org/markup-compatibility/2006">
+        <mc:Choice xmlns:a14="http://schemas.microsoft.com/office/drawing/2010/main" Requires="a14">
           <p:sp>
             <p:nvSpPr>
               <p:cNvPr id="98" name="テキスト ボックス 97">
@@ -10472,7 +10472,7 @@
                           <a:latin typeface="Cambria Math" panose="02040503050406030204" pitchFamily="18" charset="0"/>
                           <a:ea typeface="Cambria Math" panose="02040503050406030204" pitchFamily="18" charset="0"/>
                         </a:rPr>
-                        <m:t>𝑝𝑒𝑟𝑚𝑢𝑡𝑎𝑖𝑜𝑛</m:t>
+                        <m:t>𝑝𝑒𝑟𝑚𝑢𝑡𝑎𝑡𝑖𝑜𝑛</m:t>
                       </m:r>
                       <m:r>
                         <a:rPr lang="en-US" altLang="ja-JP" sz="825" b="0" i="1" smtClean="0">
@@ -10609,7 +10609,7 @@
             </p:txBody>
           </p:sp>
         </mc:Choice>
-        <mc:Fallback xmlns="">
+        <mc:Fallback>
           <p:sp>
             <p:nvSpPr>
               <p:cNvPr id="98" name="テキスト ボックス 97">
@@ -12082,7 +12082,7 @@
                 <a:latin typeface="Times New Roman" panose="02020603050405020304" pitchFamily="18" charset="0"/>
                 <a:cs typeface="Times New Roman" panose="02020603050405020304" pitchFamily="18" charset="0"/>
               </a:rPr>
-              <a:t>(v1.4.6, Oct.16,2022)</a:t>
+              <a:t>(v1.4.7, Oct.25,2022)</a:t>
             </a:r>
           </a:p>
         </p:txBody>
@@ -12186,8 +12186,8 @@
           </p:sp>
         </mc:Fallback>
       </mc:AlternateContent>
-      <mc:AlternateContent xmlns:mc="http://schemas.openxmlformats.org/markup-compatibility/2006">
-        <mc:Choice xmlns:a14="http://schemas.microsoft.com/office/drawing/2010/main" Requires="a14">
+      <mc:AlternateContent xmlns:mc="http://schemas.openxmlformats.org/markup-compatibility/2006" xmlns:a14="http://schemas.microsoft.com/office/drawing/2010/main">
+        <mc:Choice Requires="a14">
           <p:sp>
             <p:nvSpPr>
               <p:cNvPr id="43" name="テキスト ボックス 42">
@@ -12321,7 +12321,7 @@
             </p:txBody>
           </p:sp>
         </mc:Choice>
-        <mc:Fallback>
+        <mc:Fallback xmlns="">
           <p:sp>
             <p:nvSpPr>
               <p:cNvPr id="43" name="テキスト ボックス 42">
@@ -12366,8 +12366,8 @@
           </p:sp>
         </mc:Fallback>
       </mc:AlternateContent>
-      <mc:AlternateContent xmlns:mc="http://schemas.openxmlformats.org/markup-compatibility/2006">
-        <mc:Choice xmlns:a14="http://schemas.microsoft.com/office/drawing/2010/main" Requires="a14">
+      <mc:AlternateContent xmlns:mc="http://schemas.openxmlformats.org/markup-compatibility/2006" xmlns:a14="http://schemas.microsoft.com/office/drawing/2010/main">
+        <mc:Choice Requires="a14">
           <p:sp>
             <p:nvSpPr>
               <p:cNvPr id="44" name="テキスト ボックス 43">
@@ -12537,7 +12537,7 @@
             </p:txBody>
           </p:sp>
         </mc:Choice>
-        <mc:Fallback>
+        <mc:Fallback xmlns="">
           <p:sp>
             <p:nvSpPr>
               <p:cNvPr id="44" name="テキスト ボックス 43">
@@ -20927,8 +20927,8 @@
           </a:p>
         </p:txBody>
       </p:sp>
-      <mc:AlternateContent xmlns:mc="http://schemas.openxmlformats.org/markup-compatibility/2006">
-        <mc:Choice xmlns:a14="http://schemas.microsoft.com/office/drawing/2010/main" Requires="a14">
+      <mc:AlternateContent xmlns:mc="http://schemas.openxmlformats.org/markup-compatibility/2006" xmlns:a14="http://schemas.microsoft.com/office/drawing/2010/main">
+        <mc:Choice Requires="a14">
           <p:sp>
             <p:nvSpPr>
               <p:cNvPr id="45" name="テキスト ボックス 44">
@@ -21062,7 +21062,7 @@
             </p:txBody>
           </p:sp>
         </mc:Choice>
-        <mc:Fallback>
+        <mc:Fallback xmlns="">
           <p:sp>
             <p:nvSpPr>
               <p:cNvPr id="45" name="テキスト ボックス 44">
@@ -21107,8 +21107,8 @@
           </p:sp>
         </mc:Fallback>
       </mc:AlternateContent>
-      <mc:AlternateContent xmlns:mc="http://schemas.openxmlformats.org/markup-compatibility/2006">
-        <mc:Choice xmlns:a14="http://schemas.microsoft.com/office/drawing/2010/main" Requires="a14">
+      <mc:AlternateContent xmlns:mc="http://schemas.openxmlformats.org/markup-compatibility/2006" xmlns:a14="http://schemas.microsoft.com/office/drawing/2010/main">
+        <mc:Choice Requires="a14">
           <p:sp>
             <p:nvSpPr>
               <p:cNvPr id="46" name="テキスト ボックス 45">
@@ -21278,7 +21278,7 @@
             </p:txBody>
           </p:sp>
         </mc:Choice>
-        <mc:Fallback>
+        <mc:Fallback xmlns="">
           <p:sp>
             <p:nvSpPr>
               <p:cNvPr id="46" name="テキスト ボックス 45">

--- a/MatrixWorld.pptx
+++ b/MatrixWorld.pptx
@@ -8,6 +8,7 @@
     <p:sldId id="263" r:id="rId2"/>
     <p:sldId id="259" r:id="rId3"/>
     <p:sldId id="262" r:id="rId4"/>
+    <p:sldId id="264" r:id="rId5"/>
   </p:sldIdLst>
   <p:sldSz cx="9144000" cy="5715000" type="screen16x10"/>
   <p:notesSz cx="6858000" cy="9144000"/>
@@ -245,7 +246,7 @@
           <a:p>
             <a:fld id="{855F31C7-9260-9F43-86C6-63C2C1EE0131}" type="datetimeFigureOut">
               <a:rPr kumimoji="1" lang="ja-JP" altLang="en-US" smtClean="0"/>
-              <a:t>2022/10/25</a:t>
+              <a:t>2022/11/8</a:t>
             </a:fld>
             <a:endParaRPr kumimoji="1" lang="ja-JP" altLang="en-US"/>
           </a:p>
@@ -447,7 +448,7 @@
           <a:p>
             <a:fld id="{855F31C7-9260-9F43-86C6-63C2C1EE0131}" type="datetimeFigureOut">
               <a:rPr kumimoji="1" lang="ja-JP" altLang="en-US" smtClean="0"/>
-              <a:t>2022/10/25</a:t>
+              <a:t>2022/11/8</a:t>
             </a:fld>
             <a:endParaRPr kumimoji="1" lang="ja-JP" altLang="en-US"/>
           </a:p>
@@ -659,7 +660,7 @@
           <a:p>
             <a:fld id="{855F31C7-9260-9F43-86C6-63C2C1EE0131}" type="datetimeFigureOut">
               <a:rPr kumimoji="1" lang="ja-JP" altLang="en-US" smtClean="0"/>
-              <a:t>2022/10/25</a:t>
+              <a:t>2022/11/8</a:t>
             </a:fld>
             <a:endParaRPr kumimoji="1" lang="ja-JP" altLang="en-US"/>
           </a:p>
@@ -861,7 +862,7 @@
           <a:p>
             <a:fld id="{855F31C7-9260-9F43-86C6-63C2C1EE0131}" type="datetimeFigureOut">
               <a:rPr kumimoji="1" lang="ja-JP" altLang="en-US" smtClean="0"/>
-              <a:t>2022/10/25</a:t>
+              <a:t>2022/11/8</a:t>
             </a:fld>
             <a:endParaRPr kumimoji="1" lang="ja-JP" altLang="en-US"/>
           </a:p>
@@ -1107,7 +1108,7 @@
           <a:p>
             <a:fld id="{855F31C7-9260-9F43-86C6-63C2C1EE0131}" type="datetimeFigureOut">
               <a:rPr kumimoji="1" lang="ja-JP" altLang="en-US" smtClean="0"/>
-              <a:t>2022/10/25</a:t>
+              <a:t>2022/11/8</a:t>
             </a:fld>
             <a:endParaRPr kumimoji="1" lang="ja-JP" altLang="en-US"/>
           </a:p>
@@ -1403,7 +1404,7 @@
           <a:p>
             <a:fld id="{855F31C7-9260-9F43-86C6-63C2C1EE0131}" type="datetimeFigureOut">
               <a:rPr kumimoji="1" lang="ja-JP" altLang="en-US" smtClean="0"/>
-              <a:t>2022/10/25</a:t>
+              <a:t>2022/11/8</a:t>
             </a:fld>
             <a:endParaRPr kumimoji="1" lang="ja-JP" altLang="en-US"/>
           </a:p>
@@ -1834,7 +1835,7 @@
           <a:p>
             <a:fld id="{855F31C7-9260-9F43-86C6-63C2C1EE0131}" type="datetimeFigureOut">
               <a:rPr kumimoji="1" lang="ja-JP" altLang="en-US" smtClean="0"/>
-              <a:t>2022/10/25</a:t>
+              <a:t>2022/11/8</a:t>
             </a:fld>
             <a:endParaRPr kumimoji="1" lang="ja-JP" altLang="en-US"/>
           </a:p>
@@ -1952,7 +1953,7 @@
           <a:p>
             <a:fld id="{855F31C7-9260-9F43-86C6-63C2C1EE0131}" type="datetimeFigureOut">
               <a:rPr kumimoji="1" lang="ja-JP" altLang="en-US" smtClean="0"/>
-              <a:t>2022/10/25</a:t>
+              <a:t>2022/11/8</a:t>
             </a:fld>
             <a:endParaRPr kumimoji="1" lang="ja-JP" altLang="en-US"/>
           </a:p>
@@ -2047,7 +2048,7 @@
           <a:p>
             <a:fld id="{855F31C7-9260-9F43-86C6-63C2C1EE0131}" type="datetimeFigureOut">
               <a:rPr kumimoji="1" lang="ja-JP" altLang="en-US" smtClean="0"/>
-              <a:t>2022/10/25</a:t>
+              <a:t>2022/11/8</a:t>
             </a:fld>
             <a:endParaRPr kumimoji="1" lang="ja-JP" altLang="en-US"/>
           </a:p>
@@ -2356,7 +2357,7 @@
           <a:p>
             <a:fld id="{855F31C7-9260-9F43-86C6-63C2C1EE0131}" type="datetimeFigureOut">
               <a:rPr kumimoji="1" lang="ja-JP" altLang="en-US" smtClean="0"/>
-              <a:t>2022/10/25</a:t>
+              <a:t>2022/11/8</a:t>
             </a:fld>
             <a:endParaRPr kumimoji="1" lang="ja-JP" altLang="en-US"/>
           </a:p>
@@ -2613,7 +2614,7 @@
           <a:p>
             <a:fld id="{855F31C7-9260-9F43-86C6-63C2C1EE0131}" type="datetimeFigureOut">
               <a:rPr kumimoji="1" lang="ja-JP" altLang="en-US" smtClean="0"/>
-              <a:t>2022/10/25</a:t>
+              <a:t>2022/11/8</a:t>
             </a:fld>
             <a:endParaRPr kumimoji="1" lang="ja-JP" altLang="en-US"/>
           </a:p>
@@ -2858,7 +2859,7 @@
           <a:p>
             <a:fld id="{855F31C7-9260-9F43-86C6-63C2C1EE0131}" type="datetimeFigureOut">
               <a:rPr kumimoji="1" lang="ja-JP" altLang="en-US" smtClean="0"/>
-              <a:t>2022/10/25</a:t>
+              <a:t>2022/11/8</a:t>
             </a:fld>
             <a:endParaRPr kumimoji="1" lang="ja-JP" altLang="en-US"/>
           </a:p>
@@ -5310,8 +5311,8 @@
           </p:sp>
         </mc:Fallback>
       </mc:AlternateContent>
-      <mc:AlternateContent xmlns:mc="http://schemas.openxmlformats.org/markup-compatibility/2006">
-        <mc:Choice xmlns:a14="http://schemas.microsoft.com/office/drawing/2010/main" Requires="a14">
+      <mc:AlternateContent xmlns:mc="http://schemas.openxmlformats.org/markup-compatibility/2006" xmlns:a14="http://schemas.microsoft.com/office/drawing/2010/main">
+        <mc:Choice Requires="a14">
           <p:sp>
             <p:nvSpPr>
               <p:cNvPr id="26" name="テキスト ボックス 25">
@@ -5480,7 +5481,7 @@
             </p:txBody>
           </p:sp>
         </mc:Choice>
-        <mc:Fallback>
+        <mc:Fallback xmlns="">
           <p:sp>
             <p:nvSpPr>
               <p:cNvPr id="26" name="テキスト ボックス 25">
@@ -10430,8 +10431,8 @@
           </a:p>
         </p:txBody>
       </p:sp>
-      <mc:AlternateContent xmlns:mc="http://schemas.openxmlformats.org/markup-compatibility/2006">
-        <mc:Choice xmlns:a14="http://schemas.microsoft.com/office/drawing/2010/main" Requires="a14">
+      <mc:AlternateContent xmlns:mc="http://schemas.openxmlformats.org/markup-compatibility/2006" xmlns:a14="http://schemas.microsoft.com/office/drawing/2010/main">
+        <mc:Choice Requires="a14">
           <p:sp>
             <p:nvSpPr>
               <p:cNvPr id="98" name="テキスト ボックス 97">
@@ -10609,7 +10610,7 @@
             </p:txBody>
           </p:sp>
         </mc:Choice>
-        <mc:Fallback>
+        <mc:Fallback xmlns="">
           <p:sp>
             <p:nvSpPr>
               <p:cNvPr id="98" name="テキスト ボックス 97">
@@ -21336,6 +21337,9102 @@
 </p:sld>
 </file>
 
+<file path=ppt/slides/slide4.xml><?xml version="1.0" encoding="utf-8"?>
+<p:sld xmlns:a="http://schemas.openxmlformats.org/drawingml/2006/main" xmlns:r="http://schemas.openxmlformats.org/officeDocument/2006/relationships" xmlns:p="http://schemas.openxmlformats.org/presentationml/2006/main">
+  <p:cSld>
+    <p:spTree>
+      <p:nvGrpSpPr>
+        <p:cNvPr id="1" name=""/>
+        <p:cNvGrpSpPr/>
+        <p:nvPr/>
+      </p:nvGrpSpPr>
+      <p:grpSpPr>
+        <a:xfrm>
+          <a:off x="0" y="0"/>
+          <a:ext cx="0" cy="0"/>
+          <a:chOff x="0" y="0"/>
+          <a:chExt cx="0" cy="0"/>
+        </a:xfrm>
+      </p:grpSpPr>
+      <p:cxnSp>
+        <p:nvCxnSpPr>
+          <p:cNvPr id="52" name="直線コネクタ 51">
+            <a:extLst>
+              <a:ext uri="{FF2B5EF4-FFF2-40B4-BE49-F238E27FC236}">
+                <a16:creationId xmlns:a16="http://schemas.microsoft.com/office/drawing/2014/main" id="{BE4C0801-EA7B-4A41-8D89-68B921F885B4}"/>
+              </a:ext>
+            </a:extLst>
+          </p:cNvPr>
+          <p:cNvCxnSpPr>
+            <a:cxnSpLocks/>
+            <a:endCxn id="36" idx="4"/>
+          </p:cNvCxnSpPr>
+          <p:nvPr/>
+        </p:nvCxnSpPr>
+        <p:spPr>
+          <a:xfrm>
+            <a:off x="4310075" y="853516"/>
+            <a:ext cx="11121" cy="4299883"/>
+          </a:xfrm>
+          <a:prstGeom prst="line">
+            <a:avLst/>
+          </a:prstGeom>
+          <a:ln w="6350" cmpd="sng">
+            <a:prstDash val="lgDash"/>
+          </a:ln>
+        </p:spPr>
+        <p:style>
+          <a:lnRef idx="1">
+            <a:schemeClr val="accent1"/>
+          </a:lnRef>
+          <a:fillRef idx="0">
+            <a:schemeClr val="accent1"/>
+          </a:fillRef>
+          <a:effectRef idx="0">
+            <a:schemeClr val="accent1"/>
+          </a:effectRef>
+          <a:fontRef idx="minor">
+            <a:schemeClr val="tx1"/>
+          </a:fontRef>
+        </p:style>
+      </p:cxnSp>
+      <p:sp>
+        <p:nvSpPr>
+          <p:cNvPr id="45" name="フリーフォーム 44">
+            <a:extLst>
+              <a:ext uri="{FF2B5EF4-FFF2-40B4-BE49-F238E27FC236}">
+                <a16:creationId xmlns:a16="http://schemas.microsoft.com/office/drawing/2014/main" id="{72B50F7B-D10A-C76B-6490-3820E3069CD7}"/>
+              </a:ext>
+            </a:extLst>
+          </p:cNvPr>
+          <p:cNvSpPr/>
+          <p:nvPr/>
+        </p:nvSpPr>
+        <p:spPr>
+          <a:xfrm rot="4721341">
+            <a:off x="4388225" y="2519988"/>
+            <a:ext cx="709285" cy="1458877"/>
+          </a:xfrm>
+          <a:custGeom>
+            <a:avLst/>
+            <a:gdLst>
+              <a:gd name="connsiteX0" fmla="*/ 458001 w 914400"/>
+              <a:gd name="connsiteY0" fmla="*/ 1879091 h 1879093"/>
+              <a:gd name="connsiteX1" fmla="*/ 224840 w 914400"/>
+              <a:gd name="connsiteY1" fmla="*/ 1652330 h 1879093"/>
+              <a:gd name="connsiteX2" fmla="*/ 226400 w 914400"/>
+              <a:gd name="connsiteY2" fmla="*/ 1652314 h 1879093"/>
+              <a:gd name="connsiteX3" fmla="*/ 1754 w 914400"/>
+              <a:gd name="connsiteY3" fmla="*/ 457200 h 1879093"/>
+              <a:gd name="connsiteX4" fmla="*/ 0 w 914400"/>
+              <a:gd name="connsiteY4" fmla="*/ 457200 h 1879093"/>
+              <a:gd name="connsiteX5" fmla="*/ 611 w 914400"/>
+              <a:gd name="connsiteY5" fmla="*/ 451119 h 1879093"/>
+              <a:gd name="connsiteX6" fmla="*/ 0 w 914400"/>
+              <a:gd name="connsiteY6" fmla="*/ 447869 h 1879093"/>
+              <a:gd name="connsiteX7" fmla="*/ 937 w 914400"/>
+              <a:gd name="connsiteY7" fmla="*/ 447869 h 1879093"/>
+              <a:gd name="connsiteX8" fmla="*/ 9226 w 914400"/>
+              <a:gd name="connsiteY8" fmla="*/ 365372 h 1879093"/>
+              <a:gd name="connsiteX9" fmla="*/ 454867 w 914400"/>
+              <a:gd name="connsiteY9" fmla="*/ 6 h 1879093"/>
+              <a:gd name="connsiteX10" fmla="*/ 904214 w 914400"/>
+              <a:gd name="connsiteY10" fmla="*/ 360806 h 1879093"/>
+              <a:gd name="connsiteX11" fmla="*/ 913859 w 914400"/>
+              <a:gd name="connsiteY11" fmla="*/ 447869 h 1879093"/>
+              <a:gd name="connsiteX12" fmla="*/ 914400 w 914400"/>
+              <a:gd name="connsiteY12" fmla="*/ 447869 h 1879093"/>
+              <a:gd name="connsiteX13" fmla="*/ 914060 w 914400"/>
+              <a:gd name="connsiteY13" fmla="*/ 449679 h 1879093"/>
+              <a:gd name="connsiteX14" fmla="*/ 914376 w 914400"/>
+              <a:gd name="connsiteY14" fmla="*/ 452535 h 1879093"/>
+              <a:gd name="connsiteX15" fmla="*/ 913521 w 914400"/>
+              <a:gd name="connsiteY15" fmla="*/ 452544 h 1879093"/>
+              <a:gd name="connsiteX16" fmla="*/ 688443 w 914400"/>
+              <a:gd name="connsiteY16" fmla="*/ 1649963 h 1879093"/>
+              <a:gd name="connsiteX17" fmla="*/ 688836 w 914400"/>
+              <a:gd name="connsiteY17" fmla="*/ 1649963 h 1879093"/>
+              <a:gd name="connsiteX18" fmla="*/ 458001 w 914400"/>
+              <a:gd name="connsiteY18" fmla="*/ 1879091 h 1879093"/>
+            </a:gdLst>
+            <a:ahLst/>
+            <a:cxnLst>
+              <a:cxn ang="0">
+                <a:pos x="connsiteX0" y="connsiteY0"/>
+              </a:cxn>
+              <a:cxn ang="0">
+                <a:pos x="connsiteX1" y="connsiteY1"/>
+              </a:cxn>
+              <a:cxn ang="0">
+                <a:pos x="connsiteX2" y="connsiteY2"/>
+              </a:cxn>
+              <a:cxn ang="0">
+                <a:pos x="connsiteX3" y="connsiteY3"/>
+              </a:cxn>
+              <a:cxn ang="0">
+                <a:pos x="connsiteX4" y="connsiteY4"/>
+              </a:cxn>
+              <a:cxn ang="0">
+                <a:pos x="connsiteX5" y="connsiteY5"/>
+              </a:cxn>
+              <a:cxn ang="0">
+                <a:pos x="connsiteX6" y="connsiteY6"/>
+              </a:cxn>
+              <a:cxn ang="0">
+                <a:pos x="connsiteX7" y="connsiteY7"/>
+              </a:cxn>
+              <a:cxn ang="0">
+                <a:pos x="connsiteX8" y="connsiteY8"/>
+              </a:cxn>
+              <a:cxn ang="0">
+                <a:pos x="connsiteX9" y="connsiteY9"/>
+              </a:cxn>
+              <a:cxn ang="0">
+                <a:pos x="connsiteX10" y="connsiteY10"/>
+              </a:cxn>
+              <a:cxn ang="0">
+                <a:pos x="connsiteX11" y="connsiteY11"/>
+              </a:cxn>
+              <a:cxn ang="0">
+                <a:pos x="connsiteX12" y="connsiteY12"/>
+              </a:cxn>
+              <a:cxn ang="0">
+                <a:pos x="connsiteX13" y="connsiteY13"/>
+              </a:cxn>
+              <a:cxn ang="0">
+                <a:pos x="connsiteX14" y="connsiteY14"/>
+              </a:cxn>
+              <a:cxn ang="0">
+                <a:pos x="connsiteX15" y="connsiteY15"/>
+              </a:cxn>
+              <a:cxn ang="0">
+                <a:pos x="connsiteX16" y="connsiteY16"/>
+              </a:cxn>
+              <a:cxn ang="0">
+                <a:pos x="connsiteX17" y="connsiteY17"/>
+              </a:cxn>
+              <a:cxn ang="0">
+                <a:pos x="connsiteX18" y="connsiteY18"/>
+              </a:cxn>
+            </a:cxnLst>
+            <a:rect l="l" t="t" r="r" b="b"/>
+            <a:pathLst>
+              <a:path w="914400" h="1879093">
+                <a:moveTo>
+                  <a:pt x="458001" y="1879091"/>
+                </a:moveTo>
+                <a:cubicBezTo>
+                  <a:pt x="330350" y="1879726"/>
+                  <a:pt x="226159" y="1778396"/>
+                  <a:pt x="224840" y="1652330"/>
+                </a:cubicBezTo>
+                <a:lnTo>
+                  <a:pt x="226400" y="1652314"/>
+                </a:lnTo>
+                <a:lnTo>
+                  <a:pt x="1754" y="457200"/>
+                </a:lnTo>
+                <a:lnTo>
+                  <a:pt x="0" y="457200"/>
+                </a:lnTo>
+                <a:lnTo>
+                  <a:pt x="611" y="451119"/>
+                </a:lnTo>
+                <a:lnTo>
+                  <a:pt x="0" y="447869"/>
+                </a:lnTo>
+                <a:lnTo>
+                  <a:pt x="937" y="447869"/>
+                </a:lnTo>
+                <a:lnTo>
+                  <a:pt x="9226" y="365372"/>
+                </a:lnTo>
+                <a:cubicBezTo>
+                  <a:pt x="51574" y="157699"/>
+                  <a:pt x="234726" y="1129"/>
+                  <a:pt x="454867" y="6"/>
+                </a:cubicBezTo>
+                <a:cubicBezTo>
+                  <a:pt x="675009" y="-1118"/>
+                  <a:pt x="859749" y="153576"/>
+                  <a:pt x="904214" y="360806"/>
+                </a:cubicBezTo>
+                <a:lnTo>
+                  <a:pt x="913859" y="447869"/>
+                </a:lnTo>
+                <a:lnTo>
+                  <a:pt x="914400" y="447869"/>
+                </a:lnTo>
+                <a:lnTo>
+                  <a:pt x="914060" y="449679"/>
+                </a:lnTo>
+                <a:lnTo>
+                  <a:pt x="914376" y="452535"/>
+                </a:lnTo>
+                <a:lnTo>
+                  <a:pt x="913521" y="452544"/>
+                </a:lnTo>
+                <a:lnTo>
+                  <a:pt x="688443" y="1649963"/>
+                </a:lnTo>
+                <a:lnTo>
+                  <a:pt x="688836" y="1649963"/>
+                </a:lnTo>
+                <a:cubicBezTo>
+                  <a:pt x="688836" y="1776058"/>
+                  <a:pt x="585675" y="1878456"/>
+                  <a:pt x="458001" y="1879091"/>
+                </a:cubicBezTo>
+                <a:close/>
+              </a:path>
+            </a:pathLst>
+          </a:custGeom>
+          <a:noFill/>
+        </p:spPr>
+        <p:style>
+          <a:lnRef idx="2">
+            <a:schemeClr val="accent1">
+              <a:shade val="50000"/>
+            </a:schemeClr>
+          </a:lnRef>
+          <a:fillRef idx="1">
+            <a:schemeClr val="accent1"/>
+          </a:fillRef>
+          <a:effectRef idx="0">
+            <a:schemeClr val="accent1"/>
+          </a:effectRef>
+          <a:fontRef idx="minor">
+            <a:schemeClr val="lt1"/>
+          </a:fontRef>
+        </p:style>
+        <p:txBody>
+          <a:bodyPr rtlCol="0" anchor="ctr"/>
+          <a:lstStyle/>
+          <a:p>
+            <a:pPr algn="ctr"/>
+            <a:endParaRPr lang="ja-JP" altLang="en-US" sz="1013"/>
+          </a:p>
+        </p:txBody>
+      </p:sp>
+      <p:sp>
+        <p:nvSpPr>
+          <p:cNvPr id="4" name="円/楕円 3">
+            <a:extLst>
+              <a:ext uri="{FF2B5EF4-FFF2-40B4-BE49-F238E27FC236}">
+                <a16:creationId xmlns:a16="http://schemas.microsoft.com/office/drawing/2014/main" id="{5167D8A5-30DD-0A4E-929D-1F3517498DB1}"/>
+              </a:ext>
+            </a:extLst>
+          </p:cNvPr>
+          <p:cNvSpPr/>
+          <p:nvPr/>
+        </p:nvSpPr>
+        <p:spPr>
+          <a:xfrm>
+            <a:off x="3482253" y="2488300"/>
+            <a:ext cx="2092536" cy="1830252"/>
+          </a:xfrm>
+          <a:prstGeom prst="ellipse">
+            <a:avLst/>
+          </a:prstGeom>
+          <a:noFill/>
+        </p:spPr>
+        <p:style>
+          <a:lnRef idx="2">
+            <a:schemeClr val="accent1">
+              <a:shade val="50000"/>
+            </a:schemeClr>
+          </a:lnRef>
+          <a:fillRef idx="1">
+            <a:schemeClr val="accent1"/>
+          </a:fillRef>
+          <a:effectRef idx="0">
+            <a:schemeClr val="accent1"/>
+          </a:effectRef>
+          <a:fontRef idx="minor">
+            <a:schemeClr val="lt1"/>
+          </a:fontRef>
+        </p:style>
+        <p:txBody>
+          <a:bodyPr rtlCol="0" anchor="ctr"/>
+          <a:lstStyle/>
+          <a:p>
+            <a:pPr algn="ctr"/>
+            <a:endParaRPr lang="ja-JP" altLang="en-US" sz="1013"/>
+          </a:p>
+        </p:txBody>
+      </p:sp>
+      <p:sp>
+        <p:nvSpPr>
+          <p:cNvPr id="5" name="角丸四角形 4">
+            <a:extLst>
+              <a:ext uri="{FF2B5EF4-FFF2-40B4-BE49-F238E27FC236}">
+                <a16:creationId xmlns:a16="http://schemas.microsoft.com/office/drawing/2014/main" id="{AA0BB18F-1713-F143-9DE2-0D4DAD383281}"/>
+              </a:ext>
+            </a:extLst>
+          </p:cNvPr>
+          <p:cNvSpPr/>
+          <p:nvPr/>
+        </p:nvSpPr>
+        <p:spPr>
+          <a:xfrm>
+            <a:off x="4026198" y="3243466"/>
+            <a:ext cx="2346803" cy="561675"/>
+          </a:xfrm>
+          <a:prstGeom prst="roundRect">
+            <a:avLst>
+              <a:gd name="adj" fmla="val 42395"/>
+            </a:avLst>
+          </a:prstGeom>
+          <a:noFill/>
+        </p:spPr>
+        <p:style>
+          <a:lnRef idx="2">
+            <a:schemeClr val="accent1">
+              <a:shade val="50000"/>
+            </a:schemeClr>
+          </a:lnRef>
+          <a:fillRef idx="1">
+            <a:schemeClr val="accent1"/>
+          </a:fillRef>
+          <a:effectRef idx="0">
+            <a:schemeClr val="accent1"/>
+          </a:effectRef>
+          <a:fontRef idx="minor">
+            <a:schemeClr val="lt1"/>
+          </a:fontRef>
+        </p:style>
+        <p:txBody>
+          <a:bodyPr rtlCol="0" anchor="ctr"/>
+          <a:lstStyle/>
+          <a:p>
+            <a:pPr algn="ctr"/>
+            <a:endParaRPr lang="ja-JP" altLang="en-US" sz="1013"/>
+          </a:p>
+        </p:txBody>
+      </p:sp>
+      <p:sp>
+        <p:nvSpPr>
+          <p:cNvPr id="6" name="円/楕円 5">
+            <a:extLst>
+              <a:ext uri="{FF2B5EF4-FFF2-40B4-BE49-F238E27FC236}">
+                <a16:creationId xmlns:a16="http://schemas.microsoft.com/office/drawing/2014/main" id="{B2CD5BCD-68A0-974D-9EE3-9193E81A26C7}"/>
+              </a:ext>
+            </a:extLst>
+          </p:cNvPr>
+          <p:cNvSpPr/>
+          <p:nvPr/>
+        </p:nvSpPr>
+        <p:spPr>
+          <a:xfrm>
+            <a:off x="3483256" y="2261338"/>
+            <a:ext cx="3133723" cy="2248886"/>
+          </a:xfrm>
+          <a:prstGeom prst="ellipse">
+            <a:avLst/>
+          </a:prstGeom>
+          <a:noFill/>
+        </p:spPr>
+        <p:style>
+          <a:lnRef idx="2">
+            <a:schemeClr val="accent1">
+              <a:shade val="50000"/>
+            </a:schemeClr>
+          </a:lnRef>
+          <a:fillRef idx="1">
+            <a:schemeClr val="accent1"/>
+          </a:fillRef>
+          <a:effectRef idx="0">
+            <a:schemeClr val="accent1"/>
+          </a:effectRef>
+          <a:fontRef idx="minor">
+            <a:schemeClr val="lt1"/>
+          </a:fontRef>
+        </p:style>
+        <p:txBody>
+          <a:bodyPr rtlCol="0" anchor="ctr"/>
+          <a:lstStyle/>
+          <a:p>
+            <a:pPr algn="ctr"/>
+            <a:endParaRPr lang="ja-JP" altLang="en-US" sz="1013"/>
+          </a:p>
+        </p:txBody>
+      </p:sp>
+      <p:sp>
+        <p:nvSpPr>
+          <p:cNvPr id="8" name="円/楕円 7">
+            <a:extLst>
+              <a:ext uri="{FF2B5EF4-FFF2-40B4-BE49-F238E27FC236}">
+                <a16:creationId xmlns:a16="http://schemas.microsoft.com/office/drawing/2014/main" id="{66F34F11-E8A3-FF40-95F6-498ABCE2C535}"/>
+              </a:ext>
+            </a:extLst>
+          </p:cNvPr>
+          <p:cNvSpPr/>
+          <p:nvPr/>
+        </p:nvSpPr>
+        <p:spPr>
+          <a:xfrm>
+            <a:off x="1809290" y="2786134"/>
+            <a:ext cx="2448034" cy="1110976"/>
+          </a:xfrm>
+          <a:prstGeom prst="ellipse">
+            <a:avLst/>
+          </a:prstGeom>
+          <a:noFill/>
+        </p:spPr>
+        <p:style>
+          <a:lnRef idx="2">
+            <a:schemeClr val="accent1">
+              <a:shade val="50000"/>
+            </a:schemeClr>
+          </a:lnRef>
+          <a:fillRef idx="1">
+            <a:schemeClr val="accent1"/>
+          </a:fillRef>
+          <a:effectRef idx="0">
+            <a:schemeClr val="accent1"/>
+          </a:effectRef>
+          <a:fontRef idx="minor">
+            <a:schemeClr val="lt1"/>
+          </a:fontRef>
+        </p:style>
+        <p:txBody>
+          <a:bodyPr rtlCol="0" anchor="ctr"/>
+          <a:lstStyle/>
+          <a:p>
+            <a:pPr algn="ctr"/>
+            <a:endParaRPr lang="ja-JP" altLang="en-US" sz="1013"/>
+          </a:p>
+        </p:txBody>
+      </p:sp>
+      <p:sp>
+        <p:nvSpPr>
+          <p:cNvPr id="9" name="テキスト ボックス 8">
+            <a:extLst>
+              <a:ext uri="{FF2B5EF4-FFF2-40B4-BE49-F238E27FC236}">
+                <a16:creationId xmlns:a16="http://schemas.microsoft.com/office/drawing/2014/main" id="{F99FCC9F-E766-7948-A49C-0CD8F68F2B53}"/>
+              </a:ext>
+            </a:extLst>
+          </p:cNvPr>
+          <p:cNvSpPr txBox="1"/>
+          <p:nvPr/>
+        </p:nvSpPr>
+        <p:spPr>
+          <a:xfrm>
+            <a:off x="4580054" y="2227520"/>
+            <a:ext cx="453970" cy="253787"/>
+          </a:xfrm>
+          <a:prstGeom prst="rect">
+            <a:avLst/>
+          </a:prstGeom>
+          <a:noFill/>
+        </p:spPr>
+        <p:txBody>
+          <a:bodyPr wrap="none" rtlCol="0">
+            <a:spAutoFit/>
+          </a:bodyPr>
+          <a:lstStyle>
+            <a:defPPr>
+              <a:defRPr lang="ja-JP"/>
+            </a:defPPr>
+            <a:lvl1pPr>
+              <a:defRPr sz="1200">
+                <a:latin typeface="Arial Rounded MT Bold" panose="020F0704030504030204" pitchFamily="34" charset="0"/>
+              </a:defRPr>
+            </a:lvl1pPr>
+          </a:lstStyle>
+          <a:p>
+            <a:r>
+              <a:rPr lang="ja-JP" altLang="en-US" sz="1049">
+                <a:latin typeface="DengXian" panose="02010600030101010101" pitchFamily="2" charset="-122"/>
+                <a:ea typeface="DengXian" panose="02010600030101010101" pitchFamily="2" charset="-122"/>
+              </a:rPr>
+              <a:t>对称</a:t>
+            </a:r>
+          </a:p>
+        </p:txBody>
+      </p:sp>
+      <p:sp>
+        <p:nvSpPr>
+          <p:cNvPr id="10" name="テキスト ボックス 9">
+            <a:extLst>
+              <a:ext uri="{FF2B5EF4-FFF2-40B4-BE49-F238E27FC236}">
+                <a16:creationId xmlns:a16="http://schemas.microsoft.com/office/drawing/2014/main" id="{C3700E22-A982-5046-86A0-AB6758E58CE0}"/>
+              </a:ext>
+            </a:extLst>
+          </p:cNvPr>
+          <p:cNvSpPr txBox="1"/>
+          <p:nvPr/>
+        </p:nvSpPr>
+        <p:spPr>
+          <a:xfrm>
+            <a:off x="2460339" y="2827724"/>
+            <a:ext cx="453970" cy="253787"/>
+          </a:xfrm>
+          <a:prstGeom prst="rect">
+            <a:avLst/>
+          </a:prstGeom>
+          <a:noFill/>
+        </p:spPr>
+        <p:txBody>
+          <a:bodyPr wrap="none" rtlCol="0">
+            <a:spAutoFit/>
+          </a:bodyPr>
+          <a:lstStyle>
+            <a:defPPr>
+              <a:defRPr lang="ja-JP"/>
+            </a:defPPr>
+            <a:lvl1pPr>
+              <a:defRPr sz="1200">
+                <a:latin typeface="Arial Rounded MT Bold" panose="020F0704030504030204" pitchFamily="34" charset="0"/>
+              </a:defRPr>
+            </a:lvl1pPr>
+          </a:lstStyle>
+          <a:p>
+            <a:r>
+              <a:rPr lang="ja-JP" altLang="en-US" sz="1049">
+                <a:latin typeface="DengXian" panose="02010600030101010101" pitchFamily="2" charset="-122"/>
+                <a:ea typeface="DengXian" panose="02010600030101010101" pitchFamily="2" charset="-122"/>
+              </a:rPr>
+              <a:t>正交</a:t>
+            </a:r>
+          </a:p>
+        </p:txBody>
+      </p:sp>
+      <p:sp>
+        <p:nvSpPr>
+          <p:cNvPr id="11" name="テキスト ボックス 10">
+            <a:extLst>
+              <a:ext uri="{FF2B5EF4-FFF2-40B4-BE49-F238E27FC236}">
+                <a16:creationId xmlns:a16="http://schemas.microsoft.com/office/drawing/2014/main" id="{5C0573DC-E36D-E246-B42D-E2EDF8AE0E8B}"/>
+              </a:ext>
+            </a:extLst>
+          </p:cNvPr>
+          <p:cNvSpPr txBox="1"/>
+          <p:nvPr/>
+        </p:nvSpPr>
+        <p:spPr>
+          <a:xfrm>
+            <a:off x="4169713" y="2536500"/>
+            <a:ext cx="1016306" cy="246221"/>
+          </a:xfrm>
+          <a:prstGeom prst="rect">
+            <a:avLst/>
+          </a:prstGeom>
+          <a:noFill/>
+        </p:spPr>
+        <p:txBody>
+          <a:bodyPr wrap="square" rtlCol="0">
+            <a:spAutoFit/>
+          </a:bodyPr>
+          <a:lstStyle>
+            <a:defPPr>
+              <a:defRPr lang="ja-JP"/>
+            </a:defPPr>
+            <a:lvl1pPr>
+              <a:defRPr sz="1200">
+                <a:latin typeface="Arial Rounded MT Bold" panose="020F0704030504030204" pitchFamily="34" charset="0"/>
+              </a:defRPr>
+            </a:lvl1pPr>
+          </a:lstStyle>
+          <a:p>
+            <a:r>
+              <a:rPr lang="zh-CN" altLang="en-US" sz="1000" dirty="0"/>
+              <a:t>半正定</a:t>
+            </a:r>
+            <a:endParaRPr lang="ja-JP" altLang="en-US" sz="1000"/>
+          </a:p>
+        </p:txBody>
+      </p:sp>
+      <p:sp>
+        <p:nvSpPr>
+          <p:cNvPr id="12" name="テキスト ボックス 11">
+            <a:extLst>
+              <a:ext uri="{FF2B5EF4-FFF2-40B4-BE49-F238E27FC236}">
+                <a16:creationId xmlns:a16="http://schemas.microsoft.com/office/drawing/2014/main" id="{350C4E6E-D295-3340-8B22-E3A96D3EA0EC}"/>
+              </a:ext>
+            </a:extLst>
+          </p:cNvPr>
+          <p:cNvSpPr txBox="1"/>
+          <p:nvPr/>
+        </p:nvSpPr>
+        <p:spPr>
+          <a:xfrm>
+            <a:off x="4136430" y="3522644"/>
+            <a:ext cx="453970" cy="253787"/>
+          </a:xfrm>
+          <a:prstGeom prst="rect">
+            <a:avLst/>
+          </a:prstGeom>
+          <a:noFill/>
+        </p:spPr>
+        <p:txBody>
+          <a:bodyPr wrap="none" rtlCol="0">
+            <a:spAutoFit/>
+          </a:bodyPr>
+          <a:lstStyle>
+            <a:defPPr>
+              <a:defRPr lang="ja-JP"/>
+            </a:defPPr>
+            <a:lvl1pPr>
+              <a:defRPr sz="1200">
+                <a:latin typeface="Arial Rounded MT Bold" panose="020F0704030504030204" pitchFamily="34" charset="0"/>
+              </a:defRPr>
+            </a:lvl1pPr>
+          </a:lstStyle>
+          <a:p>
+            <a:r>
+              <a:rPr lang="ja-JP" altLang="en-US" sz="1049">
+                <a:latin typeface="DengXian" panose="02010600030101010101" pitchFamily="2" charset="-122"/>
+                <a:ea typeface="DengXian" panose="02010600030101010101" pitchFamily="2" charset="-122"/>
+              </a:rPr>
+              <a:t>对角</a:t>
+            </a:r>
+          </a:p>
+        </p:txBody>
+      </p:sp>
+      <p:sp>
+        <p:nvSpPr>
+          <p:cNvPr id="13" name="円/楕円 12">
+            <a:extLst>
+              <a:ext uri="{FF2B5EF4-FFF2-40B4-BE49-F238E27FC236}">
+                <a16:creationId xmlns:a16="http://schemas.microsoft.com/office/drawing/2014/main" id="{BE02A856-CCFA-6642-AF34-5698ADCEBED0}"/>
+              </a:ext>
+            </a:extLst>
+          </p:cNvPr>
+          <p:cNvSpPr/>
+          <p:nvPr/>
+        </p:nvSpPr>
+        <p:spPr>
+          <a:xfrm>
+            <a:off x="1514221" y="2060287"/>
+            <a:ext cx="5306064" cy="2652907"/>
+          </a:xfrm>
+          <a:prstGeom prst="ellipse">
+            <a:avLst/>
+          </a:prstGeom>
+          <a:noFill/>
+        </p:spPr>
+        <p:style>
+          <a:lnRef idx="2">
+            <a:schemeClr val="accent1">
+              <a:shade val="50000"/>
+            </a:schemeClr>
+          </a:lnRef>
+          <a:fillRef idx="1">
+            <a:schemeClr val="accent1"/>
+          </a:fillRef>
+          <a:effectRef idx="0">
+            <a:schemeClr val="accent1"/>
+          </a:effectRef>
+          <a:fontRef idx="minor">
+            <a:schemeClr val="lt1"/>
+          </a:fontRef>
+        </p:style>
+        <p:txBody>
+          <a:bodyPr rtlCol="0" anchor="ctr"/>
+          <a:lstStyle/>
+          <a:p>
+            <a:pPr algn="ctr"/>
+            <a:endParaRPr lang="ja-JP" altLang="en-US" sz="1013"/>
+          </a:p>
+        </p:txBody>
+      </p:sp>
+      <p:sp>
+        <p:nvSpPr>
+          <p:cNvPr id="14" name="テキスト ボックス 13">
+            <a:extLst>
+              <a:ext uri="{FF2B5EF4-FFF2-40B4-BE49-F238E27FC236}">
+                <a16:creationId xmlns:a16="http://schemas.microsoft.com/office/drawing/2014/main" id="{F1057A05-5538-0747-B3AC-2447FBA2D6EC}"/>
+              </a:ext>
+            </a:extLst>
+          </p:cNvPr>
+          <p:cNvSpPr txBox="1"/>
+          <p:nvPr/>
+        </p:nvSpPr>
+        <p:spPr>
+          <a:xfrm>
+            <a:off x="3644397" y="2092684"/>
+            <a:ext cx="453970" cy="253787"/>
+          </a:xfrm>
+          <a:prstGeom prst="rect">
+            <a:avLst/>
+          </a:prstGeom>
+          <a:noFill/>
+        </p:spPr>
+        <p:txBody>
+          <a:bodyPr wrap="none" rtlCol="0">
+            <a:spAutoFit/>
+          </a:bodyPr>
+          <a:lstStyle>
+            <a:defPPr>
+              <a:defRPr lang="ja-JP"/>
+            </a:defPPr>
+            <a:lvl1pPr>
+              <a:defRPr sz="1200">
+                <a:latin typeface="Arial Rounded MT Bold" panose="020F0704030504030204" pitchFamily="34" charset="0"/>
+              </a:defRPr>
+            </a:lvl1pPr>
+          </a:lstStyle>
+          <a:p>
+            <a:r>
+              <a:rPr lang="ja-JP" altLang="en-US" sz="1049">
+                <a:latin typeface="DengXian" panose="02010600030101010101" pitchFamily="2" charset="-122"/>
+                <a:ea typeface="DengXian" panose="02010600030101010101" pitchFamily="2" charset="-122"/>
+              </a:rPr>
+              <a:t>正规</a:t>
+            </a:r>
+          </a:p>
+        </p:txBody>
+      </p:sp>
+      <mc:AlternateContent xmlns:mc="http://schemas.openxmlformats.org/markup-compatibility/2006" xmlns:a14="http://schemas.microsoft.com/office/drawing/2010/main">
+        <mc:Choice Requires="a14">
+          <p:sp>
+            <p:nvSpPr>
+              <p:cNvPr id="15" name="テキスト ボックス 14">
+                <a:extLst>
+                  <a:ext uri="{FF2B5EF4-FFF2-40B4-BE49-F238E27FC236}">
+                    <a16:creationId xmlns:a16="http://schemas.microsoft.com/office/drawing/2014/main" id="{F4C150E1-F565-5C47-8A82-0BE0DA9716A5}"/>
+                  </a:ext>
+                </a:extLst>
+              </p:cNvPr>
+              <p:cNvSpPr txBox="1"/>
+              <p:nvPr/>
+            </p:nvSpPr>
+            <p:spPr>
+              <a:xfrm>
+                <a:off x="2190526" y="3531283"/>
+                <a:ext cx="599208" cy="211725"/>
+              </a:xfrm>
+              <a:prstGeom prst="rect">
+                <a:avLst/>
+              </a:prstGeom>
+              <a:noFill/>
+            </p:spPr>
+            <p:txBody>
+              <a:bodyPr wrap="square" lIns="0" tIns="0" rIns="0" bIns="0" rtlCol="0">
+                <a:spAutoFit/>
+              </a:bodyPr>
+              <a:lstStyle/>
+              <a:p>
+                <a:pPr/>
+                <a14:m>
+                  <m:oMathPara xmlns:m="http://schemas.openxmlformats.org/officeDocument/2006/math">
+                    <m:oMathParaPr>
+                      <m:jc m:val="centerGroup"/>
+                    </m:oMathParaPr>
+                    <m:oMath xmlns:m="http://schemas.openxmlformats.org/officeDocument/2006/math">
+                      <m:r>
+                        <a:rPr lang="en-US" altLang="ja-JP" sz="825" i="1">
+                          <a:latin typeface="Cambria Math" panose="02040503050406030204" pitchFamily="18" charset="0"/>
+                        </a:rPr>
+                        <m:t>𝑄</m:t>
+                      </m:r>
+                      <m:r>
+                        <a:rPr lang="en-US" altLang="ja-JP" sz="825" i="1">
+                          <a:latin typeface="Cambria Math" panose="02040503050406030204" pitchFamily="18" charset="0"/>
+                        </a:rPr>
+                        <m:t>=</m:t>
+                      </m:r>
+                      <m:d>
+                        <m:dPr>
+                          <m:begChr m:val="["/>
+                          <m:endChr m:val="]"/>
+                          <m:ctrlPr>
+                            <a:rPr lang="en-US" altLang="ja-JP" sz="825" i="1">
+                              <a:latin typeface="Cambria Math" panose="02040503050406030204" pitchFamily="18" charset="0"/>
+                            </a:rPr>
+                          </m:ctrlPr>
+                        </m:dPr>
+                        <m:e>
+                          <m:m>
+                            <m:mPr>
+                              <m:mcs>
+                                <m:mc>
+                                  <m:mcPr>
+                                    <m:count m:val="2"/>
+                                    <m:mcJc m:val="center"/>
+                                  </m:mcPr>
+                                </m:mc>
+                              </m:mcs>
+                              <m:ctrlPr>
+                                <a:rPr lang="en-US" altLang="ja-JP" sz="825" i="1">
+                                  <a:latin typeface="Cambria Math" panose="02040503050406030204" pitchFamily="18" charset="0"/>
+                                </a:rPr>
+                              </m:ctrlPr>
+                            </m:mPr>
+                            <m:mr>
+                              <m:e>
+                                <m:r>
+                                  <m:rPr>
+                                    <m:brk m:alnAt="7"/>
+                                  </m:rPr>
+                                  <a:rPr lang="en-US" altLang="ja-JP" sz="825" i="1">
+                                    <a:latin typeface="Cambria Math" panose="02040503050406030204" pitchFamily="18" charset="0"/>
+                                  </a:rPr>
+                                  <m:t>0</m:t>
+                                </m:r>
+                              </m:e>
+                              <m:e>
+                                <m:r>
+                                  <a:rPr lang="en-US" altLang="ja-JP" sz="825" i="1">
+                                    <a:latin typeface="Cambria Math" panose="02040503050406030204" pitchFamily="18" charset="0"/>
+                                  </a:rPr>
+                                  <m:t>1</m:t>
+                                </m:r>
+                              </m:e>
+                            </m:mr>
+                            <m:mr>
+                              <m:e>
+                                <m:r>
+                                  <a:rPr lang="en-US" altLang="ja-JP" sz="825" i="1">
+                                    <a:latin typeface="Cambria Math" panose="02040503050406030204" pitchFamily="18" charset="0"/>
+                                  </a:rPr>
+                                  <m:t>−1</m:t>
+                                </m:r>
+                              </m:e>
+                              <m:e>
+                                <m:r>
+                                  <a:rPr lang="en-US" altLang="ja-JP" sz="825" i="1">
+                                    <a:latin typeface="Cambria Math" panose="02040503050406030204" pitchFamily="18" charset="0"/>
+                                  </a:rPr>
+                                  <m:t>0</m:t>
+                                </m:r>
+                              </m:e>
+                            </m:mr>
+                          </m:m>
+                        </m:e>
+                      </m:d>
+                    </m:oMath>
+                  </m:oMathPara>
+                </a14:m>
+                <a:endParaRPr lang="ja-JP" altLang="en-US" sz="825"/>
+              </a:p>
+            </p:txBody>
+          </p:sp>
+        </mc:Choice>
+        <mc:Fallback xmlns="">
+          <p:sp>
+            <p:nvSpPr>
+              <p:cNvPr id="15" name="テキスト ボックス 14">
+                <a:extLst>
+                  <a:ext uri="{FF2B5EF4-FFF2-40B4-BE49-F238E27FC236}">
+                    <a16:creationId xmlns:a16="http://schemas.microsoft.com/office/drawing/2014/main" id="{F4C150E1-F565-5C47-8A82-0BE0DA9716A5}"/>
+                  </a:ext>
+                </a:extLst>
+              </p:cNvPr>
+              <p:cNvSpPr txBox="1">
+                <a:spLocks noRot="1" noChangeAspect="1" noMove="1" noResize="1" noEditPoints="1" noAdjustHandles="1" noChangeArrowheads="1" noChangeShapeType="1" noTextEdit="1"/>
+              </p:cNvSpPr>
+              <p:nvPr/>
+            </p:nvSpPr>
+            <p:spPr>
+              <a:xfrm>
+                <a:off x="2190526" y="3531283"/>
+                <a:ext cx="599208" cy="211725"/>
+              </a:xfrm>
+              <a:prstGeom prst="rect">
+                <a:avLst/>
+              </a:prstGeom>
+              <a:blipFill>
+                <a:blip r:embed="rId2"/>
+                <a:stretch>
+                  <a:fillRect l="-8333" b="-16667"/>
+                </a:stretch>
+              </a:blipFill>
+            </p:spPr>
+            <p:txBody>
+              <a:bodyPr/>
+              <a:lstStyle/>
+              <a:p>
+                <a:r>
+                  <a:rPr lang="ja-JP" altLang="en-US">
+                    <a:noFill/>
+                  </a:rPr>
+                  <a:t> </a:t>
+                </a:r>
+              </a:p>
+            </p:txBody>
+          </p:sp>
+        </mc:Fallback>
+      </mc:AlternateContent>
+      <mc:AlternateContent xmlns:mc="http://schemas.openxmlformats.org/markup-compatibility/2006" xmlns:a14="http://schemas.microsoft.com/office/drawing/2010/main">
+        <mc:Choice Requires="a14">
+          <p:sp>
+            <p:nvSpPr>
+              <p:cNvPr id="16" name="テキスト ボックス 15">
+                <a:extLst>
+                  <a:ext uri="{FF2B5EF4-FFF2-40B4-BE49-F238E27FC236}">
+                    <a16:creationId xmlns:a16="http://schemas.microsoft.com/office/drawing/2014/main" id="{B20DBB8B-46F2-FA46-9739-542F9F888782}"/>
+                  </a:ext>
+                </a:extLst>
+              </p:cNvPr>
+              <p:cNvSpPr txBox="1"/>
+              <p:nvPr/>
+            </p:nvSpPr>
+            <p:spPr>
+              <a:xfrm>
+                <a:off x="5518839" y="2855758"/>
+                <a:ext cx="599208" cy="211725"/>
+              </a:xfrm>
+              <a:prstGeom prst="rect">
+                <a:avLst/>
+              </a:prstGeom>
+              <a:noFill/>
+            </p:spPr>
+            <p:txBody>
+              <a:bodyPr wrap="square" lIns="0" tIns="0" rIns="0" bIns="0" rtlCol="0">
+                <a:spAutoFit/>
+              </a:bodyPr>
+              <a:lstStyle/>
+              <a:p>
+                <a:pPr/>
+                <a14:m>
+                  <m:oMathPara xmlns:m="http://schemas.openxmlformats.org/officeDocument/2006/math">
+                    <m:oMathParaPr>
+                      <m:jc m:val="centerGroup"/>
+                    </m:oMathParaPr>
+                    <m:oMath xmlns:m="http://schemas.openxmlformats.org/officeDocument/2006/math">
+                      <m:r>
+                        <a:rPr lang="en-US" altLang="ja-JP" sz="825" i="1">
+                          <a:latin typeface="Cambria Math" panose="02040503050406030204" pitchFamily="18" charset="0"/>
+                        </a:rPr>
+                        <m:t>𝑆</m:t>
+                      </m:r>
+                      <m:r>
+                        <a:rPr lang="en-US" altLang="ja-JP" sz="825" i="1">
+                          <a:latin typeface="Cambria Math" panose="02040503050406030204" pitchFamily="18" charset="0"/>
+                        </a:rPr>
+                        <m:t>=</m:t>
+                      </m:r>
+                      <m:d>
+                        <m:dPr>
+                          <m:begChr m:val="["/>
+                          <m:endChr m:val="]"/>
+                          <m:ctrlPr>
+                            <a:rPr lang="en-US" altLang="ja-JP" sz="825" i="1">
+                              <a:latin typeface="Cambria Math" panose="02040503050406030204" pitchFamily="18" charset="0"/>
+                            </a:rPr>
+                          </m:ctrlPr>
+                        </m:dPr>
+                        <m:e>
+                          <m:m>
+                            <m:mPr>
+                              <m:mcs>
+                                <m:mc>
+                                  <m:mcPr>
+                                    <m:count m:val="2"/>
+                                    <m:mcJc m:val="center"/>
+                                  </m:mcPr>
+                                </m:mc>
+                              </m:mcs>
+                              <m:ctrlPr>
+                                <a:rPr lang="en-US" altLang="ja-JP" sz="825" i="1">
+                                  <a:latin typeface="Cambria Math" panose="02040503050406030204" pitchFamily="18" charset="0"/>
+                                </a:rPr>
+                              </m:ctrlPr>
+                            </m:mPr>
+                            <m:mr>
+                              <m:e>
+                                <m:r>
+                                  <m:rPr>
+                                    <m:brk m:alnAt="7"/>
+                                  </m:rPr>
+                                  <a:rPr lang="en-US" altLang="ja-JP" sz="825" i="1">
+                                    <a:latin typeface="Cambria Math" panose="02040503050406030204" pitchFamily="18" charset="0"/>
+                                  </a:rPr>
+                                  <m:t>1</m:t>
+                                </m:r>
+                              </m:e>
+                              <m:e>
+                                <m:r>
+                                  <a:rPr lang="en-US" altLang="ja-JP" sz="825" i="1">
+                                    <a:latin typeface="Cambria Math" panose="02040503050406030204" pitchFamily="18" charset="0"/>
+                                  </a:rPr>
+                                  <m:t>2</m:t>
+                                </m:r>
+                              </m:e>
+                            </m:mr>
+                            <m:mr>
+                              <m:e>
+                                <m:r>
+                                  <a:rPr lang="en-US" altLang="ja-JP" sz="825" i="1">
+                                    <a:latin typeface="Cambria Math" panose="02040503050406030204" pitchFamily="18" charset="0"/>
+                                  </a:rPr>
+                                  <m:t>2</m:t>
+                                </m:r>
+                              </m:e>
+                              <m:e>
+                                <m:r>
+                                  <a:rPr lang="en-US" altLang="ja-JP" sz="825" i="1">
+                                    <a:latin typeface="Cambria Math" panose="02040503050406030204" pitchFamily="18" charset="0"/>
+                                  </a:rPr>
+                                  <m:t>0</m:t>
+                                </m:r>
+                              </m:e>
+                            </m:mr>
+                          </m:m>
+                        </m:e>
+                      </m:d>
+                    </m:oMath>
+                  </m:oMathPara>
+                </a14:m>
+                <a:endParaRPr lang="ja-JP" altLang="en-US" sz="825"/>
+              </a:p>
+            </p:txBody>
+          </p:sp>
+        </mc:Choice>
+        <mc:Fallback xmlns="">
+          <p:sp>
+            <p:nvSpPr>
+              <p:cNvPr id="16" name="テキスト ボックス 15">
+                <a:extLst>
+                  <a:ext uri="{FF2B5EF4-FFF2-40B4-BE49-F238E27FC236}">
+                    <a16:creationId xmlns:a16="http://schemas.microsoft.com/office/drawing/2014/main" id="{B20DBB8B-46F2-FA46-9739-542F9F888782}"/>
+                  </a:ext>
+                </a:extLst>
+              </p:cNvPr>
+              <p:cNvSpPr txBox="1">
+                <a:spLocks noRot="1" noChangeAspect="1" noMove="1" noResize="1" noEditPoints="1" noAdjustHandles="1" noChangeArrowheads="1" noChangeShapeType="1" noTextEdit="1"/>
+              </p:cNvSpPr>
+              <p:nvPr/>
+            </p:nvSpPr>
+            <p:spPr>
+              <a:xfrm>
+                <a:off x="5518839" y="2855758"/>
+                <a:ext cx="599208" cy="211725"/>
+              </a:xfrm>
+              <a:prstGeom prst="rect">
+                <a:avLst/>
+              </a:prstGeom>
+              <a:blipFill>
+                <a:blip r:embed="rId3"/>
+                <a:stretch>
+                  <a:fillRect b="-16667"/>
+                </a:stretch>
+              </a:blipFill>
+            </p:spPr>
+            <p:txBody>
+              <a:bodyPr/>
+              <a:lstStyle/>
+              <a:p>
+                <a:r>
+                  <a:rPr lang="ja-JP" altLang="en-US">
+                    <a:noFill/>
+                  </a:rPr>
+                  <a:t> </a:t>
+                </a:r>
+              </a:p>
+            </p:txBody>
+          </p:sp>
+        </mc:Fallback>
+      </mc:AlternateContent>
+      <mc:AlternateContent xmlns:mc="http://schemas.openxmlformats.org/markup-compatibility/2006" xmlns:a14="http://schemas.microsoft.com/office/drawing/2010/main">
+        <mc:Choice Requires="a14">
+          <p:sp>
+            <p:nvSpPr>
+              <p:cNvPr id="17" name="テキスト ボックス 16">
+                <a:extLst>
+                  <a:ext uri="{FF2B5EF4-FFF2-40B4-BE49-F238E27FC236}">
+                    <a16:creationId xmlns:a16="http://schemas.microsoft.com/office/drawing/2014/main" id="{69D2D868-0F79-8541-A3D3-9A99C16A4F79}"/>
+                  </a:ext>
+                </a:extLst>
+              </p:cNvPr>
+              <p:cNvSpPr txBox="1"/>
+              <p:nvPr/>
+            </p:nvSpPr>
+            <p:spPr>
+              <a:xfrm>
+                <a:off x="4080997" y="3284845"/>
+                <a:ext cx="151326" cy="215444"/>
+              </a:xfrm>
+              <a:prstGeom prst="rect">
+                <a:avLst/>
+              </a:prstGeom>
+              <a:noFill/>
+            </p:spPr>
+            <p:txBody>
+              <a:bodyPr wrap="square" lIns="0" tIns="0" rIns="0" bIns="0" rtlCol="0">
+                <a:spAutoFit/>
+              </a:bodyPr>
+              <a:lstStyle/>
+              <a:p>
+                <a:pPr/>
+                <a14:m>
+                  <m:oMathPara xmlns:m="http://schemas.openxmlformats.org/officeDocument/2006/math">
+                    <m:oMathParaPr>
+                      <m:jc m:val="centerGroup"/>
+                    </m:oMathParaPr>
+                    <m:oMath xmlns:m="http://schemas.openxmlformats.org/officeDocument/2006/math">
+                      <m:r>
+                        <a:rPr lang="en-US" altLang="ja-JP" sz="1400" b="1" i="1">
+                          <a:latin typeface="Cambria Math" panose="02040503050406030204" pitchFamily="18" charset="0"/>
+                        </a:rPr>
+                        <m:t>𝑰</m:t>
+                      </m:r>
+                    </m:oMath>
+                  </m:oMathPara>
+                </a14:m>
+                <a:endParaRPr lang="ja-JP" altLang="en-US" sz="1400" b="1"/>
+              </a:p>
+            </p:txBody>
+          </p:sp>
+        </mc:Choice>
+        <mc:Fallback xmlns="">
+          <p:sp>
+            <p:nvSpPr>
+              <p:cNvPr id="17" name="テキスト ボックス 16">
+                <a:extLst>
+                  <a:ext uri="{FF2B5EF4-FFF2-40B4-BE49-F238E27FC236}">
+                    <a16:creationId xmlns:a16="http://schemas.microsoft.com/office/drawing/2014/main" id="{69D2D868-0F79-8541-A3D3-9A99C16A4F79}"/>
+                  </a:ext>
+                </a:extLst>
+              </p:cNvPr>
+              <p:cNvSpPr txBox="1">
+                <a:spLocks noRot="1" noChangeAspect="1" noMove="1" noResize="1" noEditPoints="1" noAdjustHandles="1" noChangeArrowheads="1" noChangeShapeType="1" noTextEdit="1"/>
+              </p:cNvSpPr>
+              <p:nvPr/>
+            </p:nvSpPr>
+            <p:spPr>
+              <a:xfrm>
+                <a:off x="4080997" y="3284845"/>
+                <a:ext cx="151326" cy="215444"/>
+              </a:xfrm>
+              <a:prstGeom prst="rect">
+                <a:avLst/>
+              </a:prstGeom>
+              <a:blipFill>
+                <a:blip r:embed="rId4"/>
+                <a:stretch>
+                  <a:fillRect l="-15385" r="-15385" b="-5556"/>
+                </a:stretch>
+              </a:blipFill>
+            </p:spPr>
+            <p:txBody>
+              <a:bodyPr/>
+              <a:lstStyle/>
+              <a:p>
+                <a:r>
+                  <a:rPr lang="ja-JP" altLang="en-US">
+                    <a:noFill/>
+                  </a:rPr>
+                  <a:t> </a:t>
+                </a:r>
+              </a:p>
+            </p:txBody>
+          </p:sp>
+        </mc:Fallback>
+      </mc:AlternateContent>
+      <p:sp>
+        <p:nvSpPr>
+          <p:cNvPr id="19" name="テキスト ボックス 18">
+            <a:extLst>
+              <a:ext uri="{FF2B5EF4-FFF2-40B4-BE49-F238E27FC236}">
+                <a16:creationId xmlns:a16="http://schemas.microsoft.com/office/drawing/2014/main" id="{35B5B584-0B59-154F-AE8B-675B6C4F58A0}"/>
+              </a:ext>
+            </a:extLst>
+          </p:cNvPr>
+          <p:cNvSpPr txBox="1"/>
+          <p:nvPr/>
+        </p:nvSpPr>
+        <p:spPr>
+          <a:xfrm>
+            <a:off x="3858239" y="3810548"/>
+            <a:ext cx="457550" cy="253787"/>
+          </a:xfrm>
+          <a:prstGeom prst="rect">
+            <a:avLst/>
+          </a:prstGeom>
+          <a:noFill/>
+        </p:spPr>
+        <p:txBody>
+          <a:bodyPr wrap="square" rtlCol="0">
+            <a:spAutoFit/>
+          </a:bodyPr>
+          <a:lstStyle>
+            <a:defPPr>
+              <a:defRPr lang="ja-JP"/>
+            </a:defPPr>
+            <a:lvl1pPr>
+              <a:defRPr sz="1200">
+                <a:latin typeface="Arial Rounded MT Bold" panose="020F0704030504030204" pitchFamily="34" charset="0"/>
+              </a:defRPr>
+            </a:lvl1pPr>
+          </a:lstStyle>
+          <a:p>
+            <a:r>
+              <a:rPr lang="ja-JP" altLang="en-US" sz="1049">
+                <a:latin typeface="DengXian" panose="02010600030101010101" pitchFamily="2" charset="-122"/>
+                <a:ea typeface="DengXian" panose="02010600030101010101" pitchFamily="2" charset="-122"/>
+              </a:rPr>
+              <a:t>正定</a:t>
+            </a:r>
+          </a:p>
+        </p:txBody>
+      </p:sp>
+      <mc:AlternateContent xmlns:mc="http://schemas.openxmlformats.org/markup-compatibility/2006" xmlns:a14="http://schemas.microsoft.com/office/drawing/2010/main">
+        <mc:Choice Requires="a14">
+          <p:sp>
+            <p:nvSpPr>
+              <p:cNvPr id="20" name="テキスト ボックス 19">
+                <a:extLst>
+                  <a:ext uri="{FF2B5EF4-FFF2-40B4-BE49-F238E27FC236}">
+                    <a16:creationId xmlns:a16="http://schemas.microsoft.com/office/drawing/2014/main" id="{8CEA2CCF-CB1F-7E4B-BEDF-B0E589259080}"/>
+                  </a:ext>
+                </a:extLst>
+              </p:cNvPr>
+              <p:cNvSpPr txBox="1"/>
+              <p:nvPr/>
+            </p:nvSpPr>
+            <p:spPr>
+              <a:xfrm>
+                <a:off x="2245928" y="3127522"/>
+                <a:ext cx="599208" cy="129266"/>
+              </a:xfrm>
+              <a:prstGeom prst="rect">
+                <a:avLst/>
+              </a:prstGeom>
+              <a:noFill/>
+            </p:spPr>
+            <p:txBody>
+              <a:bodyPr wrap="square" lIns="0" tIns="0" rIns="0" bIns="0" rtlCol="0">
+                <a:spAutoFit/>
+              </a:bodyPr>
+              <a:lstStyle/>
+              <a:p>
+                <a:pPr/>
+                <a14:m>
+                  <m:oMathPara xmlns:m="http://schemas.openxmlformats.org/officeDocument/2006/math">
+                    <m:oMathParaPr>
+                      <m:jc m:val="centerGroup"/>
+                    </m:oMathParaPr>
+                    <m:oMath xmlns:m="http://schemas.openxmlformats.org/officeDocument/2006/math">
+                      <m:sSup>
+                        <m:sSupPr>
+                          <m:ctrlPr>
+                            <a:rPr lang="en-US" altLang="ja-JP" sz="825" i="1">
+                              <a:latin typeface="Cambria Math" panose="02040503050406030204" pitchFamily="18" charset="0"/>
+                            </a:rPr>
+                          </m:ctrlPr>
+                        </m:sSupPr>
+                        <m:e>
+                          <m:r>
+                            <a:rPr lang="en-US" altLang="ja-JP" sz="825" i="1">
+                              <a:latin typeface="Cambria Math" panose="02040503050406030204" pitchFamily="18" charset="0"/>
+                            </a:rPr>
+                            <m:t>𝑄</m:t>
+                          </m:r>
+                        </m:e>
+                        <m:sup>
+                          <m:r>
+                            <a:rPr lang="en-US" altLang="ja-JP" sz="825" i="1">
+                              <a:latin typeface="Cambria Math" panose="02040503050406030204" pitchFamily="18" charset="0"/>
+                            </a:rPr>
+                            <m:t>−1</m:t>
+                          </m:r>
+                        </m:sup>
+                      </m:sSup>
+                      <m:r>
+                        <a:rPr lang="en-US" altLang="ja-JP" sz="825" i="1">
+                          <a:latin typeface="Cambria Math" panose="02040503050406030204" pitchFamily="18" charset="0"/>
+                        </a:rPr>
+                        <m:t>=</m:t>
+                      </m:r>
+                      <m:sSup>
+                        <m:sSupPr>
+                          <m:ctrlPr>
+                            <a:rPr lang="en-US" altLang="ja-JP" sz="825" i="1">
+                              <a:latin typeface="Cambria Math" panose="02040503050406030204" pitchFamily="18" charset="0"/>
+                            </a:rPr>
+                          </m:ctrlPr>
+                        </m:sSupPr>
+                        <m:e>
+                          <m:r>
+                            <a:rPr lang="en-US" altLang="ja-JP" sz="825" i="1">
+                              <a:latin typeface="Cambria Math" panose="02040503050406030204" pitchFamily="18" charset="0"/>
+                            </a:rPr>
+                            <m:t>𝑄</m:t>
+                          </m:r>
+                        </m:e>
+                        <m:sup>
+                          <m:r>
+                            <m:rPr>
+                              <m:sty m:val="p"/>
+                            </m:rPr>
+                            <a:rPr lang="en-US" altLang="ja-JP" sz="825">
+                              <a:latin typeface="Cambria Math" panose="02040503050406030204" pitchFamily="18" charset="0"/>
+                            </a:rPr>
+                            <m:t>T</m:t>
+                          </m:r>
+                        </m:sup>
+                      </m:sSup>
+                    </m:oMath>
+                  </m:oMathPara>
+                </a14:m>
+                <a:endParaRPr lang="ja-JP" altLang="en-US" sz="825"/>
+              </a:p>
+            </p:txBody>
+          </p:sp>
+        </mc:Choice>
+        <mc:Fallback xmlns="">
+          <p:sp>
+            <p:nvSpPr>
+              <p:cNvPr id="20" name="テキスト ボックス 19">
+                <a:extLst>
+                  <a:ext uri="{FF2B5EF4-FFF2-40B4-BE49-F238E27FC236}">
+                    <a16:creationId xmlns:a16="http://schemas.microsoft.com/office/drawing/2014/main" id="{8CEA2CCF-CB1F-7E4B-BEDF-B0E589259080}"/>
+                  </a:ext>
+                </a:extLst>
+              </p:cNvPr>
+              <p:cNvSpPr txBox="1">
+                <a:spLocks noRot="1" noChangeAspect="1" noMove="1" noResize="1" noEditPoints="1" noAdjustHandles="1" noChangeArrowheads="1" noChangeShapeType="1" noTextEdit="1"/>
+              </p:cNvSpPr>
+              <p:nvPr/>
+            </p:nvSpPr>
+            <p:spPr>
+              <a:xfrm>
+                <a:off x="2245928" y="3127522"/>
+                <a:ext cx="599208" cy="129266"/>
+              </a:xfrm>
+              <a:prstGeom prst="rect">
+                <a:avLst/>
+              </a:prstGeom>
+              <a:blipFill>
+                <a:blip r:embed="rId5"/>
+                <a:stretch>
+                  <a:fillRect b="-36364"/>
+                </a:stretch>
+              </a:blipFill>
+            </p:spPr>
+            <p:txBody>
+              <a:bodyPr/>
+              <a:lstStyle/>
+              <a:p>
+                <a:r>
+                  <a:rPr lang="ja-JP" altLang="en-US">
+                    <a:noFill/>
+                  </a:rPr>
+                  <a:t> </a:t>
+                </a:r>
+              </a:p>
+            </p:txBody>
+          </p:sp>
+        </mc:Fallback>
+      </mc:AlternateContent>
+      <mc:AlternateContent xmlns:mc="http://schemas.openxmlformats.org/markup-compatibility/2006" xmlns:a14="http://schemas.microsoft.com/office/drawing/2010/main">
+        <mc:Choice Requires="a14">
+          <p:sp>
+            <p:nvSpPr>
+              <p:cNvPr id="21" name="テキスト ボックス 20">
+                <a:extLst>
+                  <a:ext uri="{FF2B5EF4-FFF2-40B4-BE49-F238E27FC236}">
+                    <a16:creationId xmlns:a16="http://schemas.microsoft.com/office/drawing/2014/main" id="{61B4BE75-95F8-7E4D-B5F3-34F9EBD50D0A}"/>
+                  </a:ext>
+                </a:extLst>
+              </p:cNvPr>
+              <p:cNvSpPr txBox="1"/>
+              <p:nvPr/>
+            </p:nvSpPr>
+            <p:spPr>
+              <a:xfrm>
+                <a:off x="2095662" y="3271352"/>
+                <a:ext cx="910325" cy="126958"/>
+              </a:xfrm>
+              <a:prstGeom prst="rect">
+                <a:avLst/>
+              </a:prstGeom>
+              <a:noFill/>
+            </p:spPr>
+            <p:txBody>
+              <a:bodyPr wrap="square" lIns="0" tIns="0" rIns="0" bIns="0" rtlCol="0">
+                <a:spAutoFit/>
+              </a:bodyPr>
+              <a:lstStyle/>
+              <a:p>
+                <a:pPr/>
+                <a14:m>
+                  <m:oMathPara xmlns:m="http://schemas.openxmlformats.org/officeDocument/2006/math">
+                    <m:oMathParaPr>
+                      <m:jc m:val="centerGroup"/>
+                    </m:oMathParaPr>
+                    <m:oMath xmlns:m="http://schemas.openxmlformats.org/officeDocument/2006/math">
+                      <m:r>
+                        <m:rPr>
+                          <m:sty m:val="p"/>
+                        </m:rPr>
+                        <a:rPr lang="en-US" altLang="ja-JP" sz="825" i="1">
+                          <a:latin typeface="Cambria Math" panose="02040503050406030204" pitchFamily="18" charset="0"/>
+                          <a:ea typeface="Cambria Math" panose="02040503050406030204" pitchFamily="18" charset="0"/>
+                        </a:rPr>
+                        <m:t>a</m:t>
+                      </m:r>
+                      <m:r>
+                        <a:rPr lang="en-US" altLang="ja-JP" sz="825" i="1">
+                          <a:latin typeface="Cambria Math" panose="02040503050406030204" pitchFamily="18" charset="0"/>
+                          <a:ea typeface="Cambria Math" panose="02040503050406030204" pitchFamily="18" charset="0"/>
+                        </a:rPr>
+                        <m:t>𝑙𝑙</m:t>
+                      </m:r>
+                      <m:r>
+                        <a:rPr lang="en-US" altLang="ja-JP" sz="825" i="1">
+                          <a:latin typeface="Cambria Math" panose="02040503050406030204" pitchFamily="18" charset="0"/>
+                          <a:ea typeface="Cambria Math" panose="02040503050406030204" pitchFamily="18" charset="0"/>
+                        </a:rPr>
+                        <m:t>  |</m:t>
+                      </m:r>
+                      <m:r>
+                        <a:rPr lang="en-US" altLang="ja-JP" sz="825" i="1">
+                          <a:latin typeface="Cambria Math" panose="02040503050406030204" pitchFamily="18" charset="0"/>
+                          <a:ea typeface="Cambria Math" panose="02040503050406030204" pitchFamily="18" charset="0"/>
+                        </a:rPr>
+                        <m:t>𝜆</m:t>
+                      </m:r>
+                      <m:r>
+                        <a:rPr lang="en-US" altLang="ja-JP" sz="825" i="1">
+                          <a:latin typeface="Cambria Math" panose="02040503050406030204" pitchFamily="18" charset="0"/>
+                          <a:ea typeface="Cambria Math" panose="02040503050406030204" pitchFamily="18" charset="0"/>
+                        </a:rPr>
+                        <m:t>|=1</m:t>
+                      </m:r>
+                    </m:oMath>
+                  </m:oMathPara>
+                </a14:m>
+                <a:endParaRPr lang="ja-JP" altLang="en-US" sz="825"/>
+              </a:p>
+            </p:txBody>
+          </p:sp>
+        </mc:Choice>
+        <mc:Fallback xmlns="">
+          <p:sp>
+            <p:nvSpPr>
+              <p:cNvPr id="21" name="テキスト ボックス 20">
+                <a:extLst>
+                  <a:ext uri="{FF2B5EF4-FFF2-40B4-BE49-F238E27FC236}">
+                    <a16:creationId xmlns:a16="http://schemas.microsoft.com/office/drawing/2014/main" id="{61B4BE75-95F8-7E4D-B5F3-34F9EBD50D0A}"/>
+                  </a:ext>
+                </a:extLst>
+              </p:cNvPr>
+              <p:cNvSpPr txBox="1">
+                <a:spLocks noRot="1" noChangeAspect="1" noMove="1" noResize="1" noEditPoints="1" noAdjustHandles="1" noChangeArrowheads="1" noChangeShapeType="1" noTextEdit="1"/>
+              </p:cNvSpPr>
+              <p:nvPr/>
+            </p:nvSpPr>
+            <p:spPr>
+              <a:xfrm>
+                <a:off x="2095662" y="3271352"/>
+                <a:ext cx="910325" cy="126958"/>
+              </a:xfrm>
+              <a:prstGeom prst="rect">
+                <a:avLst/>
+              </a:prstGeom>
+              <a:blipFill>
+                <a:blip r:embed="rId6"/>
+                <a:stretch>
+                  <a:fillRect b="-36364"/>
+                </a:stretch>
+              </a:blipFill>
+            </p:spPr>
+            <p:txBody>
+              <a:bodyPr/>
+              <a:lstStyle/>
+              <a:p>
+                <a:r>
+                  <a:rPr lang="ja-JP" altLang="en-US">
+                    <a:noFill/>
+                  </a:rPr>
+                  <a:t> </a:t>
+                </a:r>
+              </a:p>
+            </p:txBody>
+          </p:sp>
+        </mc:Fallback>
+      </mc:AlternateContent>
+      <mc:AlternateContent xmlns:mc="http://schemas.openxmlformats.org/markup-compatibility/2006" xmlns:a14="http://schemas.microsoft.com/office/drawing/2010/main">
+        <mc:Choice Requires="a14">
+          <p:sp>
+            <p:nvSpPr>
+              <p:cNvPr id="24" name="テキスト ボックス 23">
+                <a:extLst>
+                  <a:ext uri="{FF2B5EF4-FFF2-40B4-BE49-F238E27FC236}">
+                    <a16:creationId xmlns:a16="http://schemas.microsoft.com/office/drawing/2014/main" id="{E0A72196-B3C2-0F4A-88DF-2FB91B50F8E4}"/>
+                  </a:ext>
+                </a:extLst>
+              </p:cNvPr>
+              <p:cNvSpPr txBox="1"/>
+              <p:nvPr/>
+            </p:nvSpPr>
+            <p:spPr>
+              <a:xfrm>
+                <a:off x="3922876" y="2808045"/>
+                <a:ext cx="858894" cy="267958"/>
+              </a:xfrm>
+              <a:prstGeom prst="rect">
+                <a:avLst/>
+              </a:prstGeom>
+              <a:noFill/>
+            </p:spPr>
+            <p:txBody>
+              <a:bodyPr wrap="square" lIns="0" tIns="0" rIns="0" bIns="0" rtlCol="0">
+                <a:spAutoFit/>
+              </a:bodyPr>
+              <a:lstStyle/>
+              <a:p>
+                <a14:m>
+                  <m:oMath xmlns:m="http://schemas.openxmlformats.org/officeDocument/2006/math">
+                    <m:r>
+                      <m:rPr>
+                        <m:sty m:val="p"/>
+                      </m:rPr>
+                      <a:rPr lang="en-US" altLang="ja-JP" sz="825" i="1">
+                        <a:latin typeface="Cambria Math" panose="02040503050406030204" pitchFamily="18" charset="0"/>
+                        <a:ea typeface="Cambria Math" panose="02040503050406030204" pitchFamily="18" charset="0"/>
+                      </a:rPr>
+                      <m:t>a</m:t>
+                    </m:r>
+                    <m:r>
+                      <a:rPr lang="en-US" altLang="ja-JP" sz="825" i="1">
+                        <a:latin typeface="Cambria Math" panose="02040503050406030204" pitchFamily="18" charset="0"/>
+                        <a:ea typeface="Cambria Math" panose="02040503050406030204" pitchFamily="18" charset="0"/>
+                      </a:rPr>
+                      <m:t>𝑙𝑙</m:t>
+                    </m:r>
+                    <m:r>
+                      <a:rPr lang="en-US" altLang="ja-JP" sz="825" i="1">
+                        <a:latin typeface="Cambria Math" panose="02040503050406030204" pitchFamily="18" charset="0"/>
+                        <a:ea typeface="Cambria Math" panose="02040503050406030204" pitchFamily="18" charset="0"/>
+                      </a:rPr>
+                      <m:t> </m:t>
+                    </m:r>
+                    <m:r>
+                      <a:rPr lang="en-US" altLang="ja-JP" sz="825" i="1">
+                        <a:latin typeface="Cambria Math" panose="02040503050406030204" pitchFamily="18" charset="0"/>
+                        <a:ea typeface="Cambria Math" panose="02040503050406030204" pitchFamily="18" charset="0"/>
+                      </a:rPr>
+                      <m:t>𝜆</m:t>
+                    </m:r>
+                    <m:r>
+                      <a:rPr lang="en-US" altLang="ja-JP" sz="825" i="1">
+                        <a:latin typeface="Cambria Math" panose="02040503050406030204" pitchFamily="18" charset="0"/>
+                        <a:ea typeface="Cambria Math" panose="02040503050406030204" pitchFamily="18" charset="0"/>
+                      </a:rPr>
+                      <m:t>≥0</m:t>
+                    </m:r>
+                  </m:oMath>
+                </a14:m>
+                <a:r>
+                  <a:rPr lang="en-US" altLang="ja-JP" sz="825"/>
+                  <a:t>,</a:t>
+                </a:r>
+                <a:r>
+                  <a:rPr lang="en-US" altLang="ja-JP" sz="900"/>
+                  <a:t> </a:t>
+                </a:r>
+                <a14:m>
+                  <m:oMath xmlns:m="http://schemas.openxmlformats.org/officeDocument/2006/math">
+                    <m:sSup>
+                      <m:sSupPr>
+                        <m:ctrlPr>
+                          <a:rPr lang="en-US" altLang="ja-JP" sz="900" i="1">
+                            <a:latin typeface="Cambria Math" panose="02040503050406030204" pitchFamily="18" charset="0"/>
+                          </a:rPr>
+                        </m:ctrlPr>
+                      </m:sSupPr>
+                      <m:e>
+                        <m:r>
+                          <a:rPr lang="en-US" altLang="ja-JP" sz="900" i="1">
+                            <a:latin typeface="Cambria Math" panose="02040503050406030204" pitchFamily="18" charset="0"/>
+                          </a:rPr>
+                          <m:t>𝑎𝑙𝑙</m:t>
+                        </m:r>
+                        <m:r>
+                          <a:rPr lang="en-US" altLang="ja-JP" sz="900" i="1">
+                            <a:latin typeface="Cambria Math" panose="02040503050406030204" pitchFamily="18" charset="0"/>
+                          </a:rPr>
+                          <m:t> </m:t>
+                        </m:r>
+                        <m:r>
+                          <a:rPr lang="en-US" altLang="ja-JP" sz="900" i="1">
+                            <a:latin typeface="Cambria Math" panose="02040503050406030204" pitchFamily="18" charset="0"/>
+                          </a:rPr>
+                          <m:t>𝐴</m:t>
+                        </m:r>
+                      </m:e>
+                      <m:sup>
+                        <m:r>
+                          <m:rPr>
+                            <m:sty m:val="p"/>
+                          </m:rPr>
+                          <a:rPr lang="en-US" altLang="ja-JP" sz="900">
+                            <a:latin typeface="Cambria Math" panose="02040503050406030204" pitchFamily="18" charset="0"/>
+                          </a:rPr>
+                          <m:t>T</m:t>
+                        </m:r>
+                      </m:sup>
+                    </m:sSup>
+                    <m:r>
+                      <a:rPr lang="en-US" altLang="ja-JP" sz="900" i="1">
+                        <a:latin typeface="Cambria Math" panose="02040503050406030204" pitchFamily="18" charset="0"/>
+                      </a:rPr>
+                      <m:t>𝐴</m:t>
+                    </m:r>
+                  </m:oMath>
+                </a14:m>
+                <a:endParaRPr lang="ja-JP" altLang="en-US" sz="825"/>
+              </a:p>
+              <a:p>
+                <a:endParaRPr lang="ja-JP" altLang="en-US" sz="825"/>
+              </a:p>
+            </p:txBody>
+          </p:sp>
+        </mc:Choice>
+        <mc:Fallback xmlns="">
+          <p:sp>
+            <p:nvSpPr>
+              <p:cNvPr id="24" name="テキスト ボックス 23">
+                <a:extLst>
+                  <a:ext uri="{FF2B5EF4-FFF2-40B4-BE49-F238E27FC236}">
+                    <a16:creationId xmlns:a16="http://schemas.microsoft.com/office/drawing/2014/main" id="{E0A72196-B3C2-0F4A-88DF-2FB91B50F8E4}"/>
+                  </a:ext>
+                </a:extLst>
+              </p:cNvPr>
+              <p:cNvSpPr txBox="1">
+                <a:spLocks noRot="1" noChangeAspect="1" noMove="1" noResize="1" noEditPoints="1" noAdjustHandles="1" noChangeArrowheads="1" noChangeShapeType="1" noTextEdit="1"/>
+              </p:cNvSpPr>
+              <p:nvPr/>
+            </p:nvSpPr>
+            <p:spPr>
+              <a:xfrm>
+                <a:off x="3922876" y="2808045"/>
+                <a:ext cx="858894" cy="267958"/>
+              </a:xfrm>
+              <a:prstGeom prst="rect">
+                <a:avLst/>
+              </a:prstGeom>
+              <a:blipFill>
+                <a:blip r:embed="rId7"/>
+                <a:stretch>
+                  <a:fillRect l="-5882" t="-9091"/>
+                </a:stretch>
+              </a:blipFill>
+            </p:spPr>
+            <p:txBody>
+              <a:bodyPr/>
+              <a:lstStyle/>
+              <a:p>
+                <a:r>
+                  <a:rPr lang="ja-JP" altLang="en-US">
+                    <a:noFill/>
+                  </a:rPr>
+                  <a:t> </a:t>
+                </a:r>
+              </a:p>
+            </p:txBody>
+          </p:sp>
+        </mc:Fallback>
+      </mc:AlternateContent>
+      <mc:AlternateContent xmlns:mc="http://schemas.openxmlformats.org/markup-compatibility/2006" xmlns:a14="http://schemas.microsoft.com/office/drawing/2010/main">
+        <mc:Choice Requires="a14">
+          <p:sp>
+            <p:nvSpPr>
+              <p:cNvPr id="25" name="テキスト ボックス 24">
+                <a:extLst>
+                  <a:ext uri="{FF2B5EF4-FFF2-40B4-BE49-F238E27FC236}">
+                    <a16:creationId xmlns:a16="http://schemas.microsoft.com/office/drawing/2014/main" id="{B6FA3EA0-C73F-6540-ABFD-7E9F0A325313}"/>
+                  </a:ext>
+                </a:extLst>
+              </p:cNvPr>
+              <p:cNvSpPr txBox="1"/>
+              <p:nvPr/>
+            </p:nvSpPr>
+            <p:spPr>
+              <a:xfrm>
+                <a:off x="4182539" y="4136632"/>
+                <a:ext cx="599208" cy="126958"/>
+              </a:xfrm>
+              <a:prstGeom prst="rect">
+                <a:avLst/>
+              </a:prstGeom>
+              <a:solidFill>
+                <a:schemeClr val="bg1"/>
+              </a:solidFill>
+            </p:spPr>
+            <p:txBody>
+              <a:bodyPr wrap="square" lIns="0" tIns="0" rIns="0" bIns="0" rtlCol="0">
+                <a:spAutoFit/>
+              </a:bodyPr>
+              <a:lstStyle/>
+              <a:p>
+                <a:pPr/>
+                <a14:m>
+                  <m:oMathPara xmlns:m="http://schemas.openxmlformats.org/officeDocument/2006/math">
+                    <m:oMathParaPr>
+                      <m:jc m:val="centerGroup"/>
+                    </m:oMathParaPr>
+                    <m:oMath xmlns:m="http://schemas.openxmlformats.org/officeDocument/2006/math">
+                      <m:r>
+                        <m:rPr>
+                          <m:sty m:val="p"/>
+                        </m:rPr>
+                        <a:rPr lang="en-US" altLang="ja-JP" sz="825" i="1">
+                          <a:latin typeface="Cambria Math" panose="02040503050406030204" pitchFamily="18" charset="0"/>
+                          <a:ea typeface="Cambria Math" panose="02040503050406030204" pitchFamily="18" charset="0"/>
+                        </a:rPr>
+                        <m:t>a</m:t>
+                      </m:r>
+                      <m:r>
+                        <a:rPr lang="en-US" altLang="ja-JP" sz="825" i="1">
+                          <a:latin typeface="Cambria Math" panose="02040503050406030204" pitchFamily="18" charset="0"/>
+                          <a:ea typeface="Cambria Math" panose="02040503050406030204" pitchFamily="18" charset="0"/>
+                        </a:rPr>
+                        <m:t>𝑙𝑙</m:t>
+                      </m:r>
+                      <m:r>
+                        <a:rPr lang="en-US" altLang="ja-JP" sz="825" i="1">
+                          <a:latin typeface="Cambria Math" panose="02040503050406030204" pitchFamily="18" charset="0"/>
+                          <a:ea typeface="Cambria Math" panose="02040503050406030204" pitchFamily="18" charset="0"/>
+                        </a:rPr>
+                        <m:t> </m:t>
+                      </m:r>
+                      <m:r>
+                        <a:rPr lang="en-US" altLang="ja-JP" sz="825" i="1">
+                          <a:latin typeface="Cambria Math" panose="02040503050406030204" pitchFamily="18" charset="0"/>
+                          <a:ea typeface="Cambria Math" panose="02040503050406030204" pitchFamily="18" charset="0"/>
+                        </a:rPr>
+                        <m:t>𝜆</m:t>
+                      </m:r>
+                      <m:r>
+                        <a:rPr lang="en-US" altLang="ja-JP" sz="825" i="1">
+                          <a:latin typeface="Cambria Math" panose="02040503050406030204" pitchFamily="18" charset="0"/>
+                          <a:ea typeface="Cambria Math" panose="02040503050406030204" pitchFamily="18" charset="0"/>
+                        </a:rPr>
+                        <m:t>&gt;0</m:t>
+                      </m:r>
+                    </m:oMath>
+                  </m:oMathPara>
+                </a14:m>
+                <a:endParaRPr lang="ja-JP" altLang="en-US" sz="825"/>
+              </a:p>
+            </p:txBody>
+          </p:sp>
+        </mc:Choice>
+        <mc:Fallback xmlns="">
+          <p:sp>
+            <p:nvSpPr>
+              <p:cNvPr id="25" name="テキスト ボックス 24">
+                <a:extLst>
+                  <a:ext uri="{FF2B5EF4-FFF2-40B4-BE49-F238E27FC236}">
+                    <a16:creationId xmlns:a16="http://schemas.microsoft.com/office/drawing/2014/main" id="{B6FA3EA0-C73F-6540-ABFD-7E9F0A325313}"/>
+                  </a:ext>
+                </a:extLst>
+              </p:cNvPr>
+              <p:cNvSpPr txBox="1">
+                <a:spLocks noRot="1" noChangeAspect="1" noMove="1" noResize="1" noEditPoints="1" noAdjustHandles="1" noChangeArrowheads="1" noChangeShapeType="1" noTextEdit="1"/>
+              </p:cNvSpPr>
+              <p:nvPr/>
+            </p:nvSpPr>
+            <p:spPr>
+              <a:xfrm>
+                <a:off x="4182539" y="4136632"/>
+                <a:ext cx="599208" cy="126958"/>
+              </a:xfrm>
+              <a:prstGeom prst="rect">
+                <a:avLst/>
+              </a:prstGeom>
+              <a:blipFill>
+                <a:blip r:embed="rId8"/>
+                <a:stretch>
+                  <a:fillRect b="-36364"/>
+                </a:stretch>
+              </a:blipFill>
+            </p:spPr>
+            <p:txBody>
+              <a:bodyPr/>
+              <a:lstStyle/>
+              <a:p>
+                <a:r>
+                  <a:rPr lang="ja-JP" altLang="en-US">
+                    <a:noFill/>
+                  </a:rPr>
+                  <a:t> </a:t>
+                </a:r>
+              </a:p>
+            </p:txBody>
+          </p:sp>
+        </mc:Fallback>
+      </mc:AlternateContent>
+      <mc:AlternateContent xmlns:mc="http://schemas.openxmlformats.org/markup-compatibility/2006">
+        <mc:Choice xmlns:a14="http://schemas.microsoft.com/office/drawing/2010/main" Requires="a14">
+          <p:sp>
+            <p:nvSpPr>
+              <p:cNvPr id="26" name="テキスト ボックス 25">
+                <a:extLst>
+                  <a:ext uri="{FF2B5EF4-FFF2-40B4-BE49-F238E27FC236}">
+                    <a16:creationId xmlns:a16="http://schemas.microsoft.com/office/drawing/2014/main" id="{F5D2F9CD-3579-9848-BD61-8928D4D36383}"/>
+                  </a:ext>
+                </a:extLst>
+              </p:cNvPr>
+              <p:cNvSpPr txBox="1"/>
+              <p:nvPr/>
+            </p:nvSpPr>
+            <p:spPr>
+              <a:xfrm>
+                <a:off x="2292957" y="2297179"/>
+                <a:ext cx="1574784" cy="256224"/>
+              </a:xfrm>
+              <a:prstGeom prst="rect">
+                <a:avLst/>
+              </a:prstGeom>
+              <a:noFill/>
+            </p:spPr>
+            <p:txBody>
+              <a:bodyPr wrap="square" lIns="0" tIns="0" rIns="0" bIns="0" rtlCol="0">
+                <a:spAutoFit/>
+              </a:bodyPr>
+              <a:lstStyle/>
+              <a:p>
+                <a:pPr/>
+                <a14:m>
+                  <m:oMathPara xmlns:m="http://schemas.openxmlformats.org/officeDocument/2006/math">
+                    <m:oMathParaPr>
+                      <m:jc m:val="centerGroup"/>
+                    </m:oMathParaPr>
+                    <m:oMath xmlns:m="http://schemas.openxmlformats.org/officeDocument/2006/math">
+                      <m:sSup>
+                        <m:sSupPr>
+                          <m:ctrlPr>
+                            <a:rPr lang="en-US" altLang="ja-JP" sz="825" i="1">
+                              <a:latin typeface="Cambria Math" panose="02040503050406030204" pitchFamily="18" charset="0"/>
+                            </a:rPr>
+                          </m:ctrlPr>
+                        </m:sSupPr>
+                        <m:e>
+                          <m:r>
+                            <a:rPr lang="en-US" altLang="ja-JP" sz="825" i="1">
+                              <a:latin typeface="Cambria Math" panose="02040503050406030204" pitchFamily="18" charset="0"/>
+                            </a:rPr>
+                            <m:t>𝐴</m:t>
+                          </m:r>
+                        </m:e>
+                        <m:sup>
+                          <m:r>
+                            <m:rPr>
+                              <m:sty m:val="p"/>
+                            </m:rPr>
+                            <a:rPr lang="en-US" altLang="ja-JP" sz="825">
+                              <a:latin typeface="Cambria Math" panose="02040503050406030204" pitchFamily="18" charset="0"/>
+                            </a:rPr>
+                            <m:t>T</m:t>
+                          </m:r>
+                        </m:sup>
+                      </m:sSup>
+                      <m:r>
+                        <a:rPr lang="en-US" altLang="ja-JP" sz="825" i="1">
+                          <a:latin typeface="Cambria Math" panose="02040503050406030204" pitchFamily="18" charset="0"/>
+                        </a:rPr>
+                        <m:t>𝐴</m:t>
+                      </m:r>
+                      <m:r>
+                        <a:rPr lang="en-US" altLang="ja-JP" sz="825" i="1">
+                          <a:latin typeface="Cambria Math" panose="02040503050406030204" pitchFamily="18" charset="0"/>
+                        </a:rPr>
+                        <m:t>=</m:t>
+                      </m:r>
+                      <m:sSup>
+                        <m:sSupPr>
+                          <m:ctrlPr>
+                            <a:rPr lang="en-US" altLang="ja-JP" sz="825" i="1">
+                              <a:latin typeface="Cambria Math" panose="02040503050406030204" pitchFamily="18" charset="0"/>
+                            </a:rPr>
+                          </m:ctrlPr>
+                        </m:sSupPr>
+                        <m:e>
+                          <m:r>
+                            <a:rPr lang="en-US" altLang="ja-JP" sz="825" i="1">
+                              <a:latin typeface="Cambria Math" panose="02040503050406030204" pitchFamily="18" charset="0"/>
+                            </a:rPr>
+                            <m:t>𝐴𝐴</m:t>
+                          </m:r>
+                        </m:e>
+                        <m:sup>
+                          <m:r>
+                            <m:rPr>
+                              <m:sty m:val="p"/>
+                            </m:rPr>
+                            <a:rPr lang="en-US" altLang="ja-JP" sz="825">
+                              <a:latin typeface="Cambria Math" panose="02040503050406030204" pitchFamily="18" charset="0"/>
+                            </a:rPr>
+                            <m:t>T</m:t>
+                          </m:r>
+                        </m:sup>
+                      </m:sSup>
+                    </m:oMath>
+                  </m:oMathPara>
+                </a14:m>
+                <a:endParaRPr lang="en-US" altLang="ja-JP" sz="825" i="1" dirty="0">
+                  <a:latin typeface="Cambria Math" panose="02040503050406030204" pitchFamily="18" charset="0"/>
+                </a:endParaRPr>
+              </a:p>
+              <a:p>
+                <a:pPr/>
+                <a14:m>
+                  <m:oMathPara xmlns:m="http://schemas.openxmlformats.org/officeDocument/2006/math">
+                    <m:oMathParaPr>
+                      <m:jc m:val="centerGroup"/>
+                    </m:oMathParaPr>
+                    <m:oMath xmlns:m="http://schemas.openxmlformats.org/officeDocument/2006/math">
+                      <m:r>
+                        <a:rPr lang="ja-JP" altLang="en-US" sz="825" i="1" dirty="0">
+                          <a:latin typeface="DengXian" panose="02010600030101010101" pitchFamily="2" charset="-122"/>
+                          <a:ea typeface="DengXian" panose="02010600030101010101" pitchFamily="2" charset="-122"/>
+                          <a:cs typeface="Times New Roman" panose="02020603050405020304" pitchFamily="18" charset="0"/>
+                        </a:rPr>
+                        <m:t>可通过正交矩阵对角化</m:t>
+                      </m:r>
+                    </m:oMath>
+                  </m:oMathPara>
+                </a14:m>
+                <a:endParaRPr lang="en-US" altLang="ja-JP" sz="825" i="1" dirty="0">
+                  <a:latin typeface="DengXian" panose="02010600030101010101" pitchFamily="2" charset="-122"/>
+                  <a:ea typeface="DengXian" panose="02010600030101010101" pitchFamily="2" charset="-122"/>
+                  <a:cs typeface="Times New Roman" panose="02020603050405020304" pitchFamily="18" charset="0"/>
+                </a:endParaRPr>
+              </a:p>
+            </p:txBody>
+          </p:sp>
+        </mc:Choice>
+        <mc:Fallback>
+          <p:sp>
+            <p:nvSpPr>
+              <p:cNvPr id="26" name="テキスト ボックス 25">
+                <a:extLst>
+                  <a:ext uri="{FF2B5EF4-FFF2-40B4-BE49-F238E27FC236}">
+                    <a16:creationId xmlns:a16="http://schemas.microsoft.com/office/drawing/2014/main" id="{F5D2F9CD-3579-9848-BD61-8928D4D36383}"/>
+                  </a:ext>
+                </a:extLst>
+              </p:cNvPr>
+              <p:cNvSpPr txBox="1">
+                <a:spLocks noRot="1" noChangeAspect="1" noMove="1" noResize="1" noEditPoints="1" noAdjustHandles="1" noChangeArrowheads="1" noChangeShapeType="1" noTextEdit="1"/>
+              </p:cNvSpPr>
+              <p:nvPr/>
+            </p:nvSpPr>
+            <p:spPr>
+              <a:xfrm>
+                <a:off x="2292957" y="2297179"/>
+                <a:ext cx="1574784" cy="256224"/>
+              </a:xfrm>
+              <a:prstGeom prst="rect">
+                <a:avLst/>
+              </a:prstGeom>
+              <a:blipFill>
+                <a:blip r:embed="rId9"/>
+                <a:stretch>
+                  <a:fillRect b="-9091"/>
+                </a:stretch>
+              </a:blipFill>
+            </p:spPr>
+            <p:txBody>
+              <a:bodyPr/>
+              <a:lstStyle/>
+              <a:p>
+                <a:r>
+                  <a:rPr lang="zh-CN" altLang="en-US">
+                    <a:noFill/>
+                  </a:rPr>
+                  <a:t> </a:t>
+                </a:r>
+              </a:p>
+            </p:txBody>
+          </p:sp>
+        </mc:Fallback>
+      </mc:AlternateContent>
+      <mc:AlternateContent xmlns:mc="http://schemas.openxmlformats.org/markup-compatibility/2006" xmlns:a14="http://schemas.microsoft.com/office/drawing/2010/main">
+        <mc:Choice Requires="a14">
+          <p:sp>
+            <p:nvSpPr>
+              <p:cNvPr id="27" name="テキスト ボックス 26">
+                <a:extLst>
+                  <a:ext uri="{FF2B5EF4-FFF2-40B4-BE49-F238E27FC236}">
+                    <a16:creationId xmlns:a16="http://schemas.microsoft.com/office/drawing/2014/main" id="{E118E6B8-8F62-A24C-B8C7-DC991865BF7A}"/>
+                  </a:ext>
+                </a:extLst>
+              </p:cNvPr>
+              <p:cNvSpPr txBox="1"/>
+              <p:nvPr/>
+            </p:nvSpPr>
+            <p:spPr>
+              <a:xfrm>
+                <a:off x="3092704" y="2579500"/>
+                <a:ext cx="599208" cy="164469"/>
+              </a:xfrm>
+              <a:prstGeom prst="rect">
+                <a:avLst/>
+              </a:prstGeom>
+              <a:solidFill>
+                <a:schemeClr val="bg2">
+                  <a:lumMod val="90000"/>
+                </a:schemeClr>
+              </a:solidFill>
+            </p:spPr>
+            <p:txBody>
+              <a:bodyPr wrap="square" lIns="0" tIns="0" rIns="0" bIns="0" rtlCol="0">
+                <a:spAutoFit/>
+              </a:bodyPr>
+              <a:lstStyle>
+                <a:defPPr>
+                  <a:defRPr lang="en-US"/>
+                </a:defPPr>
+                <a:lvl1pPr>
+                  <a:defRPr sz="1049" i="1">
+                    <a:latin typeface="Cambria Math" panose="02040503050406030204" pitchFamily="18" charset="0"/>
+                  </a:defRPr>
+                </a:lvl1pPr>
+              </a:lstStyle>
+              <a:p>
+                <a:pPr/>
+                <a14:m>
+                  <m:oMathPara xmlns:m="http://schemas.openxmlformats.org/officeDocument/2006/math">
+                    <m:oMathParaPr>
+                      <m:jc m:val="centerGroup"/>
+                    </m:oMathParaPr>
+                    <m:oMath xmlns:m="http://schemas.openxmlformats.org/officeDocument/2006/math">
+                      <m:r>
+                        <a:rPr lang="en-US" altLang="ja-JP">
+                          <a:latin typeface="Cambria Math" panose="02040503050406030204" pitchFamily="18" charset="0"/>
+                        </a:rPr>
+                        <m:t>𝐴</m:t>
+                      </m:r>
+                      <m:r>
+                        <a:rPr lang="en-US" altLang="ja-JP">
+                          <a:latin typeface="Cambria Math" panose="02040503050406030204" pitchFamily="18" charset="0"/>
+                        </a:rPr>
+                        <m:t>=</m:t>
+                      </m:r>
+                      <m:sSup>
+                        <m:sSupPr>
+                          <m:ctrlPr>
+                            <a:rPr lang="en-US" altLang="ja-JP" i="1">
+                              <a:latin typeface="Cambria Math" panose="02040503050406030204" pitchFamily="18" charset="0"/>
+                            </a:rPr>
+                          </m:ctrlPr>
+                        </m:sSupPr>
+                        <m:e>
+                          <m:r>
+                            <a:rPr lang="en-US" altLang="ja-JP">
+                              <a:latin typeface="Cambria Math" panose="02040503050406030204" pitchFamily="18" charset="0"/>
+                            </a:rPr>
+                            <m:t>𝑄</m:t>
+                          </m:r>
+                          <m:r>
+                            <m:rPr>
+                              <m:sty m:val="p"/>
+                            </m:rPr>
+                            <a:rPr lang="el-GR" altLang="ja-JP">
+                              <a:latin typeface="Cambria Math" panose="02040503050406030204" pitchFamily="18" charset="0"/>
+                            </a:rPr>
+                            <m:t>Λ</m:t>
+                          </m:r>
+                          <m:r>
+                            <a:rPr lang="en-US" altLang="ja-JP">
+                              <a:latin typeface="Cambria Math" panose="02040503050406030204" pitchFamily="18" charset="0"/>
+                            </a:rPr>
+                            <m:t>𝑄</m:t>
+                          </m:r>
+                        </m:e>
+                        <m:sup>
+                          <m:r>
+                            <m:rPr>
+                              <m:sty m:val="p"/>
+                            </m:rPr>
+                            <a:rPr lang="en-US" altLang="ja-JP">
+                              <a:latin typeface="Cambria Math" panose="02040503050406030204" pitchFamily="18" charset="0"/>
+                            </a:rPr>
+                            <m:t>T</m:t>
+                          </m:r>
+                        </m:sup>
+                      </m:sSup>
+                    </m:oMath>
+                  </m:oMathPara>
+                </a14:m>
+                <a:endParaRPr lang="ja-JP" altLang="en-US"/>
+              </a:p>
+            </p:txBody>
+          </p:sp>
+        </mc:Choice>
+        <mc:Fallback xmlns="">
+          <p:sp>
+            <p:nvSpPr>
+              <p:cNvPr id="27" name="テキスト ボックス 26">
+                <a:extLst>
+                  <a:ext uri="{FF2B5EF4-FFF2-40B4-BE49-F238E27FC236}">
+                    <a16:creationId xmlns:a16="http://schemas.microsoft.com/office/drawing/2014/main" id="{E118E6B8-8F62-A24C-B8C7-DC991865BF7A}"/>
+                  </a:ext>
+                </a:extLst>
+              </p:cNvPr>
+              <p:cNvSpPr txBox="1">
+                <a:spLocks noRot="1" noChangeAspect="1" noMove="1" noResize="1" noEditPoints="1" noAdjustHandles="1" noChangeArrowheads="1" noChangeShapeType="1" noTextEdit="1"/>
+              </p:cNvSpPr>
+              <p:nvPr/>
+            </p:nvSpPr>
+            <p:spPr>
+              <a:xfrm>
+                <a:off x="3092704" y="2579500"/>
+                <a:ext cx="599208" cy="164469"/>
+              </a:xfrm>
+              <a:prstGeom prst="rect">
+                <a:avLst/>
+              </a:prstGeom>
+              <a:blipFill>
+                <a:blip r:embed="rId10"/>
+                <a:stretch>
+                  <a:fillRect l="-6250" t="-7143" r="-4167" b="-21429"/>
+                </a:stretch>
+              </a:blipFill>
+            </p:spPr>
+            <p:txBody>
+              <a:bodyPr/>
+              <a:lstStyle/>
+              <a:p>
+                <a:r>
+                  <a:rPr lang="ja-JP" altLang="en-US">
+                    <a:noFill/>
+                  </a:rPr>
+                  <a:t> </a:t>
+                </a:r>
+              </a:p>
+            </p:txBody>
+          </p:sp>
+        </mc:Fallback>
+      </mc:AlternateContent>
+      <p:sp>
+        <p:nvSpPr>
+          <p:cNvPr id="31" name="テキスト ボックス 30">
+            <a:extLst>
+              <a:ext uri="{FF2B5EF4-FFF2-40B4-BE49-F238E27FC236}">
+                <a16:creationId xmlns:a16="http://schemas.microsoft.com/office/drawing/2014/main" id="{B3E6726F-341A-7542-87B0-480667061F6E}"/>
+              </a:ext>
+            </a:extLst>
+          </p:cNvPr>
+          <p:cNvSpPr txBox="1"/>
+          <p:nvPr/>
+        </p:nvSpPr>
+        <p:spPr>
+          <a:xfrm>
+            <a:off x="3906715" y="1643566"/>
+            <a:ext cx="795721" cy="253787"/>
+          </a:xfrm>
+          <a:prstGeom prst="rect">
+            <a:avLst/>
+          </a:prstGeom>
+          <a:solidFill>
+            <a:schemeClr val="bg1"/>
+          </a:solidFill>
+        </p:spPr>
+        <p:txBody>
+          <a:bodyPr wrap="square" rtlCol="0">
+            <a:spAutoFit/>
+          </a:bodyPr>
+          <a:lstStyle/>
+          <a:p>
+            <a:r>
+              <a:rPr lang="ja-JP" altLang="en-US" sz="1049">
+                <a:latin typeface="DengXian" panose="02010600030101010101" pitchFamily="2" charset="-122"/>
+                <a:ea typeface="DengXian" panose="02010600030101010101" pitchFamily="2" charset="-122"/>
+              </a:rPr>
+              <a:t>可对角化</a:t>
+            </a:r>
+          </a:p>
+        </p:txBody>
+      </p:sp>
+      <mc:AlternateContent xmlns:mc="http://schemas.openxmlformats.org/markup-compatibility/2006" xmlns:a14="http://schemas.microsoft.com/office/drawing/2010/main">
+        <mc:Choice Requires="a14">
+          <p:sp>
+            <p:nvSpPr>
+              <p:cNvPr id="32" name="テキスト ボックス 31">
+                <a:extLst>
+                  <a:ext uri="{FF2B5EF4-FFF2-40B4-BE49-F238E27FC236}">
+                    <a16:creationId xmlns:a16="http://schemas.microsoft.com/office/drawing/2014/main" id="{585C1313-57D9-1342-BF3C-17644971DC0B}"/>
+                  </a:ext>
+                </a:extLst>
+              </p:cNvPr>
+              <p:cNvSpPr txBox="1"/>
+              <p:nvPr/>
+            </p:nvSpPr>
+            <p:spPr>
+              <a:xfrm>
+                <a:off x="4453648" y="1872101"/>
+                <a:ext cx="711684" cy="161454"/>
+              </a:xfrm>
+              <a:prstGeom prst="rect">
+                <a:avLst/>
+              </a:prstGeom>
+              <a:solidFill>
+                <a:schemeClr val="bg2">
+                  <a:lumMod val="90000"/>
+                </a:schemeClr>
+              </a:solidFill>
+            </p:spPr>
+            <p:txBody>
+              <a:bodyPr wrap="square" lIns="0" tIns="0" rIns="0" bIns="0" rtlCol="0">
+                <a:spAutoFit/>
+              </a:bodyPr>
+              <a:lstStyle>
+                <a:defPPr>
+                  <a:defRPr lang="en-US"/>
+                </a:defPPr>
+                <a:lvl1pPr>
+                  <a:defRPr sz="1049" i="1">
+                    <a:latin typeface="Cambria Math" panose="02040503050406030204" pitchFamily="18" charset="0"/>
+                  </a:defRPr>
+                </a:lvl1pPr>
+              </a:lstStyle>
+              <a:p>
+                <a:pPr/>
+                <a14:m>
+                  <m:oMathPara xmlns:m="http://schemas.openxmlformats.org/officeDocument/2006/math">
+                    <m:oMathParaPr>
+                      <m:jc m:val="centerGroup"/>
+                    </m:oMathParaPr>
+                    <m:oMath xmlns:m="http://schemas.openxmlformats.org/officeDocument/2006/math">
+                      <m:r>
+                        <a:rPr lang="en-US" altLang="ja-JP">
+                          <a:latin typeface="Cambria Math" panose="02040503050406030204" pitchFamily="18" charset="0"/>
+                        </a:rPr>
+                        <m:t>𝐴</m:t>
+                      </m:r>
+                      <m:r>
+                        <a:rPr lang="en-US" altLang="ja-JP">
+                          <a:latin typeface="Cambria Math" panose="02040503050406030204" pitchFamily="18" charset="0"/>
+                        </a:rPr>
+                        <m:t>=</m:t>
+                      </m:r>
+                      <m:sSup>
+                        <m:sSupPr>
+                          <m:ctrlPr>
+                            <a:rPr lang="en-US" altLang="ja-JP" i="1">
+                              <a:latin typeface="Cambria Math" panose="02040503050406030204" pitchFamily="18" charset="0"/>
+                            </a:rPr>
+                          </m:ctrlPr>
+                        </m:sSupPr>
+                        <m:e>
+                          <m:r>
+                            <a:rPr lang="en-US" altLang="ja-JP">
+                              <a:latin typeface="Cambria Math" panose="02040503050406030204" pitchFamily="18" charset="0"/>
+                            </a:rPr>
+                            <m:t>𝑋</m:t>
+                          </m:r>
+                          <m:r>
+                            <m:rPr>
+                              <m:sty m:val="p"/>
+                            </m:rPr>
+                            <a:rPr lang="el-GR" altLang="ja-JP">
+                              <a:latin typeface="Cambria Math" panose="02040503050406030204" pitchFamily="18" charset="0"/>
+                            </a:rPr>
+                            <m:t>Λ</m:t>
+                          </m:r>
+                          <m:r>
+                            <a:rPr lang="en-US" altLang="ja-JP">
+                              <a:latin typeface="Cambria Math" panose="02040503050406030204" pitchFamily="18" charset="0"/>
+                            </a:rPr>
+                            <m:t>𝑋</m:t>
+                          </m:r>
+                        </m:e>
+                        <m:sup>
+                          <m:r>
+                            <a:rPr lang="en-US" altLang="ja-JP">
+                              <a:latin typeface="Cambria Math" panose="02040503050406030204" pitchFamily="18" charset="0"/>
+                            </a:rPr>
+                            <m:t>−1</m:t>
+                          </m:r>
+                        </m:sup>
+                      </m:sSup>
+                    </m:oMath>
+                  </m:oMathPara>
+                </a14:m>
+                <a:endParaRPr lang="ja-JP" altLang="en-US"/>
+              </a:p>
+            </p:txBody>
+          </p:sp>
+        </mc:Choice>
+        <mc:Fallback xmlns="">
+          <p:sp>
+            <p:nvSpPr>
+              <p:cNvPr id="32" name="テキスト ボックス 31">
+                <a:extLst>
+                  <a:ext uri="{FF2B5EF4-FFF2-40B4-BE49-F238E27FC236}">
+                    <a16:creationId xmlns:a16="http://schemas.microsoft.com/office/drawing/2014/main" id="{585C1313-57D9-1342-BF3C-17644971DC0B}"/>
+                  </a:ext>
+                </a:extLst>
+              </p:cNvPr>
+              <p:cNvSpPr txBox="1">
+                <a:spLocks noRot="1" noChangeAspect="1" noMove="1" noResize="1" noEditPoints="1" noAdjustHandles="1" noChangeArrowheads="1" noChangeShapeType="1" noTextEdit="1"/>
+              </p:cNvSpPr>
+              <p:nvPr/>
+            </p:nvSpPr>
+            <p:spPr>
+              <a:xfrm>
+                <a:off x="4453648" y="1872101"/>
+                <a:ext cx="711684" cy="161454"/>
+              </a:xfrm>
+              <a:prstGeom prst="rect">
+                <a:avLst/>
+              </a:prstGeom>
+              <a:blipFill>
+                <a:blip r:embed="rId11"/>
+                <a:stretch>
+                  <a:fillRect l="-1754" t="-7143" b="-7143"/>
+                </a:stretch>
+              </a:blipFill>
+            </p:spPr>
+            <p:txBody>
+              <a:bodyPr/>
+              <a:lstStyle/>
+              <a:p>
+                <a:r>
+                  <a:rPr lang="ja-JP" altLang="en-US">
+                    <a:noFill/>
+                  </a:rPr>
+                  <a:t> </a:t>
+                </a:r>
+              </a:p>
+            </p:txBody>
+          </p:sp>
+        </mc:Fallback>
+      </mc:AlternateContent>
+      <mc:AlternateContent xmlns:mc="http://schemas.openxmlformats.org/markup-compatibility/2006" xmlns:a14="http://schemas.microsoft.com/office/drawing/2010/main">
+        <mc:Choice Requires="a14">
+          <p:sp>
+            <p:nvSpPr>
+              <p:cNvPr id="34" name="テキスト ボックス 33">
+                <a:extLst>
+                  <a:ext uri="{FF2B5EF4-FFF2-40B4-BE49-F238E27FC236}">
+                    <a16:creationId xmlns:a16="http://schemas.microsoft.com/office/drawing/2014/main" id="{46DEF32E-4A41-E94F-B01A-1BB1BC0CCC2B}"/>
+                  </a:ext>
+                </a:extLst>
+              </p:cNvPr>
+              <p:cNvSpPr txBox="1"/>
+              <p:nvPr/>
+            </p:nvSpPr>
+            <p:spPr>
+              <a:xfrm>
+                <a:off x="2520979" y="1927055"/>
+                <a:ext cx="599208" cy="211725"/>
+              </a:xfrm>
+              <a:prstGeom prst="rect">
+                <a:avLst/>
+              </a:prstGeom>
+              <a:noFill/>
+            </p:spPr>
+            <p:txBody>
+              <a:bodyPr wrap="square" lIns="0" tIns="0" rIns="0" bIns="0" rtlCol="0">
+                <a:spAutoFit/>
+              </a:bodyPr>
+              <a:lstStyle/>
+              <a:p>
+                <a:pPr/>
+                <a14:m>
+                  <m:oMathPara xmlns:m="http://schemas.openxmlformats.org/officeDocument/2006/math">
+                    <m:oMathParaPr>
+                      <m:jc m:val="centerGroup"/>
+                    </m:oMathParaPr>
+                    <m:oMath xmlns:m="http://schemas.openxmlformats.org/officeDocument/2006/math">
+                      <m:r>
+                        <a:rPr lang="en-US" altLang="ja-JP" sz="825" i="1">
+                          <a:latin typeface="Cambria Math" panose="02040503050406030204" pitchFamily="18" charset="0"/>
+                        </a:rPr>
+                        <m:t>𝐴</m:t>
+                      </m:r>
+                      <m:r>
+                        <a:rPr lang="en-US" altLang="ja-JP" sz="825" i="1">
+                          <a:latin typeface="Cambria Math" panose="02040503050406030204" pitchFamily="18" charset="0"/>
+                        </a:rPr>
+                        <m:t>=</m:t>
+                      </m:r>
+                      <m:d>
+                        <m:dPr>
+                          <m:begChr m:val="["/>
+                          <m:endChr m:val="]"/>
+                          <m:ctrlPr>
+                            <a:rPr lang="en-US" altLang="ja-JP" sz="825" i="1">
+                              <a:latin typeface="Cambria Math" panose="02040503050406030204" pitchFamily="18" charset="0"/>
+                            </a:rPr>
+                          </m:ctrlPr>
+                        </m:dPr>
+                        <m:e>
+                          <m:m>
+                            <m:mPr>
+                              <m:mcs>
+                                <m:mc>
+                                  <m:mcPr>
+                                    <m:count m:val="2"/>
+                                    <m:mcJc m:val="center"/>
+                                  </m:mcPr>
+                                </m:mc>
+                              </m:mcs>
+                              <m:ctrlPr>
+                                <a:rPr lang="en-US" altLang="ja-JP" sz="825" i="1">
+                                  <a:latin typeface="Cambria Math" panose="02040503050406030204" pitchFamily="18" charset="0"/>
+                                </a:rPr>
+                              </m:ctrlPr>
+                            </m:mPr>
+                            <m:mr>
+                              <m:e>
+                                <m:r>
+                                  <m:rPr>
+                                    <m:brk m:alnAt="7"/>
+                                  </m:rPr>
+                                  <a:rPr lang="en-US" altLang="ja-JP" sz="825" i="1">
+                                    <a:latin typeface="Cambria Math" panose="02040503050406030204" pitchFamily="18" charset="0"/>
+                                  </a:rPr>
+                                  <m:t>1</m:t>
+                                </m:r>
+                              </m:e>
+                              <m:e>
+                                <m:r>
+                                  <a:rPr lang="en-US" altLang="ja-JP" sz="825" i="1">
+                                    <a:latin typeface="Cambria Math" panose="02040503050406030204" pitchFamily="18" charset="0"/>
+                                  </a:rPr>
+                                  <m:t>1</m:t>
+                                </m:r>
+                              </m:e>
+                            </m:mr>
+                            <m:mr>
+                              <m:e>
+                                <m:r>
+                                  <a:rPr lang="en-US" altLang="ja-JP" sz="825" i="1">
+                                    <a:latin typeface="Cambria Math" panose="02040503050406030204" pitchFamily="18" charset="0"/>
+                                  </a:rPr>
+                                  <m:t>0</m:t>
+                                </m:r>
+                              </m:e>
+                              <m:e>
+                                <m:r>
+                                  <a:rPr lang="en-US" altLang="ja-JP" sz="825" i="1">
+                                    <a:latin typeface="Cambria Math" panose="02040503050406030204" pitchFamily="18" charset="0"/>
+                                  </a:rPr>
+                                  <m:t>2</m:t>
+                                </m:r>
+                              </m:e>
+                            </m:mr>
+                          </m:m>
+                        </m:e>
+                      </m:d>
+                    </m:oMath>
+                  </m:oMathPara>
+                </a14:m>
+                <a:endParaRPr lang="ja-JP" altLang="en-US" sz="825"/>
+              </a:p>
+            </p:txBody>
+          </p:sp>
+        </mc:Choice>
+        <mc:Fallback xmlns="">
+          <p:sp>
+            <p:nvSpPr>
+              <p:cNvPr id="34" name="テキスト ボックス 33">
+                <a:extLst>
+                  <a:ext uri="{FF2B5EF4-FFF2-40B4-BE49-F238E27FC236}">
+                    <a16:creationId xmlns:a16="http://schemas.microsoft.com/office/drawing/2014/main" id="{46DEF32E-4A41-E94F-B01A-1BB1BC0CCC2B}"/>
+                  </a:ext>
+                </a:extLst>
+              </p:cNvPr>
+              <p:cNvSpPr txBox="1">
+                <a:spLocks noRot="1" noChangeAspect="1" noMove="1" noResize="1" noEditPoints="1" noAdjustHandles="1" noChangeArrowheads="1" noChangeShapeType="1" noTextEdit="1"/>
+              </p:cNvSpPr>
+              <p:nvPr/>
+            </p:nvSpPr>
+            <p:spPr>
+              <a:xfrm>
+                <a:off x="2520979" y="1927055"/>
+                <a:ext cx="599208" cy="211725"/>
+              </a:xfrm>
+              <a:prstGeom prst="rect">
+                <a:avLst/>
+              </a:prstGeom>
+              <a:blipFill>
+                <a:blip r:embed="rId12"/>
+                <a:stretch>
+                  <a:fillRect b="-16667"/>
+                </a:stretch>
+              </a:blipFill>
+            </p:spPr>
+            <p:txBody>
+              <a:bodyPr/>
+              <a:lstStyle/>
+              <a:p>
+                <a:r>
+                  <a:rPr lang="ja-JP" altLang="en-US">
+                    <a:noFill/>
+                  </a:rPr>
+                  <a:t> </a:t>
+                </a:r>
+              </a:p>
+            </p:txBody>
+          </p:sp>
+        </mc:Fallback>
+      </mc:AlternateContent>
+      <mc:AlternateContent xmlns:mc="http://schemas.openxmlformats.org/markup-compatibility/2006" xmlns:a14="http://schemas.microsoft.com/office/drawing/2010/main">
+        <mc:Choice Requires="a14">
+          <p:sp>
+            <p:nvSpPr>
+              <p:cNvPr id="35" name="テキスト ボックス 34">
+                <a:extLst>
+                  <a:ext uri="{FF2B5EF4-FFF2-40B4-BE49-F238E27FC236}">
+                    <a16:creationId xmlns:a16="http://schemas.microsoft.com/office/drawing/2014/main" id="{320E64B2-6CB5-0A42-8431-6D7D3027E6B1}"/>
+                  </a:ext>
+                </a:extLst>
+              </p:cNvPr>
+              <p:cNvSpPr txBox="1"/>
+              <p:nvPr/>
+            </p:nvSpPr>
+            <p:spPr>
+              <a:xfrm>
+                <a:off x="5816802" y="2163552"/>
+                <a:ext cx="599208" cy="211725"/>
+              </a:xfrm>
+              <a:prstGeom prst="rect">
+                <a:avLst/>
+              </a:prstGeom>
+              <a:noFill/>
+            </p:spPr>
+            <p:txBody>
+              <a:bodyPr wrap="square" lIns="0" tIns="0" rIns="0" bIns="0" rtlCol="0">
+                <a:spAutoFit/>
+              </a:bodyPr>
+              <a:lstStyle/>
+              <a:p>
+                <a:pPr/>
+                <a14:m>
+                  <m:oMathPara xmlns:m="http://schemas.openxmlformats.org/officeDocument/2006/math">
+                    <m:oMathParaPr>
+                      <m:jc m:val="centerGroup"/>
+                    </m:oMathParaPr>
+                    <m:oMath xmlns:m="http://schemas.openxmlformats.org/officeDocument/2006/math">
+                      <m:r>
+                        <a:rPr lang="en-US" altLang="ja-JP" sz="825" i="1">
+                          <a:latin typeface="Cambria Math" panose="02040503050406030204" pitchFamily="18" charset="0"/>
+                        </a:rPr>
+                        <m:t>𝐴</m:t>
+                      </m:r>
+                      <m:r>
+                        <a:rPr lang="en-US" altLang="ja-JP" sz="825" i="1">
+                          <a:latin typeface="Cambria Math" panose="02040503050406030204" pitchFamily="18" charset="0"/>
+                        </a:rPr>
+                        <m:t>=</m:t>
+                      </m:r>
+                      <m:d>
+                        <m:dPr>
+                          <m:begChr m:val="["/>
+                          <m:endChr m:val="]"/>
+                          <m:ctrlPr>
+                            <a:rPr lang="en-US" altLang="ja-JP" sz="825" i="1">
+                              <a:latin typeface="Cambria Math" panose="02040503050406030204" pitchFamily="18" charset="0"/>
+                            </a:rPr>
+                          </m:ctrlPr>
+                        </m:dPr>
+                        <m:e>
+                          <m:m>
+                            <m:mPr>
+                              <m:mcs>
+                                <m:mc>
+                                  <m:mcPr>
+                                    <m:count m:val="2"/>
+                                    <m:mcJc m:val="center"/>
+                                  </m:mcPr>
+                                </m:mc>
+                              </m:mcs>
+                              <m:ctrlPr>
+                                <a:rPr lang="en-US" altLang="ja-JP" sz="825" i="1">
+                                  <a:latin typeface="Cambria Math" panose="02040503050406030204" pitchFamily="18" charset="0"/>
+                                </a:rPr>
+                              </m:ctrlPr>
+                            </m:mPr>
+                            <m:mr>
+                              <m:e>
+                                <m:r>
+                                  <m:rPr>
+                                    <m:brk m:alnAt="7"/>
+                                  </m:rPr>
+                                  <a:rPr lang="en-US" altLang="ja-JP" sz="825" i="1">
+                                    <a:latin typeface="Cambria Math" panose="02040503050406030204" pitchFamily="18" charset="0"/>
+                                  </a:rPr>
+                                  <m:t>0</m:t>
+                                </m:r>
+                              </m:e>
+                              <m:e>
+                                <m:r>
+                                  <a:rPr lang="en-US" altLang="ja-JP" sz="825" i="1">
+                                    <a:latin typeface="Cambria Math" panose="02040503050406030204" pitchFamily="18" charset="0"/>
+                                  </a:rPr>
+                                  <m:t>1</m:t>
+                                </m:r>
+                              </m:e>
+                            </m:mr>
+                            <m:mr>
+                              <m:e>
+                                <m:r>
+                                  <a:rPr lang="en-US" altLang="ja-JP" sz="825" i="1">
+                                    <a:latin typeface="Cambria Math" panose="02040503050406030204" pitchFamily="18" charset="0"/>
+                                  </a:rPr>
+                                  <m:t>0</m:t>
+                                </m:r>
+                              </m:e>
+                              <m:e>
+                                <m:r>
+                                  <a:rPr lang="en-US" altLang="ja-JP" sz="825" i="1">
+                                    <a:latin typeface="Cambria Math" panose="02040503050406030204" pitchFamily="18" charset="0"/>
+                                  </a:rPr>
+                                  <m:t>1</m:t>
+                                </m:r>
+                              </m:e>
+                            </m:mr>
+                          </m:m>
+                        </m:e>
+                      </m:d>
+                    </m:oMath>
+                  </m:oMathPara>
+                </a14:m>
+                <a:endParaRPr lang="ja-JP" altLang="en-US" sz="825"/>
+              </a:p>
+            </p:txBody>
+          </p:sp>
+        </mc:Choice>
+        <mc:Fallback xmlns="">
+          <p:sp>
+            <p:nvSpPr>
+              <p:cNvPr id="35" name="テキスト ボックス 34">
+                <a:extLst>
+                  <a:ext uri="{FF2B5EF4-FFF2-40B4-BE49-F238E27FC236}">
+                    <a16:creationId xmlns:a16="http://schemas.microsoft.com/office/drawing/2014/main" id="{320E64B2-6CB5-0A42-8431-6D7D3027E6B1}"/>
+                  </a:ext>
+                </a:extLst>
+              </p:cNvPr>
+              <p:cNvSpPr txBox="1">
+                <a:spLocks noRot="1" noChangeAspect="1" noMove="1" noResize="1" noEditPoints="1" noAdjustHandles="1" noChangeArrowheads="1" noChangeShapeType="1" noTextEdit="1"/>
+              </p:cNvSpPr>
+              <p:nvPr/>
+            </p:nvSpPr>
+            <p:spPr>
+              <a:xfrm>
+                <a:off x="5816802" y="2163552"/>
+                <a:ext cx="599208" cy="211725"/>
+              </a:xfrm>
+              <a:prstGeom prst="rect">
+                <a:avLst/>
+              </a:prstGeom>
+              <a:blipFill>
+                <a:blip r:embed="rId13"/>
+                <a:stretch>
+                  <a:fillRect b="-11111"/>
+                </a:stretch>
+              </a:blipFill>
+            </p:spPr>
+            <p:txBody>
+              <a:bodyPr/>
+              <a:lstStyle/>
+              <a:p>
+                <a:r>
+                  <a:rPr lang="ja-JP" altLang="en-US">
+                    <a:noFill/>
+                  </a:rPr>
+                  <a:t> </a:t>
+                </a:r>
+              </a:p>
+            </p:txBody>
+          </p:sp>
+        </mc:Fallback>
+      </mc:AlternateContent>
+      <p:sp>
+        <p:nvSpPr>
+          <p:cNvPr id="36" name="円/楕円 35">
+            <a:extLst>
+              <a:ext uri="{FF2B5EF4-FFF2-40B4-BE49-F238E27FC236}">
+                <a16:creationId xmlns:a16="http://schemas.microsoft.com/office/drawing/2014/main" id="{5DF21DCC-71F2-D840-8CCC-5A148E641DFA}"/>
+              </a:ext>
+            </a:extLst>
+          </p:cNvPr>
+          <p:cNvSpPr/>
+          <p:nvPr/>
+        </p:nvSpPr>
+        <p:spPr>
+          <a:xfrm>
+            <a:off x="936615" y="792677"/>
+            <a:ext cx="6769162" cy="4360722"/>
+          </a:xfrm>
+          <a:prstGeom prst="ellipse">
+            <a:avLst/>
+          </a:prstGeom>
+          <a:noFill/>
+        </p:spPr>
+        <p:style>
+          <a:lnRef idx="2">
+            <a:schemeClr val="accent1">
+              <a:shade val="50000"/>
+            </a:schemeClr>
+          </a:lnRef>
+          <a:fillRef idx="1">
+            <a:schemeClr val="accent1"/>
+          </a:fillRef>
+          <a:effectRef idx="0">
+            <a:schemeClr val="accent1"/>
+          </a:effectRef>
+          <a:fontRef idx="minor">
+            <a:schemeClr val="lt1"/>
+          </a:fontRef>
+        </p:style>
+        <p:txBody>
+          <a:bodyPr rtlCol="0" anchor="ctr"/>
+          <a:lstStyle/>
+          <a:p>
+            <a:pPr algn="ctr"/>
+            <a:endParaRPr lang="ja-JP" altLang="en-US" sz="1013"/>
+          </a:p>
+        </p:txBody>
+      </p:sp>
+      <mc:AlternateContent xmlns:mc="http://schemas.openxmlformats.org/markup-compatibility/2006">
+        <mc:Choice xmlns:a14="http://schemas.microsoft.com/office/drawing/2010/main" Requires="a14">
+          <p:sp>
+            <p:nvSpPr>
+              <p:cNvPr id="37" name="テキスト ボックス 36">
+                <a:extLst>
+                  <a:ext uri="{FF2B5EF4-FFF2-40B4-BE49-F238E27FC236}">
+                    <a16:creationId xmlns:a16="http://schemas.microsoft.com/office/drawing/2014/main" id="{9B99741E-56B7-D844-98D1-955C4F5F5D8F}"/>
+                  </a:ext>
+                </a:extLst>
+              </p:cNvPr>
+              <p:cNvSpPr txBox="1"/>
+              <p:nvPr/>
+            </p:nvSpPr>
+            <p:spPr>
+              <a:xfrm>
+                <a:off x="3446233" y="782737"/>
+                <a:ext cx="1633210" cy="253787"/>
+              </a:xfrm>
+              <a:prstGeom prst="rect">
+                <a:avLst/>
+              </a:prstGeom>
+              <a:noFill/>
+            </p:spPr>
+            <p:txBody>
+              <a:bodyPr wrap="square" rtlCol="0">
+                <a:spAutoFit/>
+              </a:bodyPr>
+              <a:lstStyle/>
+              <a:p>
+                <a:pPr algn="ctr"/>
+                <a:r>
+                  <a:rPr lang="ja-JP" altLang="en-US" sz="1049">
+                    <a:latin typeface="DengXian" panose="02010600030101010101" pitchFamily="2" charset="-122"/>
+                    <a:ea typeface="DengXian" panose="02010600030101010101" pitchFamily="2" charset="-122"/>
+                  </a:rPr>
+                  <a:t>方阵</a:t>
+                </a:r>
+                <a:r>
+                  <a:rPr lang="zh-CN" altLang="en-US" sz="1049" dirty="0">
+                    <a:latin typeface="Arial Rounded MT Bold" panose="020F0704030504030204" pitchFamily="34" charset="0"/>
+                  </a:rPr>
+                  <a:t> </a:t>
+                </a:r>
+                <a:r>
+                  <a:rPr lang="en-US" altLang="ja-JP" sz="901" dirty="0"/>
+                  <a:t>(</a:t>
+                </a:r>
+                <a14:m>
+                  <m:oMath xmlns:m="http://schemas.openxmlformats.org/officeDocument/2006/math">
+                    <m:r>
+                      <a:rPr lang="en-US" altLang="ja-JP" sz="901" i="1">
+                        <a:latin typeface="Cambria Math" panose="02040503050406030204" pitchFamily="18" charset="0"/>
+                      </a:rPr>
+                      <m:t>𝑛</m:t>
+                    </m:r>
+                    <m:r>
+                      <a:rPr lang="en-US" altLang="ja-JP" sz="901" i="1">
+                        <a:latin typeface="Cambria Math" panose="02040503050406030204" pitchFamily="18" charset="0"/>
+                        <a:ea typeface="Cambria Math" panose="02040503050406030204" pitchFamily="18" charset="0"/>
+                      </a:rPr>
+                      <m:t>×</m:t>
+                    </m:r>
+                    <m:r>
+                      <a:rPr lang="en-US" altLang="ja-JP" sz="901" i="1">
+                        <a:latin typeface="Cambria Math" panose="02040503050406030204" pitchFamily="18" charset="0"/>
+                        <a:ea typeface="Cambria Math" panose="02040503050406030204" pitchFamily="18" charset="0"/>
+                      </a:rPr>
+                      <m:t>𝑛</m:t>
+                    </m:r>
+                  </m:oMath>
+                </a14:m>
+                <a:r>
+                  <a:rPr lang="en-US" altLang="ja-JP" sz="901" dirty="0"/>
+                  <a:t>)</a:t>
+                </a:r>
+                <a:endParaRPr lang="ja-JP" altLang="en-US" sz="901"/>
+              </a:p>
+            </p:txBody>
+          </p:sp>
+        </mc:Choice>
+        <mc:Fallback>
+          <p:sp>
+            <p:nvSpPr>
+              <p:cNvPr id="37" name="テキスト ボックス 36">
+                <a:extLst>
+                  <a:ext uri="{FF2B5EF4-FFF2-40B4-BE49-F238E27FC236}">
+                    <a16:creationId xmlns:a16="http://schemas.microsoft.com/office/drawing/2014/main" id="{9B99741E-56B7-D844-98D1-955C4F5F5D8F}"/>
+                  </a:ext>
+                </a:extLst>
+              </p:cNvPr>
+              <p:cNvSpPr txBox="1">
+                <a:spLocks noRot="1" noChangeAspect="1" noMove="1" noResize="1" noEditPoints="1" noAdjustHandles="1" noChangeArrowheads="1" noChangeShapeType="1" noTextEdit="1"/>
+              </p:cNvSpPr>
+              <p:nvPr/>
+            </p:nvSpPr>
+            <p:spPr>
+              <a:xfrm>
+                <a:off x="3446233" y="782737"/>
+                <a:ext cx="1633210" cy="253787"/>
+              </a:xfrm>
+              <a:prstGeom prst="rect">
+                <a:avLst/>
+              </a:prstGeom>
+              <a:blipFill>
+                <a:blip r:embed="rId14"/>
+                <a:stretch>
+                  <a:fillRect b="-14286"/>
+                </a:stretch>
+              </a:blipFill>
+            </p:spPr>
+            <p:txBody>
+              <a:bodyPr/>
+              <a:lstStyle/>
+              <a:p>
+                <a:r>
+                  <a:rPr lang="zh-CN" altLang="en-US">
+                    <a:noFill/>
+                  </a:rPr>
+                  <a:t> </a:t>
+                </a:r>
+              </a:p>
+            </p:txBody>
+          </p:sp>
+        </mc:Fallback>
+      </mc:AlternateContent>
+      <mc:AlternateContent xmlns:mc="http://schemas.openxmlformats.org/markup-compatibility/2006" xmlns:a14="http://schemas.microsoft.com/office/drawing/2010/main">
+        <mc:Choice Requires="a14">
+          <p:sp>
+            <p:nvSpPr>
+              <p:cNvPr id="40" name="テキスト ボックス 39">
+                <a:extLst>
+                  <a:ext uri="{FF2B5EF4-FFF2-40B4-BE49-F238E27FC236}">
+                    <a16:creationId xmlns:a16="http://schemas.microsoft.com/office/drawing/2014/main" id="{2F3E3310-B650-654B-99D1-D42CD36ED52B}"/>
+                  </a:ext>
+                </a:extLst>
+              </p:cNvPr>
+              <p:cNvSpPr txBox="1"/>
+              <p:nvPr/>
+            </p:nvSpPr>
+            <p:spPr>
+              <a:xfrm>
+                <a:off x="1914771" y="1596884"/>
+                <a:ext cx="599208" cy="211725"/>
+              </a:xfrm>
+              <a:prstGeom prst="rect">
+                <a:avLst/>
+              </a:prstGeom>
+              <a:noFill/>
+            </p:spPr>
+            <p:txBody>
+              <a:bodyPr wrap="square" lIns="0" tIns="0" rIns="0" bIns="0" rtlCol="0">
+                <a:spAutoFit/>
+              </a:bodyPr>
+              <a:lstStyle/>
+              <a:p>
+                <a:pPr/>
+                <a14:m>
+                  <m:oMathPara xmlns:m="http://schemas.openxmlformats.org/officeDocument/2006/math">
+                    <m:oMathParaPr>
+                      <m:jc m:val="centerGroup"/>
+                    </m:oMathParaPr>
+                    <m:oMath xmlns:m="http://schemas.openxmlformats.org/officeDocument/2006/math">
+                      <m:r>
+                        <a:rPr lang="en-US" altLang="ja-JP" sz="825" i="1">
+                          <a:latin typeface="Cambria Math" panose="02040503050406030204" pitchFamily="18" charset="0"/>
+                        </a:rPr>
+                        <m:t>𝐴</m:t>
+                      </m:r>
+                      <m:r>
+                        <a:rPr lang="en-US" altLang="ja-JP" sz="825" i="1">
+                          <a:latin typeface="Cambria Math" panose="02040503050406030204" pitchFamily="18" charset="0"/>
+                        </a:rPr>
+                        <m:t>=</m:t>
+                      </m:r>
+                      <m:d>
+                        <m:dPr>
+                          <m:begChr m:val="["/>
+                          <m:endChr m:val="]"/>
+                          <m:ctrlPr>
+                            <a:rPr lang="en-US" altLang="ja-JP" sz="825" i="1">
+                              <a:latin typeface="Cambria Math" panose="02040503050406030204" pitchFamily="18" charset="0"/>
+                            </a:rPr>
+                          </m:ctrlPr>
+                        </m:dPr>
+                        <m:e>
+                          <m:m>
+                            <m:mPr>
+                              <m:mcs>
+                                <m:mc>
+                                  <m:mcPr>
+                                    <m:count m:val="2"/>
+                                    <m:mcJc m:val="center"/>
+                                  </m:mcPr>
+                                </m:mc>
+                              </m:mcs>
+                              <m:ctrlPr>
+                                <a:rPr lang="en-US" altLang="ja-JP" sz="825" i="1">
+                                  <a:latin typeface="Cambria Math" panose="02040503050406030204" pitchFamily="18" charset="0"/>
+                                </a:rPr>
+                              </m:ctrlPr>
+                            </m:mPr>
+                            <m:mr>
+                              <m:e>
+                                <m:r>
+                                  <m:rPr>
+                                    <m:brk m:alnAt="7"/>
+                                  </m:rPr>
+                                  <a:rPr lang="en-US" altLang="ja-JP" sz="825" i="1">
+                                    <a:latin typeface="Cambria Math" panose="02040503050406030204" pitchFamily="18" charset="0"/>
+                                  </a:rPr>
+                                  <m:t>2</m:t>
+                                </m:r>
+                              </m:e>
+                              <m:e>
+                                <m:r>
+                                  <a:rPr lang="en-US" altLang="ja-JP" sz="825" i="1">
+                                    <a:latin typeface="Cambria Math" panose="02040503050406030204" pitchFamily="18" charset="0"/>
+                                  </a:rPr>
+                                  <m:t>1</m:t>
+                                </m:r>
+                              </m:e>
+                            </m:mr>
+                            <m:mr>
+                              <m:e>
+                                <m:r>
+                                  <a:rPr lang="en-US" altLang="ja-JP" sz="825" i="1">
+                                    <a:latin typeface="Cambria Math" panose="02040503050406030204" pitchFamily="18" charset="0"/>
+                                  </a:rPr>
+                                  <m:t>0</m:t>
+                                </m:r>
+                              </m:e>
+                              <m:e>
+                                <m:r>
+                                  <a:rPr lang="en-US" altLang="ja-JP" sz="825" i="1">
+                                    <a:latin typeface="Cambria Math" panose="02040503050406030204" pitchFamily="18" charset="0"/>
+                                  </a:rPr>
+                                  <m:t>2</m:t>
+                                </m:r>
+                              </m:e>
+                            </m:mr>
+                          </m:m>
+                        </m:e>
+                      </m:d>
+                    </m:oMath>
+                  </m:oMathPara>
+                </a14:m>
+                <a:endParaRPr lang="ja-JP" altLang="en-US" sz="825"/>
+              </a:p>
+            </p:txBody>
+          </p:sp>
+        </mc:Choice>
+        <mc:Fallback xmlns="">
+          <p:sp>
+            <p:nvSpPr>
+              <p:cNvPr id="40" name="テキスト ボックス 39">
+                <a:extLst>
+                  <a:ext uri="{FF2B5EF4-FFF2-40B4-BE49-F238E27FC236}">
+                    <a16:creationId xmlns:a16="http://schemas.microsoft.com/office/drawing/2014/main" id="{2F3E3310-B650-654B-99D1-D42CD36ED52B}"/>
+                  </a:ext>
+                </a:extLst>
+              </p:cNvPr>
+              <p:cNvSpPr txBox="1">
+                <a:spLocks noRot="1" noChangeAspect="1" noMove="1" noResize="1" noEditPoints="1" noAdjustHandles="1" noChangeArrowheads="1" noChangeShapeType="1" noTextEdit="1"/>
+              </p:cNvSpPr>
+              <p:nvPr/>
+            </p:nvSpPr>
+            <p:spPr>
+              <a:xfrm>
+                <a:off x="1914771" y="1596884"/>
+                <a:ext cx="599208" cy="211725"/>
+              </a:xfrm>
+              <a:prstGeom prst="rect">
+                <a:avLst/>
+              </a:prstGeom>
+              <a:blipFill>
+                <a:blip r:embed="rId16"/>
+                <a:stretch>
+                  <a:fillRect b="-16667"/>
+                </a:stretch>
+              </a:blipFill>
+            </p:spPr>
+            <p:txBody>
+              <a:bodyPr/>
+              <a:lstStyle/>
+              <a:p>
+                <a:r>
+                  <a:rPr lang="ja-JP" altLang="en-US">
+                    <a:noFill/>
+                  </a:rPr>
+                  <a:t> </a:t>
+                </a:r>
+              </a:p>
+            </p:txBody>
+          </p:sp>
+        </mc:Fallback>
+      </mc:AlternateContent>
+      <mc:AlternateContent xmlns:mc="http://schemas.openxmlformats.org/markup-compatibility/2006" xmlns:a14="http://schemas.microsoft.com/office/drawing/2010/main">
+        <mc:Choice Requires="a14">
+          <p:sp>
+            <p:nvSpPr>
+              <p:cNvPr id="41" name="テキスト ボックス 40">
+                <a:extLst>
+                  <a:ext uri="{FF2B5EF4-FFF2-40B4-BE49-F238E27FC236}">
+                    <a16:creationId xmlns:a16="http://schemas.microsoft.com/office/drawing/2014/main" id="{FCA97591-7AC0-9742-B4C3-71D3146FB74D}"/>
+                  </a:ext>
+                </a:extLst>
+              </p:cNvPr>
+              <p:cNvSpPr txBox="1"/>
+              <p:nvPr/>
+            </p:nvSpPr>
+            <p:spPr>
+              <a:xfrm>
+                <a:off x="6733908" y="2302168"/>
+                <a:ext cx="801864" cy="210892"/>
+              </a:xfrm>
+              <a:prstGeom prst="rect">
+                <a:avLst/>
+              </a:prstGeom>
+              <a:noFill/>
+            </p:spPr>
+            <p:txBody>
+              <a:bodyPr wrap="square" lIns="0" tIns="0" rIns="0" bIns="0" rtlCol="0">
+                <a:spAutoFit/>
+              </a:bodyPr>
+              <a:lstStyle/>
+              <a:p>
+                <a:pPr/>
+                <a14:m>
+                  <m:oMathPara xmlns:m="http://schemas.openxmlformats.org/officeDocument/2006/math">
+                    <m:oMathParaPr>
+                      <m:jc m:val="centerGroup"/>
+                    </m:oMathParaPr>
+                    <m:oMath xmlns:m="http://schemas.openxmlformats.org/officeDocument/2006/math">
+                      <m:r>
+                        <a:rPr lang="en-US" altLang="ja-JP" sz="825" i="1" smtClean="0">
+                          <a:latin typeface="Cambria Math" panose="02040503050406030204" pitchFamily="18" charset="0"/>
+                        </a:rPr>
+                        <m:t>𝐴</m:t>
+                      </m:r>
+                      <m:r>
+                        <a:rPr lang="en-US" altLang="ja-JP" sz="825" i="1" smtClean="0">
+                          <a:latin typeface="Cambria Math" panose="02040503050406030204" pitchFamily="18" charset="0"/>
+                        </a:rPr>
+                        <m:t>=</m:t>
+                      </m:r>
+                      <m:d>
+                        <m:dPr>
+                          <m:begChr m:val="["/>
+                          <m:endChr m:val="]"/>
+                          <m:ctrlPr>
+                            <a:rPr lang="en-US" altLang="ja-JP" sz="825" i="1">
+                              <a:latin typeface="Cambria Math" panose="02040503050406030204" pitchFamily="18" charset="0"/>
+                            </a:rPr>
+                          </m:ctrlPr>
+                        </m:dPr>
+                        <m:e>
+                          <m:m>
+                            <m:mPr>
+                              <m:mcs>
+                                <m:mc>
+                                  <m:mcPr>
+                                    <m:count m:val="2"/>
+                                    <m:mcJc m:val="center"/>
+                                  </m:mcPr>
+                                </m:mc>
+                              </m:mcs>
+                              <m:ctrlPr>
+                                <a:rPr lang="en-US" altLang="ja-JP" sz="825" i="1">
+                                  <a:latin typeface="Cambria Math" panose="02040503050406030204" pitchFamily="18" charset="0"/>
+                                </a:rPr>
+                              </m:ctrlPr>
+                            </m:mPr>
+                            <m:mr>
+                              <m:e>
+                                <m:r>
+                                  <m:rPr>
+                                    <m:brk m:alnAt="7"/>
+                                  </m:rPr>
+                                  <a:rPr lang="en-US" altLang="ja-JP" sz="825" b="0" i="1">
+                                    <a:latin typeface="Cambria Math" panose="02040503050406030204" pitchFamily="18" charset="0"/>
+                                  </a:rPr>
+                                  <m:t>1</m:t>
+                                </m:r>
+                              </m:e>
+                              <m:e>
+                                <m:r>
+                                  <a:rPr lang="en-US" altLang="ja-JP" sz="825" b="0" i="1" smtClean="0">
+                                    <a:latin typeface="Cambria Math" panose="02040503050406030204" pitchFamily="18" charset="0"/>
+                                  </a:rPr>
+                                  <m:t>1</m:t>
+                                </m:r>
+                              </m:e>
+                            </m:mr>
+                            <m:mr>
+                              <m:e>
+                                <m:r>
+                                  <a:rPr lang="en-US" altLang="ja-JP" sz="825" b="0" i="1" smtClean="0">
+                                    <a:latin typeface="Cambria Math" panose="02040503050406030204" pitchFamily="18" charset="0"/>
+                                  </a:rPr>
+                                  <m:t>−1</m:t>
+                                </m:r>
+                              </m:e>
+                              <m:e>
+                                <m:r>
+                                  <a:rPr lang="en-US" altLang="ja-JP" sz="825" b="0" i="1" smtClean="0">
+                                    <a:latin typeface="Cambria Math" panose="02040503050406030204" pitchFamily="18" charset="0"/>
+                                  </a:rPr>
+                                  <m:t>−1</m:t>
+                                </m:r>
+                              </m:e>
+                            </m:mr>
+                          </m:m>
+                        </m:e>
+                      </m:d>
+                    </m:oMath>
+                  </m:oMathPara>
+                </a14:m>
+                <a:endParaRPr lang="ja-JP" altLang="en-US" sz="825"/>
+              </a:p>
+            </p:txBody>
+          </p:sp>
+        </mc:Choice>
+        <mc:Fallback xmlns="">
+          <p:sp>
+            <p:nvSpPr>
+              <p:cNvPr id="41" name="テキスト ボックス 40">
+                <a:extLst>
+                  <a:ext uri="{FF2B5EF4-FFF2-40B4-BE49-F238E27FC236}">
+                    <a16:creationId xmlns:a16="http://schemas.microsoft.com/office/drawing/2014/main" id="{FCA97591-7AC0-9742-B4C3-71D3146FB74D}"/>
+                  </a:ext>
+                </a:extLst>
+              </p:cNvPr>
+              <p:cNvSpPr txBox="1">
+                <a:spLocks noRot="1" noChangeAspect="1" noMove="1" noResize="1" noEditPoints="1" noAdjustHandles="1" noChangeArrowheads="1" noChangeShapeType="1" noTextEdit="1"/>
+              </p:cNvSpPr>
+              <p:nvPr/>
+            </p:nvSpPr>
+            <p:spPr>
+              <a:xfrm>
+                <a:off x="6733908" y="2302168"/>
+                <a:ext cx="801864" cy="210892"/>
+              </a:xfrm>
+              <a:prstGeom prst="rect">
+                <a:avLst/>
+              </a:prstGeom>
+              <a:blipFill>
+                <a:blip r:embed="rId17"/>
+                <a:stretch>
+                  <a:fillRect b="-17647"/>
+                </a:stretch>
+              </a:blipFill>
+            </p:spPr>
+            <p:txBody>
+              <a:bodyPr/>
+              <a:lstStyle/>
+              <a:p>
+                <a:r>
+                  <a:rPr lang="ja-JP" altLang="en-US">
+                    <a:noFill/>
+                  </a:rPr>
+                  <a:t> </a:t>
+                </a:r>
+              </a:p>
+            </p:txBody>
+          </p:sp>
+        </mc:Fallback>
+      </mc:AlternateContent>
+      <p:sp>
+        <p:nvSpPr>
+          <p:cNvPr id="50" name="円/楕円 49">
+            <a:extLst>
+              <a:ext uri="{FF2B5EF4-FFF2-40B4-BE49-F238E27FC236}">
+                <a16:creationId xmlns:a16="http://schemas.microsoft.com/office/drawing/2014/main" id="{ADCEC2E1-C343-6349-B68B-5E9D3AE54D71}"/>
+              </a:ext>
+            </a:extLst>
+          </p:cNvPr>
+          <p:cNvSpPr/>
+          <p:nvPr/>
+        </p:nvSpPr>
+        <p:spPr>
+          <a:xfrm>
+            <a:off x="598543" y="219979"/>
+            <a:ext cx="7317595" cy="5191063"/>
+          </a:xfrm>
+          <a:prstGeom prst="ellipse">
+            <a:avLst/>
+          </a:prstGeom>
+          <a:noFill/>
+        </p:spPr>
+        <p:style>
+          <a:lnRef idx="2">
+            <a:schemeClr val="accent1">
+              <a:shade val="50000"/>
+            </a:schemeClr>
+          </a:lnRef>
+          <a:fillRef idx="1">
+            <a:schemeClr val="accent1"/>
+          </a:fillRef>
+          <a:effectRef idx="0">
+            <a:schemeClr val="accent1"/>
+          </a:effectRef>
+          <a:fontRef idx="minor">
+            <a:schemeClr val="lt1"/>
+          </a:fontRef>
+        </p:style>
+        <p:txBody>
+          <a:bodyPr rtlCol="0" anchor="ctr"/>
+          <a:lstStyle/>
+          <a:p>
+            <a:pPr algn="ctr"/>
+            <a:endParaRPr lang="ja-JP" altLang="en-US" sz="1013"/>
+          </a:p>
+        </p:txBody>
+      </p:sp>
+      <mc:AlternateContent xmlns:mc="http://schemas.openxmlformats.org/markup-compatibility/2006">
+        <mc:Choice xmlns:a14="http://schemas.microsoft.com/office/drawing/2010/main" Requires="a14">
+          <p:sp>
+            <p:nvSpPr>
+              <p:cNvPr id="49" name="テキスト ボックス 48">
+                <a:extLst>
+                  <a:ext uri="{FF2B5EF4-FFF2-40B4-BE49-F238E27FC236}">
+                    <a16:creationId xmlns:a16="http://schemas.microsoft.com/office/drawing/2014/main" id="{8BD344F7-89C0-B041-A2A8-288367E3BB99}"/>
+                  </a:ext>
+                </a:extLst>
+              </p:cNvPr>
+              <p:cNvSpPr txBox="1"/>
+              <p:nvPr/>
+            </p:nvSpPr>
+            <p:spPr>
+              <a:xfrm>
+                <a:off x="3906716" y="219358"/>
+                <a:ext cx="1134066" cy="253787"/>
+              </a:xfrm>
+              <a:prstGeom prst="rect">
+                <a:avLst/>
+              </a:prstGeom>
+              <a:noFill/>
+            </p:spPr>
+            <p:txBody>
+              <a:bodyPr wrap="square" rtlCol="0">
+                <a:spAutoFit/>
+              </a:bodyPr>
+              <a:lstStyle/>
+              <a:p>
+                <a:r>
+                  <a:rPr lang="ja-JP" altLang="en-US" sz="1049">
+                    <a:latin typeface="DengXian" panose="02010600030101010101" pitchFamily="2" charset="-122"/>
+                    <a:ea typeface="DengXian" panose="02010600030101010101" pitchFamily="2" charset="-122"/>
+                  </a:rPr>
+                  <a:t>矩阵</a:t>
+                </a:r>
+                <a:r>
+                  <a:rPr lang="en-US" altLang="ja-JP" sz="1049" dirty="0">
+                    <a:latin typeface="Arial Rounded MT Bold" panose="020F0704030504030204" pitchFamily="34" charset="0"/>
+                  </a:rPr>
+                  <a:t> </a:t>
+                </a:r>
+                <a:r>
+                  <a:rPr lang="en-US" altLang="ja-JP" sz="901" dirty="0"/>
+                  <a:t>(</a:t>
+                </a:r>
+                <a14:m>
+                  <m:oMath xmlns:m="http://schemas.openxmlformats.org/officeDocument/2006/math">
+                    <m:r>
+                      <a:rPr lang="en-US" altLang="ja-JP" sz="901" i="1">
+                        <a:latin typeface="Cambria Math" panose="02040503050406030204" pitchFamily="18" charset="0"/>
+                      </a:rPr>
+                      <m:t>𝑚</m:t>
+                    </m:r>
+                    <m:r>
+                      <a:rPr lang="en-US" altLang="ja-JP" sz="901" i="1">
+                        <a:latin typeface="Cambria Math" panose="02040503050406030204" pitchFamily="18" charset="0"/>
+                        <a:ea typeface="Cambria Math" panose="02040503050406030204" pitchFamily="18" charset="0"/>
+                      </a:rPr>
+                      <m:t>×</m:t>
+                    </m:r>
+                    <m:r>
+                      <a:rPr lang="en-US" altLang="ja-JP" sz="901" i="1">
+                        <a:latin typeface="Cambria Math" panose="02040503050406030204" pitchFamily="18" charset="0"/>
+                        <a:ea typeface="Cambria Math" panose="02040503050406030204" pitchFamily="18" charset="0"/>
+                      </a:rPr>
+                      <m:t>𝑛</m:t>
+                    </m:r>
+                  </m:oMath>
+                </a14:m>
+                <a:r>
+                  <a:rPr lang="en-US" altLang="ja-JP" sz="901" dirty="0"/>
+                  <a:t>)</a:t>
+                </a:r>
+                <a:endParaRPr lang="ja-JP" altLang="en-US" sz="901"/>
+              </a:p>
+            </p:txBody>
+          </p:sp>
+        </mc:Choice>
+        <mc:Fallback>
+          <p:sp>
+            <p:nvSpPr>
+              <p:cNvPr id="49" name="テキスト ボックス 48">
+                <a:extLst>
+                  <a:ext uri="{FF2B5EF4-FFF2-40B4-BE49-F238E27FC236}">
+                    <a16:creationId xmlns:a16="http://schemas.microsoft.com/office/drawing/2014/main" id="{8BD344F7-89C0-B041-A2A8-288367E3BB99}"/>
+                  </a:ext>
+                </a:extLst>
+              </p:cNvPr>
+              <p:cNvSpPr txBox="1">
+                <a:spLocks noRot="1" noChangeAspect="1" noMove="1" noResize="1" noEditPoints="1" noAdjustHandles="1" noChangeArrowheads="1" noChangeShapeType="1" noTextEdit="1"/>
+              </p:cNvSpPr>
+              <p:nvPr/>
+            </p:nvSpPr>
+            <p:spPr>
+              <a:xfrm>
+                <a:off x="3906716" y="219358"/>
+                <a:ext cx="1134066" cy="253787"/>
+              </a:xfrm>
+              <a:prstGeom prst="rect">
+                <a:avLst/>
+              </a:prstGeom>
+              <a:blipFill>
+                <a:blip r:embed="rId18"/>
+                <a:stretch>
+                  <a:fillRect b="-14286"/>
+                </a:stretch>
+              </a:blipFill>
+            </p:spPr>
+            <p:txBody>
+              <a:bodyPr/>
+              <a:lstStyle/>
+              <a:p>
+                <a:r>
+                  <a:rPr lang="zh-CN" altLang="en-US">
+                    <a:noFill/>
+                  </a:rPr>
+                  <a:t> </a:t>
+                </a:r>
+              </a:p>
+            </p:txBody>
+          </p:sp>
+        </mc:Fallback>
+      </mc:AlternateContent>
+      <p:sp>
+        <p:nvSpPr>
+          <p:cNvPr id="55" name="テキスト ボックス 54">
+            <a:extLst>
+              <a:ext uri="{FF2B5EF4-FFF2-40B4-BE49-F238E27FC236}">
+                <a16:creationId xmlns:a16="http://schemas.microsoft.com/office/drawing/2014/main" id="{3A0C6B52-1A03-2C44-A796-52BA219077DB}"/>
+              </a:ext>
+            </a:extLst>
+          </p:cNvPr>
+          <p:cNvSpPr txBox="1"/>
+          <p:nvPr/>
+        </p:nvSpPr>
+        <p:spPr>
+          <a:xfrm>
+            <a:off x="3490893" y="954783"/>
+            <a:ext cx="811359" cy="230961"/>
+          </a:xfrm>
+          <a:prstGeom prst="rect">
+            <a:avLst/>
+          </a:prstGeom>
+          <a:noFill/>
+        </p:spPr>
+        <p:txBody>
+          <a:bodyPr wrap="square" rtlCol="0">
+            <a:spAutoFit/>
+          </a:bodyPr>
+          <a:lstStyle/>
+          <a:p>
+            <a:r>
+              <a:rPr lang="ja-JP" altLang="en-US" sz="901">
+                <a:latin typeface="DengXian" panose="02010600030101010101" pitchFamily="2" charset="-122"/>
+                <a:ea typeface="DengXian" panose="02010600030101010101" pitchFamily="2" charset="-122"/>
+              </a:rPr>
+              <a:t>可逆</a:t>
+            </a:r>
+          </a:p>
+        </p:txBody>
+      </p:sp>
+      <p:sp>
+        <p:nvSpPr>
+          <p:cNvPr id="56" name="テキスト ボックス 55">
+            <a:extLst>
+              <a:ext uri="{FF2B5EF4-FFF2-40B4-BE49-F238E27FC236}">
+                <a16:creationId xmlns:a16="http://schemas.microsoft.com/office/drawing/2014/main" id="{799F6ED4-7C4B-1146-9B2B-CFB76385BE17}"/>
+              </a:ext>
+            </a:extLst>
+          </p:cNvPr>
+          <p:cNvSpPr txBox="1"/>
+          <p:nvPr/>
+        </p:nvSpPr>
+        <p:spPr>
+          <a:xfrm>
+            <a:off x="4460069" y="953162"/>
+            <a:ext cx="412292" cy="230961"/>
+          </a:xfrm>
+          <a:prstGeom prst="rect">
+            <a:avLst/>
+          </a:prstGeom>
+          <a:noFill/>
+        </p:spPr>
+        <p:txBody>
+          <a:bodyPr wrap="none" rtlCol="0">
+            <a:spAutoFit/>
+          </a:bodyPr>
+          <a:lstStyle/>
+          <a:p>
+            <a:r>
+              <a:rPr lang="ja-JP" altLang="en-US" sz="901">
+                <a:latin typeface="DengXian" panose="02010600030101010101" pitchFamily="2" charset="-122"/>
+                <a:ea typeface="DengXian" panose="02010600030101010101" pitchFamily="2" charset="-122"/>
+              </a:rPr>
+              <a:t>奇异</a:t>
+            </a:r>
+          </a:p>
+        </p:txBody>
+      </p:sp>
+      <mc:AlternateContent xmlns:mc="http://schemas.openxmlformats.org/markup-compatibility/2006" xmlns:a14="http://schemas.microsoft.com/office/drawing/2010/main">
+        <mc:Choice Requires="a14">
+          <p:sp>
+            <p:nvSpPr>
+              <p:cNvPr id="57" name="テキスト ボックス 56">
+                <a:extLst>
+                  <a:ext uri="{FF2B5EF4-FFF2-40B4-BE49-F238E27FC236}">
+                    <a16:creationId xmlns:a16="http://schemas.microsoft.com/office/drawing/2014/main" id="{151AE97B-F988-8941-8EAA-6E7C6C794FEC}"/>
+                  </a:ext>
+                </a:extLst>
+              </p:cNvPr>
+              <p:cNvSpPr txBox="1"/>
+              <p:nvPr/>
+            </p:nvSpPr>
+            <p:spPr>
+              <a:xfrm>
+                <a:off x="4676975" y="1315028"/>
+                <a:ext cx="599208" cy="161454"/>
+              </a:xfrm>
+              <a:prstGeom prst="rect">
+                <a:avLst/>
+              </a:prstGeom>
+              <a:solidFill>
+                <a:schemeClr val="bg2">
+                  <a:lumMod val="90000"/>
+                </a:schemeClr>
+              </a:solidFill>
+            </p:spPr>
+            <p:txBody>
+              <a:bodyPr wrap="square" lIns="0" tIns="0" rIns="0" bIns="0" rtlCol="0">
+                <a:spAutoFit/>
+              </a:bodyPr>
+              <a:lstStyle>
+                <a:defPPr>
+                  <a:defRPr lang="ja-JP"/>
+                </a:defPPr>
+                <a:lvl1pPr>
+                  <a:defRPr sz="1050" i="1">
+                    <a:latin typeface="Cambria Math" panose="02040503050406030204" pitchFamily="18" charset="0"/>
+                  </a:defRPr>
+                </a:lvl1pPr>
+              </a:lstStyle>
+              <a:p>
+                <a:pPr/>
+                <a14:m>
+                  <m:oMathPara xmlns:m="http://schemas.openxmlformats.org/officeDocument/2006/math">
+                    <m:oMathParaPr>
+                      <m:jc m:val="centerGroup"/>
+                    </m:oMathParaPr>
+                    <m:oMath xmlns:m="http://schemas.openxmlformats.org/officeDocument/2006/math">
+                      <m:r>
+                        <a:rPr lang="en-US" altLang="ja-JP" sz="1049">
+                          <a:latin typeface="Cambria Math" panose="02040503050406030204" pitchFamily="18" charset="0"/>
+                        </a:rPr>
+                        <m:t>𝐴</m:t>
+                      </m:r>
+                      <m:r>
+                        <a:rPr lang="en-US" altLang="ja-JP" sz="1049">
+                          <a:latin typeface="Cambria Math" panose="02040503050406030204" pitchFamily="18" charset="0"/>
+                        </a:rPr>
+                        <m:t>=</m:t>
+                      </m:r>
+                      <m:r>
+                        <a:rPr lang="en-US" altLang="ja-JP" sz="1049">
+                          <a:latin typeface="Cambria Math" panose="02040503050406030204" pitchFamily="18" charset="0"/>
+                        </a:rPr>
+                        <m:t>𝐿𝑈</m:t>
+                      </m:r>
+                    </m:oMath>
+                  </m:oMathPara>
+                </a14:m>
+                <a:endParaRPr lang="ja-JP" altLang="en-US" sz="1049"/>
+              </a:p>
+            </p:txBody>
+          </p:sp>
+        </mc:Choice>
+        <mc:Fallback xmlns="">
+          <p:sp>
+            <p:nvSpPr>
+              <p:cNvPr id="57" name="テキスト ボックス 56">
+                <a:extLst>
+                  <a:ext uri="{FF2B5EF4-FFF2-40B4-BE49-F238E27FC236}">
+                    <a16:creationId xmlns:a16="http://schemas.microsoft.com/office/drawing/2014/main" id="{151AE97B-F988-8941-8EAA-6E7C6C794FEC}"/>
+                  </a:ext>
+                </a:extLst>
+              </p:cNvPr>
+              <p:cNvSpPr txBox="1">
+                <a:spLocks noRot="1" noChangeAspect="1" noMove="1" noResize="1" noEditPoints="1" noAdjustHandles="1" noChangeArrowheads="1" noChangeShapeType="1" noTextEdit="1"/>
+              </p:cNvSpPr>
+              <p:nvPr/>
+            </p:nvSpPr>
+            <p:spPr>
+              <a:xfrm>
+                <a:off x="4676975" y="1315028"/>
+                <a:ext cx="599208" cy="161454"/>
+              </a:xfrm>
+              <a:prstGeom prst="rect">
+                <a:avLst/>
+              </a:prstGeom>
+              <a:blipFill>
+                <a:blip r:embed="rId19"/>
+                <a:stretch>
+                  <a:fillRect b="-7143"/>
+                </a:stretch>
+              </a:blipFill>
+            </p:spPr>
+            <p:txBody>
+              <a:bodyPr/>
+              <a:lstStyle/>
+              <a:p>
+                <a:r>
+                  <a:rPr lang="ja-JP" altLang="en-US">
+                    <a:noFill/>
+                  </a:rPr>
+                  <a:t> </a:t>
+                </a:r>
+              </a:p>
+            </p:txBody>
+          </p:sp>
+        </mc:Fallback>
+      </mc:AlternateContent>
+      <mc:AlternateContent xmlns:mc="http://schemas.openxmlformats.org/markup-compatibility/2006">
+        <mc:Choice xmlns:a14="http://schemas.microsoft.com/office/drawing/2010/main" Requires="a14">
+          <p:sp>
+            <p:nvSpPr>
+              <p:cNvPr id="58" name="テキスト ボックス 57">
+                <a:extLst>
+                  <a:ext uri="{FF2B5EF4-FFF2-40B4-BE49-F238E27FC236}">
+                    <a16:creationId xmlns:a16="http://schemas.microsoft.com/office/drawing/2014/main" id="{B602DD2E-16EB-9946-989A-CFC5D8967E4C}"/>
+                  </a:ext>
+                </a:extLst>
+              </p:cNvPr>
+              <p:cNvSpPr txBox="1"/>
+              <p:nvPr/>
+            </p:nvSpPr>
+            <p:spPr>
+              <a:xfrm>
+                <a:off x="4390164" y="1154167"/>
+                <a:ext cx="1174278" cy="126958"/>
+              </a:xfrm>
+              <a:prstGeom prst="rect">
+                <a:avLst/>
+              </a:prstGeom>
+              <a:noFill/>
+            </p:spPr>
+            <p:txBody>
+              <a:bodyPr wrap="square" lIns="0" tIns="0" rIns="0" bIns="0" rtlCol="0">
+                <a:spAutoFit/>
+              </a:bodyPr>
+              <a:lstStyle/>
+              <a:p>
+                <a:pPr/>
+                <a14:m>
+                  <m:oMathPara xmlns:m="http://schemas.openxmlformats.org/officeDocument/2006/math">
+                    <m:oMathParaPr>
+                      <m:jc m:val="centerGroup"/>
+                    </m:oMathParaPr>
+                    <m:oMath xmlns:m="http://schemas.openxmlformats.org/officeDocument/2006/math">
+                      <m:r>
+                        <a:rPr lang="en-US" altLang="ja-JP" sz="825" i="1">
+                          <a:latin typeface="Cambria Math" panose="02040503050406030204" pitchFamily="18" charset="0"/>
+                          <a:ea typeface="Cambria Math" panose="02040503050406030204" pitchFamily="18" charset="0"/>
+                        </a:rPr>
+                        <m:t>∃</m:t>
+                      </m:r>
+                      <m:r>
+                        <a:rPr lang="en-US" altLang="ja-JP" sz="825" i="1">
+                          <a:latin typeface="Cambria Math" panose="02040503050406030204" pitchFamily="18" charset="0"/>
+                          <a:ea typeface="Cambria Math" panose="02040503050406030204" pitchFamily="18" charset="0"/>
+                        </a:rPr>
+                        <m:t>𝜆</m:t>
+                      </m:r>
+                      <m:r>
+                        <a:rPr lang="en-US" altLang="ja-JP" sz="825" i="1">
+                          <a:latin typeface="Cambria Math" panose="02040503050406030204" pitchFamily="18" charset="0"/>
+                          <a:ea typeface="Cambria Math" panose="02040503050406030204" pitchFamily="18" charset="0"/>
+                        </a:rPr>
+                        <m:t>=0, </m:t>
+                      </m:r>
+                      <m:r>
+                        <m:rPr>
+                          <m:sty m:val="p"/>
+                        </m:rPr>
+                        <a:rPr lang="en-US" altLang="ja-JP" sz="825">
+                          <a:latin typeface="Cambria Math" panose="02040503050406030204" pitchFamily="18" charset="0"/>
+                        </a:rPr>
+                        <m:t>det</m:t>
+                      </m:r>
+                      <m:r>
+                        <a:rPr lang="en-US" altLang="ja-JP" sz="825" i="1">
+                          <a:latin typeface="Cambria Math" panose="02040503050406030204" pitchFamily="18" charset="0"/>
+                        </a:rPr>
+                        <m:t>⁡(</m:t>
+                      </m:r>
+                      <m:r>
+                        <a:rPr lang="en-US" altLang="ja-JP" sz="825" i="1">
+                          <a:latin typeface="Cambria Math" panose="02040503050406030204" pitchFamily="18" charset="0"/>
+                        </a:rPr>
+                        <m:t>𝐴</m:t>
+                      </m:r>
+                      <m:r>
+                        <a:rPr lang="en-US" altLang="ja-JP" sz="825" i="1">
+                          <a:latin typeface="Cambria Math" panose="02040503050406030204" pitchFamily="18" charset="0"/>
+                        </a:rPr>
+                        <m:t>) =</m:t>
+                      </m:r>
+                      <m:r>
+                        <m:rPr>
+                          <m:nor/>
+                        </m:rPr>
+                        <a:rPr lang="en-US" altLang="ja-JP" sz="825" dirty="0"/>
+                        <m:t> 0</m:t>
+                      </m:r>
+                    </m:oMath>
+                  </m:oMathPara>
+                </a14:m>
+                <a:endParaRPr lang="ja-JP" altLang="en-US" sz="825"/>
+              </a:p>
+            </p:txBody>
+          </p:sp>
+        </mc:Choice>
+        <mc:Fallback>
+          <p:sp>
+            <p:nvSpPr>
+              <p:cNvPr id="58" name="テキスト ボックス 57">
+                <a:extLst>
+                  <a:ext uri="{FF2B5EF4-FFF2-40B4-BE49-F238E27FC236}">
+                    <a16:creationId xmlns:a16="http://schemas.microsoft.com/office/drawing/2014/main" id="{B602DD2E-16EB-9946-989A-CFC5D8967E4C}"/>
+                  </a:ext>
+                </a:extLst>
+              </p:cNvPr>
+              <p:cNvSpPr txBox="1">
+                <a:spLocks noRot="1" noChangeAspect="1" noMove="1" noResize="1" noEditPoints="1" noAdjustHandles="1" noChangeArrowheads="1" noChangeShapeType="1" noTextEdit="1"/>
+              </p:cNvSpPr>
+              <p:nvPr/>
+            </p:nvSpPr>
+            <p:spPr>
+              <a:xfrm>
+                <a:off x="4390164" y="1154167"/>
+                <a:ext cx="1174278" cy="126958"/>
+              </a:xfrm>
+              <a:prstGeom prst="rect">
+                <a:avLst/>
+              </a:prstGeom>
+              <a:blipFill>
+                <a:blip r:embed="rId20"/>
+                <a:stretch>
+                  <a:fillRect t="-18182" b="-45455"/>
+                </a:stretch>
+              </a:blipFill>
+            </p:spPr>
+            <p:txBody>
+              <a:bodyPr/>
+              <a:lstStyle/>
+              <a:p>
+                <a:r>
+                  <a:rPr lang="zh-CN" altLang="en-US">
+                    <a:noFill/>
+                  </a:rPr>
+                  <a:t> </a:t>
+                </a:r>
+              </a:p>
+            </p:txBody>
+          </p:sp>
+        </mc:Fallback>
+      </mc:AlternateContent>
+      <mc:AlternateContent xmlns:mc="http://schemas.openxmlformats.org/markup-compatibility/2006" xmlns:a14="http://schemas.microsoft.com/office/drawing/2010/main">
+        <mc:Choice Requires="a14">
+          <p:sp>
+            <p:nvSpPr>
+              <p:cNvPr id="61" name="テキスト ボックス 60">
+                <a:extLst>
+                  <a:ext uri="{FF2B5EF4-FFF2-40B4-BE49-F238E27FC236}">
+                    <a16:creationId xmlns:a16="http://schemas.microsoft.com/office/drawing/2014/main" id="{F02EFAC8-5FE5-8342-B174-91445C56DD1F}"/>
+                  </a:ext>
+                </a:extLst>
+              </p:cNvPr>
+              <p:cNvSpPr txBox="1"/>
+              <p:nvPr/>
+            </p:nvSpPr>
+            <p:spPr>
+              <a:xfrm>
+                <a:off x="3354200" y="464149"/>
+                <a:ext cx="599208" cy="161454"/>
+              </a:xfrm>
+              <a:prstGeom prst="rect">
+                <a:avLst/>
+              </a:prstGeom>
+              <a:solidFill>
+                <a:schemeClr val="bg2">
+                  <a:lumMod val="90000"/>
+                </a:schemeClr>
+              </a:solidFill>
+            </p:spPr>
+            <p:txBody>
+              <a:bodyPr wrap="square" lIns="0" tIns="0" rIns="0" bIns="0" rtlCol="0">
+                <a:spAutoFit/>
+              </a:bodyPr>
+              <a:lstStyle/>
+              <a:p>
+                <a:pPr/>
+                <a14:m>
+                  <m:oMathPara xmlns:m="http://schemas.openxmlformats.org/officeDocument/2006/math">
+                    <m:oMathParaPr>
+                      <m:jc m:val="center"/>
+                    </m:oMathParaPr>
+                    <m:oMath xmlns:m="http://schemas.openxmlformats.org/officeDocument/2006/math">
+                      <m:r>
+                        <a:rPr lang="en-US" altLang="ja-JP" sz="1049" i="1">
+                          <a:latin typeface="Cambria Math" panose="02040503050406030204" pitchFamily="18" charset="0"/>
+                        </a:rPr>
+                        <m:t>𝐴</m:t>
+                      </m:r>
+                      <m:r>
+                        <a:rPr lang="en-US" altLang="ja-JP" sz="1049" i="1">
+                          <a:latin typeface="Cambria Math" panose="02040503050406030204" pitchFamily="18" charset="0"/>
+                        </a:rPr>
+                        <m:t>=</m:t>
+                      </m:r>
+                      <m:r>
+                        <a:rPr lang="en-US" altLang="ja-JP" sz="1049" i="1">
+                          <a:latin typeface="Cambria Math" panose="02040503050406030204" pitchFamily="18" charset="0"/>
+                        </a:rPr>
+                        <m:t>𝐶𝑅</m:t>
+                      </m:r>
+                    </m:oMath>
+                  </m:oMathPara>
+                </a14:m>
+                <a:endParaRPr lang="ja-JP" altLang="en-US" sz="1049"/>
+              </a:p>
+            </p:txBody>
+          </p:sp>
+        </mc:Choice>
+        <mc:Fallback xmlns="">
+          <p:sp>
+            <p:nvSpPr>
+              <p:cNvPr id="61" name="テキスト ボックス 60">
+                <a:extLst>
+                  <a:ext uri="{FF2B5EF4-FFF2-40B4-BE49-F238E27FC236}">
+                    <a16:creationId xmlns:a16="http://schemas.microsoft.com/office/drawing/2014/main" id="{F02EFAC8-5FE5-8342-B174-91445C56DD1F}"/>
+                  </a:ext>
+                </a:extLst>
+              </p:cNvPr>
+              <p:cNvSpPr txBox="1">
+                <a:spLocks noRot="1" noChangeAspect="1" noMove="1" noResize="1" noEditPoints="1" noAdjustHandles="1" noChangeArrowheads="1" noChangeShapeType="1" noTextEdit="1"/>
+              </p:cNvSpPr>
+              <p:nvPr/>
+            </p:nvSpPr>
+            <p:spPr>
+              <a:xfrm>
+                <a:off x="3354200" y="464149"/>
+                <a:ext cx="599208" cy="161454"/>
+              </a:xfrm>
+              <a:prstGeom prst="rect">
+                <a:avLst/>
+              </a:prstGeom>
+              <a:blipFill>
+                <a:blip r:embed="rId21"/>
+                <a:stretch>
+                  <a:fillRect b="-7143"/>
+                </a:stretch>
+              </a:blipFill>
+            </p:spPr>
+            <p:txBody>
+              <a:bodyPr/>
+              <a:lstStyle/>
+              <a:p>
+                <a:r>
+                  <a:rPr lang="ja-JP" altLang="en-US">
+                    <a:noFill/>
+                  </a:rPr>
+                  <a:t> </a:t>
+                </a:r>
+              </a:p>
+            </p:txBody>
+          </p:sp>
+        </mc:Fallback>
+      </mc:AlternateContent>
+      <mc:AlternateContent xmlns:mc="http://schemas.openxmlformats.org/markup-compatibility/2006" xmlns:a14="http://schemas.microsoft.com/office/drawing/2010/main">
+        <mc:Choice Requires="a14">
+          <p:sp>
+            <p:nvSpPr>
+              <p:cNvPr id="62" name="テキスト ボックス 61">
+                <a:extLst>
+                  <a:ext uri="{FF2B5EF4-FFF2-40B4-BE49-F238E27FC236}">
+                    <a16:creationId xmlns:a16="http://schemas.microsoft.com/office/drawing/2014/main" id="{AEF279F2-F842-0647-9D82-75BF7BAE1EB8}"/>
+                  </a:ext>
+                </a:extLst>
+              </p:cNvPr>
+              <p:cNvSpPr txBox="1"/>
+              <p:nvPr/>
+            </p:nvSpPr>
+            <p:spPr>
+              <a:xfrm>
+                <a:off x="4664275" y="456191"/>
+                <a:ext cx="599208" cy="164469"/>
+              </a:xfrm>
+              <a:prstGeom prst="rect">
+                <a:avLst/>
+              </a:prstGeom>
+              <a:solidFill>
+                <a:schemeClr val="bg2">
+                  <a:lumMod val="90000"/>
+                </a:schemeClr>
+              </a:solidFill>
+            </p:spPr>
+            <p:txBody>
+              <a:bodyPr wrap="square" lIns="0" tIns="0" rIns="0" bIns="0" rtlCol="0">
+                <a:spAutoFit/>
+              </a:bodyPr>
+              <a:lstStyle>
+                <a:defPPr>
+                  <a:defRPr lang="ja-JP"/>
+                </a:defPPr>
+                <a:lvl1pPr>
+                  <a:defRPr sz="1050" i="1">
+                    <a:latin typeface="Cambria Math" panose="02040503050406030204" pitchFamily="18" charset="0"/>
+                  </a:defRPr>
+                </a:lvl1pPr>
+              </a:lstStyle>
+              <a:p>
+                <a:pPr/>
+                <a14:m>
+                  <m:oMathPara xmlns:m="http://schemas.openxmlformats.org/officeDocument/2006/math">
+                    <m:oMathParaPr>
+                      <m:jc m:val="centerGroup"/>
+                    </m:oMathParaPr>
+                    <m:oMath xmlns:m="http://schemas.openxmlformats.org/officeDocument/2006/math">
+                      <m:r>
+                        <a:rPr lang="en-US" altLang="ja-JP" sz="1049">
+                          <a:latin typeface="Cambria Math" panose="02040503050406030204" pitchFamily="18" charset="0"/>
+                        </a:rPr>
+                        <m:t>𝐴</m:t>
+                      </m:r>
+                      <m:r>
+                        <a:rPr lang="en-US" altLang="ja-JP" sz="1049">
+                          <a:latin typeface="Cambria Math" panose="02040503050406030204" pitchFamily="18" charset="0"/>
+                        </a:rPr>
+                        <m:t>=</m:t>
+                      </m:r>
+                      <m:r>
+                        <a:rPr lang="en-US" altLang="ja-JP" sz="1049">
+                          <a:latin typeface="Cambria Math" panose="02040503050406030204" pitchFamily="18" charset="0"/>
+                        </a:rPr>
+                        <m:t>𝑈</m:t>
+                      </m:r>
+                      <m:r>
+                        <m:rPr>
+                          <m:sty m:val="p"/>
+                        </m:rPr>
+                        <a:rPr lang="el-GR" altLang="ja-JP" sz="1049">
+                          <a:latin typeface="Cambria Math" panose="02040503050406030204" pitchFamily="18" charset="0"/>
+                        </a:rPr>
+                        <m:t>Σ</m:t>
+                      </m:r>
+                      <m:sSup>
+                        <m:sSupPr>
+                          <m:ctrlPr>
+                            <a:rPr lang="en-US" altLang="ja-JP" sz="1049" i="1">
+                              <a:latin typeface="Cambria Math" panose="02040503050406030204" pitchFamily="18" charset="0"/>
+                            </a:rPr>
+                          </m:ctrlPr>
+                        </m:sSupPr>
+                        <m:e>
+                          <m:r>
+                            <a:rPr lang="en-US" altLang="ja-JP" sz="1049">
+                              <a:latin typeface="Cambria Math" panose="02040503050406030204" pitchFamily="18" charset="0"/>
+                            </a:rPr>
+                            <m:t>𝑉</m:t>
+                          </m:r>
+                        </m:e>
+                        <m:sup>
+                          <m:r>
+                            <m:rPr>
+                              <m:sty m:val="p"/>
+                            </m:rPr>
+                            <a:rPr lang="en-US" altLang="ja-JP" sz="1049" i="0">
+                              <a:latin typeface="Cambria Math" panose="02040503050406030204" pitchFamily="18" charset="0"/>
+                            </a:rPr>
+                            <m:t>T</m:t>
+                          </m:r>
+                        </m:sup>
+                      </m:sSup>
+                    </m:oMath>
+                  </m:oMathPara>
+                </a14:m>
+                <a:endParaRPr lang="ja-JP" altLang="en-US" sz="1049"/>
+              </a:p>
+            </p:txBody>
+          </p:sp>
+        </mc:Choice>
+        <mc:Fallback xmlns="">
+          <p:sp>
+            <p:nvSpPr>
+              <p:cNvPr id="62" name="テキスト ボックス 61">
+                <a:extLst>
+                  <a:ext uri="{FF2B5EF4-FFF2-40B4-BE49-F238E27FC236}">
+                    <a16:creationId xmlns:a16="http://schemas.microsoft.com/office/drawing/2014/main" id="{AEF279F2-F842-0647-9D82-75BF7BAE1EB8}"/>
+                  </a:ext>
+                </a:extLst>
+              </p:cNvPr>
+              <p:cNvSpPr txBox="1">
+                <a:spLocks noRot="1" noChangeAspect="1" noMove="1" noResize="1" noEditPoints="1" noAdjustHandles="1" noChangeArrowheads="1" noChangeShapeType="1" noTextEdit="1"/>
+              </p:cNvSpPr>
+              <p:nvPr/>
+            </p:nvSpPr>
+            <p:spPr>
+              <a:xfrm>
+                <a:off x="4664275" y="456191"/>
+                <a:ext cx="599208" cy="164469"/>
+              </a:xfrm>
+              <a:prstGeom prst="rect">
+                <a:avLst/>
+              </a:prstGeom>
+              <a:blipFill>
+                <a:blip r:embed="rId22"/>
+                <a:stretch>
+                  <a:fillRect l="-6250" t="-7692" r="-4167" b="-7692"/>
+                </a:stretch>
+              </a:blipFill>
+            </p:spPr>
+            <p:txBody>
+              <a:bodyPr/>
+              <a:lstStyle/>
+              <a:p>
+                <a:r>
+                  <a:rPr lang="ja-JP" altLang="en-US">
+                    <a:noFill/>
+                  </a:rPr>
+                  <a:t> </a:t>
+                </a:r>
+              </a:p>
+            </p:txBody>
+          </p:sp>
+        </mc:Fallback>
+      </mc:AlternateContent>
+      <p:cxnSp>
+        <p:nvCxnSpPr>
+          <p:cNvPr id="3" name="直線矢印コネクタ 2">
+            <a:extLst>
+              <a:ext uri="{FF2B5EF4-FFF2-40B4-BE49-F238E27FC236}">
+                <a16:creationId xmlns:a16="http://schemas.microsoft.com/office/drawing/2014/main" id="{213E9F24-F1FC-BC42-B91B-87B2AF8BD788}"/>
+              </a:ext>
+            </a:extLst>
+          </p:cNvPr>
+          <p:cNvCxnSpPr>
+            <a:cxnSpLocks/>
+          </p:cNvCxnSpPr>
+          <p:nvPr/>
+        </p:nvCxnSpPr>
+        <p:spPr>
+          <a:xfrm>
+            <a:off x="4173346" y="1058659"/>
+            <a:ext cx="295286" cy="654"/>
+          </a:xfrm>
+          <a:prstGeom prst="straightConnector1">
+            <a:avLst/>
+          </a:prstGeom>
+          <a:ln w="19050">
+            <a:headEnd type="triangle"/>
+            <a:tailEnd type="triangle"/>
+          </a:ln>
+        </p:spPr>
+        <p:style>
+          <a:lnRef idx="1">
+            <a:schemeClr val="accent1"/>
+          </a:lnRef>
+          <a:fillRef idx="0">
+            <a:schemeClr val="accent1"/>
+          </a:fillRef>
+          <a:effectRef idx="0">
+            <a:schemeClr val="accent1"/>
+          </a:effectRef>
+          <a:fontRef idx="minor">
+            <a:schemeClr val="tx1"/>
+          </a:fontRef>
+        </p:style>
+      </p:cxnSp>
+      <mc:AlternateContent xmlns:mc="http://schemas.openxmlformats.org/markup-compatibility/2006" xmlns:a14="http://schemas.microsoft.com/office/drawing/2010/main">
+        <mc:Choice Requires="a14">
+          <p:sp>
+            <p:nvSpPr>
+              <p:cNvPr id="63" name="テキスト ボックス 62">
+                <a:extLst>
+                  <a:ext uri="{FF2B5EF4-FFF2-40B4-BE49-F238E27FC236}">
+                    <a16:creationId xmlns:a16="http://schemas.microsoft.com/office/drawing/2014/main" id="{ECC9AB91-70AD-0D41-8124-D6B04BA36DF8}"/>
+                  </a:ext>
+                </a:extLst>
+              </p:cNvPr>
+              <p:cNvSpPr txBox="1"/>
+              <p:nvPr/>
+            </p:nvSpPr>
+            <p:spPr>
+              <a:xfrm>
+                <a:off x="1819341" y="874500"/>
+                <a:ext cx="737681" cy="211725"/>
+              </a:xfrm>
+              <a:prstGeom prst="rect">
+                <a:avLst/>
+              </a:prstGeom>
+              <a:noFill/>
+            </p:spPr>
+            <p:txBody>
+              <a:bodyPr wrap="square" lIns="0" tIns="0" rIns="0" bIns="0" rtlCol="0">
+                <a:spAutoFit/>
+              </a:bodyPr>
+              <a:lstStyle/>
+              <a:p>
+                <a:pPr/>
+                <a14:m>
+                  <m:oMathPara xmlns:m="http://schemas.openxmlformats.org/officeDocument/2006/math">
+                    <m:oMathParaPr>
+                      <m:jc m:val="centerGroup"/>
+                    </m:oMathParaPr>
+                    <m:oMath xmlns:m="http://schemas.openxmlformats.org/officeDocument/2006/math">
+                      <m:r>
+                        <a:rPr lang="en-US" altLang="ja-JP" sz="825" i="1">
+                          <a:latin typeface="Cambria Math" panose="02040503050406030204" pitchFamily="18" charset="0"/>
+                        </a:rPr>
+                        <m:t>𝐴</m:t>
+                      </m:r>
+                      <m:r>
+                        <a:rPr lang="en-US" altLang="ja-JP" sz="825" i="1">
+                          <a:latin typeface="Cambria Math" panose="02040503050406030204" pitchFamily="18" charset="0"/>
+                        </a:rPr>
+                        <m:t>=</m:t>
+                      </m:r>
+                      <m:d>
+                        <m:dPr>
+                          <m:begChr m:val="["/>
+                          <m:endChr m:val="]"/>
+                          <m:ctrlPr>
+                            <a:rPr lang="en-US" altLang="ja-JP" sz="825" i="1">
+                              <a:latin typeface="Cambria Math" panose="02040503050406030204" pitchFamily="18" charset="0"/>
+                            </a:rPr>
+                          </m:ctrlPr>
+                        </m:dPr>
+                        <m:e>
+                          <m:m>
+                            <m:mPr>
+                              <m:mcs>
+                                <m:mc>
+                                  <m:mcPr>
+                                    <m:count m:val="3"/>
+                                    <m:mcJc m:val="center"/>
+                                  </m:mcPr>
+                                </m:mc>
+                              </m:mcs>
+                              <m:ctrlPr>
+                                <a:rPr lang="en-US" altLang="ja-JP" sz="825" i="1">
+                                  <a:latin typeface="Cambria Math" panose="02040503050406030204" pitchFamily="18" charset="0"/>
+                                </a:rPr>
+                              </m:ctrlPr>
+                            </m:mPr>
+                            <m:mr>
+                              <m:e>
+                                <m:r>
+                                  <m:rPr>
+                                    <m:brk m:alnAt="7"/>
+                                  </m:rPr>
+                                  <a:rPr lang="en-US" altLang="ja-JP" sz="825" i="1">
+                                    <a:latin typeface="Cambria Math" panose="02040503050406030204" pitchFamily="18" charset="0"/>
+                                  </a:rPr>
+                                  <m:t>1</m:t>
+                                </m:r>
+                              </m:e>
+                              <m:e>
+                                <m:r>
+                                  <a:rPr lang="en-US" altLang="ja-JP" sz="825" i="1">
+                                    <a:latin typeface="Cambria Math" panose="02040503050406030204" pitchFamily="18" charset="0"/>
+                                  </a:rPr>
+                                  <m:t>2</m:t>
+                                </m:r>
+                              </m:e>
+                              <m:e>
+                                <m:r>
+                                  <a:rPr lang="en-US" altLang="ja-JP" sz="825" i="1">
+                                    <a:latin typeface="Cambria Math" panose="02040503050406030204" pitchFamily="18" charset="0"/>
+                                  </a:rPr>
+                                  <m:t>3</m:t>
+                                </m:r>
+                              </m:e>
+                            </m:mr>
+                            <m:mr>
+                              <m:e>
+                                <m:r>
+                                  <a:rPr lang="en-US" altLang="ja-JP" sz="825" i="1">
+                                    <a:latin typeface="Cambria Math" panose="02040503050406030204" pitchFamily="18" charset="0"/>
+                                  </a:rPr>
+                                  <m:t>4</m:t>
+                                </m:r>
+                              </m:e>
+                              <m:e>
+                                <m:r>
+                                  <a:rPr lang="en-US" altLang="ja-JP" sz="825" i="1">
+                                    <a:latin typeface="Cambria Math" panose="02040503050406030204" pitchFamily="18" charset="0"/>
+                                  </a:rPr>
+                                  <m:t>5</m:t>
+                                </m:r>
+                              </m:e>
+                              <m:e>
+                                <m:r>
+                                  <a:rPr lang="en-US" altLang="ja-JP" sz="825" i="1">
+                                    <a:latin typeface="Cambria Math" panose="02040503050406030204" pitchFamily="18" charset="0"/>
+                                  </a:rPr>
+                                  <m:t>6</m:t>
+                                </m:r>
+                              </m:e>
+                            </m:mr>
+                          </m:m>
+                        </m:e>
+                      </m:d>
+                    </m:oMath>
+                  </m:oMathPara>
+                </a14:m>
+                <a:endParaRPr lang="ja-JP" altLang="en-US" sz="825"/>
+              </a:p>
+            </p:txBody>
+          </p:sp>
+        </mc:Choice>
+        <mc:Fallback xmlns="">
+          <p:sp>
+            <p:nvSpPr>
+              <p:cNvPr id="63" name="テキスト ボックス 62">
+                <a:extLst>
+                  <a:ext uri="{FF2B5EF4-FFF2-40B4-BE49-F238E27FC236}">
+                    <a16:creationId xmlns:a16="http://schemas.microsoft.com/office/drawing/2014/main" id="{ECC9AB91-70AD-0D41-8124-D6B04BA36DF8}"/>
+                  </a:ext>
+                </a:extLst>
+              </p:cNvPr>
+              <p:cNvSpPr txBox="1">
+                <a:spLocks noRot="1" noChangeAspect="1" noMove="1" noResize="1" noEditPoints="1" noAdjustHandles="1" noChangeArrowheads="1" noChangeShapeType="1" noTextEdit="1"/>
+              </p:cNvSpPr>
+              <p:nvPr/>
+            </p:nvSpPr>
+            <p:spPr>
+              <a:xfrm>
+                <a:off x="1819341" y="874500"/>
+                <a:ext cx="737681" cy="211725"/>
+              </a:xfrm>
+              <a:prstGeom prst="rect">
+                <a:avLst/>
+              </a:prstGeom>
+              <a:blipFill>
+                <a:blip r:embed="rId23"/>
+                <a:stretch>
+                  <a:fillRect l="-1695" b="-16667"/>
+                </a:stretch>
+              </a:blipFill>
+            </p:spPr>
+            <p:txBody>
+              <a:bodyPr/>
+              <a:lstStyle/>
+              <a:p>
+                <a:r>
+                  <a:rPr lang="ja-JP" altLang="en-US">
+                    <a:noFill/>
+                  </a:rPr>
+                  <a:t> </a:t>
+                </a:r>
+              </a:p>
+            </p:txBody>
+          </p:sp>
+        </mc:Fallback>
+      </mc:AlternateContent>
+      <p:cxnSp>
+        <p:nvCxnSpPr>
+          <p:cNvPr id="66" name="直線矢印コネクタ 65">
+            <a:extLst>
+              <a:ext uri="{FF2B5EF4-FFF2-40B4-BE49-F238E27FC236}">
+                <a16:creationId xmlns:a16="http://schemas.microsoft.com/office/drawing/2014/main" id="{0B977D5E-2658-4741-A857-0CB0F7C3BACA}"/>
+              </a:ext>
+            </a:extLst>
+          </p:cNvPr>
+          <p:cNvCxnSpPr>
+            <a:cxnSpLocks/>
+          </p:cNvCxnSpPr>
+          <p:nvPr/>
+        </p:nvCxnSpPr>
+        <p:spPr>
+          <a:xfrm>
+            <a:off x="3996127" y="3818940"/>
+            <a:ext cx="309661" cy="0"/>
+          </a:xfrm>
+          <a:prstGeom prst="straightConnector1">
+            <a:avLst/>
+          </a:prstGeom>
+          <a:ln w="19050">
+            <a:headEnd type="triangle"/>
+            <a:tailEnd type="none"/>
+          </a:ln>
+        </p:spPr>
+        <p:style>
+          <a:lnRef idx="1">
+            <a:schemeClr val="accent1"/>
+          </a:lnRef>
+          <a:fillRef idx="0">
+            <a:schemeClr val="accent1"/>
+          </a:fillRef>
+          <a:effectRef idx="0">
+            <a:schemeClr val="accent1"/>
+          </a:effectRef>
+          <a:fontRef idx="minor">
+            <a:schemeClr val="tx1"/>
+          </a:fontRef>
+        </p:style>
+      </p:cxnSp>
+      <mc:AlternateContent xmlns:mc="http://schemas.openxmlformats.org/markup-compatibility/2006" xmlns:a14="http://schemas.microsoft.com/office/drawing/2010/main">
+        <mc:Choice Requires="a14">
+          <p:sp>
+            <p:nvSpPr>
+              <p:cNvPr id="69" name="テキスト ボックス 68">
+                <a:extLst>
+                  <a:ext uri="{FF2B5EF4-FFF2-40B4-BE49-F238E27FC236}">
+                    <a16:creationId xmlns:a16="http://schemas.microsoft.com/office/drawing/2014/main" id="{C1198DFD-4E03-E146-95FD-C50C89320D2F}"/>
+                  </a:ext>
+                </a:extLst>
+              </p:cNvPr>
+              <p:cNvSpPr txBox="1"/>
+              <p:nvPr/>
+            </p:nvSpPr>
+            <p:spPr>
+              <a:xfrm>
+                <a:off x="3291362" y="1152152"/>
+                <a:ext cx="1093116" cy="253916"/>
+              </a:xfrm>
+              <a:prstGeom prst="rect">
+                <a:avLst/>
+              </a:prstGeom>
+              <a:noFill/>
+            </p:spPr>
+            <p:txBody>
+              <a:bodyPr wrap="square" lIns="0" tIns="0" rIns="0" bIns="0" rtlCol="0">
+                <a:spAutoFit/>
+              </a:bodyPr>
+              <a:lstStyle/>
+              <a:p>
+                <a14:m>
+                  <m:oMath xmlns:m="http://schemas.openxmlformats.org/officeDocument/2006/math">
+                    <m:r>
+                      <m:rPr>
+                        <m:sty m:val="p"/>
+                      </m:rPr>
+                      <a:rPr lang="en-US" altLang="ja-JP" sz="825">
+                        <a:latin typeface="Cambria Math" panose="02040503050406030204" pitchFamily="18" charset="0"/>
+                      </a:rPr>
+                      <m:t>det</m:t>
+                    </m:r>
+                    <m:r>
+                      <a:rPr lang="en-US" altLang="ja-JP" sz="825" i="1">
+                        <a:latin typeface="Cambria Math" panose="02040503050406030204" pitchFamily="18" charset="0"/>
+                      </a:rPr>
+                      <m:t>⁡(</m:t>
+                    </m:r>
+                    <m:r>
+                      <a:rPr lang="en-US" altLang="ja-JP" sz="825" i="1">
+                        <a:latin typeface="Cambria Math" panose="02040503050406030204" pitchFamily="18" charset="0"/>
+                      </a:rPr>
+                      <m:t>𝐴</m:t>
+                    </m:r>
+                    <m:r>
+                      <a:rPr lang="en-US" altLang="ja-JP" sz="825" i="1">
+                        <a:latin typeface="Cambria Math" panose="02040503050406030204" pitchFamily="18" charset="0"/>
+                      </a:rPr>
+                      <m:t>)≠</m:t>
+                    </m:r>
+                  </m:oMath>
+                </a14:m>
+                <a:r>
+                  <a:rPr lang="en-US" altLang="ja-JP" sz="825" dirty="0"/>
+                  <a:t> 0, </a:t>
+                </a:r>
+                <a14:m>
+                  <m:oMath xmlns:m="http://schemas.openxmlformats.org/officeDocument/2006/math">
+                    <m:r>
+                      <m:rPr>
+                        <m:sty m:val="p"/>
+                      </m:rPr>
+                      <a:rPr lang="en-US" altLang="ja-JP" sz="825" i="1">
+                        <a:latin typeface="Cambria Math" panose="02040503050406030204" pitchFamily="18" charset="0"/>
+                        <a:ea typeface="Cambria Math" panose="02040503050406030204" pitchFamily="18" charset="0"/>
+                      </a:rPr>
+                      <m:t>a</m:t>
+                    </m:r>
+                    <m:r>
+                      <a:rPr lang="en-US" altLang="ja-JP" sz="825" i="1">
+                        <a:latin typeface="Cambria Math" panose="02040503050406030204" pitchFamily="18" charset="0"/>
+                        <a:ea typeface="Cambria Math" panose="02040503050406030204" pitchFamily="18" charset="0"/>
+                      </a:rPr>
+                      <m:t>𝑙𝑙</m:t>
+                    </m:r>
+                    <m:r>
+                      <a:rPr lang="en-US" altLang="ja-JP" sz="825" i="1">
+                        <a:latin typeface="Cambria Math" panose="02040503050406030204" pitchFamily="18" charset="0"/>
+                        <a:ea typeface="Cambria Math" panose="02040503050406030204" pitchFamily="18" charset="0"/>
+                      </a:rPr>
+                      <m:t> </m:t>
+                    </m:r>
+                    <m:r>
+                      <a:rPr lang="en-US" altLang="ja-JP" sz="825" i="1">
+                        <a:latin typeface="Cambria Math" panose="02040503050406030204" pitchFamily="18" charset="0"/>
+                        <a:ea typeface="Cambria Math" panose="02040503050406030204" pitchFamily="18" charset="0"/>
+                      </a:rPr>
+                      <m:t>𝜆</m:t>
+                    </m:r>
+                    <m:r>
+                      <a:rPr lang="en-US" altLang="ja-JP" sz="825" i="1">
+                        <a:latin typeface="Cambria Math" panose="02040503050406030204" pitchFamily="18" charset="0"/>
+                        <a:ea typeface="Cambria Math" panose="02040503050406030204" pitchFamily="18" charset="0"/>
+                      </a:rPr>
+                      <m:t>≠0</m:t>
+                    </m:r>
+                  </m:oMath>
+                </a14:m>
+                <a:endParaRPr lang="ja-JP" altLang="en-US" sz="825"/>
+              </a:p>
+              <a:p>
+                <a:endParaRPr lang="ja-JP" altLang="en-US" sz="825"/>
+              </a:p>
+            </p:txBody>
+          </p:sp>
+        </mc:Choice>
+        <mc:Fallback xmlns="">
+          <p:sp>
+            <p:nvSpPr>
+              <p:cNvPr id="69" name="テキスト ボックス 68">
+                <a:extLst>
+                  <a:ext uri="{FF2B5EF4-FFF2-40B4-BE49-F238E27FC236}">
+                    <a16:creationId xmlns:a16="http://schemas.microsoft.com/office/drawing/2014/main" id="{C1198DFD-4E03-E146-95FD-C50C89320D2F}"/>
+                  </a:ext>
+                </a:extLst>
+              </p:cNvPr>
+              <p:cNvSpPr txBox="1">
+                <a:spLocks noRot="1" noChangeAspect="1" noMove="1" noResize="1" noEditPoints="1" noAdjustHandles="1" noChangeArrowheads="1" noChangeShapeType="1" noTextEdit="1"/>
+              </p:cNvSpPr>
+              <p:nvPr/>
+            </p:nvSpPr>
+            <p:spPr>
+              <a:xfrm>
+                <a:off x="3291362" y="1152152"/>
+                <a:ext cx="1093116" cy="253916"/>
+              </a:xfrm>
+              <a:prstGeom prst="rect">
+                <a:avLst/>
+              </a:prstGeom>
+              <a:blipFill>
+                <a:blip r:embed="rId24"/>
+                <a:stretch>
+                  <a:fillRect l="-4598" t="-14286"/>
+                </a:stretch>
+              </a:blipFill>
+            </p:spPr>
+            <p:txBody>
+              <a:bodyPr/>
+              <a:lstStyle/>
+              <a:p>
+                <a:r>
+                  <a:rPr lang="ja-JP" altLang="en-US">
+                    <a:noFill/>
+                  </a:rPr>
+                  <a:t> </a:t>
+                </a:r>
+              </a:p>
+            </p:txBody>
+          </p:sp>
+        </mc:Fallback>
+      </mc:AlternateContent>
+      <p:sp>
+        <p:nvSpPr>
+          <p:cNvPr id="72" name="テキスト ボックス 71">
+            <a:extLst>
+              <a:ext uri="{FF2B5EF4-FFF2-40B4-BE49-F238E27FC236}">
+                <a16:creationId xmlns:a16="http://schemas.microsoft.com/office/drawing/2014/main" id="{CDD9B465-CC7F-FB41-B584-2ED54495A94D}"/>
+              </a:ext>
+            </a:extLst>
+          </p:cNvPr>
+          <p:cNvSpPr txBox="1"/>
+          <p:nvPr/>
+        </p:nvSpPr>
+        <p:spPr>
+          <a:xfrm>
+            <a:off x="4884381" y="2945291"/>
+            <a:ext cx="540878" cy="253787"/>
+          </a:xfrm>
+          <a:prstGeom prst="rect">
+            <a:avLst/>
+          </a:prstGeom>
+          <a:noFill/>
+        </p:spPr>
+        <p:txBody>
+          <a:bodyPr wrap="square" rtlCol="0">
+            <a:spAutoFit/>
+          </a:bodyPr>
+          <a:lstStyle>
+            <a:defPPr>
+              <a:defRPr lang="ja-JP"/>
+            </a:defPPr>
+            <a:lvl1pPr>
+              <a:defRPr sz="1200">
+                <a:latin typeface="Arial Rounded MT Bold" panose="020F0704030504030204" pitchFamily="34" charset="0"/>
+              </a:defRPr>
+            </a:lvl1pPr>
+          </a:lstStyle>
+          <a:p>
+            <a:r>
+              <a:rPr lang="ja-JP" altLang="en-US" sz="1049"/>
+              <a:t>投影</a:t>
+            </a:r>
+          </a:p>
+        </p:txBody>
+      </p:sp>
+      <mc:AlternateContent xmlns:mc="http://schemas.openxmlformats.org/markup-compatibility/2006" xmlns:a14="http://schemas.microsoft.com/office/drawing/2010/main">
+        <mc:Choice Requires="a14">
+          <p:sp>
+            <p:nvSpPr>
+              <p:cNvPr id="73" name="テキスト ボックス 72">
+                <a:extLst>
+                  <a:ext uri="{FF2B5EF4-FFF2-40B4-BE49-F238E27FC236}">
+                    <a16:creationId xmlns:a16="http://schemas.microsoft.com/office/drawing/2014/main" id="{CAAFFC8F-3C48-1A4B-9489-FE90A881CFAE}"/>
+                  </a:ext>
+                </a:extLst>
+              </p:cNvPr>
+              <p:cNvSpPr txBox="1"/>
+              <p:nvPr/>
+            </p:nvSpPr>
+            <p:spPr>
+              <a:xfrm>
+                <a:off x="3053489" y="1318882"/>
+                <a:ext cx="599208" cy="161454"/>
+              </a:xfrm>
+              <a:prstGeom prst="rect">
+                <a:avLst/>
+              </a:prstGeom>
+              <a:solidFill>
+                <a:schemeClr val="bg2">
+                  <a:lumMod val="90000"/>
+                </a:schemeClr>
+              </a:solidFill>
+            </p:spPr>
+            <p:txBody>
+              <a:bodyPr wrap="square" lIns="0" tIns="0" rIns="0" bIns="0" rtlCol="0">
+                <a:spAutoFit/>
+              </a:bodyPr>
+              <a:lstStyle>
+                <a:defPPr>
+                  <a:defRPr lang="ja-JP"/>
+                </a:defPPr>
+                <a:lvl1pPr>
+                  <a:defRPr sz="1050" i="1">
+                    <a:latin typeface="Cambria Math" panose="02040503050406030204" pitchFamily="18" charset="0"/>
+                  </a:defRPr>
+                </a:lvl1pPr>
+              </a:lstStyle>
+              <a:p>
+                <a:pPr/>
+                <a14:m>
+                  <m:oMathPara xmlns:m="http://schemas.openxmlformats.org/officeDocument/2006/math">
+                    <m:oMathParaPr>
+                      <m:jc m:val="centerGroup"/>
+                    </m:oMathParaPr>
+                    <m:oMath xmlns:m="http://schemas.openxmlformats.org/officeDocument/2006/math">
+                      <m:r>
+                        <a:rPr lang="en-US" altLang="ja-JP" sz="1049">
+                          <a:latin typeface="Cambria Math" panose="02040503050406030204" pitchFamily="18" charset="0"/>
+                        </a:rPr>
+                        <m:t>𝐴</m:t>
+                      </m:r>
+                      <m:r>
+                        <a:rPr lang="en-US" altLang="ja-JP" sz="1049">
+                          <a:latin typeface="Cambria Math" panose="02040503050406030204" pitchFamily="18" charset="0"/>
+                        </a:rPr>
+                        <m:t>=</m:t>
+                      </m:r>
+                      <m:r>
+                        <a:rPr lang="en-US" altLang="ja-JP" sz="1049">
+                          <a:latin typeface="Cambria Math" panose="02040503050406030204" pitchFamily="18" charset="0"/>
+                        </a:rPr>
+                        <m:t>𝑄𝑅</m:t>
+                      </m:r>
+                    </m:oMath>
+                  </m:oMathPara>
+                </a14:m>
+                <a:endParaRPr lang="ja-JP" altLang="en-US" sz="1049"/>
+              </a:p>
+            </p:txBody>
+          </p:sp>
+        </mc:Choice>
+        <mc:Fallback xmlns="">
+          <p:sp>
+            <p:nvSpPr>
+              <p:cNvPr id="73" name="テキスト ボックス 72">
+                <a:extLst>
+                  <a:ext uri="{FF2B5EF4-FFF2-40B4-BE49-F238E27FC236}">
+                    <a16:creationId xmlns:a16="http://schemas.microsoft.com/office/drawing/2014/main" id="{CAAFFC8F-3C48-1A4B-9489-FE90A881CFAE}"/>
+                  </a:ext>
+                </a:extLst>
+              </p:cNvPr>
+              <p:cNvSpPr txBox="1">
+                <a:spLocks noRot="1" noChangeAspect="1" noMove="1" noResize="1" noEditPoints="1" noAdjustHandles="1" noChangeArrowheads="1" noChangeShapeType="1" noTextEdit="1"/>
+              </p:cNvSpPr>
+              <p:nvPr/>
+            </p:nvSpPr>
+            <p:spPr>
+              <a:xfrm>
+                <a:off x="3053489" y="1318882"/>
+                <a:ext cx="599208" cy="161454"/>
+              </a:xfrm>
+              <a:prstGeom prst="rect">
+                <a:avLst/>
+              </a:prstGeom>
+              <a:blipFill>
+                <a:blip r:embed="rId25"/>
+                <a:stretch>
+                  <a:fillRect b="-28571"/>
+                </a:stretch>
+              </a:blipFill>
+            </p:spPr>
+            <p:txBody>
+              <a:bodyPr/>
+              <a:lstStyle/>
+              <a:p>
+                <a:r>
+                  <a:rPr lang="ja-JP" altLang="en-US">
+                    <a:noFill/>
+                  </a:rPr>
+                  <a:t> </a:t>
+                </a:r>
+              </a:p>
+            </p:txBody>
+          </p:sp>
+        </mc:Fallback>
+      </mc:AlternateContent>
+      <p:sp>
+        <p:nvSpPr>
+          <p:cNvPr id="2" name="テキスト ボックス 1">
+            <a:extLst>
+              <a:ext uri="{FF2B5EF4-FFF2-40B4-BE49-F238E27FC236}">
+                <a16:creationId xmlns:a16="http://schemas.microsoft.com/office/drawing/2014/main" id="{22880229-DB2A-7547-9B83-3F76963B21F5}"/>
+              </a:ext>
+            </a:extLst>
+          </p:cNvPr>
+          <p:cNvSpPr txBox="1"/>
+          <p:nvPr/>
+        </p:nvSpPr>
+        <p:spPr>
+          <a:xfrm>
+            <a:off x="198510" y="648513"/>
+            <a:ext cx="1888586" cy="415498"/>
+          </a:xfrm>
+          <a:prstGeom prst="rect">
+            <a:avLst/>
+          </a:prstGeom>
+          <a:noFill/>
+        </p:spPr>
+        <p:txBody>
+          <a:bodyPr wrap="square" rtlCol="0">
+            <a:spAutoFit/>
+          </a:bodyPr>
+          <a:lstStyle/>
+          <a:p>
+            <a:r>
+              <a:rPr lang="ja-JP" altLang="en-US" sz="2100">
+                <a:latin typeface="DengXian" panose="02010600030101010101" pitchFamily="2" charset="-122"/>
+                <a:ea typeface="DengXian" panose="02010600030101010101" pitchFamily="2" charset="-122"/>
+              </a:rPr>
+              <a:t>矩阵世界</a:t>
+            </a:r>
+            <a:endParaRPr lang="en-US" altLang="ja-JP" sz="2100" dirty="0">
+              <a:latin typeface="DengXian" panose="02010600030101010101" pitchFamily="2" charset="-122"/>
+              <a:ea typeface="DengXian" panose="02010600030101010101" pitchFamily="2" charset="-122"/>
+            </a:endParaRPr>
+          </a:p>
+        </p:txBody>
+      </p:sp>
+      <mc:AlternateContent xmlns:mc="http://schemas.openxmlformats.org/markup-compatibility/2006">
+        <mc:Choice xmlns:a14="http://schemas.microsoft.com/office/drawing/2010/main" Requires="a14">
+          <p:sp>
+            <p:nvSpPr>
+              <p:cNvPr id="77" name="テキスト ボックス 76">
+                <a:extLst>
+                  <a:ext uri="{FF2B5EF4-FFF2-40B4-BE49-F238E27FC236}">
+                    <a16:creationId xmlns:a16="http://schemas.microsoft.com/office/drawing/2014/main" id="{584E1502-0BB0-CA45-8173-A39FB4C646AA}"/>
+                  </a:ext>
+                </a:extLst>
+              </p:cNvPr>
+              <p:cNvSpPr txBox="1"/>
+              <p:nvPr/>
+            </p:nvSpPr>
+            <p:spPr>
+              <a:xfrm rot="10800000" flipV="1">
+                <a:off x="4702436" y="1493841"/>
+                <a:ext cx="668256" cy="126958"/>
+              </a:xfrm>
+              <a:prstGeom prst="rect">
+                <a:avLst/>
+              </a:prstGeom>
+              <a:noFill/>
+            </p:spPr>
+            <p:txBody>
+              <a:bodyPr wrap="square" lIns="0" tIns="0" rIns="0" bIns="0" rtlCol="0">
+                <a:spAutoFit/>
+              </a:bodyPr>
+              <a:lstStyle/>
+              <a:p>
+                <a14:m>
+                  <m:oMathPara xmlns:m="http://schemas.openxmlformats.org/officeDocument/2006/math">
+                    <m:oMathParaPr>
+                      <m:jc m:val="centerGroup"/>
+                    </m:oMathParaPr>
+                    <m:oMath xmlns:m="http://schemas.openxmlformats.org/officeDocument/2006/math">
+                      <m:r>
+                        <a:rPr lang="en-US" altLang="ja-JP" sz="825" i="1">
+                          <a:latin typeface="Cambria Math" panose="02040503050406030204" pitchFamily="18" charset="0"/>
+                          <a:ea typeface="Cambria Math" panose="02040503050406030204" pitchFamily="18" charset="0"/>
+                        </a:rPr>
+                        <m:t>𝑈</m:t>
+                      </m:r>
+                      <m:r>
+                        <a:rPr lang="en-US" altLang="ja-JP" sz="825" i="1">
+                          <a:latin typeface="Cambria Math" panose="02040503050406030204" pitchFamily="18" charset="0"/>
+                          <a:ea typeface="Cambria Math" panose="02040503050406030204" pitchFamily="18" charset="0"/>
+                        </a:rPr>
+                        <m:t> </m:t>
+                      </m:r>
+                      <m:r>
+                        <a:rPr lang="ja-JP" altLang="en-US" sz="825" i="1">
+                          <a:latin typeface="Cambria Math" panose="02040503050406030204" pitchFamily="18" charset="0"/>
+                          <a:ea typeface="Cambria Math" panose="02040503050406030204" pitchFamily="18" charset="0"/>
+                        </a:rPr>
+                        <m:t>有一个</m:t>
+                      </m:r>
+                      <m:r>
+                        <a:rPr lang="zh-CN" altLang="en-US" sz="825" i="1">
+                          <a:latin typeface="Cambria Math" panose="02040503050406030204" pitchFamily="18" charset="0"/>
+                          <a:ea typeface="Cambria Math" panose="02040503050406030204" pitchFamily="18" charset="0"/>
+                        </a:rPr>
+                        <m:t>零行</m:t>
+                      </m:r>
+                    </m:oMath>
+                  </m:oMathPara>
+                </a14:m>
+                <a:endParaRPr lang="ja-JP" altLang="en-US" sz="825">
+                  <a:latin typeface="DengXian" panose="02010600030101010101" pitchFamily="2" charset="-122"/>
+                  <a:ea typeface="DengXian" panose="02010600030101010101" pitchFamily="2" charset="-122"/>
+                </a:endParaRPr>
+              </a:p>
+            </p:txBody>
+          </p:sp>
+        </mc:Choice>
+        <mc:Fallback>
+          <p:sp>
+            <p:nvSpPr>
+              <p:cNvPr id="77" name="テキスト ボックス 76">
+                <a:extLst>
+                  <a:ext uri="{FF2B5EF4-FFF2-40B4-BE49-F238E27FC236}">
+                    <a16:creationId xmlns:a16="http://schemas.microsoft.com/office/drawing/2014/main" id="{584E1502-0BB0-CA45-8173-A39FB4C646AA}"/>
+                  </a:ext>
+                </a:extLst>
+              </p:cNvPr>
+              <p:cNvSpPr txBox="1">
+                <a:spLocks noRot="1" noChangeAspect="1" noMove="1" noResize="1" noEditPoints="1" noAdjustHandles="1" noChangeArrowheads="1" noChangeShapeType="1" noTextEdit="1"/>
+              </p:cNvSpPr>
+              <p:nvPr/>
+            </p:nvSpPr>
+            <p:spPr>
+              <a:xfrm rot="10800000" flipV="1">
+                <a:off x="4702436" y="1493841"/>
+                <a:ext cx="668256" cy="126958"/>
+              </a:xfrm>
+              <a:prstGeom prst="rect">
+                <a:avLst/>
+              </a:prstGeom>
+              <a:blipFill>
+                <a:blip r:embed="rId26"/>
+                <a:stretch>
+                  <a:fillRect l="-3774" t="-9091" r="-5660" b="-36364"/>
+                </a:stretch>
+              </a:blipFill>
+            </p:spPr>
+            <p:txBody>
+              <a:bodyPr/>
+              <a:lstStyle/>
+              <a:p>
+                <a:r>
+                  <a:rPr lang="zh-CN" altLang="en-US">
+                    <a:noFill/>
+                  </a:rPr>
+                  <a:t> </a:t>
+                </a:r>
+              </a:p>
+            </p:txBody>
+          </p:sp>
+        </mc:Fallback>
+      </mc:AlternateContent>
+      <mc:AlternateContent xmlns:mc="http://schemas.openxmlformats.org/markup-compatibility/2006" xmlns:a14="http://schemas.microsoft.com/office/drawing/2010/main">
+        <mc:Choice Requires="a14">
+          <p:sp>
+            <p:nvSpPr>
+              <p:cNvPr id="78" name="テキスト ボックス 77">
+                <a:extLst>
+                  <a:ext uri="{FF2B5EF4-FFF2-40B4-BE49-F238E27FC236}">
+                    <a16:creationId xmlns:a16="http://schemas.microsoft.com/office/drawing/2014/main" id="{A2EA152C-6A55-4945-8311-B194456CE517}"/>
+                  </a:ext>
+                </a:extLst>
+              </p:cNvPr>
+              <p:cNvSpPr txBox="1"/>
+              <p:nvPr/>
+            </p:nvSpPr>
+            <p:spPr>
+              <a:xfrm>
+                <a:off x="6277845" y="1890521"/>
+                <a:ext cx="774007" cy="161454"/>
+              </a:xfrm>
+              <a:prstGeom prst="rect">
+                <a:avLst/>
+              </a:prstGeom>
+              <a:solidFill>
+                <a:schemeClr val="bg2">
+                  <a:lumMod val="90000"/>
+                </a:schemeClr>
+              </a:solidFill>
+            </p:spPr>
+            <p:txBody>
+              <a:bodyPr wrap="square" lIns="0" tIns="0" rIns="0" bIns="0" rtlCol="0">
+                <a:spAutoFit/>
+              </a:bodyPr>
+              <a:lstStyle>
+                <a:defPPr>
+                  <a:defRPr lang="en-US"/>
+                </a:defPPr>
+                <a:lvl1pPr>
+                  <a:defRPr sz="1049" i="1">
+                    <a:latin typeface="Cambria Math" panose="02040503050406030204" pitchFamily="18" charset="0"/>
+                  </a:defRPr>
+                </a:lvl1pPr>
+              </a:lstStyle>
+              <a:p>
+                <a:pPr/>
+                <a14:m>
+                  <m:oMathPara xmlns:m="http://schemas.openxmlformats.org/officeDocument/2006/math">
+                    <m:oMathParaPr>
+                      <m:jc m:val="centerGroup"/>
+                    </m:oMathParaPr>
+                    <m:oMath xmlns:m="http://schemas.openxmlformats.org/officeDocument/2006/math">
+                      <m:r>
+                        <a:rPr lang="en-US" altLang="ja-JP">
+                          <a:latin typeface="Cambria Math" panose="02040503050406030204" pitchFamily="18" charset="0"/>
+                        </a:rPr>
+                        <m:t>𝐴</m:t>
+                      </m:r>
+                      <m:r>
+                        <a:rPr lang="en-US" altLang="ja-JP">
+                          <a:latin typeface="Cambria Math" panose="02040503050406030204" pitchFamily="18" charset="0"/>
+                        </a:rPr>
+                        <m:t>=</m:t>
+                      </m:r>
+                      <m:sSup>
+                        <m:sSupPr>
+                          <m:ctrlPr>
+                            <a:rPr lang="en-US" altLang="ja-JP" i="1">
+                              <a:latin typeface="Cambria Math" panose="02040503050406030204" pitchFamily="18" charset="0"/>
+                            </a:rPr>
+                          </m:ctrlPr>
+                        </m:sSupPr>
+                        <m:e>
+                          <m:r>
+                            <a:rPr lang="en-US" altLang="ja-JP">
+                              <a:latin typeface="Cambria Math" panose="02040503050406030204" pitchFamily="18" charset="0"/>
+                            </a:rPr>
+                            <m:t>𝑋𝐽𝑋</m:t>
+                          </m:r>
+                        </m:e>
+                        <m:sup>
+                          <m:r>
+                            <a:rPr lang="en-US" altLang="ja-JP">
+                              <a:latin typeface="Cambria Math" panose="02040503050406030204" pitchFamily="18" charset="0"/>
+                            </a:rPr>
+                            <m:t>−1</m:t>
+                          </m:r>
+                        </m:sup>
+                      </m:sSup>
+                    </m:oMath>
+                  </m:oMathPara>
+                </a14:m>
+                <a:endParaRPr lang="ja-JP" altLang="en-US"/>
+              </a:p>
+            </p:txBody>
+          </p:sp>
+        </mc:Choice>
+        <mc:Fallback xmlns="">
+          <p:sp>
+            <p:nvSpPr>
+              <p:cNvPr id="78" name="テキスト ボックス 77">
+                <a:extLst>
+                  <a:ext uri="{FF2B5EF4-FFF2-40B4-BE49-F238E27FC236}">
+                    <a16:creationId xmlns:a16="http://schemas.microsoft.com/office/drawing/2014/main" id="{A2EA152C-6A55-4945-8311-B194456CE517}"/>
+                  </a:ext>
+                </a:extLst>
+              </p:cNvPr>
+              <p:cNvSpPr txBox="1">
+                <a:spLocks noRot="1" noChangeAspect="1" noMove="1" noResize="1" noEditPoints="1" noAdjustHandles="1" noChangeArrowheads="1" noChangeShapeType="1" noTextEdit="1"/>
+              </p:cNvSpPr>
+              <p:nvPr/>
+            </p:nvSpPr>
+            <p:spPr>
+              <a:xfrm>
+                <a:off x="6277845" y="1890521"/>
+                <a:ext cx="774007" cy="161454"/>
+              </a:xfrm>
+              <a:prstGeom prst="rect">
+                <a:avLst/>
+              </a:prstGeom>
+              <a:blipFill>
+                <a:blip r:embed="rId33"/>
+                <a:stretch>
+                  <a:fillRect b="-28571"/>
+                </a:stretch>
+              </a:blipFill>
+            </p:spPr>
+            <p:txBody>
+              <a:bodyPr/>
+              <a:lstStyle/>
+              <a:p>
+                <a:r>
+                  <a:rPr lang="ja-JP" altLang="en-US">
+                    <a:noFill/>
+                  </a:rPr>
+                  <a:t> </a:t>
+                </a:r>
+              </a:p>
+            </p:txBody>
+          </p:sp>
+        </mc:Fallback>
+      </mc:AlternateContent>
+      <mc:AlternateContent xmlns:mc="http://schemas.openxmlformats.org/markup-compatibility/2006">
+        <mc:Choice xmlns:a14="http://schemas.microsoft.com/office/drawing/2010/main" Requires="a14">
+          <p:sp>
+            <p:nvSpPr>
+              <p:cNvPr id="23" name="テキスト ボックス 22">
+                <a:extLst>
+                  <a:ext uri="{FF2B5EF4-FFF2-40B4-BE49-F238E27FC236}">
+                    <a16:creationId xmlns:a16="http://schemas.microsoft.com/office/drawing/2014/main" id="{C7866432-B683-694A-B73F-4F8A1FCCA86C}"/>
+                  </a:ext>
+                </a:extLst>
+              </p:cNvPr>
+              <p:cNvSpPr txBox="1"/>
+              <p:nvPr/>
+            </p:nvSpPr>
+            <p:spPr>
+              <a:xfrm>
+                <a:off x="4842940" y="2423408"/>
+                <a:ext cx="1137697" cy="129266"/>
+              </a:xfrm>
+              <a:prstGeom prst="rect">
+                <a:avLst/>
+              </a:prstGeom>
+              <a:noFill/>
+            </p:spPr>
+            <p:txBody>
+              <a:bodyPr wrap="square" lIns="0" tIns="0" rIns="0" bIns="0" rtlCol="0">
+                <a:spAutoFit/>
+              </a:bodyPr>
+              <a:lstStyle/>
+              <a:p>
+                <a:pPr/>
+                <a14:m>
+                  <m:oMathPara xmlns:m="http://schemas.openxmlformats.org/officeDocument/2006/math">
+                    <m:oMathParaPr>
+                      <m:jc m:val="centerGroup"/>
+                    </m:oMathParaPr>
+                    <m:oMath xmlns:m="http://schemas.openxmlformats.org/officeDocument/2006/math">
+                      <m:r>
+                        <a:rPr lang="en-US" altLang="ja-JP" sz="825" i="1">
+                          <a:latin typeface="DengXian" panose="02010600030101010101" pitchFamily="2" charset="-122"/>
+                          <a:ea typeface="DengXian" panose="02010600030101010101" pitchFamily="2" charset="-122"/>
+                          <a:cs typeface="Times New Roman" panose="02020603050405020304" pitchFamily="18" charset="0"/>
+                        </a:rPr>
+                        <m:t>𝑆</m:t>
+                      </m:r>
+                      <m:r>
+                        <a:rPr lang="en-US" altLang="ja-JP" sz="825" i="1">
+                          <a:latin typeface="DengXian" panose="02010600030101010101" pitchFamily="2" charset="-122"/>
+                          <a:ea typeface="DengXian" panose="02010600030101010101" pitchFamily="2" charset="-122"/>
+                          <a:cs typeface="Times New Roman" panose="02020603050405020304" pitchFamily="18" charset="0"/>
+                        </a:rPr>
+                        <m:t>=</m:t>
+                      </m:r>
+                      <m:sSup>
+                        <m:sSupPr>
+                          <m:ctrlPr>
+                            <a:rPr lang="en-US" altLang="ja-JP" sz="825" i="1">
+                              <a:latin typeface="DengXian" panose="02010600030101010101" pitchFamily="2" charset="-122"/>
+                              <a:ea typeface="DengXian" panose="02010600030101010101" pitchFamily="2" charset="-122"/>
+                              <a:cs typeface="Times New Roman" panose="02020603050405020304" pitchFamily="18" charset="0"/>
+                            </a:rPr>
+                          </m:ctrlPr>
+                        </m:sSupPr>
+                        <m:e>
+                          <m:r>
+                            <a:rPr lang="en-US" altLang="ja-JP" sz="825" i="1">
+                              <a:latin typeface="DengXian" panose="02010600030101010101" pitchFamily="2" charset="-122"/>
+                              <a:ea typeface="DengXian" panose="02010600030101010101" pitchFamily="2" charset="-122"/>
+                              <a:cs typeface="Times New Roman" panose="02020603050405020304" pitchFamily="18" charset="0"/>
+                            </a:rPr>
+                            <m:t>𝑆</m:t>
+                          </m:r>
+                        </m:e>
+                        <m:sup>
+                          <m:r>
+                            <m:rPr>
+                              <m:sty m:val="p"/>
+                            </m:rPr>
+                            <a:rPr lang="en-US" altLang="ja-JP" sz="825" i="1">
+                              <a:latin typeface="DengXian" panose="02010600030101010101" pitchFamily="2" charset="-122"/>
+                              <a:ea typeface="DengXian" panose="02010600030101010101" pitchFamily="2" charset="-122"/>
+                              <a:cs typeface="Times New Roman" panose="02020603050405020304" pitchFamily="18" charset="0"/>
+                            </a:rPr>
+                            <m:t>T</m:t>
+                          </m:r>
+                        </m:sup>
+                      </m:sSup>
+                      <m:r>
+                        <a:rPr lang="en-US" altLang="ja-JP" sz="825" i="1">
+                          <a:latin typeface="DengXian" panose="02010600030101010101" pitchFamily="2" charset="-122"/>
+                          <a:ea typeface="DengXian" panose="02010600030101010101" pitchFamily="2" charset="-122"/>
+                          <a:cs typeface="Times New Roman" panose="02020603050405020304" pitchFamily="18" charset="0"/>
+                        </a:rPr>
+                        <m:t>,</m:t>
+                      </m:r>
+                      <m:r>
+                        <a:rPr lang="ja-JP" altLang="en-US" sz="825" i="1">
+                          <a:latin typeface="DengXian" panose="02010600030101010101" pitchFamily="2" charset="-122"/>
+                          <a:ea typeface="DengXian" panose="02010600030101010101" pitchFamily="2" charset="-122"/>
+                          <a:cs typeface="Times New Roman" panose="02020603050405020304" pitchFamily="18" charset="0"/>
+                        </a:rPr>
+                        <m:t>所有</m:t>
+                      </m:r>
+                      <m:r>
+                        <a:rPr lang="en-US" altLang="ja-JP" sz="825" i="1">
+                          <a:latin typeface="DengXian" panose="02010600030101010101" pitchFamily="2" charset="-122"/>
+                          <a:ea typeface="DengXian" panose="02010600030101010101" pitchFamily="2" charset="-122"/>
+                          <a:cs typeface="Times New Roman" panose="02020603050405020304" pitchFamily="18" charset="0"/>
+                        </a:rPr>
+                        <m:t>𝜆</m:t>
+                      </m:r>
+                      <m:r>
+                        <a:rPr lang="ja-JP" altLang="en-US" sz="825" i="1">
+                          <a:latin typeface="DengXian" panose="02010600030101010101" pitchFamily="2" charset="-122"/>
+                          <a:ea typeface="DengXian" panose="02010600030101010101" pitchFamily="2" charset="-122"/>
+                          <a:cs typeface="Times New Roman" panose="02020603050405020304" pitchFamily="18" charset="0"/>
+                        </a:rPr>
+                        <m:t>都是实数</m:t>
+                      </m:r>
+                    </m:oMath>
+                  </m:oMathPara>
+                </a14:m>
+                <a:endParaRPr lang="ja-JP" altLang="en-US" sz="825" i="1">
+                  <a:latin typeface="DengXian" panose="02010600030101010101" pitchFamily="2" charset="-122"/>
+                  <a:ea typeface="DengXian" panose="02010600030101010101" pitchFamily="2" charset="-122"/>
+                  <a:cs typeface="Times New Roman" panose="02020603050405020304" pitchFamily="18" charset="0"/>
+                </a:endParaRPr>
+              </a:p>
+            </p:txBody>
+          </p:sp>
+        </mc:Choice>
+        <mc:Fallback>
+          <p:sp>
+            <p:nvSpPr>
+              <p:cNvPr id="23" name="テキスト ボックス 22">
+                <a:extLst>
+                  <a:ext uri="{FF2B5EF4-FFF2-40B4-BE49-F238E27FC236}">
+                    <a16:creationId xmlns:a16="http://schemas.microsoft.com/office/drawing/2014/main" id="{C7866432-B683-694A-B73F-4F8A1FCCA86C}"/>
+                  </a:ext>
+                </a:extLst>
+              </p:cNvPr>
+              <p:cNvSpPr txBox="1">
+                <a:spLocks noRot="1" noChangeAspect="1" noMove="1" noResize="1" noEditPoints="1" noAdjustHandles="1" noChangeArrowheads="1" noChangeShapeType="1" noTextEdit="1"/>
+              </p:cNvSpPr>
+              <p:nvPr/>
+            </p:nvSpPr>
+            <p:spPr>
+              <a:xfrm>
+                <a:off x="4842940" y="2423408"/>
+                <a:ext cx="1137697" cy="129266"/>
+              </a:xfrm>
+              <a:prstGeom prst="rect">
+                <a:avLst/>
+              </a:prstGeom>
+              <a:blipFill>
+                <a:blip r:embed="rId34"/>
+                <a:stretch>
+                  <a:fillRect t="-18182" b="-27273"/>
+                </a:stretch>
+              </a:blipFill>
+            </p:spPr>
+            <p:txBody>
+              <a:bodyPr/>
+              <a:lstStyle/>
+              <a:p>
+                <a:r>
+                  <a:rPr lang="zh-CN" altLang="en-US">
+                    <a:noFill/>
+                  </a:rPr>
+                  <a:t> </a:t>
+                </a:r>
+              </a:p>
+            </p:txBody>
+          </p:sp>
+        </mc:Fallback>
+      </mc:AlternateContent>
+      <mc:AlternateContent xmlns:mc="http://schemas.openxmlformats.org/markup-compatibility/2006" xmlns:a14="http://schemas.microsoft.com/office/drawing/2010/main">
+        <mc:Choice Requires="a14">
+          <p:sp>
+            <p:nvSpPr>
+              <p:cNvPr id="33" name="テキスト ボックス 32">
+                <a:extLst>
+                  <a:ext uri="{FF2B5EF4-FFF2-40B4-BE49-F238E27FC236}">
+                    <a16:creationId xmlns:a16="http://schemas.microsoft.com/office/drawing/2014/main" id="{6EA95A68-3EBA-F24E-85D6-9E6BBF02C047}"/>
+                  </a:ext>
+                </a:extLst>
+              </p:cNvPr>
+              <p:cNvSpPr txBox="1"/>
+              <p:nvPr/>
+            </p:nvSpPr>
+            <p:spPr>
+              <a:xfrm>
+                <a:off x="5327283" y="2619674"/>
+                <a:ext cx="599208" cy="164469"/>
+              </a:xfrm>
+              <a:prstGeom prst="rect">
+                <a:avLst/>
+              </a:prstGeom>
+              <a:solidFill>
+                <a:schemeClr val="bg2">
+                  <a:lumMod val="90000"/>
+                </a:schemeClr>
+              </a:solidFill>
+            </p:spPr>
+            <p:txBody>
+              <a:bodyPr wrap="square" lIns="0" tIns="0" rIns="0" bIns="0" rtlCol="0">
+                <a:spAutoFit/>
+              </a:bodyPr>
+              <a:lstStyle>
+                <a:defPPr>
+                  <a:defRPr lang="ja-JP"/>
+                </a:defPPr>
+                <a:lvl1pPr>
+                  <a:defRPr sz="1050" i="1">
+                    <a:latin typeface="Cambria Math" panose="02040503050406030204" pitchFamily="18" charset="0"/>
+                  </a:defRPr>
+                </a:lvl1pPr>
+              </a:lstStyle>
+              <a:p>
+                <a:pPr/>
+                <a14:m>
+                  <m:oMathPara xmlns:m="http://schemas.openxmlformats.org/officeDocument/2006/math">
+                    <m:oMathParaPr>
+                      <m:jc m:val="centerGroup"/>
+                    </m:oMathParaPr>
+                    <m:oMath xmlns:m="http://schemas.openxmlformats.org/officeDocument/2006/math">
+                      <m:r>
+                        <a:rPr lang="en-US" altLang="ja-JP" sz="1049">
+                          <a:latin typeface="Cambria Math" panose="02040503050406030204" pitchFamily="18" charset="0"/>
+                        </a:rPr>
+                        <m:t>𝑆</m:t>
+                      </m:r>
+                      <m:r>
+                        <a:rPr lang="en-US" altLang="ja-JP" sz="1049">
+                          <a:latin typeface="Cambria Math" panose="02040503050406030204" pitchFamily="18" charset="0"/>
+                        </a:rPr>
+                        <m:t>=</m:t>
+                      </m:r>
+                      <m:sSup>
+                        <m:sSupPr>
+                          <m:ctrlPr>
+                            <a:rPr lang="en-US" altLang="ja-JP" sz="1049" i="1">
+                              <a:latin typeface="Cambria Math" panose="02040503050406030204" pitchFamily="18" charset="0"/>
+                            </a:rPr>
+                          </m:ctrlPr>
+                        </m:sSupPr>
+                        <m:e>
+                          <m:r>
+                            <a:rPr lang="en-US" altLang="ja-JP" sz="1049">
+                              <a:latin typeface="Cambria Math" panose="02040503050406030204" pitchFamily="18" charset="0"/>
+                            </a:rPr>
+                            <m:t>𝑄</m:t>
+                          </m:r>
+                          <m:r>
+                            <m:rPr>
+                              <m:sty m:val="p"/>
+                            </m:rPr>
+                            <a:rPr lang="el-GR" altLang="ja-JP" sz="1049">
+                              <a:latin typeface="Cambria Math" panose="02040503050406030204" pitchFamily="18" charset="0"/>
+                            </a:rPr>
+                            <m:t>Λ</m:t>
+                          </m:r>
+                          <m:r>
+                            <a:rPr lang="en-US" altLang="ja-JP" sz="1049">
+                              <a:latin typeface="Cambria Math" panose="02040503050406030204" pitchFamily="18" charset="0"/>
+                            </a:rPr>
+                            <m:t>𝑄</m:t>
+                          </m:r>
+                        </m:e>
+                        <m:sup>
+                          <m:r>
+                            <m:rPr>
+                              <m:sty m:val="p"/>
+                            </m:rPr>
+                            <a:rPr lang="en-US" altLang="ja-JP" sz="1049">
+                              <a:latin typeface="Cambria Math" panose="02040503050406030204" pitchFamily="18" charset="0"/>
+                            </a:rPr>
+                            <m:t>T</m:t>
+                          </m:r>
+                        </m:sup>
+                      </m:sSup>
+                    </m:oMath>
+                  </m:oMathPara>
+                </a14:m>
+                <a:endParaRPr lang="ja-JP" altLang="en-US" sz="1049"/>
+              </a:p>
+            </p:txBody>
+          </p:sp>
+        </mc:Choice>
+        <mc:Fallback xmlns="">
+          <p:sp>
+            <p:nvSpPr>
+              <p:cNvPr id="33" name="テキスト ボックス 32">
+                <a:extLst>
+                  <a:ext uri="{FF2B5EF4-FFF2-40B4-BE49-F238E27FC236}">
+                    <a16:creationId xmlns:a16="http://schemas.microsoft.com/office/drawing/2014/main" id="{6EA95A68-3EBA-F24E-85D6-9E6BBF02C047}"/>
+                  </a:ext>
+                </a:extLst>
+              </p:cNvPr>
+              <p:cNvSpPr txBox="1">
+                <a:spLocks noRot="1" noChangeAspect="1" noMove="1" noResize="1" noEditPoints="1" noAdjustHandles="1" noChangeArrowheads="1" noChangeShapeType="1" noTextEdit="1"/>
+              </p:cNvSpPr>
+              <p:nvPr/>
+            </p:nvSpPr>
+            <p:spPr>
+              <a:xfrm>
+                <a:off x="5327283" y="2619674"/>
+                <a:ext cx="599208" cy="164469"/>
+              </a:xfrm>
+              <a:prstGeom prst="rect">
+                <a:avLst/>
+              </a:prstGeom>
+              <a:blipFill>
+                <a:blip r:embed="rId35"/>
+                <a:stretch>
+                  <a:fillRect l="-6250" t="-7143" r="-4167" b="-28571"/>
+                </a:stretch>
+              </a:blipFill>
+            </p:spPr>
+            <p:txBody>
+              <a:bodyPr/>
+              <a:lstStyle/>
+              <a:p>
+                <a:r>
+                  <a:rPr lang="ja-JP" altLang="en-US">
+                    <a:noFill/>
+                  </a:rPr>
+                  <a:t> </a:t>
+                </a:r>
+              </a:p>
+            </p:txBody>
+          </p:sp>
+        </mc:Fallback>
+      </mc:AlternateContent>
+      <mc:AlternateContent xmlns:mc="http://schemas.openxmlformats.org/markup-compatibility/2006">
+        <mc:Choice xmlns:a14="http://schemas.microsoft.com/office/drawing/2010/main" Requires="a14">
+          <p:sp>
+            <p:nvSpPr>
+              <p:cNvPr id="76" name="テキスト ボックス 75">
+                <a:extLst>
+                  <a:ext uri="{FF2B5EF4-FFF2-40B4-BE49-F238E27FC236}">
+                    <a16:creationId xmlns:a16="http://schemas.microsoft.com/office/drawing/2014/main" id="{BFFB630D-F813-0C4E-ACB1-08B69973D4FF}"/>
+                  </a:ext>
+                </a:extLst>
+              </p:cNvPr>
+              <p:cNvSpPr txBox="1"/>
+              <p:nvPr/>
+            </p:nvSpPr>
+            <p:spPr>
+              <a:xfrm>
+                <a:off x="4279048" y="3114257"/>
+                <a:ext cx="1209028" cy="129266"/>
+              </a:xfrm>
+              <a:prstGeom prst="rect">
+                <a:avLst/>
+              </a:prstGeom>
+              <a:noFill/>
+            </p:spPr>
+            <p:txBody>
+              <a:bodyPr wrap="square" lIns="0" tIns="0" rIns="0" bIns="0" rtlCol="0">
+                <a:spAutoFit/>
+              </a:bodyPr>
+              <a:lstStyle/>
+              <a:p>
+                <a:pPr/>
+                <a14:m>
+                  <m:oMathPara xmlns:m="http://schemas.openxmlformats.org/officeDocument/2006/math">
+                    <m:oMathParaPr>
+                      <m:jc m:val="centerGroup"/>
+                    </m:oMathParaPr>
+                    <m:oMath xmlns:m="http://schemas.openxmlformats.org/officeDocument/2006/math">
+                      <m:sSup>
+                        <m:sSupPr>
+                          <m:ctrlPr>
+                            <a:rPr lang="en-US" altLang="ja-JP" sz="825" i="1">
+                              <a:latin typeface="Cambria Math" panose="02040503050406030204" pitchFamily="18" charset="0"/>
+                            </a:rPr>
+                          </m:ctrlPr>
+                        </m:sSupPr>
+                        <m:e>
+                          <m:r>
+                            <a:rPr lang="en-US" altLang="ja-JP" sz="825" i="1">
+                              <a:latin typeface="Cambria Math" panose="02040503050406030204" pitchFamily="18" charset="0"/>
+                            </a:rPr>
+                            <m:t>𝑃</m:t>
+                          </m:r>
+                        </m:e>
+                        <m:sup>
+                          <m:r>
+                            <a:rPr lang="en-US" altLang="ja-JP" sz="825" i="1">
+                              <a:latin typeface="Cambria Math" panose="02040503050406030204" pitchFamily="18" charset="0"/>
+                            </a:rPr>
+                            <m:t>2</m:t>
+                          </m:r>
+                        </m:sup>
+                      </m:sSup>
+                      <m:r>
+                        <a:rPr lang="en-US" altLang="ja-JP" sz="825" i="1">
+                          <a:latin typeface="Cambria Math" panose="02040503050406030204" pitchFamily="18" charset="0"/>
+                        </a:rPr>
+                        <m:t>=</m:t>
+                      </m:r>
+                      <m:r>
+                        <a:rPr lang="en-US" altLang="ja-JP" sz="825" i="1">
+                          <a:latin typeface="Cambria Math" panose="02040503050406030204" pitchFamily="18" charset="0"/>
+                        </a:rPr>
+                        <m:t>𝑃</m:t>
+                      </m:r>
+                      <m:r>
+                        <a:rPr lang="en-US" altLang="ja-JP" sz="825" i="1">
+                          <a:latin typeface="Cambria Math" panose="02040503050406030204" pitchFamily="18" charset="0"/>
+                        </a:rPr>
+                        <m:t>=</m:t>
+                      </m:r>
+                      <m:sSup>
+                        <m:sSupPr>
+                          <m:ctrlPr>
+                            <a:rPr lang="en-US" altLang="ja-JP" sz="825" i="1">
+                              <a:latin typeface="Cambria Math" panose="02040503050406030204" pitchFamily="18" charset="0"/>
+                            </a:rPr>
+                          </m:ctrlPr>
+                        </m:sSupPr>
+                        <m:e>
+                          <m:r>
+                            <a:rPr lang="en-US" altLang="ja-JP" sz="825" i="1">
+                              <a:latin typeface="Cambria Math" panose="02040503050406030204" pitchFamily="18" charset="0"/>
+                            </a:rPr>
+                            <m:t>𝑃</m:t>
+                          </m:r>
+                        </m:e>
+                        <m:sup>
+                          <m:r>
+                            <m:rPr>
+                              <m:sty m:val="p"/>
+                            </m:rPr>
+                            <a:rPr lang="en-US" altLang="ja-JP" sz="825">
+                              <a:latin typeface="Cambria Math" panose="02040503050406030204" pitchFamily="18" charset="0"/>
+                            </a:rPr>
+                            <m:t>T</m:t>
+                          </m:r>
+                        </m:sup>
+                      </m:sSup>
+                      <m:r>
+                        <a:rPr lang="en-US" altLang="ja-JP" sz="825" b="0" i="1">
+                          <a:latin typeface="Cambria Math" panose="02040503050406030204" pitchFamily="18" charset="0"/>
+                        </a:rPr>
+                        <m:t>,</m:t>
+                      </m:r>
+                      <m:r>
+                        <a:rPr lang="en-US" altLang="ja-JP" sz="825" i="1">
+                          <a:latin typeface="Cambria Math" panose="02040503050406030204" pitchFamily="18" charset="0"/>
+                          <a:ea typeface="Cambria Math" panose="02040503050406030204" pitchFamily="18" charset="0"/>
+                        </a:rPr>
+                        <m:t>𝜆</m:t>
+                      </m:r>
+                      <m:r>
+                        <a:rPr lang="en-US" altLang="ja-JP" sz="825" i="1">
+                          <a:latin typeface="Cambria Math" panose="02040503050406030204" pitchFamily="18" charset="0"/>
+                          <a:ea typeface="Cambria Math" panose="02040503050406030204" pitchFamily="18" charset="0"/>
+                        </a:rPr>
+                        <m:t>=1 </m:t>
+                      </m:r>
+                      <m:r>
+                        <a:rPr lang="en-US" altLang="ja-JP" sz="825" i="1">
+                          <a:latin typeface="Cambria Math" panose="02040503050406030204" pitchFamily="18" charset="0"/>
+                          <a:ea typeface="Cambria Math" panose="02040503050406030204" pitchFamily="18" charset="0"/>
+                        </a:rPr>
+                        <m:t>𝑜𝑟</m:t>
+                      </m:r>
+                      <m:r>
+                        <a:rPr lang="en-US" altLang="ja-JP" sz="825" i="1">
+                          <a:latin typeface="Cambria Math" panose="02040503050406030204" pitchFamily="18" charset="0"/>
+                          <a:ea typeface="Cambria Math" panose="02040503050406030204" pitchFamily="18" charset="0"/>
+                        </a:rPr>
+                        <m:t> 0</m:t>
+                      </m:r>
+                    </m:oMath>
+                  </m:oMathPara>
+                </a14:m>
+                <a:endParaRPr lang="ja-JP" altLang="en-US" sz="825"/>
+              </a:p>
+            </p:txBody>
+          </p:sp>
+        </mc:Choice>
+        <mc:Fallback>
+          <p:sp>
+            <p:nvSpPr>
+              <p:cNvPr id="76" name="テキスト ボックス 75">
+                <a:extLst>
+                  <a:ext uri="{FF2B5EF4-FFF2-40B4-BE49-F238E27FC236}">
+                    <a16:creationId xmlns:a16="http://schemas.microsoft.com/office/drawing/2014/main" id="{BFFB630D-F813-0C4E-ACB1-08B69973D4FF}"/>
+                  </a:ext>
+                </a:extLst>
+              </p:cNvPr>
+              <p:cNvSpPr txBox="1">
+                <a:spLocks noRot="1" noChangeAspect="1" noMove="1" noResize="1" noEditPoints="1" noAdjustHandles="1" noChangeArrowheads="1" noChangeShapeType="1" noTextEdit="1"/>
+              </p:cNvSpPr>
+              <p:nvPr/>
+            </p:nvSpPr>
+            <p:spPr>
+              <a:xfrm>
+                <a:off x="4279048" y="3114257"/>
+                <a:ext cx="1209028" cy="129266"/>
+              </a:xfrm>
+              <a:prstGeom prst="rect">
+                <a:avLst/>
+              </a:prstGeom>
+              <a:blipFill>
+                <a:blip r:embed="rId36"/>
+                <a:stretch>
+                  <a:fillRect t="-9091" b="-36364"/>
+                </a:stretch>
+              </a:blipFill>
+            </p:spPr>
+            <p:txBody>
+              <a:bodyPr/>
+              <a:lstStyle/>
+              <a:p>
+                <a:r>
+                  <a:rPr lang="zh-CN" altLang="en-US">
+                    <a:noFill/>
+                  </a:rPr>
+                  <a:t> </a:t>
+                </a:r>
+              </a:p>
+            </p:txBody>
+          </p:sp>
+        </mc:Fallback>
+      </mc:AlternateContent>
+      <p:cxnSp>
+        <p:nvCxnSpPr>
+          <p:cNvPr id="59" name="直線コネクタ 58">
+            <a:extLst>
+              <a:ext uri="{FF2B5EF4-FFF2-40B4-BE49-F238E27FC236}">
+                <a16:creationId xmlns:a16="http://schemas.microsoft.com/office/drawing/2014/main" id="{4AFD7169-670D-8440-9345-CCE6AA651667}"/>
+              </a:ext>
+            </a:extLst>
+          </p:cNvPr>
+          <p:cNvCxnSpPr>
+            <a:cxnSpLocks/>
+            <a:stCxn id="73" idx="3"/>
+            <a:endCxn id="74" idx="1"/>
+          </p:cNvCxnSpPr>
+          <p:nvPr/>
+        </p:nvCxnSpPr>
+        <p:spPr>
+          <a:xfrm flipV="1">
+            <a:off x="3652697" y="1396833"/>
+            <a:ext cx="236049" cy="2776"/>
+          </a:xfrm>
+          <a:prstGeom prst="line">
+            <a:avLst/>
+          </a:prstGeom>
+          <a:ln>
+            <a:prstDash val="dash"/>
+            <a:headEnd type="none"/>
+            <a:tailEnd type="none"/>
+          </a:ln>
+        </p:spPr>
+        <p:style>
+          <a:lnRef idx="1">
+            <a:schemeClr val="accent1"/>
+          </a:lnRef>
+          <a:fillRef idx="0">
+            <a:schemeClr val="accent1"/>
+          </a:fillRef>
+          <a:effectRef idx="0">
+            <a:schemeClr val="accent1"/>
+          </a:effectRef>
+          <a:fontRef idx="minor">
+            <a:schemeClr val="tx1"/>
+          </a:fontRef>
+        </p:style>
+      </p:cxnSp>
+      <p:cxnSp>
+        <p:nvCxnSpPr>
+          <p:cNvPr id="79" name="直線コネクタ 78">
+            <a:extLst>
+              <a:ext uri="{FF2B5EF4-FFF2-40B4-BE49-F238E27FC236}">
+                <a16:creationId xmlns:a16="http://schemas.microsoft.com/office/drawing/2014/main" id="{2DAB1BF6-8F63-DF41-B9C2-E18F4FC64014}"/>
+              </a:ext>
+            </a:extLst>
+          </p:cNvPr>
+          <p:cNvCxnSpPr>
+            <a:cxnSpLocks/>
+            <a:stCxn id="74" idx="3"/>
+            <a:endCxn id="57" idx="1"/>
+          </p:cNvCxnSpPr>
+          <p:nvPr/>
+        </p:nvCxnSpPr>
+        <p:spPr>
+          <a:xfrm flipV="1">
+            <a:off x="4580435" y="1395755"/>
+            <a:ext cx="96540" cy="1078"/>
+          </a:xfrm>
+          <a:prstGeom prst="line">
+            <a:avLst/>
+          </a:prstGeom>
+          <a:ln>
+            <a:prstDash val="dash"/>
+            <a:headEnd type="none"/>
+            <a:tailEnd type="none"/>
+          </a:ln>
+        </p:spPr>
+        <p:style>
+          <a:lnRef idx="1">
+            <a:schemeClr val="accent1"/>
+          </a:lnRef>
+          <a:fillRef idx="0">
+            <a:schemeClr val="accent1"/>
+          </a:fillRef>
+          <a:effectRef idx="0">
+            <a:schemeClr val="accent1"/>
+          </a:effectRef>
+          <a:fontRef idx="minor">
+            <a:schemeClr val="tx1"/>
+          </a:fontRef>
+        </p:style>
+      </p:cxnSp>
+      <mc:AlternateContent xmlns:mc="http://schemas.openxmlformats.org/markup-compatibility/2006">
+        <mc:Choice xmlns:a14="http://schemas.microsoft.com/office/drawing/2010/main" Requires="a14">
+          <p:sp>
+            <p:nvSpPr>
+              <p:cNvPr id="83" name="テキスト ボックス 82">
+                <a:extLst>
+                  <a:ext uri="{FF2B5EF4-FFF2-40B4-BE49-F238E27FC236}">
+                    <a16:creationId xmlns:a16="http://schemas.microsoft.com/office/drawing/2014/main" id="{73CA59E4-02EC-8348-90A9-DF74635EC2CA}"/>
+                  </a:ext>
+                </a:extLst>
+              </p:cNvPr>
+              <p:cNvSpPr txBox="1"/>
+              <p:nvPr/>
+            </p:nvSpPr>
+            <p:spPr>
+              <a:xfrm>
+                <a:off x="5248668" y="1891935"/>
+                <a:ext cx="649839" cy="126958"/>
+              </a:xfrm>
+              <a:prstGeom prst="rect">
+                <a:avLst/>
+              </a:prstGeom>
+              <a:noFill/>
+            </p:spPr>
+            <p:txBody>
+              <a:bodyPr wrap="square" lIns="0" tIns="0" rIns="0" bIns="0" rtlCol="0">
+                <a:spAutoFit/>
+              </a:bodyPr>
+              <a:lstStyle/>
+              <a:p>
+                <a:pPr/>
+                <a14:m>
+                  <m:oMathPara xmlns:m="http://schemas.openxmlformats.org/officeDocument/2006/math">
+                    <m:oMathParaPr>
+                      <m:jc m:val="centerGroup"/>
+                    </m:oMathParaPr>
+                    <m:oMath xmlns:m="http://schemas.openxmlformats.org/officeDocument/2006/math">
+                      <m:r>
+                        <a:rPr lang="ja-JP" altLang="en-US" sz="830">
+                          <a:latin typeface="DengXian" panose="02010600030101010101" pitchFamily="2" charset="-122"/>
+                          <a:ea typeface="DengXian" panose="02010600030101010101" pitchFamily="2" charset="-122"/>
+                        </a:rPr>
+                        <m:t>对角化</m:t>
+                      </m:r>
+                    </m:oMath>
+                  </m:oMathPara>
+                </a14:m>
+                <a:endParaRPr lang="ja-JP" altLang="en-US" sz="830">
+                  <a:latin typeface="DengXian" panose="02010600030101010101" pitchFamily="2" charset="-122"/>
+                  <a:ea typeface="DengXian" panose="02010600030101010101" pitchFamily="2" charset="-122"/>
+                </a:endParaRPr>
+              </a:p>
+            </p:txBody>
+          </p:sp>
+        </mc:Choice>
+        <mc:Fallback>
+          <p:sp>
+            <p:nvSpPr>
+              <p:cNvPr id="83" name="テキスト ボックス 82">
+                <a:extLst>
+                  <a:ext uri="{FF2B5EF4-FFF2-40B4-BE49-F238E27FC236}">
+                    <a16:creationId xmlns:a16="http://schemas.microsoft.com/office/drawing/2014/main" id="{73CA59E4-02EC-8348-90A9-DF74635EC2CA}"/>
+                  </a:ext>
+                </a:extLst>
+              </p:cNvPr>
+              <p:cNvSpPr txBox="1">
+                <a:spLocks noRot="1" noChangeAspect="1" noMove="1" noResize="1" noEditPoints="1" noAdjustHandles="1" noChangeArrowheads="1" noChangeShapeType="1" noTextEdit="1"/>
+              </p:cNvSpPr>
+              <p:nvPr/>
+            </p:nvSpPr>
+            <p:spPr>
+              <a:xfrm>
+                <a:off x="5248668" y="1891935"/>
+                <a:ext cx="649839" cy="126958"/>
+              </a:xfrm>
+              <a:prstGeom prst="rect">
+                <a:avLst/>
+              </a:prstGeom>
+              <a:blipFill>
+                <a:blip r:embed="rId37"/>
+                <a:stretch>
+                  <a:fillRect t="-9091" b="-36364"/>
+                </a:stretch>
+              </a:blipFill>
+            </p:spPr>
+            <p:txBody>
+              <a:bodyPr/>
+              <a:lstStyle/>
+              <a:p>
+                <a:r>
+                  <a:rPr lang="zh-CN" altLang="en-US">
+                    <a:noFill/>
+                  </a:rPr>
+                  <a:t> </a:t>
+                </a:r>
+              </a:p>
+            </p:txBody>
+          </p:sp>
+        </mc:Fallback>
+      </mc:AlternateContent>
+      <p:cxnSp>
+        <p:nvCxnSpPr>
+          <p:cNvPr id="84" name="直線コネクタ 83">
+            <a:extLst>
+              <a:ext uri="{FF2B5EF4-FFF2-40B4-BE49-F238E27FC236}">
+                <a16:creationId xmlns:a16="http://schemas.microsoft.com/office/drawing/2014/main" id="{73CF6896-2AB3-544A-8331-57C4F8DDC468}"/>
+              </a:ext>
+            </a:extLst>
+          </p:cNvPr>
+          <p:cNvCxnSpPr>
+            <a:cxnSpLocks/>
+            <a:stCxn id="32" idx="3"/>
+            <a:endCxn id="83" idx="1"/>
+          </p:cNvCxnSpPr>
+          <p:nvPr/>
+        </p:nvCxnSpPr>
+        <p:spPr>
+          <a:xfrm>
+            <a:off x="5165332" y="1952828"/>
+            <a:ext cx="83336" cy="2586"/>
+          </a:xfrm>
+          <a:prstGeom prst="line">
+            <a:avLst/>
+          </a:prstGeom>
+          <a:ln>
+            <a:prstDash val="dash"/>
+            <a:headEnd type="none"/>
+            <a:tailEnd type="none"/>
+          </a:ln>
+        </p:spPr>
+        <p:style>
+          <a:lnRef idx="1">
+            <a:schemeClr val="accent1"/>
+          </a:lnRef>
+          <a:fillRef idx="0">
+            <a:schemeClr val="accent1"/>
+          </a:fillRef>
+          <a:effectRef idx="0">
+            <a:schemeClr val="accent1"/>
+          </a:effectRef>
+          <a:fontRef idx="minor">
+            <a:schemeClr val="tx1"/>
+          </a:fontRef>
+        </p:style>
+      </p:cxnSp>
+      <p:cxnSp>
+        <p:nvCxnSpPr>
+          <p:cNvPr id="85" name="直線コネクタ 84">
+            <a:extLst>
+              <a:ext uri="{FF2B5EF4-FFF2-40B4-BE49-F238E27FC236}">
+                <a16:creationId xmlns:a16="http://schemas.microsoft.com/office/drawing/2014/main" id="{2689C07A-13E7-EC49-91E0-F1AAB457FD3C}"/>
+              </a:ext>
+            </a:extLst>
+          </p:cNvPr>
+          <p:cNvCxnSpPr>
+            <a:cxnSpLocks/>
+            <a:stCxn id="83" idx="3"/>
+            <a:endCxn id="78" idx="1"/>
+          </p:cNvCxnSpPr>
+          <p:nvPr/>
+        </p:nvCxnSpPr>
+        <p:spPr>
+          <a:xfrm>
+            <a:off x="5898507" y="1955414"/>
+            <a:ext cx="379338" cy="15834"/>
+          </a:xfrm>
+          <a:prstGeom prst="line">
+            <a:avLst/>
+          </a:prstGeom>
+          <a:ln>
+            <a:prstDash val="dash"/>
+            <a:headEnd type="none"/>
+            <a:tailEnd type="none"/>
+          </a:ln>
+        </p:spPr>
+        <p:style>
+          <a:lnRef idx="1">
+            <a:schemeClr val="accent1"/>
+          </a:lnRef>
+          <a:fillRef idx="0">
+            <a:schemeClr val="accent1"/>
+          </a:fillRef>
+          <a:effectRef idx="0">
+            <a:schemeClr val="accent1"/>
+          </a:effectRef>
+          <a:fontRef idx="minor">
+            <a:schemeClr val="tx1"/>
+          </a:fontRef>
+        </p:style>
+      </p:cxnSp>
+      <mc:AlternateContent xmlns:mc="http://schemas.openxmlformats.org/markup-compatibility/2006" xmlns:a14="http://schemas.microsoft.com/office/drawing/2010/main">
+        <mc:Choice Requires="a14">
+          <p:sp>
+            <p:nvSpPr>
+              <p:cNvPr id="96" name="テキスト ボックス 95">
+                <a:extLst>
+                  <a:ext uri="{FF2B5EF4-FFF2-40B4-BE49-F238E27FC236}">
+                    <a16:creationId xmlns:a16="http://schemas.microsoft.com/office/drawing/2014/main" id="{704359BE-969D-C345-A17E-034090AA6199}"/>
+                  </a:ext>
+                </a:extLst>
+              </p:cNvPr>
+              <p:cNvSpPr txBox="1"/>
+              <p:nvPr/>
+            </p:nvSpPr>
+            <p:spPr>
+              <a:xfrm>
+                <a:off x="4864414" y="4826037"/>
+                <a:ext cx="1053000" cy="164469"/>
+              </a:xfrm>
+              <a:prstGeom prst="rect">
+                <a:avLst/>
+              </a:prstGeom>
+              <a:solidFill>
+                <a:schemeClr val="bg2">
+                  <a:lumMod val="90000"/>
+                </a:schemeClr>
+              </a:solidFill>
+            </p:spPr>
+            <p:txBody>
+              <a:bodyPr wrap="square" lIns="0" tIns="0" rIns="0" bIns="0" rtlCol="0">
+                <a:spAutoFit/>
+              </a:bodyPr>
+              <a:lstStyle>
+                <a:defPPr>
+                  <a:defRPr lang="en-US"/>
+                </a:defPPr>
+                <a:lvl1pPr>
+                  <a:defRPr sz="1049" i="1">
+                    <a:latin typeface="Cambria Math" panose="02040503050406030204" pitchFamily="18" charset="0"/>
+                  </a:defRPr>
+                </a:lvl1pPr>
+              </a:lstStyle>
+              <a:p>
+                <a:pPr/>
+                <a14:m>
+                  <m:oMathPara xmlns:m="http://schemas.openxmlformats.org/officeDocument/2006/math">
+                    <m:oMathParaPr>
+                      <m:jc m:val="centerGroup"/>
+                    </m:oMathParaPr>
+                    <m:oMath xmlns:m="http://schemas.openxmlformats.org/officeDocument/2006/math">
+                      <m:sSup>
+                        <m:sSupPr>
+                          <m:ctrlPr>
+                            <a:rPr lang="en-US" altLang="ja-JP" i="1">
+                              <a:latin typeface="Cambria Math" panose="02040503050406030204" pitchFamily="18" charset="0"/>
+                            </a:rPr>
+                          </m:ctrlPr>
+                        </m:sSupPr>
+                        <m:e>
+                          <m:r>
+                            <a:rPr lang="en-US" altLang="ja-JP">
+                              <a:latin typeface="Cambria Math" panose="02040503050406030204" pitchFamily="18" charset="0"/>
+                            </a:rPr>
+                            <m:t>𝐴</m:t>
+                          </m:r>
+                        </m:e>
+                        <m:sup>
+                          <m:r>
+                            <a:rPr lang="en-US" altLang="ja-JP">
+                              <a:latin typeface="Cambria Math" panose="02040503050406030204" pitchFamily="18" charset="0"/>
+                            </a:rPr>
+                            <m:t>+</m:t>
+                          </m:r>
+                        </m:sup>
+                      </m:sSup>
+                      <m:r>
+                        <a:rPr lang="en-US" altLang="ja-JP">
+                          <a:latin typeface="Cambria Math" panose="02040503050406030204" pitchFamily="18" charset="0"/>
+                        </a:rPr>
+                        <m:t>=</m:t>
+                      </m:r>
+                      <m:r>
+                        <a:rPr lang="en-US" altLang="ja-JP">
+                          <a:latin typeface="Cambria Math" panose="02040503050406030204" pitchFamily="18" charset="0"/>
+                        </a:rPr>
+                        <m:t>𝑉</m:t>
+                      </m:r>
+                      <m:sSup>
+                        <m:sSupPr>
+                          <m:ctrlPr>
+                            <a:rPr lang="el-GR" altLang="ja-JP" i="1">
+                              <a:latin typeface="Cambria Math" panose="02040503050406030204" pitchFamily="18" charset="0"/>
+                            </a:rPr>
+                          </m:ctrlPr>
+                        </m:sSupPr>
+                        <m:e>
+                          <m:r>
+                            <m:rPr>
+                              <m:sty m:val="p"/>
+                            </m:rPr>
+                            <a:rPr lang="el-GR" altLang="ja-JP">
+                              <a:latin typeface="Cambria Math" panose="02040503050406030204" pitchFamily="18" charset="0"/>
+                            </a:rPr>
+                            <m:t>Σ</m:t>
+                          </m:r>
+                        </m:e>
+                        <m:sup>
+                          <m:r>
+                            <a:rPr lang="en-US" altLang="ja-JP">
+                              <a:latin typeface="Cambria Math" panose="02040503050406030204" pitchFamily="18" charset="0"/>
+                            </a:rPr>
+                            <m:t>+</m:t>
+                          </m:r>
+                        </m:sup>
+                      </m:sSup>
+                      <m:sSup>
+                        <m:sSupPr>
+                          <m:ctrlPr>
+                            <a:rPr lang="en-US" altLang="ja-JP" i="1">
+                              <a:latin typeface="Cambria Math" panose="02040503050406030204" pitchFamily="18" charset="0"/>
+                            </a:rPr>
+                          </m:ctrlPr>
+                        </m:sSupPr>
+                        <m:e>
+                          <m:r>
+                            <a:rPr lang="en-US" altLang="ja-JP">
+                              <a:latin typeface="Cambria Math" panose="02040503050406030204" pitchFamily="18" charset="0"/>
+                            </a:rPr>
+                            <m:t>𝑈</m:t>
+                          </m:r>
+                        </m:e>
+                        <m:sup>
+                          <m:r>
+                            <m:rPr>
+                              <m:sty m:val="p"/>
+                            </m:rPr>
+                            <a:rPr lang="en-US" altLang="ja-JP">
+                              <a:latin typeface="Cambria Math" panose="02040503050406030204" pitchFamily="18" charset="0"/>
+                            </a:rPr>
+                            <m:t>T</m:t>
+                          </m:r>
+                        </m:sup>
+                      </m:sSup>
+                    </m:oMath>
+                  </m:oMathPara>
+                </a14:m>
+                <a:endParaRPr lang="ja-JP" altLang="en-US"/>
+              </a:p>
+            </p:txBody>
+          </p:sp>
+        </mc:Choice>
+        <mc:Fallback xmlns="">
+          <p:sp>
+            <p:nvSpPr>
+              <p:cNvPr id="96" name="テキスト ボックス 95">
+                <a:extLst>
+                  <a:ext uri="{FF2B5EF4-FFF2-40B4-BE49-F238E27FC236}">
+                    <a16:creationId xmlns:a16="http://schemas.microsoft.com/office/drawing/2014/main" id="{704359BE-969D-C345-A17E-034090AA6199}"/>
+                  </a:ext>
+                </a:extLst>
+              </p:cNvPr>
+              <p:cNvSpPr txBox="1">
+                <a:spLocks noRot="1" noChangeAspect="1" noMove="1" noResize="1" noEditPoints="1" noAdjustHandles="1" noChangeArrowheads="1" noChangeShapeType="1" noTextEdit="1"/>
+              </p:cNvSpPr>
+              <p:nvPr/>
+            </p:nvSpPr>
+            <p:spPr>
+              <a:xfrm>
+                <a:off x="4864414" y="4826037"/>
+                <a:ext cx="1053000" cy="164469"/>
+              </a:xfrm>
+              <a:prstGeom prst="rect">
+                <a:avLst/>
+              </a:prstGeom>
+              <a:blipFill>
+                <a:blip r:embed="rId39"/>
+                <a:stretch>
+                  <a:fillRect t="-7143"/>
+                </a:stretch>
+              </a:blipFill>
+            </p:spPr>
+            <p:txBody>
+              <a:bodyPr/>
+              <a:lstStyle/>
+              <a:p>
+                <a:r>
+                  <a:rPr lang="ja-JP" altLang="en-US">
+                    <a:noFill/>
+                  </a:rPr>
+                  <a:t> </a:t>
+                </a:r>
+              </a:p>
+            </p:txBody>
+          </p:sp>
+        </mc:Fallback>
+      </mc:AlternateContent>
+      <p:cxnSp>
+        <p:nvCxnSpPr>
+          <p:cNvPr id="97" name="直線矢印コネクタ 96">
+            <a:extLst>
+              <a:ext uri="{FF2B5EF4-FFF2-40B4-BE49-F238E27FC236}">
+                <a16:creationId xmlns:a16="http://schemas.microsoft.com/office/drawing/2014/main" id="{202EB0F3-174F-964F-9A4E-40FCC03BF39F}"/>
+              </a:ext>
+            </a:extLst>
+          </p:cNvPr>
+          <p:cNvCxnSpPr>
+            <a:cxnSpLocks/>
+            <a:stCxn id="113" idx="3"/>
+            <a:endCxn id="96" idx="1"/>
+          </p:cNvCxnSpPr>
+          <p:nvPr/>
+        </p:nvCxnSpPr>
+        <p:spPr>
+          <a:xfrm flipV="1">
+            <a:off x="4117867" y="4908272"/>
+            <a:ext cx="746547" cy="15"/>
+          </a:xfrm>
+          <a:prstGeom prst="straightConnector1">
+            <a:avLst/>
+          </a:prstGeom>
+          <a:ln w="19050">
+            <a:solidFill>
+              <a:schemeClr val="accent1"/>
+            </a:solidFill>
+            <a:headEnd type="triangle"/>
+            <a:tailEnd type="triangle"/>
+          </a:ln>
+        </p:spPr>
+        <p:style>
+          <a:lnRef idx="1">
+            <a:schemeClr val="accent1"/>
+          </a:lnRef>
+          <a:fillRef idx="0">
+            <a:schemeClr val="accent1"/>
+          </a:fillRef>
+          <a:effectRef idx="0">
+            <a:schemeClr val="accent1"/>
+          </a:effectRef>
+          <a:fontRef idx="minor">
+            <a:schemeClr val="tx1"/>
+          </a:fontRef>
+        </p:style>
+      </p:cxnSp>
+      <mc:AlternateContent xmlns:mc="http://schemas.openxmlformats.org/markup-compatibility/2006">
+        <mc:Choice xmlns:a14="http://schemas.microsoft.com/office/drawing/2010/main" Requires="a14">
+          <p:sp>
+            <p:nvSpPr>
+              <p:cNvPr id="110" name="テキスト ボックス 109">
+                <a:extLst>
+                  <a:ext uri="{FF2B5EF4-FFF2-40B4-BE49-F238E27FC236}">
+                    <a16:creationId xmlns:a16="http://schemas.microsoft.com/office/drawing/2014/main" id="{CEE736D7-1E32-F64B-BC42-FD12DF506ACE}"/>
+                  </a:ext>
+                </a:extLst>
+              </p:cNvPr>
+              <p:cNvSpPr txBox="1"/>
+              <p:nvPr/>
+            </p:nvSpPr>
+            <p:spPr>
+              <a:xfrm rot="10800000" flipV="1">
+                <a:off x="2657987" y="640298"/>
+                <a:ext cx="1404308" cy="126958"/>
+              </a:xfrm>
+              <a:prstGeom prst="rect">
+                <a:avLst/>
+              </a:prstGeom>
+              <a:noFill/>
+            </p:spPr>
+            <p:txBody>
+              <a:bodyPr wrap="square" lIns="0" tIns="0" rIns="0" bIns="0" rtlCol="0">
+                <a:spAutoFit/>
+              </a:bodyPr>
+              <a:lstStyle/>
+              <a:p>
+                <a:pPr/>
+                <a14:m>
+                  <m:oMathPara xmlns:m="http://schemas.openxmlformats.org/officeDocument/2006/math">
+                    <m:oMathParaPr>
+                      <m:jc m:val="centerGroup"/>
+                    </m:oMathParaPr>
+                    <m:oMath xmlns:m="http://schemas.openxmlformats.org/officeDocument/2006/math">
+                      <m:r>
+                        <a:rPr lang="zh-CN" altLang="en-US" sz="825" i="1">
+                          <a:latin typeface="Cambria Math" panose="02040503050406030204" pitchFamily="18" charset="0"/>
+                          <a:ea typeface="Cambria Math" panose="02040503050406030204" pitchFamily="18" charset="0"/>
+                        </a:rPr>
+                        <m:t>行秩</m:t>
+                      </m:r>
+                      <m:r>
+                        <a:rPr lang="en-US" altLang="ja-JP" sz="825" i="1">
+                          <a:latin typeface="Cambria Math" panose="02040503050406030204" pitchFamily="18" charset="0"/>
+                          <a:ea typeface="Cambria Math" panose="02040503050406030204" pitchFamily="18" charset="0"/>
+                        </a:rPr>
+                        <m:t>=</m:t>
+                      </m:r>
+                      <m:r>
+                        <a:rPr lang="ja-JP" altLang="en-US" sz="825" i="1">
+                          <a:latin typeface="Cambria Math" panose="02040503050406030204" pitchFamily="18" charset="0"/>
+                          <a:ea typeface="Cambria Math" panose="02040503050406030204" pitchFamily="18" charset="0"/>
+                        </a:rPr>
+                        <m:t>列秩</m:t>
+                      </m:r>
+                    </m:oMath>
+                  </m:oMathPara>
+                </a14:m>
+                <a:endParaRPr lang="ja-JP" altLang="en-US" sz="825">
+                  <a:latin typeface="DengXian" panose="02010600030101010101" pitchFamily="2" charset="-122"/>
+                  <a:ea typeface="DengXian" panose="02010600030101010101" pitchFamily="2" charset="-122"/>
+                </a:endParaRPr>
+              </a:p>
+            </p:txBody>
+          </p:sp>
+        </mc:Choice>
+        <mc:Fallback>
+          <p:sp>
+            <p:nvSpPr>
+              <p:cNvPr id="110" name="テキスト ボックス 109">
+                <a:extLst>
+                  <a:ext uri="{FF2B5EF4-FFF2-40B4-BE49-F238E27FC236}">
+                    <a16:creationId xmlns:a16="http://schemas.microsoft.com/office/drawing/2014/main" id="{CEE736D7-1E32-F64B-BC42-FD12DF506ACE}"/>
+                  </a:ext>
+                </a:extLst>
+              </p:cNvPr>
+              <p:cNvSpPr txBox="1">
+                <a:spLocks noRot="1" noChangeAspect="1" noMove="1" noResize="1" noEditPoints="1" noAdjustHandles="1" noChangeArrowheads="1" noChangeShapeType="1" noTextEdit="1"/>
+              </p:cNvSpPr>
+              <p:nvPr/>
+            </p:nvSpPr>
+            <p:spPr>
+              <a:xfrm rot="10800000" flipV="1">
+                <a:off x="2657987" y="640298"/>
+                <a:ext cx="1404308" cy="126958"/>
+              </a:xfrm>
+              <a:prstGeom prst="rect">
+                <a:avLst/>
+              </a:prstGeom>
+              <a:blipFill>
+                <a:blip r:embed="rId40"/>
+                <a:stretch>
+                  <a:fillRect t="-18182" b="-27273"/>
+                </a:stretch>
+              </a:blipFill>
+            </p:spPr>
+            <p:txBody>
+              <a:bodyPr/>
+              <a:lstStyle/>
+              <a:p>
+                <a:r>
+                  <a:rPr lang="zh-CN" altLang="en-US">
+                    <a:noFill/>
+                  </a:rPr>
+                  <a:t> </a:t>
+                </a:r>
+              </a:p>
+            </p:txBody>
+          </p:sp>
+        </mc:Fallback>
+      </mc:AlternateContent>
+      <mc:AlternateContent xmlns:mc="http://schemas.openxmlformats.org/markup-compatibility/2006">
+        <mc:Choice xmlns:a14="http://schemas.microsoft.com/office/drawing/2010/main" Requires="a14">
+          <p:sp>
+            <p:nvSpPr>
+              <p:cNvPr id="111" name="テキスト ボックス 110">
+                <a:extLst>
+                  <a:ext uri="{FF2B5EF4-FFF2-40B4-BE49-F238E27FC236}">
+                    <a16:creationId xmlns:a16="http://schemas.microsoft.com/office/drawing/2014/main" id="{B7C17034-73F2-8748-86E8-C9801DDFDFCC}"/>
+                  </a:ext>
+                </a:extLst>
+              </p:cNvPr>
+              <p:cNvSpPr txBox="1"/>
+              <p:nvPr/>
+            </p:nvSpPr>
+            <p:spPr>
+              <a:xfrm rot="10800000" flipV="1">
+                <a:off x="4637632" y="648004"/>
+                <a:ext cx="1238371" cy="126958"/>
+              </a:xfrm>
+              <a:prstGeom prst="rect">
+                <a:avLst/>
+              </a:prstGeom>
+              <a:noFill/>
+            </p:spPr>
+            <p:txBody>
+              <a:bodyPr wrap="square" lIns="0" tIns="0" rIns="0" bIns="0" rtlCol="0">
+                <a:spAutoFit/>
+              </a:bodyPr>
+              <a:lstStyle/>
+              <a:p>
+                <a:pPr/>
+                <a14:m>
+                  <m:oMathPara xmlns:m="http://schemas.openxmlformats.org/officeDocument/2006/math">
+                    <m:oMathParaPr>
+                      <m:jc m:val="centerGroup"/>
+                    </m:oMathParaPr>
+                    <m:oMath xmlns:m="http://schemas.openxmlformats.org/officeDocument/2006/math">
+                      <m:r>
+                        <a:rPr lang="en-US" altLang="ja-JP" sz="825" i="1">
+                          <a:latin typeface="Cambria Math" panose="02040503050406030204" pitchFamily="18" charset="0"/>
+                          <a:ea typeface="Cambria Math" panose="02040503050406030204" pitchFamily="18" charset="0"/>
+                        </a:rPr>
+                        <m:t>𝑆𝑉𝐷</m:t>
+                      </m:r>
+                      <m:r>
+                        <a:rPr lang="en-US" altLang="ja-JP" sz="825" i="1">
+                          <a:latin typeface="Cambria Math" panose="02040503050406030204" pitchFamily="18" charset="0"/>
+                          <a:ea typeface="Cambria Math" panose="02040503050406030204" pitchFamily="18" charset="0"/>
+                        </a:rPr>
+                        <m:t>:  </m:t>
+                      </m:r>
+                      <m:r>
+                        <a:rPr lang="ja-JP" altLang="en-US" sz="825" i="1">
+                          <a:latin typeface="Cambria Math" panose="02040503050406030204" pitchFamily="18" charset="0"/>
+                          <a:ea typeface="Cambria Math" panose="02040503050406030204" pitchFamily="18" charset="0"/>
+                        </a:rPr>
+                        <m:t>单位</m:t>
+                      </m:r>
+                      <m:r>
+                        <a:rPr lang="ja-JP" altLang="en-US" sz="825" i="1">
+                          <a:latin typeface="Cambria Math" panose="02040503050406030204" pitchFamily="18" charset="0"/>
+                          <a:ea typeface="Cambria Math" panose="02040503050406030204" pitchFamily="18" charset="0"/>
+                        </a:rPr>
+                        <m:t>正交</m:t>
+                      </m:r>
+                      <m:r>
+                        <a:rPr lang="ja-JP" altLang="en-US" sz="825" i="1">
+                          <a:latin typeface="Cambria Math" panose="02040503050406030204" pitchFamily="18" charset="0"/>
+                          <a:ea typeface="Cambria Math" panose="02040503050406030204" pitchFamily="18" charset="0"/>
+                        </a:rPr>
+                        <m:t>基底</m:t>
+                      </m:r>
+                      <m:r>
+                        <a:rPr lang="en-US" altLang="ja-JP" sz="825" i="1">
+                          <a:latin typeface="Cambria Math" panose="02040503050406030204" pitchFamily="18" charset="0"/>
+                          <a:ea typeface="Cambria Math" panose="02040503050406030204" pitchFamily="18" charset="0"/>
+                        </a:rPr>
+                        <m:t> </m:t>
+                      </m:r>
+                      <m:r>
+                        <a:rPr lang="en-US" altLang="ja-JP" sz="825" i="1">
+                          <a:latin typeface="Cambria Math" panose="02040503050406030204" pitchFamily="18" charset="0"/>
+                          <a:ea typeface="Cambria Math" panose="02040503050406030204" pitchFamily="18" charset="0"/>
+                        </a:rPr>
+                        <m:t>𝑈</m:t>
+                      </m:r>
+                      <m:r>
+                        <a:rPr lang="en-US" altLang="ja-JP" sz="825" i="1">
+                          <a:latin typeface="Cambria Math" panose="02040503050406030204" pitchFamily="18" charset="0"/>
+                          <a:ea typeface="Cambria Math" panose="02040503050406030204" pitchFamily="18" charset="0"/>
+                        </a:rPr>
+                        <m:t>, </m:t>
+                      </m:r>
+                      <m:r>
+                        <a:rPr lang="en-US" altLang="ja-JP" sz="825" i="1">
+                          <a:latin typeface="Cambria Math" panose="02040503050406030204" pitchFamily="18" charset="0"/>
+                          <a:ea typeface="Cambria Math" panose="02040503050406030204" pitchFamily="18" charset="0"/>
+                        </a:rPr>
+                        <m:t>𝑉</m:t>
+                      </m:r>
+                    </m:oMath>
+                  </m:oMathPara>
+                </a14:m>
+                <a:endParaRPr lang="ja-JP" altLang="en-US" sz="825" i="1">
+                  <a:latin typeface="DengXian" panose="02010600030101010101" pitchFamily="2" charset="-122"/>
+                  <a:ea typeface="DengXian" panose="02010600030101010101" pitchFamily="2" charset="-122"/>
+                </a:endParaRPr>
+              </a:p>
+            </p:txBody>
+          </p:sp>
+        </mc:Choice>
+        <mc:Fallback>
+          <p:sp>
+            <p:nvSpPr>
+              <p:cNvPr id="111" name="テキスト ボックス 110">
+                <a:extLst>
+                  <a:ext uri="{FF2B5EF4-FFF2-40B4-BE49-F238E27FC236}">
+                    <a16:creationId xmlns:a16="http://schemas.microsoft.com/office/drawing/2014/main" id="{B7C17034-73F2-8748-86E8-C9801DDFDFCC}"/>
+                  </a:ext>
+                </a:extLst>
+              </p:cNvPr>
+              <p:cNvSpPr txBox="1">
+                <a:spLocks noRot="1" noChangeAspect="1" noMove="1" noResize="1" noEditPoints="1" noAdjustHandles="1" noChangeArrowheads="1" noChangeShapeType="1" noTextEdit="1"/>
+              </p:cNvSpPr>
+              <p:nvPr/>
+            </p:nvSpPr>
+            <p:spPr>
+              <a:xfrm rot="10800000" flipV="1">
+                <a:off x="4637632" y="648004"/>
+                <a:ext cx="1238371" cy="126958"/>
+              </a:xfrm>
+              <a:prstGeom prst="rect">
+                <a:avLst/>
+              </a:prstGeom>
+              <a:blipFill>
+                <a:blip r:embed="rId41"/>
+                <a:stretch>
+                  <a:fillRect t="-9091" b="-45455"/>
+                </a:stretch>
+              </a:blipFill>
+            </p:spPr>
+            <p:txBody>
+              <a:bodyPr/>
+              <a:lstStyle/>
+              <a:p>
+                <a:r>
+                  <a:rPr lang="zh-CN" altLang="en-US">
+                    <a:noFill/>
+                  </a:rPr>
+                  <a:t> </a:t>
+                </a:r>
+              </a:p>
+            </p:txBody>
+          </p:sp>
+        </mc:Fallback>
+      </mc:AlternateContent>
+      <mc:AlternateContent xmlns:mc="http://schemas.openxmlformats.org/markup-compatibility/2006" xmlns:a14="http://schemas.microsoft.com/office/drawing/2010/main">
+        <mc:Choice Requires="a14">
+          <p:sp>
+            <p:nvSpPr>
+              <p:cNvPr id="113" name="テキスト ボックス 112">
+                <a:extLst>
+                  <a:ext uri="{FF2B5EF4-FFF2-40B4-BE49-F238E27FC236}">
+                    <a16:creationId xmlns:a16="http://schemas.microsoft.com/office/drawing/2014/main" id="{931F602A-92E7-7646-90F5-BD0990DD6ED6}"/>
+                  </a:ext>
+                </a:extLst>
+              </p:cNvPr>
+              <p:cNvSpPr txBox="1"/>
+              <p:nvPr/>
+            </p:nvSpPr>
+            <p:spPr>
+              <a:xfrm>
+                <a:off x="3088577" y="4826052"/>
+                <a:ext cx="1029290" cy="164469"/>
+              </a:xfrm>
+              <a:prstGeom prst="rect">
+                <a:avLst/>
+              </a:prstGeom>
+              <a:solidFill>
+                <a:schemeClr val="bg2">
+                  <a:lumMod val="90000"/>
+                </a:schemeClr>
+              </a:solidFill>
+            </p:spPr>
+            <p:txBody>
+              <a:bodyPr wrap="square" lIns="0" tIns="0" rIns="0" bIns="0" rtlCol="0">
+                <a:spAutoFit/>
+              </a:bodyPr>
+              <a:lstStyle>
+                <a:defPPr>
+                  <a:defRPr lang="en-US"/>
+                </a:defPPr>
+                <a:lvl1pPr>
+                  <a:defRPr sz="1049" i="1">
+                    <a:latin typeface="Cambria Math" panose="02040503050406030204" pitchFamily="18" charset="0"/>
+                  </a:defRPr>
+                </a:lvl1pPr>
+              </a:lstStyle>
+              <a:p>
+                <a:pPr/>
+                <a14:m>
+                  <m:oMathPara xmlns:m="http://schemas.openxmlformats.org/officeDocument/2006/math">
+                    <m:oMathParaPr>
+                      <m:jc m:val="centerGroup"/>
+                    </m:oMathParaPr>
+                    <m:oMath xmlns:m="http://schemas.openxmlformats.org/officeDocument/2006/math">
+                      <m:sSup>
+                        <m:sSupPr>
+                          <m:ctrlPr>
+                            <a:rPr lang="en-US" altLang="ja-JP" i="1">
+                              <a:latin typeface="Cambria Math" panose="02040503050406030204" pitchFamily="18" charset="0"/>
+                            </a:rPr>
+                          </m:ctrlPr>
+                        </m:sSupPr>
+                        <m:e>
+                          <m:r>
+                            <a:rPr lang="en-US" altLang="ja-JP">
+                              <a:latin typeface="Cambria Math" panose="02040503050406030204" pitchFamily="18" charset="0"/>
+                            </a:rPr>
+                            <m:t>𝐴</m:t>
+                          </m:r>
+                        </m:e>
+                        <m:sup>
+                          <m:r>
+                            <a:rPr lang="en-US" altLang="ja-JP">
+                              <a:latin typeface="Cambria Math" panose="02040503050406030204" pitchFamily="18" charset="0"/>
+                            </a:rPr>
+                            <m:t>−1</m:t>
+                          </m:r>
+                        </m:sup>
+                      </m:sSup>
+                      <m:r>
+                        <a:rPr lang="en-US" altLang="ja-JP">
+                          <a:latin typeface="Cambria Math" panose="02040503050406030204" pitchFamily="18" charset="0"/>
+                        </a:rPr>
+                        <m:t>=</m:t>
+                      </m:r>
+                      <m:r>
+                        <a:rPr lang="en-US" altLang="ja-JP">
+                          <a:latin typeface="Cambria Math" panose="02040503050406030204" pitchFamily="18" charset="0"/>
+                        </a:rPr>
+                        <m:t>𝑉</m:t>
+                      </m:r>
+                      <m:sSup>
+                        <m:sSupPr>
+                          <m:ctrlPr>
+                            <a:rPr lang="el-GR" altLang="ja-JP" i="1">
+                              <a:latin typeface="Cambria Math" panose="02040503050406030204" pitchFamily="18" charset="0"/>
+                            </a:rPr>
+                          </m:ctrlPr>
+                        </m:sSupPr>
+                        <m:e>
+                          <m:r>
+                            <m:rPr>
+                              <m:sty m:val="p"/>
+                            </m:rPr>
+                            <a:rPr lang="el-GR" altLang="ja-JP">
+                              <a:latin typeface="Cambria Math" panose="02040503050406030204" pitchFamily="18" charset="0"/>
+                            </a:rPr>
+                            <m:t>Σ</m:t>
+                          </m:r>
+                        </m:e>
+                        <m:sup>
+                          <m:r>
+                            <a:rPr lang="en-US" altLang="ja-JP">
+                              <a:latin typeface="Cambria Math" panose="02040503050406030204" pitchFamily="18" charset="0"/>
+                            </a:rPr>
+                            <m:t>−1</m:t>
+                          </m:r>
+                        </m:sup>
+                      </m:sSup>
+                      <m:sSup>
+                        <m:sSupPr>
+                          <m:ctrlPr>
+                            <a:rPr lang="en-US" altLang="ja-JP" i="1">
+                              <a:latin typeface="Cambria Math" panose="02040503050406030204" pitchFamily="18" charset="0"/>
+                            </a:rPr>
+                          </m:ctrlPr>
+                        </m:sSupPr>
+                        <m:e>
+                          <m:r>
+                            <a:rPr lang="en-US" altLang="ja-JP">
+                              <a:latin typeface="Cambria Math" panose="02040503050406030204" pitchFamily="18" charset="0"/>
+                            </a:rPr>
+                            <m:t>𝑈</m:t>
+                          </m:r>
+                        </m:e>
+                        <m:sup>
+                          <m:r>
+                            <m:rPr>
+                              <m:sty m:val="p"/>
+                            </m:rPr>
+                            <a:rPr lang="en-US" altLang="ja-JP">
+                              <a:latin typeface="Cambria Math" panose="02040503050406030204" pitchFamily="18" charset="0"/>
+                            </a:rPr>
+                            <m:t>T</m:t>
+                          </m:r>
+                        </m:sup>
+                      </m:sSup>
+                    </m:oMath>
+                  </m:oMathPara>
+                </a14:m>
+                <a:endParaRPr lang="ja-JP" altLang="en-US"/>
+              </a:p>
+            </p:txBody>
+          </p:sp>
+        </mc:Choice>
+        <mc:Fallback xmlns="">
+          <p:sp>
+            <p:nvSpPr>
+              <p:cNvPr id="113" name="テキスト ボックス 112">
+                <a:extLst>
+                  <a:ext uri="{FF2B5EF4-FFF2-40B4-BE49-F238E27FC236}">
+                    <a16:creationId xmlns:a16="http://schemas.microsoft.com/office/drawing/2014/main" id="{931F602A-92E7-7646-90F5-BD0990DD6ED6}"/>
+                  </a:ext>
+                </a:extLst>
+              </p:cNvPr>
+              <p:cNvSpPr txBox="1">
+                <a:spLocks noRot="1" noChangeAspect="1" noMove="1" noResize="1" noEditPoints="1" noAdjustHandles="1" noChangeArrowheads="1" noChangeShapeType="1" noTextEdit="1"/>
+              </p:cNvSpPr>
+              <p:nvPr/>
+            </p:nvSpPr>
+            <p:spPr>
+              <a:xfrm>
+                <a:off x="3088577" y="4826052"/>
+                <a:ext cx="1029290" cy="164469"/>
+              </a:xfrm>
+              <a:prstGeom prst="rect">
+                <a:avLst/>
+              </a:prstGeom>
+              <a:blipFill>
+                <a:blip r:embed="rId42"/>
+                <a:stretch>
+                  <a:fillRect t="-7143"/>
+                </a:stretch>
+              </a:blipFill>
+            </p:spPr>
+            <p:txBody>
+              <a:bodyPr/>
+              <a:lstStyle/>
+              <a:p>
+                <a:r>
+                  <a:rPr lang="ja-JP" altLang="en-US">
+                    <a:noFill/>
+                  </a:rPr>
+                  <a:t> </a:t>
+                </a:r>
+              </a:p>
+            </p:txBody>
+          </p:sp>
+        </mc:Fallback>
+      </mc:AlternateContent>
+      <p:cxnSp>
+        <p:nvCxnSpPr>
+          <p:cNvPr id="86" name="直線矢印コネクタ 85">
+            <a:extLst>
+              <a:ext uri="{FF2B5EF4-FFF2-40B4-BE49-F238E27FC236}">
+                <a16:creationId xmlns:a16="http://schemas.microsoft.com/office/drawing/2014/main" id="{A09CD594-83B2-CB49-A8C5-A3D8438B07A3}"/>
+              </a:ext>
+            </a:extLst>
+          </p:cNvPr>
+          <p:cNvCxnSpPr>
+            <a:cxnSpLocks/>
+            <a:stCxn id="77" idx="3"/>
+          </p:cNvCxnSpPr>
+          <p:nvPr/>
+        </p:nvCxnSpPr>
+        <p:spPr>
+          <a:xfrm flipH="1" flipV="1">
+            <a:off x="4306466" y="1553604"/>
+            <a:ext cx="395970" cy="3716"/>
+          </a:xfrm>
+          <a:prstGeom prst="straightConnector1">
+            <a:avLst/>
+          </a:prstGeom>
+          <a:ln w="19050">
+            <a:headEnd type="triangle"/>
+            <a:tailEnd type="none"/>
+          </a:ln>
+        </p:spPr>
+        <p:style>
+          <a:lnRef idx="1">
+            <a:schemeClr val="accent1"/>
+          </a:lnRef>
+          <a:fillRef idx="0">
+            <a:schemeClr val="accent1"/>
+          </a:fillRef>
+          <a:effectRef idx="0">
+            <a:schemeClr val="accent1"/>
+          </a:effectRef>
+          <a:fontRef idx="minor">
+            <a:schemeClr val="tx1"/>
+          </a:fontRef>
+        </p:style>
+      </p:cxnSp>
+      <mc:AlternateContent xmlns:mc="http://schemas.openxmlformats.org/markup-compatibility/2006">
+        <mc:Choice xmlns:a14="http://schemas.microsoft.com/office/drawing/2010/main" Requires="a14">
+          <p:sp>
+            <p:nvSpPr>
+              <p:cNvPr id="92" name="テキスト ボックス 91">
+                <a:extLst>
+                  <a:ext uri="{FF2B5EF4-FFF2-40B4-BE49-F238E27FC236}">
+                    <a16:creationId xmlns:a16="http://schemas.microsoft.com/office/drawing/2014/main" id="{0281864B-4A91-634C-8E47-4B5E8BF1898A}"/>
+                  </a:ext>
+                </a:extLst>
+              </p:cNvPr>
+              <p:cNvSpPr txBox="1"/>
+              <p:nvPr/>
+            </p:nvSpPr>
+            <p:spPr>
+              <a:xfrm>
+                <a:off x="5136234" y="4673885"/>
+                <a:ext cx="1059290" cy="107850"/>
+              </a:xfrm>
+              <a:prstGeom prst="rect">
+                <a:avLst/>
+              </a:prstGeom>
+              <a:noFill/>
+            </p:spPr>
+            <p:txBody>
+              <a:bodyPr wrap="square" lIns="0" tIns="0" rIns="0" bIns="0" rtlCol="0">
+                <a:spAutoFit/>
+              </a:bodyPr>
+              <a:lstStyle/>
+              <a:p>
+                <a:pPr/>
+                <a14:m>
+                  <m:oMathPara xmlns:m="http://schemas.openxmlformats.org/officeDocument/2006/math">
+                    <m:oMathParaPr>
+                      <m:jc m:val="centerGroup"/>
+                    </m:oMathParaPr>
+                    <m:oMath xmlns:m="http://schemas.openxmlformats.org/officeDocument/2006/math">
+                      <m:r>
+                        <a:rPr lang="ja-JP" altLang="en-US" sz="701" i="1">
+                          <a:latin typeface="Cambria Math" panose="02040503050406030204" pitchFamily="18" charset="0"/>
+                          <a:ea typeface="Cambria Math" panose="02040503050406030204" pitchFamily="18" charset="0"/>
+                        </a:rPr>
+                        <m:t>所有</m:t>
+                      </m:r>
+                      <m:r>
+                        <a:rPr lang="en-US" altLang="ja-JP" sz="701" i="1">
+                          <a:latin typeface="Cambria Math" panose="02040503050406030204" pitchFamily="18" charset="0"/>
+                          <a:ea typeface="Cambria Math" panose="02040503050406030204" pitchFamily="18" charset="0"/>
+                        </a:rPr>
+                        <m:t>𝐴</m:t>
+                      </m:r>
+                      <m:r>
+                        <a:rPr lang="ja-JP" altLang="en-US" sz="701" i="1">
+                          <a:latin typeface="Cambria Math" panose="02040503050406030204" pitchFamily="18" charset="0"/>
+                          <a:ea typeface="Cambria Math" panose="02040503050406030204" pitchFamily="18" charset="0"/>
+                        </a:rPr>
+                        <m:t>的</m:t>
+                      </m:r>
+                      <m:r>
+                        <a:rPr lang="zh-CN" altLang="en-US" sz="701" i="1">
+                          <a:latin typeface="Cambria Math" panose="02040503050406030204" pitchFamily="18" charset="0"/>
+                          <a:ea typeface="Cambria Math" panose="02040503050406030204" pitchFamily="18" charset="0"/>
+                        </a:rPr>
+                        <m:t>伪逆</m:t>
+                      </m:r>
+                    </m:oMath>
+                  </m:oMathPara>
+                </a14:m>
+                <a:endParaRPr lang="ja-JP" altLang="en-US" sz="701">
+                  <a:latin typeface="DengXian" panose="02010600030101010101" pitchFamily="2" charset="-122"/>
+                  <a:ea typeface="DengXian" panose="02010600030101010101" pitchFamily="2" charset="-122"/>
+                </a:endParaRPr>
+              </a:p>
+            </p:txBody>
+          </p:sp>
+        </mc:Choice>
+        <mc:Fallback>
+          <p:sp>
+            <p:nvSpPr>
+              <p:cNvPr id="92" name="テキスト ボックス 91">
+                <a:extLst>
+                  <a:ext uri="{FF2B5EF4-FFF2-40B4-BE49-F238E27FC236}">
+                    <a16:creationId xmlns:a16="http://schemas.microsoft.com/office/drawing/2014/main" id="{0281864B-4A91-634C-8E47-4B5E8BF1898A}"/>
+                  </a:ext>
+                </a:extLst>
+              </p:cNvPr>
+              <p:cNvSpPr txBox="1">
+                <a:spLocks noRot="1" noChangeAspect="1" noMove="1" noResize="1" noEditPoints="1" noAdjustHandles="1" noChangeArrowheads="1" noChangeShapeType="1" noTextEdit="1"/>
+              </p:cNvSpPr>
+              <p:nvPr/>
+            </p:nvSpPr>
+            <p:spPr>
+              <a:xfrm>
+                <a:off x="5136234" y="4673885"/>
+                <a:ext cx="1059290" cy="107850"/>
+              </a:xfrm>
+              <a:prstGeom prst="rect">
+                <a:avLst/>
+              </a:prstGeom>
+              <a:blipFill>
+                <a:blip r:embed="rId43"/>
+                <a:stretch>
+                  <a:fillRect t="-11111" b="-33333"/>
+                </a:stretch>
+              </a:blipFill>
+            </p:spPr>
+            <p:txBody>
+              <a:bodyPr/>
+              <a:lstStyle/>
+              <a:p>
+                <a:r>
+                  <a:rPr lang="zh-CN" altLang="en-US">
+                    <a:noFill/>
+                  </a:rPr>
+                  <a:t> </a:t>
+                </a:r>
+              </a:p>
+            </p:txBody>
+          </p:sp>
+        </mc:Fallback>
+      </mc:AlternateContent>
+      <p:sp>
+        <p:nvSpPr>
+          <p:cNvPr id="80" name="テキスト ボックス 79">
+            <a:extLst>
+              <a:ext uri="{FF2B5EF4-FFF2-40B4-BE49-F238E27FC236}">
+                <a16:creationId xmlns:a16="http://schemas.microsoft.com/office/drawing/2014/main" id="{5066DD3F-B757-1C46-AF69-582D2F26AA42}"/>
+              </a:ext>
+            </a:extLst>
+          </p:cNvPr>
+          <p:cNvSpPr txBox="1"/>
+          <p:nvPr/>
+        </p:nvSpPr>
+        <p:spPr>
+          <a:xfrm rot="10800000" flipV="1">
+            <a:off x="2949522" y="1485214"/>
+            <a:ext cx="742147" cy="126958"/>
+          </a:xfrm>
+          <a:prstGeom prst="rect">
+            <a:avLst/>
+          </a:prstGeom>
+          <a:noFill/>
+        </p:spPr>
+        <p:txBody>
+          <a:bodyPr wrap="square" lIns="0" tIns="0" rIns="0" bIns="0" rtlCol="0">
+            <a:spAutoFit/>
+          </a:bodyPr>
+          <a:lstStyle/>
+          <a:p>
+            <a:r>
+              <a:rPr lang="ja-JP" altLang="en-US" sz="825">
+                <a:latin typeface="DengXian" panose="02010600030101010101" pitchFamily="2" charset="-122"/>
+                <a:ea typeface="DengXian" panose="02010600030101010101" pitchFamily="2" charset="-122"/>
+                <a:cs typeface="Times New Roman" panose="02020603050405020304" pitchFamily="18" charset="0"/>
+              </a:rPr>
+              <a:t>格拉姆</a:t>
+            </a:r>
+            <a:r>
+              <a:rPr lang="en-US" altLang="zh-CN" sz="825" dirty="0">
+                <a:latin typeface="DengXian" panose="02010600030101010101" pitchFamily="2" charset="-122"/>
+                <a:ea typeface="DengXian" panose="02010600030101010101" pitchFamily="2" charset="-122"/>
+                <a:cs typeface="Times New Roman" panose="02020603050405020304" pitchFamily="18" charset="0"/>
+              </a:rPr>
+              <a:t>-</a:t>
+            </a:r>
+            <a:r>
+              <a:rPr lang="zh-CN" altLang="en-US" sz="825" dirty="0">
+                <a:latin typeface="DengXian" panose="02010600030101010101" pitchFamily="2" charset="-122"/>
+                <a:ea typeface="DengXian" panose="02010600030101010101" pitchFamily="2" charset="-122"/>
+                <a:cs typeface="Times New Roman" panose="02020603050405020304" pitchFamily="18" charset="0"/>
+              </a:rPr>
+              <a:t>施密特</a:t>
+            </a:r>
+            <a:endParaRPr lang="ja-JP" altLang="en-US" sz="825">
+              <a:latin typeface="DengXian" panose="02010600030101010101" pitchFamily="2" charset="-122"/>
+              <a:ea typeface="DengXian" panose="02010600030101010101" pitchFamily="2" charset="-122"/>
+              <a:cs typeface="Times New Roman" panose="02020603050405020304" pitchFamily="18" charset="0"/>
+            </a:endParaRPr>
+          </a:p>
+        </p:txBody>
+      </p:sp>
+      <p:sp>
+        <p:nvSpPr>
+          <p:cNvPr id="81" name="テキスト ボックス 80">
+            <a:extLst>
+              <a:ext uri="{FF2B5EF4-FFF2-40B4-BE49-F238E27FC236}">
+                <a16:creationId xmlns:a16="http://schemas.microsoft.com/office/drawing/2014/main" id="{CC8FD507-6469-F44A-A8FC-018BF2D445A4}"/>
+              </a:ext>
+            </a:extLst>
+          </p:cNvPr>
+          <p:cNvSpPr txBox="1"/>
+          <p:nvPr/>
+        </p:nvSpPr>
+        <p:spPr>
+          <a:xfrm>
+            <a:off x="4364639" y="3298515"/>
+            <a:ext cx="151326" cy="215444"/>
+          </a:xfrm>
+          <a:prstGeom prst="rect">
+            <a:avLst/>
+          </a:prstGeom>
+          <a:noFill/>
+        </p:spPr>
+        <p:txBody>
+          <a:bodyPr wrap="square" lIns="0" tIns="0" rIns="0" bIns="0" rtlCol="0">
+            <a:spAutoFit/>
+          </a:bodyPr>
+          <a:lstStyle>
+            <a:defPPr>
+              <a:defRPr lang="en-US"/>
+            </a:defPPr>
+            <a:lvl1pPr>
+              <a:defRPr sz="1050" b="1" i="1">
+                <a:latin typeface="Cambria Math" panose="02040503050406030204" pitchFamily="18" charset="0"/>
+              </a:defRPr>
+            </a:lvl1pPr>
+          </a:lstStyle>
+          <a:p>
+            <a:r>
+              <a:rPr lang="en-US" altLang="ja-JP" sz="1400" dirty="0"/>
+              <a:t>O</a:t>
+            </a:r>
+            <a:endParaRPr lang="ja-JP" altLang="en-US" sz="1400"/>
+          </a:p>
+        </p:txBody>
+      </p:sp>
+      <p:sp>
+        <p:nvSpPr>
+          <p:cNvPr id="82" name="円/楕円 81">
+            <a:extLst>
+              <a:ext uri="{FF2B5EF4-FFF2-40B4-BE49-F238E27FC236}">
+                <a16:creationId xmlns:a16="http://schemas.microsoft.com/office/drawing/2014/main" id="{E08DDBC5-3B23-D241-B66B-74B548C63489}"/>
+              </a:ext>
+            </a:extLst>
+          </p:cNvPr>
+          <p:cNvSpPr/>
+          <p:nvPr/>
+        </p:nvSpPr>
+        <p:spPr>
+          <a:xfrm rot="16200000">
+            <a:off x="3227180" y="2678412"/>
+            <a:ext cx="636328" cy="1400416"/>
+          </a:xfrm>
+          <a:prstGeom prst="ellipse">
+            <a:avLst/>
+          </a:prstGeom>
+          <a:noFill/>
+        </p:spPr>
+        <p:style>
+          <a:lnRef idx="2">
+            <a:schemeClr val="accent1">
+              <a:shade val="50000"/>
+            </a:schemeClr>
+          </a:lnRef>
+          <a:fillRef idx="1">
+            <a:schemeClr val="accent1"/>
+          </a:fillRef>
+          <a:effectRef idx="0">
+            <a:schemeClr val="accent1"/>
+          </a:effectRef>
+          <a:fontRef idx="minor">
+            <a:schemeClr val="lt1"/>
+          </a:fontRef>
+        </p:style>
+        <p:txBody>
+          <a:bodyPr rtlCol="0" anchor="ctr"/>
+          <a:lstStyle/>
+          <a:p>
+            <a:pPr algn="ctr"/>
+            <a:endParaRPr lang="ja-JP" altLang="en-US" sz="1013"/>
+          </a:p>
+        </p:txBody>
+      </p:sp>
+      <p:sp>
+        <p:nvSpPr>
+          <p:cNvPr id="18" name="正方形/長方形 17">
+            <a:extLst>
+              <a:ext uri="{FF2B5EF4-FFF2-40B4-BE49-F238E27FC236}">
+                <a16:creationId xmlns:a16="http://schemas.microsoft.com/office/drawing/2014/main" id="{FE976787-29DB-AD42-ABC7-6686393431A6}"/>
+              </a:ext>
+            </a:extLst>
+          </p:cNvPr>
+          <p:cNvSpPr/>
+          <p:nvPr/>
+        </p:nvSpPr>
+        <p:spPr>
+          <a:xfrm>
+            <a:off x="3432041" y="3125937"/>
+            <a:ext cx="189104" cy="519018"/>
+          </a:xfrm>
+          <a:prstGeom prst="rect">
+            <a:avLst/>
+          </a:prstGeom>
+          <a:solidFill>
+            <a:schemeClr val="bg1"/>
+          </a:solidFill>
+          <a:ln>
+            <a:noFill/>
+          </a:ln>
+        </p:spPr>
+        <p:style>
+          <a:lnRef idx="2">
+            <a:schemeClr val="accent1">
+              <a:shade val="50000"/>
+            </a:schemeClr>
+          </a:lnRef>
+          <a:fillRef idx="1">
+            <a:schemeClr val="accent1"/>
+          </a:fillRef>
+          <a:effectRef idx="0">
+            <a:schemeClr val="accent1"/>
+          </a:effectRef>
+          <a:fontRef idx="minor">
+            <a:schemeClr val="lt1"/>
+          </a:fontRef>
+        </p:style>
+        <p:txBody>
+          <a:bodyPr rtlCol="0" anchor="ctr"/>
+          <a:lstStyle/>
+          <a:p>
+            <a:pPr algn="ctr"/>
+            <a:endParaRPr kumimoji="1" lang="ja-JP" altLang="en-US"/>
+          </a:p>
+        </p:txBody>
+      </p:sp>
+      <p:sp>
+        <p:nvSpPr>
+          <p:cNvPr id="87" name="テキスト ボックス 86">
+            <a:extLst>
+              <a:ext uri="{FF2B5EF4-FFF2-40B4-BE49-F238E27FC236}">
+                <a16:creationId xmlns:a16="http://schemas.microsoft.com/office/drawing/2014/main" id="{D3FADFD2-F70A-E74F-B411-5047D6660D70}"/>
+              </a:ext>
+            </a:extLst>
+          </p:cNvPr>
+          <p:cNvSpPr txBox="1"/>
+          <p:nvPr/>
+        </p:nvSpPr>
+        <p:spPr>
+          <a:xfrm>
+            <a:off x="3255874" y="3130611"/>
+            <a:ext cx="453970" cy="253787"/>
+          </a:xfrm>
+          <a:prstGeom prst="rect">
+            <a:avLst/>
+          </a:prstGeom>
+          <a:noFill/>
+        </p:spPr>
+        <p:txBody>
+          <a:bodyPr wrap="none" rtlCol="0">
+            <a:spAutoFit/>
+          </a:bodyPr>
+          <a:lstStyle>
+            <a:defPPr>
+              <a:defRPr lang="ja-JP"/>
+            </a:defPPr>
+            <a:lvl1pPr>
+              <a:defRPr sz="1200">
+                <a:latin typeface="Arial Rounded MT Bold" panose="020F0704030504030204" pitchFamily="34" charset="0"/>
+              </a:defRPr>
+            </a:lvl1pPr>
+          </a:lstStyle>
+          <a:p>
+            <a:r>
+              <a:rPr lang="ja-JP" altLang="en-US" sz="1049">
+                <a:latin typeface="DengXian" panose="02010600030101010101" pitchFamily="2" charset="-122"/>
+                <a:ea typeface="DengXian" panose="02010600030101010101" pitchFamily="2" charset="-122"/>
+              </a:rPr>
+              <a:t>置换</a:t>
+            </a:r>
+          </a:p>
+        </p:txBody>
+      </p:sp>
+      <mc:AlternateContent xmlns:mc="http://schemas.openxmlformats.org/markup-compatibility/2006">
+        <mc:Choice xmlns:a14="http://schemas.microsoft.com/office/drawing/2010/main" Requires="a14">
+          <p:sp>
+            <p:nvSpPr>
+              <p:cNvPr id="98" name="テキスト ボックス 97">
+                <a:extLst>
+                  <a:ext uri="{FF2B5EF4-FFF2-40B4-BE49-F238E27FC236}">
+                    <a16:creationId xmlns:a16="http://schemas.microsoft.com/office/drawing/2014/main" id="{D2CB20A8-F85A-7D46-83BA-27BEF82B4A87}"/>
+                  </a:ext>
+                </a:extLst>
+              </p:cNvPr>
+              <p:cNvSpPr txBox="1"/>
+              <p:nvPr/>
+            </p:nvSpPr>
+            <p:spPr>
+              <a:xfrm>
+                <a:off x="2992938" y="3346245"/>
+                <a:ext cx="1054256" cy="253916"/>
+              </a:xfrm>
+              <a:prstGeom prst="rect">
+                <a:avLst/>
+              </a:prstGeom>
+              <a:noFill/>
+            </p:spPr>
+            <p:txBody>
+              <a:bodyPr wrap="square" lIns="0" tIns="0" rIns="0" bIns="0" rtlCol="0">
+                <a:spAutoFit/>
+              </a:bodyPr>
+              <a:lstStyle/>
+              <a:p>
+                <a:pPr/>
+                <a14:m>
+                  <m:oMathPara xmlns:m="http://schemas.openxmlformats.org/officeDocument/2006/math">
+                    <m:oMathParaPr>
+                      <m:jc m:val="centerGroup"/>
+                    </m:oMathParaPr>
+                    <m:oMath xmlns:m="http://schemas.openxmlformats.org/officeDocument/2006/math">
+                      <m:r>
+                        <a:rPr lang="en-US" altLang="ja-JP" sz="825" b="1" i="1" smtClean="0">
+                          <a:latin typeface="Cambria Math" panose="02040503050406030204" pitchFamily="18" charset="0"/>
+                          <a:ea typeface="Cambria Math" panose="02040503050406030204" pitchFamily="18" charset="0"/>
+                        </a:rPr>
+                        <m:t>𝑰</m:t>
+                      </m:r>
+                      <m:r>
+                        <a:rPr lang="ja-JP" altLang="en-US" sz="825" b="1" i="1">
+                          <a:latin typeface="Cambria Math" panose="02040503050406030204" pitchFamily="18" charset="0"/>
+                          <a:ea typeface="Cambria Math" panose="02040503050406030204" pitchFamily="18" charset="0"/>
+                        </a:rPr>
+                        <m:t>的</m:t>
+                      </m:r>
+                      <m:r>
+                        <a:rPr lang="ja-JP" altLang="en-US" sz="825" b="1" i="1" smtClean="0">
+                          <a:latin typeface="Cambria Math" panose="02040503050406030204" pitchFamily="18" charset="0"/>
+                          <a:ea typeface="Cambria Math" panose="02040503050406030204" pitchFamily="18" charset="0"/>
+                        </a:rPr>
+                        <m:t>置换</m:t>
+                      </m:r>
+                    </m:oMath>
+                  </m:oMathPara>
+                </a14:m>
+                <a:endParaRPr lang="en-US" altLang="ja-JP" sz="825" b="1" i="1" dirty="0">
+                  <a:latin typeface="DengXian" panose="02010600030101010101" pitchFamily="2" charset="-122"/>
+                  <a:ea typeface="DengXian" panose="02010600030101010101" pitchFamily="2" charset="-122"/>
+                </a:endParaRPr>
+              </a:p>
+              <a:p>
+                <a:pPr/>
+                <a14:m>
+                  <m:oMathPara xmlns:m="http://schemas.openxmlformats.org/officeDocument/2006/math">
+                    <m:oMathParaPr>
+                      <m:jc m:val="centerGroup"/>
+                    </m:oMathParaPr>
+                    <m:oMath xmlns:m="http://schemas.openxmlformats.org/officeDocument/2006/math">
+                      <m:r>
+                        <m:rPr>
+                          <m:sty m:val="p"/>
+                        </m:rPr>
+                        <a:rPr lang="en-US" altLang="ja-JP" sz="825" i="1" smtClean="0">
+                          <a:latin typeface="Cambria Math" panose="02040503050406030204" pitchFamily="18" charset="0"/>
+                          <a:ea typeface="Cambria Math" panose="02040503050406030204" pitchFamily="18" charset="0"/>
+                        </a:rPr>
+                        <m:t>a</m:t>
+                      </m:r>
+                      <m:r>
+                        <a:rPr lang="en-US" altLang="ja-JP" sz="825" i="1" smtClean="0">
+                          <a:latin typeface="Cambria Math" panose="02040503050406030204" pitchFamily="18" charset="0"/>
+                          <a:ea typeface="Cambria Math" panose="02040503050406030204" pitchFamily="18" charset="0"/>
+                        </a:rPr>
+                        <m:t>𝑙𝑙</m:t>
+                      </m:r>
+                      <m:r>
+                        <a:rPr lang="zh-CN" altLang="en-US" sz="825" b="0" i="1" smtClean="0">
+                          <a:latin typeface="Cambria Math" panose="02040503050406030204" pitchFamily="18" charset="0"/>
+                          <a:ea typeface="Cambria Math" panose="02040503050406030204" pitchFamily="18" charset="0"/>
+                        </a:rPr>
+                        <m:t> </m:t>
+                      </m:r>
+                      <m:r>
+                        <a:rPr lang="en-US" altLang="ja-JP" sz="825" i="1" smtClean="0">
+                          <a:latin typeface="Cambria Math" panose="02040503050406030204" pitchFamily="18" charset="0"/>
+                          <a:ea typeface="Cambria Math" panose="02040503050406030204" pitchFamily="18" charset="0"/>
+                        </a:rPr>
+                        <m:t>𝜆</m:t>
+                      </m:r>
+                      <m:r>
+                        <a:rPr lang="en-US" altLang="ja-JP" sz="825" b="0" i="1" smtClean="0">
+                          <a:latin typeface="Cambria Math" panose="02040503050406030204" pitchFamily="18" charset="0"/>
+                          <a:ea typeface="Cambria Math" panose="02040503050406030204" pitchFamily="18" charset="0"/>
+                        </a:rPr>
+                        <m:t> </m:t>
+                      </m:r>
+                      <m:r>
+                        <a:rPr lang="en-US" altLang="ja-JP" sz="825" b="0" i="1" smtClean="0">
+                          <a:latin typeface="Cambria Math" panose="02040503050406030204" pitchFamily="18" charset="0"/>
+                          <a:ea typeface="Cambria Math" panose="02040503050406030204" pitchFamily="18" charset="0"/>
+                        </a:rPr>
+                        <m:t>𝑎𝑟𝑒</m:t>
+                      </m:r>
+                      <m:r>
+                        <a:rPr lang="en-US" altLang="ja-JP" sz="825" b="0" i="1" smtClean="0">
+                          <a:latin typeface="Cambria Math" panose="02040503050406030204" pitchFamily="18" charset="0"/>
+                          <a:ea typeface="Cambria Math" panose="02040503050406030204" pitchFamily="18" charset="0"/>
+                        </a:rPr>
+                        <m:t> </m:t>
+                      </m:r>
+                      <m:r>
+                        <a:rPr lang="en-US" altLang="ja-JP" sz="825" b="0" i="1" smtClean="0">
+                          <a:latin typeface="Cambria Math" panose="02040503050406030204" pitchFamily="18" charset="0"/>
+                          <a:ea typeface="Cambria Math" panose="02040503050406030204" pitchFamily="18" charset="0"/>
+                        </a:rPr>
+                        <m:t>𝑟𝑜𝑜𝑡𝑠</m:t>
+                      </m:r>
+                      <m:r>
+                        <a:rPr lang="en-US" altLang="ja-JP" sz="825" b="0" i="1" smtClean="0">
+                          <a:latin typeface="Cambria Math" panose="02040503050406030204" pitchFamily="18" charset="0"/>
+                          <a:ea typeface="Cambria Math" panose="02040503050406030204" pitchFamily="18" charset="0"/>
+                        </a:rPr>
+                        <m:t> </m:t>
+                      </m:r>
+                      <m:r>
+                        <a:rPr lang="en-US" altLang="ja-JP" sz="825" b="0" i="1" smtClean="0">
+                          <a:latin typeface="Cambria Math" panose="02040503050406030204" pitchFamily="18" charset="0"/>
+                          <a:ea typeface="Cambria Math" panose="02040503050406030204" pitchFamily="18" charset="0"/>
+                        </a:rPr>
+                        <m:t>𝑜𝑓</m:t>
+                      </m:r>
+                      <m:r>
+                        <a:rPr lang="en-US" altLang="ja-JP" sz="825" b="0" i="1" smtClean="0">
+                          <a:latin typeface="Cambria Math" panose="02040503050406030204" pitchFamily="18" charset="0"/>
+                          <a:ea typeface="Cambria Math" panose="02040503050406030204" pitchFamily="18" charset="0"/>
+                        </a:rPr>
+                        <m:t> 1 </m:t>
+                      </m:r>
+                    </m:oMath>
+                  </m:oMathPara>
+                </a14:m>
+                <a:endParaRPr lang="en-US" altLang="ja-JP" sz="825" b="0" i="1" dirty="0">
+                  <a:latin typeface="Cambria Math" panose="02040503050406030204" pitchFamily="18" charset="0"/>
+                  <a:ea typeface="Cambria Math" panose="02040503050406030204" pitchFamily="18" charset="0"/>
+                </a:endParaRPr>
+              </a:p>
+            </p:txBody>
+          </p:sp>
+        </mc:Choice>
+        <mc:Fallback>
+          <p:sp>
+            <p:nvSpPr>
+              <p:cNvPr id="98" name="テキスト ボックス 97">
+                <a:extLst>
+                  <a:ext uri="{FF2B5EF4-FFF2-40B4-BE49-F238E27FC236}">
+                    <a16:creationId xmlns:a16="http://schemas.microsoft.com/office/drawing/2014/main" id="{D2CB20A8-F85A-7D46-83BA-27BEF82B4A87}"/>
+                  </a:ext>
+                </a:extLst>
+              </p:cNvPr>
+              <p:cNvSpPr txBox="1">
+                <a:spLocks noRot="1" noChangeAspect="1" noMove="1" noResize="1" noEditPoints="1" noAdjustHandles="1" noChangeArrowheads="1" noChangeShapeType="1" noTextEdit="1"/>
+              </p:cNvSpPr>
+              <p:nvPr/>
+            </p:nvSpPr>
+            <p:spPr>
+              <a:xfrm>
+                <a:off x="2992938" y="3346245"/>
+                <a:ext cx="1054256" cy="253916"/>
+              </a:xfrm>
+              <a:prstGeom prst="rect">
+                <a:avLst/>
+              </a:prstGeom>
+              <a:blipFill>
+                <a:blip r:embed="rId44"/>
+                <a:stretch>
+                  <a:fillRect t="-4762" b="-19048"/>
+                </a:stretch>
+              </a:blipFill>
+            </p:spPr>
+            <p:txBody>
+              <a:bodyPr/>
+              <a:lstStyle/>
+              <a:p>
+                <a:r>
+                  <a:rPr lang="zh-CN" altLang="en-US">
+                    <a:noFill/>
+                  </a:rPr>
+                  <a:t> </a:t>
+                </a:r>
+              </a:p>
+            </p:txBody>
+          </p:sp>
+        </mc:Fallback>
+      </mc:AlternateContent>
+      <p:sp>
+        <p:nvSpPr>
+          <p:cNvPr id="38" name="テキスト ボックス 37">
+            <a:extLst>
+              <a:ext uri="{FF2B5EF4-FFF2-40B4-BE49-F238E27FC236}">
+                <a16:creationId xmlns:a16="http://schemas.microsoft.com/office/drawing/2014/main" id="{DF5E6EC3-087D-1848-8582-CFA8540AD2F7}"/>
+              </a:ext>
+            </a:extLst>
+          </p:cNvPr>
+          <p:cNvSpPr txBox="1"/>
+          <p:nvPr/>
+        </p:nvSpPr>
+        <p:spPr>
+          <a:xfrm>
+            <a:off x="3050804" y="475341"/>
+            <a:ext cx="299364" cy="161583"/>
+          </a:xfrm>
+          <a:prstGeom prst="rect">
+            <a:avLst/>
+          </a:prstGeom>
+          <a:solidFill>
+            <a:schemeClr val="bg2">
+              <a:lumMod val="50000"/>
+            </a:schemeClr>
+          </a:solidFill>
+          <a:ln>
+            <a:noFill/>
+          </a:ln>
+        </p:spPr>
+        <p:txBody>
+          <a:bodyPr wrap="square" lIns="0" tIns="0" rIns="0" bIns="0" rtlCol="0">
+            <a:spAutoFit/>
+          </a:bodyPr>
+          <a:lstStyle/>
+          <a:p>
+            <a:pPr algn="ctr"/>
+            <a:r>
+              <a:rPr kumimoji="1" lang="en-US" altLang="ja-JP" sz="1050" dirty="0">
+                <a:solidFill>
+                  <a:schemeClr val="bg1"/>
+                </a:solidFill>
+              </a:rPr>
+              <a:t>1.4</a:t>
+            </a:r>
+            <a:endParaRPr kumimoji="1" lang="ja-JP" altLang="en-US" sz="1050">
+              <a:solidFill>
+                <a:schemeClr val="bg1"/>
+              </a:solidFill>
+            </a:endParaRPr>
+          </a:p>
+        </p:txBody>
+      </p:sp>
+      <p:sp>
+        <p:nvSpPr>
+          <p:cNvPr id="89" name="テキスト ボックス 88">
+            <a:extLst>
+              <a:ext uri="{FF2B5EF4-FFF2-40B4-BE49-F238E27FC236}">
+                <a16:creationId xmlns:a16="http://schemas.microsoft.com/office/drawing/2014/main" id="{A4972E05-1B91-9642-9898-49BC73231F14}"/>
+              </a:ext>
+            </a:extLst>
+          </p:cNvPr>
+          <p:cNvSpPr txBox="1"/>
+          <p:nvPr/>
+        </p:nvSpPr>
+        <p:spPr>
+          <a:xfrm>
+            <a:off x="5265078" y="1319325"/>
+            <a:ext cx="299364" cy="161583"/>
+          </a:xfrm>
+          <a:prstGeom prst="rect">
+            <a:avLst/>
+          </a:prstGeom>
+          <a:solidFill>
+            <a:schemeClr val="bg2">
+              <a:lumMod val="50000"/>
+            </a:schemeClr>
+          </a:solidFill>
+          <a:ln>
+            <a:noFill/>
+          </a:ln>
+        </p:spPr>
+        <p:txBody>
+          <a:bodyPr wrap="square" lIns="0" tIns="0" rIns="0" bIns="0" rtlCol="0">
+            <a:spAutoFit/>
+          </a:bodyPr>
+          <a:lstStyle/>
+          <a:p>
+            <a:pPr algn="ctr"/>
+            <a:r>
+              <a:rPr kumimoji="1" lang="en-US" altLang="ja-JP" sz="1050" dirty="0">
+                <a:solidFill>
+                  <a:schemeClr val="bg1"/>
+                </a:solidFill>
+              </a:rPr>
+              <a:t>2.3</a:t>
+            </a:r>
+            <a:endParaRPr kumimoji="1" lang="ja-JP" altLang="en-US" sz="1050">
+              <a:solidFill>
+                <a:schemeClr val="bg1"/>
+              </a:solidFill>
+            </a:endParaRPr>
+          </a:p>
+        </p:txBody>
+      </p:sp>
+      <p:sp>
+        <p:nvSpPr>
+          <p:cNvPr id="90" name="テキスト ボックス 89">
+            <a:extLst>
+              <a:ext uri="{FF2B5EF4-FFF2-40B4-BE49-F238E27FC236}">
+                <a16:creationId xmlns:a16="http://schemas.microsoft.com/office/drawing/2014/main" id="{9C2106D9-F9C8-F846-B8AA-A676EF08D68B}"/>
+              </a:ext>
+            </a:extLst>
+          </p:cNvPr>
+          <p:cNvSpPr txBox="1"/>
+          <p:nvPr/>
+        </p:nvSpPr>
+        <p:spPr>
+          <a:xfrm>
+            <a:off x="3667827" y="2971137"/>
+            <a:ext cx="299364" cy="161583"/>
+          </a:xfrm>
+          <a:prstGeom prst="rect">
+            <a:avLst/>
+          </a:prstGeom>
+          <a:solidFill>
+            <a:schemeClr val="bg2">
+              <a:lumMod val="50000"/>
+            </a:schemeClr>
+          </a:solidFill>
+          <a:ln>
+            <a:noFill/>
+          </a:ln>
+        </p:spPr>
+        <p:txBody>
+          <a:bodyPr wrap="square" lIns="0" tIns="0" rIns="0" bIns="0" rtlCol="0">
+            <a:spAutoFit/>
+          </a:bodyPr>
+          <a:lstStyle/>
+          <a:p>
+            <a:pPr algn="ctr"/>
+            <a:r>
+              <a:rPr kumimoji="1" lang="en-US" altLang="ja-JP" sz="1050" dirty="0">
+                <a:solidFill>
+                  <a:schemeClr val="bg1"/>
+                </a:solidFill>
+              </a:rPr>
+              <a:t>2.4</a:t>
+            </a:r>
+            <a:endParaRPr kumimoji="1" lang="ja-JP" altLang="en-US" sz="1050">
+              <a:solidFill>
+                <a:schemeClr val="bg1"/>
+              </a:solidFill>
+            </a:endParaRPr>
+          </a:p>
+        </p:txBody>
+      </p:sp>
+      <p:sp>
+        <p:nvSpPr>
+          <p:cNvPr id="91" name="テキスト ボックス 90">
+            <a:extLst>
+              <a:ext uri="{FF2B5EF4-FFF2-40B4-BE49-F238E27FC236}">
+                <a16:creationId xmlns:a16="http://schemas.microsoft.com/office/drawing/2014/main" id="{6F547B75-78E7-EF45-9534-BB6F0E235B0E}"/>
+              </a:ext>
+            </a:extLst>
+          </p:cNvPr>
+          <p:cNvSpPr txBox="1"/>
+          <p:nvPr/>
+        </p:nvSpPr>
+        <p:spPr>
+          <a:xfrm>
+            <a:off x="4324292" y="2271489"/>
+            <a:ext cx="299364" cy="161583"/>
+          </a:xfrm>
+          <a:prstGeom prst="rect">
+            <a:avLst/>
+          </a:prstGeom>
+          <a:solidFill>
+            <a:schemeClr val="bg2">
+              <a:lumMod val="50000"/>
+            </a:schemeClr>
+          </a:solidFill>
+          <a:ln>
+            <a:noFill/>
+          </a:ln>
+        </p:spPr>
+        <p:txBody>
+          <a:bodyPr wrap="square" lIns="0" tIns="0" rIns="0" bIns="0" rtlCol="0">
+            <a:spAutoFit/>
+          </a:bodyPr>
+          <a:lstStyle/>
+          <a:p>
+            <a:pPr algn="ctr"/>
+            <a:r>
+              <a:rPr kumimoji="1" lang="en-US" altLang="ja-JP" sz="1050" dirty="0">
+                <a:solidFill>
+                  <a:schemeClr val="bg1"/>
+                </a:solidFill>
+              </a:rPr>
+              <a:t>2.4</a:t>
+            </a:r>
+            <a:endParaRPr kumimoji="1" lang="ja-JP" altLang="en-US" sz="1050">
+              <a:solidFill>
+                <a:schemeClr val="bg1"/>
+              </a:solidFill>
+            </a:endParaRPr>
+          </a:p>
+        </p:txBody>
+      </p:sp>
+      <p:sp>
+        <p:nvSpPr>
+          <p:cNvPr id="93" name="テキスト ボックス 92">
+            <a:extLst>
+              <a:ext uri="{FF2B5EF4-FFF2-40B4-BE49-F238E27FC236}">
+                <a16:creationId xmlns:a16="http://schemas.microsoft.com/office/drawing/2014/main" id="{BC01F989-90D4-4B44-B506-FB6D2AFB2F46}"/>
+              </a:ext>
+            </a:extLst>
+          </p:cNvPr>
+          <p:cNvSpPr txBox="1"/>
+          <p:nvPr/>
+        </p:nvSpPr>
+        <p:spPr>
+          <a:xfrm>
+            <a:off x="5005051" y="2835782"/>
+            <a:ext cx="299364" cy="161583"/>
+          </a:xfrm>
+          <a:prstGeom prst="rect">
+            <a:avLst/>
+          </a:prstGeom>
+          <a:solidFill>
+            <a:schemeClr val="bg2">
+              <a:lumMod val="50000"/>
+            </a:schemeClr>
+          </a:solidFill>
+          <a:ln>
+            <a:noFill/>
+          </a:ln>
+        </p:spPr>
+        <p:txBody>
+          <a:bodyPr wrap="square" lIns="0" tIns="0" rIns="0" bIns="0" rtlCol="0">
+            <a:spAutoFit/>
+          </a:bodyPr>
+          <a:lstStyle/>
+          <a:p>
+            <a:pPr algn="ctr"/>
+            <a:r>
+              <a:rPr kumimoji="1" lang="en-US" altLang="ja-JP" sz="1050" dirty="0">
+                <a:solidFill>
+                  <a:schemeClr val="bg1"/>
+                </a:solidFill>
+              </a:rPr>
+              <a:t>4.2</a:t>
+            </a:r>
+            <a:endParaRPr kumimoji="1" lang="ja-JP" altLang="en-US" sz="1050">
+              <a:solidFill>
+                <a:schemeClr val="bg1"/>
+              </a:solidFill>
+            </a:endParaRPr>
+          </a:p>
+        </p:txBody>
+      </p:sp>
+      <p:sp>
+        <p:nvSpPr>
+          <p:cNvPr id="94" name="テキスト ボックス 93">
+            <a:extLst>
+              <a:ext uri="{FF2B5EF4-FFF2-40B4-BE49-F238E27FC236}">
+                <a16:creationId xmlns:a16="http://schemas.microsoft.com/office/drawing/2014/main" id="{E04BACE5-A727-E447-A13C-764DF8B624BA}"/>
+              </a:ext>
+            </a:extLst>
+          </p:cNvPr>
+          <p:cNvSpPr txBox="1"/>
+          <p:nvPr/>
+        </p:nvSpPr>
+        <p:spPr>
+          <a:xfrm>
+            <a:off x="2755948" y="1310379"/>
+            <a:ext cx="299364" cy="161583"/>
+          </a:xfrm>
+          <a:prstGeom prst="rect">
+            <a:avLst/>
+          </a:prstGeom>
+          <a:solidFill>
+            <a:schemeClr val="bg2">
+              <a:lumMod val="50000"/>
+            </a:schemeClr>
+          </a:solidFill>
+          <a:ln>
+            <a:noFill/>
+          </a:ln>
+        </p:spPr>
+        <p:txBody>
+          <a:bodyPr wrap="square" lIns="0" tIns="0" rIns="0" bIns="0" rtlCol="0">
+            <a:spAutoFit/>
+          </a:bodyPr>
+          <a:lstStyle/>
+          <a:p>
+            <a:pPr algn="ctr"/>
+            <a:r>
+              <a:rPr kumimoji="1" lang="en-US" altLang="ja-JP" sz="1050" dirty="0">
+                <a:solidFill>
+                  <a:schemeClr val="bg1"/>
+                </a:solidFill>
+              </a:rPr>
+              <a:t>4.4</a:t>
+            </a:r>
+            <a:endParaRPr kumimoji="1" lang="ja-JP" altLang="en-US" sz="1050">
+              <a:solidFill>
+                <a:schemeClr val="bg1"/>
+              </a:solidFill>
+            </a:endParaRPr>
+          </a:p>
+        </p:txBody>
+      </p:sp>
+      <p:sp>
+        <p:nvSpPr>
+          <p:cNvPr id="95" name="テキスト ボックス 94">
+            <a:extLst>
+              <a:ext uri="{FF2B5EF4-FFF2-40B4-BE49-F238E27FC236}">
+                <a16:creationId xmlns:a16="http://schemas.microsoft.com/office/drawing/2014/main" id="{F358D054-2847-B847-A86D-8A2D85558923}"/>
+              </a:ext>
+            </a:extLst>
+          </p:cNvPr>
+          <p:cNvSpPr txBox="1"/>
+          <p:nvPr/>
+        </p:nvSpPr>
+        <p:spPr>
+          <a:xfrm>
+            <a:off x="2932404" y="2898873"/>
+            <a:ext cx="299364" cy="161583"/>
+          </a:xfrm>
+          <a:prstGeom prst="rect">
+            <a:avLst/>
+          </a:prstGeom>
+          <a:solidFill>
+            <a:schemeClr val="bg2">
+              <a:lumMod val="50000"/>
+            </a:schemeClr>
+          </a:solidFill>
+          <a:ln>
+            <a:noFill/>
+          </a:ln>
+        </p:spPr>
+        <p:txBody>
+          <a:bodyPr wrap="square" lIns="0" tIns="0" rIns="0" bIns="0" rtlCol="0">
+            <a:spAutoFit/>
+          </a:bodyPr>
+          <a:lstStyle/>
+          <a:p>
+            <a:pPr algn="ctr"/>
+            <a:r>
+              <a:rPr kumimoji="1" lang="en-US" altLang="ja-JP" sz="1050" dirty="0">
+                <a:solidFill>
+                  <a:schemeClr val="bg1"/>
+                </a:solidFill>
+              </a:rPr>
+              <a:t>4.4</a:t>
+            </a:r>
+            <a:endParaRPr kumimoji="1" lang="ja-JP" altLang="en-US" sz="1050">
+              <a:solidFill>
+                <a:schemeClr val="bg1"/>
+              </a:solidFill>
+            </a:endParaRPr>
+          </a:p>
+        </p:txBody>
+      </p:sp>
+      <p:sp>
+        <p:nvSpPr>
+          <p:cNvPr id="99" name="テキスト ボックス 98">
+            <a:extLst>
+              <a:ext uri="{FF2B5EF4-FFF2-40B4-BE49-F238E27FC236}">
+                <a16:creationId xmlns:a16="http://schemas.microsoft.com/office/drawing/2014/main" id="{4D7FEAF3-D4A5-7843-9CF5-368CDF9D4752}"/>
+              </a:ext>
+            </a:extLst>
+          </p:cNvPr>
+          <p:cNvSpPr txBox="1"/>
+          <p:nvPr/>
+        </p:nvSpPr>
+        <p:spPr>
+          <a:xfrm>
+            <a:off x="4174689" y="1873819"/>
+            <a:ext cx="299364" cy="161583"/>
+          </a:xfrm>
+          <a:prstGeom prst="rect">
+            <a:avLst/>
+          </a:prstGeom>
+          <a:solidFill>
+            <a:schemeClr val="bg2">
+              <a:lumMod val="50000"/>
+            </a:schemeClr>
+          </a:solidFill>
+          <a:ln>
+            <a:noFill/>
+          </a:ln>
+        </p:spPr>
+        <p:txBody>
+          <a:bodyPr wrap="square" lIns="0" tIns="0" rIns="0" bIns="0" rtlCol="0">
+            <a:spAutoFit/>
+          </a:bodyPr>
+          <a:lstStyle/>
+          <a:p>
+            <a:pPr algn="ctr"/>
+            <a:r>
+              <a:rPr kumimoji="1" lang="en-US" altLang="ja-JP" sz="1050" dirty="0">
+                <a:solidFill>
+                  <a:schemeClr val="bg1"/>
+                </a:solidFill>
+              </a:rPr>
+              <a:t>6.2</a:t>
+            </a:r>
+            <a:endParaRPr kumimoji="1" lang="ja-JP" altLang="en-US" sz="1050">
+              <a:solidFill>
+                <a:schemeClr val="bg1"/>
+              </a:solidFill>
+            </a:endParaRPr>
+          </a:p>
+        </p:txBody>
+      </p:sp>
+      <p:sp>
+        <p:nvSpPr>
+          <p:cNvPr id="100" name="テキスト ボックス 99">
+            <a:extLst>
+              <a:ext uri="{FF2B5EF4-FFF2-40B4-BE49-F238E27FC236}">
+                <a16:creationId xmlns:a16="http://schemas.microsoft.com/office/drawing/2014/main" id="{6813A672-5081-B54F-8C45-37BCF47847FB}"/>
+              </a:ext>
+            </a:extLst>
+          </p:cNvPr>
+          <p:cNvSpPr txBox="1"/>
+          <p:nvPr/>
+        </p:nvSpPr>
+        <p:spPr>
+          <a:xfrm>
+            <a:off x="4367730" y="3853230"/>
+            <a:ext cx="299364" cy="161583"/>
+          </a:xfrm>
+          <a:prstGeom prst="rect">
+            <a:avLst/>
+          </a:prstGeom>
+          <a:solidFill>
+            <a:schemeClr val="bg2">
+              <a:lumMod val="50000"/>
+            </a:schemeClr>
+          </a:solidFill>
+          <a:ln>
+            <a:noFill/>
+          </a:ln>
+        </p:spPr>
+        <p:txBody>
+          <a:bodyPr wrap="square" lIns="0" tIns="0" rIns="0" bIns="0" rtlCol="0">
+            <a:spAutoFit/>
+          </a:bodyPr>
+          <a:lstStyle/>
+          <a:p>
+            <a:pPr algn="ctr"/>
+            <a:r>
+              <a:rPr kumimoji="1" lang="en-US" altLang="ja-JP" sz="1050" dirty="0">
+                <a:solidFill>
+                  <a:schemeClr val="bg1"/>
+                </a:solidFill>
+              </a:rPr>
+              <a:t>6.3</a:t>
+            </a:r>
+            <a:endParaRPr kumimoji="1" lang="ja-JP" altLang="en-US" sz="1050">
+              <a:solidFill>
+                <a:schemeClr val="bg1"/>
+              </a:solidFill>
+            </a:endParaRPr>
+          </a:p>
+        </p:txBody>
+      </p:sp>
+      <p:sp>
+        <p:nvSpPr>
+          <p:cNvPr id="101" name="テキスト ボックス 100">
+            <a:extLst>
+              <a:ext uri="{FF2B5EF4-FFF2-40B4-BE49-F238E27FC236}">
+                <a16:creationId xmlns:a16="http://schemas.microsoft.com/office/drawing/2014/main" id="{86BB8208-7D93-6E4C-BDA6-16B45CDEC7FE}"/>
+              </a:ext>
+            </a:extLst>
+          </p:cNvPr>
+          <p:cNvSpPr txBox="1"/>
+          <p:nvPr/>
+        </p:nvSpPr>
+        <p:spPr>
+          <a:xfrm>
+            <a:off x="3928701" y="2584496"/>
+            <a:ext cx="299364" cy="161583"/>
+          </a:xfrm>
+          <a:prstGeom prst="rect">
+            <a:avLst/>
+          </a:prstGeom>
+          <a:solidFill>
+            <a:schemeClr val="bg2">
+              <a:lumMod val="50000"/>
+            </a:schemeClr>
+          </a:solidFill>
+          <a:ln>
+            <a:noFill/>
+          </a:ln>
+        </p:spPr>
+        <p:txBody>
+          <a:bodyPr wrap="square" lIns="0" tIns="0" rIns="0" bIns="0" rtlCol="0">
+            <a:spAutoFit/>
+          </a:bodyPr>
+          <a:lstStyle/>
+          <a:p>
+            <a:pPr algn="ctr"/>
+            <a:r>
+              <a:rPr kumimoji="1" lang="en-US" altLang="ja-JP" sz="1050" dirty="0">
+                <a:solidFill>
+                  <a:schemeClr val="bg1"/>
+                </a:solidFill>
+              </a:rPr>
+              <a:t>6.3</a:t>
+            </a:r>
+            <a:endParaRPr kumimoji="1" lang="ja-JP" altLang="en-US" sz="1050">
+              <a:solidFill>
+                <a:schemeClr val="bg1"/>
+              </a:solidFill>
+            </a:endParaRPr>
+          </a:p>
+        </p:txBody>
+      </p:sp>
+      <p:sp>
+        <p:nvSpPr>
+          <p:cNvPr id="102" name="テキスト ボックス 101">
+            <a:extLst>
+              <a:ext uri="{FF2B5EF4-FFF2-40B4-BE49-F238E27FC236}">
+                <a16:creationId xmlns:a16="http://schemas.microsoft.com/office/drawing/2014/main" id="{845D6487-AD41-874E-A43F-A6DA852A4774}"/>
+              </a:ext>
+            </a:extLst>
+          </p:cNvPr>
+          <p:cNvSpPr txBox="1"/>
+          <p:nvPr/>
+        </p:nvSpPr>
+        <p:spPr>
+          <a:xfrm>
+            <a:off x="6537018" y="219979"/>
+            <a:ext cx="1364706" cy="161454"/>
+          </a:xfrm>
+          <a:prstGeom prst="rect">
+            <a:avLst/>
+          </a:prstGeom>
+          <a:solidFill>
+            <a:schemeClr val="bg2">
+              <a:lumMod val="90000"/>
+            </a:schemeClr>
+          </a:solidFill>
+        </p:spPr>
+        <p:txBody>
+          <a:bodyPr wrap="square" lIns="0" tIns="0" rIns="0" bIns="0" rtlCol="0">
+            <a:spAutoFit/>
+          </a:bodyPr>
+          <a:lstStyle>
+            <a:defPPr>
+              <a:defRPr lang="ja-JP"/>
+            </a:defPPr>
+            <a:lvl1pPr>
+              <a:defRPr sz="1050" i="1">
+                <a:latin typeface="Cambria Math" panose="02040503050406030204" pitchFamily="18" charset="0"/>
+              </a:defRPr>
+            </a:lvl1pPr>
+          </a:lstStyle>
+          <a:p>
+            <a:pPr algn="ctr"/>
+            <a:r>
+              <a:rPr lang="ja-JP" altLang="en-US" sz="1049">
+                <a:latin typeface="DengXian" panose="02010600030101010101" pitchFamily="2" charset="-122"/>
+                <a:ea typeface="DengXian" panose="02010600030101010101" pitchFamily="2" charset="-122"/>
+              </a:rPr>
+              <a:t>矩阵分解</a:t>
+            </a:r>
+          </a:p>
+        </p:txBody>
+      </p:sp>
+      <p:sp>
+        <p:nvSpPr>
+          <p:cNvPr id="103" name="テキスト ボックス 102">
+            <a:extLst>
+              <a:ext uri="{FF2B5EF4-FFF2-40B4-BE49-F238E27FC236}">
+                <a16:creationId xmlns:a16="http://schemas.microsoft.com/office/drawing/2014/main" id="{AB976046-A5E4-4241-BB66-CE10D099F755}"/>
+              </a:ext>
+            </a:extLst>
+          </p:cNvPr>
+          <p:cNvSpPr txBox="1"/>
+          <p:nvPr/>
+        </p:nvSpPr>
+        <p:spPr>
+          <a:xfrm>
+            <a:off x="6537018" y="433596"/>
+            <a:ext cx="1364706" cy="161583"/>
+          </a:xfrm>
+          <a:prstGeom prst="rect">
+            <a:avLst/>
+          </a:prstGeom>
+          <a:solidFill>
+            <a:schemeClr val="bg2">
+              <a:lumMod val="50000"/>
+            </a:schemeClr>
+          </a:solidFill>
+          <a:ln>
+            <a:noFill/>
+          </a:ln>
+        </p:spPr>
+        <p:txBody>
+          <a:bodyPr wrap="square" lIns="0" tIns="0" rIns="0" bIns="0" rtlCol="0">
+            <a:spAutoFit/>
+          </a:bodyPr>
+          <a:lstStyle/>
+          <a:p>
+            <a:pPr algn="ctr"/>
+            <a:r>
+              <a:rPr kumimoji="1" lang="ja-JP" altLang="en-US" sz="1050">
+                <a:solidFill>
+                  <a:schemeClr val="bg1"/>
+                </a:solidFill>
+                <a:latin typeface="DengXian" panose="02010600030101010101" pitchFamily="2" charset="-122"/>
+                <a:ea typeface="DengXian" panose="02010600030101010101" pitchFamily="2" charset="-122"/>
+              </a:rPr>
+              <a:t>对应章节</a:t>
+            </a:r>
+            <a:endParaRPr kumimoji="1" lang="en-US" altLang="ja-JP" sz="1050" dirty="0">
+              <a:solidFill>
+                <a:schemeClr val="bg1"/>
+              </a:solidFill>
+              <a:latin typeface="DengXian" panose="02010600030101010101" pitchFamily="2" charset="-122"/>
+              <a:ea typeface="DengXian" panose="02010600030101010101" pitchFamily="2" charset="-122"/>
+            </a:endParaRPr>
+          </a:p>
+        </p:txBody>
+      </p:sp>
+      <p:sp>
+        <p:nvSpPr>
+          <p:cNvPr id="105" name="テキスト ボックス 104">
+            <a:extLst>
+              <a:ext uri="{FF2B5EF4-FFF2-40B4-BE49-F238E27FC236}">
+                <a16:creationId xmlns:a16="http://schemas.microsoft.com/office/drawing/2014/main" id="{12EA018D-DDC3-AA4C-91A3-3F1C9F0D8FCC}"/>
+              </a:ext>
+            </a:extLst>
+          </p:cNvPr>
+          <p:cNvSpPr txBox="1"/>
+          <p:nvPr/>
+        </p:nvSpPr>
+        <p:spPr>
+          <a:xfrm>
+            <a:off x="5924211" y="2615318"/>
+            <a:ext cx="299364" cy="161583"/>
+          </a:xfrm>
+          <a:prstGeom prst="rect">
+            <a:avLst/>
+          </a:prstGeom>
+          <a:solidFill>
+            <a:schemeClr val="bg2">
+              <a:lumMod val="50000"/>
+            </a:schemeClr>
+          </a:solidFill>
+          <a:ln>
+            <a:noFill/>
+          </a:ln>
+        </p:spPr>
+        <p:txBody>
+          <a:bodyPr wrap="square" lIns="0" tIns="0" rIns="0" bIns="0" rtlCol="0">
+            <a:spAutoFit/>
+          </a:bodyPr>
+          <a:lstStyle/>
+          <a:p>
+            <a:pPr algn="ctr"/>
+            <a:r>
+              <a:rPr kumimoji="1" lang="en-US" altLang="ja-JP" sz="1050" dirty="0">
+                <a:solidFill>
+                  <a:schemeClr val="bg1"/>
+                </a:solidFill>
+              </a:rPr>
+              <a:t>6.3</a:t>
+            </a:r>
+            <a:endParaRPr kumimoji="1" lang="ja-JP" altLang="en-US" sz="1050">
+              <a:solidFill>
+                <a:schemeClr val="bg1"/>
+              </a:solidFill>
+            </a:endParaRPr>
+          </a:p>
+        </p:txBody>
+      </p:sp>
+      <p:sp>
+        <p:nvSpPr>
+          <p:cNvPr id="106" name="テキスト ボックス 105">
+            <a:extLst>
+              <a:ext uri="{FF2B5EF4-FFF2-40B4-BE49-F238E27FC236}">
+                <a16:creationId xmlns:a16="http://schemas.microsoft.com/office/drawing/2014/main" id="{7DE4E0A9-766E-384E-8EE1-727E2A4B1967}"/>
+              </a:ext>
+            </a:extLst>
+          </p:cNvPr>
+          <p:cNvSpPr txBox="1"/>
+          <p:nvPr/>
+        </p:nvSpPr>
+        <p:spPr>
+          <a:xfrm>
+            <a:off x="5268860" y="456236"/>
+            <a:ext cx="299364" cy="161583"/>
+          </a:xfrm>
+          <a:prstGeom prst="rect">
+            <a:avLst/>
+          </a:prstGeom>
+          <a:solidFill>
+            <a:schemeClr val="bg2">
+              <a:lumMod val="50000"/>
+            </a:schemeClr>
+          </a:solidFill>
+          <a:ln>
+            <a:noFill/>
+          </a:ln>
+        </p:spPr>
+        <p:txBody>
+          <a:bodyPr wrap="square" lIns="0" tIns="0" rIns="0" bIns="0" rtlCol="0">
+            <a:spAutoFit/>
+          </a:bodyPr>
+          <a:lstStyle/>
+          <a:p>
+            <a:pPr algn="ctr"/>
+            <a:r>
+              <a:rPr kumimoji="1" lang="en-US" altLang="ja-JP" sz="1050" dirty="0">
+                <a:solidFill>
+                  <a:schemeClr val="bg1"/>
+                </a:solidFill>
+              </a:rPr>
+              <a:t>7.1</a:t>
+            </a:r>
+            <a:endParaRPr kumimoji="1" lang="ja-JP" altLang="en-US" sz="1050">
+              <a:solidFill>
+                <a:schemeClr val="bg1"/>
+              </a:solidFill>
+            </a:endParaRPr>
+          </a:p>
+        </p:txBody>
+      </p:sp>
+      <p:sp>
+        <p:nvSpPr>
+          <p:cNvPr id="107" name="テキスト ボックス 106">
+            <a:extLst>
+              <a:ext uri="{FF2B5EF4-FFF2-40B4-BE49-F238E27FC236}">
+                <a16:creationId xmlns:a16="http://schemas.microsoft.com/office/drawing/2014/main" id="{9BE7CDF2-3D56-B449-B14C-6CC86F6C7DA8}"/>
+              </a:ext>
+            </a:extLst>
+          </p:cNvPr>
+          <p:cNvSpPr txBox="1"/>
+          <p:nvPr/>
+        </p:nvSpPr>
+        <p:spPr>
+          <a:xfrm>
+            <a:off x="5905991" y="4825283"/>
+            <a:ext cx="467010" cy="164455"/>
+          </a:xfrm>
+          <a:prstGeom prst="rect">
+            <a:avLst/>
+          </a:prstGeom>
+          <a:solidFill>
+            <a:schemeClr val="bg2">
+              <a:lumMod val="50000"/>
+            </a:schemeClr>
+          </a:solidFill>
+          <a:ln>
+            <a:noFill/>
+          </a:ln>
+        </p:spPr>
+        <p:txBody>
+          <a:bodyPr wrap="square" lIns="0" tIns="0" rIns="0" bIns="0" rtlCol="0">
+            <a:spAutoFit/>
+          </a:bodyPr>
+          <a:lstStyle/>
+          <a:p>
+            <a:pPr algn="ctr"/>
+            <a:r>
+              <a:rPr kumimoji="1" lang="en-US" altLang="ja-JP" sz="1050" dirty="0">
+                <a:solidFill>
+                  <a:schemeClr val="bg1"/>
+                </a:solidFill>
+              </a:rPr>
+              <a:t>3.5, 7.4</a:t>
+            </a:r>
+            <a:endParaRPr kumimoji="1" lang="ja-JP" altLang="en-US" sz="1050">
+              <a:solidFill>
+                <a:schemeClr val="bg1"/>
+              </a:solidFill>
+            </a:endParaRPr>
+          </a:p>
+        </p:txBody>
+      </p:sp>
+      <p:sp>
+        <p:nvSpPr>
+          <p:cNvPr id="7" name="テキスト ボックス 6">
+            <a:extLst>
+              <a:ext uri="{FF2B5EF4-FFF2-40B4-BE49-F238E27FC236}">
+                <a16:creationId xmlns:a16="http://schemas.microsoft.com/office/drawing/2014/main" id="{E3A60F75-ED45-A44C-8DBB-8444AAB54E10}"/>
+              </a:ext>
+            </a:extLst>
+          </p:cNvPr>
+          <p:cNvSpPr txBox="1"/>
+          <p:nvPr/>
+        </p:nvSpPr>
+        <p:spPr>
+          <a:xfrm>
+            <a:off x="6496808" y="606029"/>
+            <a:ext cx="1463862" cy="200055"/>
+          </a:xfrm>
+          <a:prstGeom prst="rect">
+            <a:avLst/>
+          </a:prstGeom>
+          <a:noFill/>
+        </p:spPr>
+        <p:txBody>
+          <a:bodyPr wrap="none" rtlCol="0">
+            <a:spAutoFit/>
+          </a:bodyPr>
+          <a:lstStyle/>
+          <a:p>
+            <a:r>
+              <a:rPr kumimoji="1" lang="en-US" altLang="ja-JP" sz="700" dirty="0"/>
+              <a:t>(</a:t>
+            </a:r>
+            <a:r>
+              <a:rPr kumimoji="1" lang="ja-JP" altLang="en-US" sz="700"/>
+              <a:t>在</a:t>
+            </a:r>
+            <a:r>
+              <a:rPr kumimoji="1" lang="zh-CN" altLang="en-US" sz="700" dirty="0"/>
+              <a:t> </a:t>
+            </a:r>
+            <a:r>
+              <a:rPr kumimoji="1" lang="en-US" altLang="ja-JP" sz="700" dirty="0"/>
+              <a:t>Linear Algebra for Everyone</a:t>
+            </a:r>
+            <a:r>
+              <a:rPr kumimoji="1" lang="zh-CN" altLang="en-US" sz="700" dirty="0"/>
+              <a:t> 中</a:t>
+            </a:r>
+            <a:r>
+              <a:rPr kumimoji="1" lang="en-US" altLang="ja-JP" sz="700" dirty="0"/>
+              <a:t>)</a:t>
+            </a:r>
+            <a:endParaRPr kumimoji="1" lang="ja-JP" altLang="en-US" sz="700"/>
+          </a:p>
+        </p:txBody>
+      </p:sp>
+      <p:sp>
+        <p:nvSpPr>
+          <p:cNvPr id="104" name="テキスト ボックス 103">
+            <a:extLst>
+              <a:ext uri="{FF2B5EF4-FFF2-40B4-BE49-F238E27FC236}">
+                <a16:creationId xmlns:a16="http://schemas.microsoft.com/office/drawing/2014/main" id="{5A66D60C-5A90-404D-8E4F-204A0C76B50F}"/>
+              </a:ext>
+            </a:extLst>
+          </p:cNvPr>
+          <p:cNvSpPr txBox="1"/>
+          <p:nvPr/>
+        </p:nvSpPr>
+        <p:spPr>
+          <a:xfrm>
+            <a:off x="73575" y="164541"/>
+            <a:ext cx="1888586" cy="553998"/>
+          </a:xfrm>
+          <a:prstGeom prst="rect">
+            <a:avLst/>
+          </a:prstGeom>
+          <a:noFill/>
+        </p:spPr>
+        <p:txBody>
+          <a:bodyPr wrap="square" rtlCol="0">
+            <a:spAutoFit/>
+          </a:bodyPr>
+          <a:lstStyle/>
+          <a:p>
+            <a:pPr algn="ctr"/>
+            <a:r>
+              <a:rPr lang="en-US" altLang="ja-JP" sz="1000" i="1" dirty="0">
+                <a:latin typeface="Arial Rounded MT Bold" panose="020F0704030504030204" pitchFamily="34" charset="0"/>
+              </a:rPr>
+              <a:t>Linear Algebra </a:t>
+            </a:r>
+          </a:p>
+          <a:p>
+            <a:pPr algn="ctr"/>
+            <a:r>
+              <a:rPr lang="en-US" altLang="ja-JP" sz="1000" i="1" dirty="0">
+                <a:latin typeface="Arial Rounded MT Bold" panose="020F0704030504030204" pitchFamily="34" charset="0"/>
+              </a:rPr>
+              <a:t>for Everyone</a:t>
+            </a:r>
+          </a:p>
+          <a:p>
+            <a:pPr algn="ctr"/>
+            <a:r>
+              <a:rPr lang="zh-CN" altLang="en-US" sz="1000" dirty="0">
+                <a:latin typeface="Arial Rounded MT Bold" panose="020F0704030504030204" pitchFamily="34" charset="0"/>
+              </a:rPr>
+              <a:t>中的</a:t>
+            </a:r>
+            <a:endParaRPr lang="ja-JP" altLang="en-US" sz="1000">
+              <a:latin typeface="Arial Rounded MT Bold" panose="020F0704030504030204" pitchFamily="34" charset="0"/>
+            </a:endParaRPr>
+          </a:p>
+        </p:txBody>
+      </p:sp>
+      <p:pic>
+        <p:nvPicPr>
+          <p:cNvPr id="108" name="Picture 2" descr="クリエイティブ・コモンズ・ライセンス">
+            <a:extLst>
+              <a:ext uri="{FF2B5EF4-FFF2-40B4-BE49-F238E27FC236}">
+                <a16:creationId xmlns:a16="http://schemas.microsoft.com/office/drawing/2014/main" id="{CFD3B8D5-C5C0-1D41-A8D5-E2CF27F8CAF4}"/>
+              </a:ext>
+            </a:extLst>
+          </p:cNvPr>
+          <p:cNvPicPr>
+            <a:picLocks noChangeAspect="1" noChangeArrowheads="1"/>
+          </p:cNvPicPr>
+          <p:nvPr/>
+        </p:nvPicPr>
+        <p:blipFill>
+          <a:blip r:embed="rId45">
+            <a:extLst>
+              <a:ext uri="{28A0092B-C50C-407E-A947-70E740481C1C}">
+                <a14:useLocalDpi xmlns:a14="http://schemas.microsoft.com/office/drawing/2010/main" val="0"/>
+              </a:ext>
+            </a:extLst>
+          </a:blip>
+          <a:srcRect/>
+          <a:stretch>
+            <a:fillRect/>
+          </a:stretch>
+        </p:blipFill>
+        <p:spPr bwMode="auto">
+          <a:xfrm>
+            <a:off x="7156542" y="5103129"/>
+            <a:ext cx="567901" cy="200056"/>
+          </a:xfrm>
+          <a:prstGeom prst="rect">
+            <a:avLst/>
+          </a:prstGeom>
+          <a:noFill/>
+          <a:extLst>
+            <a:ext uri="{909E8E84-426E-40DD-AFC4-6F175D3DCCD1}">
+              <a14:hiddenFill xmlns:a14="http://schemas.microsoft.com/office/drawing/2010/main">
+                <a:solidFill>
+                  <a:srgbClr val="FFFFFF"/>
+                </a:solidFill>
+              </a14:hiddenFill>
+            </a:ext>
+          </a:extLst>
+        </p:spPr>
+      </p:pic>
+      <p:sp>
+        <p:nvSpPr>
+          <p:cNvPr id="30" name="円/楕円 29">
+            <a:extLst>
+              <a:ext uri="{FF2B5EF4-FFF2-40B4-BE49-F238E27FC236}">
+                <a16:creationId xmlns:a16="http://schemas.microsoft.com/office/drawing/2014/main" id="{747F2193-208F-AD44-9916-42A5EFDE58F0}"/>
+              </a:ext>
+            </a:extLst>
+          </p:cNvPr>
+          <p:cNvSpPr/>
+          <p:nvPr/>
+        </p:nvSpPr>
+        <p:spPr>
+          <a:xfrm>
+            <a:off x="1227862" y="1649898"/>
+            <a:ext cx="5842339" cy="3138245"/>
+          </a:xfrm>
+          <a:prstGeom prst="ellipse">
+            <a:avLst/>
+          </a:prstGeom>
+          <a:noFill/>
+        </p:spPr>
+        <p:style>
+          <a:lnRef idx="2">
+            <a:schemeClr val="accent1">
+              <a:shade val="50000"/>
+            </a:schemeClr>
+          </a:lnRef>
+          <a:fillRef idx="1">
+            <a:schemeClr val="accent1"/>
+          </a:fillRef>
+          <a:effectRef idx="0">
+            <a:schemeClr val="accent1"/>
+          </a:effectRef>
+          <a:fontRef idx="minor">
+            <a:schemeClr val="lt1"/>
+          </a:fontRef>
+        </p:style>
+        <p:txBody>
+          <a:bodyPr rtlCol="0" anchor="ctr"/>
+          <a:lstStyle/>
+          <a:p>
+            <a:pPr algn="ctr"/>
+            <a:endParaRPr lang="ja-JP" altLang="en-US" sz="1013"/>
+          </a:p>
+        </p:txBody>
+      </p:sp>
+      <p:sp>
+        <p:nvSpPr>
+          <p:cNvPr id="53" name="テキスト ボックス 52">
+            <a:extLst>
+              <a:ext uri="{FF2B5EF4-FFF2-40B4-BE49-F238E27FC236}">
+                <a16:creationId xmlns:a16="http://schemas.microsoft.com/office/drawing/2014/main" id="{1AB6C43B-03B3-6DB4-444A-AF8284454DAE}"/>
+              </a:ext>
+            </a:extLst>
+          </p:cNvPr>
+          <p:cNvSpPr txBox="1"/>
+          <p:nvPr/>
+        </p:nvSpPr>
+        <p:spPr>
+          <a:xfrm>
+            <a:off x="7048345" y="1886558"/>
+            <a:ext cx="299364" cy="161583"/>
+          </a:xfrm>
+          <a:prstGeom prst="rect">
+            <a:avLst/>
+          </a:prstGeom>
+          <a:solidFill>
+            <a:schemeClr val="bg2">
+              <a:lumMod val="50000"/>
+            </a:schemeClr>
+          </a:solidFill>
+          <a:ln>
+            <a:noFill/>
+          </a:ln>
+        </p:spPr>
+        <p:txBody>
+          <a:bodyPr wrap="square" lIns="0" tIns="0" rIns="0" bIns="0" rtlCol="0">
+            <a:spAutoFit/>
+          </a:bodyPr>
+          <a:lstStyle/>
+          <a:p>
+            <a:pPr algn="ctr"/>
+            <a:r>
+              <a:rPr kumimoji="1" lang="en-US" altLang="ja-JP" sz="1050" dirty="0">
+                <a:solidFill>
+                  <a:schemeClr val="bg1"/>
+                </a:solidFill>
+              </a:rPr>
+              <a:t>A7</a:t>
+            </a:r>
+            <a:endParaRPr kumimoji="1" lang="ja-JP" altLang="en-US" sz="1050">
+              <a:solidFill>
+                <a:schemeClr val="bg1"/>
+              </a:solidFill>
+            </a:endParaRPr>
+          </a:p>
+        </p:txBody>
+      </p:sp>
+      <mc:AlternateContent xmlns:mc="http://schemas.openxmlformats.org/markup-compatibility/2006">
+        <mc:Choice xmlns:a14="http://schemas.microsoft.com/office/drawing/2010/main" Requires="a14">
+          <p:sp>
+            <p:nvSpPr>
+              <p:cNvPr id="54" name="テキスト ボックス 53">
+                <a:extLst>
+                  <a:ext uri="{FF2B5EF4-FFF2-40B4-BE49-F238E27FC236}">
+                    <a16:creationId xmlns:a16="http://schemas.microsoft.com/office/drawing/2014/main" id="{5C6E1CD7-D298-559F-F9E8-B099D7B71D70}"/>
+                  </a:ext>
+                </a:extLst>
+              </p:cNvPr>
+              <p:cNvSpPr txBox="1"/>
+              <p:nvPr/>
+            </p:nvSpPr>
+            <p:spPr>
+              <a:xfrm>
+                <a:off x="6431105" y="2052605"/>
+                <a:ext cx="919376" cy="126958"/>
+              </a:xfrm>
+              <a:prstGeom prst="rect">
+                <a:avLst/>
+              </a:prstGeom>
+              <a:noFill/>
+            </p:spPr>
+            <p:txBody>
+              <a:bodyPr wrap="square" lIns="0" tIns="0" rIns="0" bIns="0" rtlCol="0">
+                <a:spAutoFit/>
+              </a:bodyPr>
+              <a:lstStyle/>
+              <a:p>
+                <a:pPr/>
+                <a14:m>
+                  <m:oMathPara xmlns:m="http://schemas.openxmlformats.org/officeDocument/2006/math">
+                    <m:oMathParaPr>
+                      <m:jc m:val="centerGroup"/>
+                    </m:oMathParaPr>
+                    <m:oMath xmlns:m="http://schemas.openxmlformats.org/officeDocument/2006/math">
+                      <m:r>
+                        <a:rPr lang="en-US" altLang="ja-JP" sz="825" b="0" i="1">
+                          <a:latin typeface="Cambria Math" panose="02040503050406030204" pitchFamily="18" charset="0"/>
+                          <a:ea typeface="Cambria Math" panose="02040503050406030204" pitchFamily="18" charset="0"/>
+                        </a:rPr>
+                        <m:t>𝐽</m:t>
+                      </m:r>
+                      <m:r>
+                        <a:rPr lang="en-US" altLang="ja-JP" sz="825" b="0" i="1">
+                          <a:latin typeface="Cambria Math" panose="02040503050406030204" pitchFamily="18" charset="0"/>
+                          <a:ea typeface="Cambria Math" panose="02040503050406030204" pitchFamily="18" charset="0"/>
+                        </a:rPr>
+                        <m:t>=</m:t>
+                      </m:r>
+                      <m:r>
+                        <a:rPr lang="ja-JP" altLang="en-US" sz="825" i="1">
+                          <a:latin typeface="Cambria Math" panose="02040503050406030204" pitchFamily="18" charset="0"/>
+                          <a:ea typeface="Cambria Math" panose="02040503050406030204" pitchFamily="18" charset="0"/>
+                        </a:rPr>
+                        <m:t>约旦</m:t>
+                      </m:r>
+                      <m:r>
+                        <a:rPr lang="ja-JP" altLang="en-US" sz="825" i="1">
+                          <a:latin typeface="Cambria Math" panose="02040503050406030204" pitchFamily="18" charset="0"/>
+                          <a:ea typeface="Cambria Math" panose="02040503050406030204" pitchFamily="18" charset="0"/>
+                        </a:rPr>
+                        <m:t>型</m:t>
+                      </m:r>
+                    </m:oMath>
+                  </m:oMathPara>
+                </a14:m>
+                <a:endParaRPr lang="ja-JP" altLang="en-US" sz="825">
+                  <a:latin typeface="DengXian" panose="02010600030101010101" pitchFamily="2" charset="-122"/>
+                  <a:ea typeface="DengXian" panose="02010600030101010101" pitchFamily="2" charset="-122"/>
+                </a:endParaRPr>
+              </a:p>
+            </p:txBody>
+          </p:sp>
+        </mc:Choice>
+        <mc:Fallback>
+          <p:sp>
+            <p:nvSpPr>
+              <p:cNvPr id="54" name="テキスト ボックス 53">
+                <a:extLst>
+                  <a:ext uri="{FF2B5EF4-FFF2-40B4-BE49-F238E27FC236}">
+                    <a16:creationId xmlns:a16="http://schemas.microsoft.com/office/drawing/2014/main" id="{5C6E1CD7-D298-559F-F9E8-B099D7B71D70}"/>
+                  </a:ext>
+                </a:extLst>
+              </p:cNvPr>
+              <p:cNvSpPr txBox="1">
+                <a:spLocks noRot="1" noChangeAspect="1" noMove="1" noResize="1" noEditPoints="1" noAdjustHandles="1" noChangeArrowheads="1" noChangeShapeType="1" noTextEdit="1"/>
+              </p:cNvSpPr>
+              <p:nvPr/>
+            </p:nvSpPr>
+            <p:spPr>
+              <a:xfrm>
+                <a:off x="6431105" y="2052605"/>
+                <a:ext cx="919376" cy="126958"/>
+              </a:xfrm>
+              <a:prstGeom prst="rect">
+                <a:avLst/>
+              </a:prstGeom>
+              <a:blipFill>
+                <a:blip r:embed="rId46"/>
+                <a:stretch>
+                  <a:fillRect t="-9091" b="-36364"/>
+                </a:stretch>
+              </a:blipFill>
+            </p:spPr>
+            <p:txBody>
+              <a:bodyPr/>
+              <a:lstStyle/>
+              <a:p>
+                <a:r>
+                  <a:rPr lang="zh-CN" altLang="en-US">
+                    <a:noFill/>
+                  </a:rPr>
+                  <a:t> </a:t>
+                </a:r>
+              </a:p>
+            </p:txBody>
+          </p:sp>
+        </mc:Fallback>
+      </mc:AlternateContent>
+      <p:sp>
+        <p:nvSpPr>
+          <p:cNvPr id="65" name="テキスト ボックス 64">
+            <a:extLst>
+              <a:ext uri="{FF2B5EF4-FFF2-40B4-BE49-F238E27FC236}">
+                <a16:creationId xmlns:a16="http://schemas.microsoft.com/office/drawing/2014/main" id="{D6BA815B-6576-0606-3AC9-3E0C83CEAF99}"/>
+              </a:ext>
+            </a:extLst>
+          </p:cNvPr>
+          <p:cNvSpPr txBox="1"/>
+          <p:nvPr/>
+        </p:nvSpPr>
+        <p:spPr>
+          <a:xfrm>
+            <a:off x="3394347" y="2134633"/>
+            <a:ext cx="299364" cy="161583"/>
+          </a:xfrm>
+          <a:prstGeom prst="rect">
+            <a:avLst/>
+          </a:prstGeom>
+          <a:solidFill>
+            <a:schemeClr val="bg2">
+              <a:lumMod val="50000"/>
+            </a:schemeClr>
+          </a:solidFill>
+          <a:ln>
+            <a:noFill/>
+          </a:ln>
+        </p:spPr>
+        <p:txBody>
+          <a:bodyPr wrap="square" lIns="0" tIns="0" rIns="0" bIns="0" rtlCol="0">
+            <a:spAutoFit/>
+          </a:bodyPr>
+          <a:lstStyle/>
+          <a:p>
+            <a:pPr algn="ctr"/>
+            <a:r>
+              <a:rPr kumimoji="1" lang="en-US" altLang="ja-JP" sz="1050" dirty="0">
+                <a:solidFill>
+                  <a:schemeClr val="bg1"/>
+                </a:solidFill>
+              </a:rPr>
+              <a:t>A5</a:t>
+            </a:r>
+            <a:endParaRPr kumimoji="1" lang="ja-JP" altLang="en-US" sz="1050">
+              <a:solidFill>
+                <a:schemeClr val="bg1"/>
+              </a:solidFill>
+            </a:endParaRPr>
+          </a:p>
+        </p:txBody>
+      </p:sp>
+      <mc:AlternateContent xmlns:mc="http://schemas.openxmlformats.org/markup-compatibility/2006" xmlns:a14="http://schemas.microsoft.com/office/drawing/2010/main">
+        <mc:Choice Requires="a14">
+          <p:sp>
+            <p:nvSpPr>
+              <p:cNvPr id="75" name="テキスト ボックス 74">
+                <a:extLst>
+                  <a:ext uri="{FF2B5EF4-FFF2-40B4-BE49-F238E27FC236}">
+                    <a16:creationId xmlns:a16="http://schemas.microsoft.com/office/drawing/2014/main" id="{687FACA9-7EF8-8240-749A-FD0D9BC2E53D}"/>
+                  </a:ext>
+                </a:extLst>
+              </p:cNvPr>
+              <p:cNvSpPr txBox="1"/>
+              <p:nvPr/>
+            </p:nvSpPr>
+            <p:spPr>
+              <a:xfrm>
+                <a:off x="6913359" y="2658629"/>
+                <a:ext cx="801864" cy="210892"/>
+              </a:xfrm>
+              <a:prstGeom prst="rect">
+                <a:avLst/>
+              </a:prstGeom>
+              <a:noFill/>
+            </p:spPr>
+            <p:txBody>
+              <a:bodyPr wrap="square" lIns="0" tIns="0" rIns="0" bIns="0" rtlCol="0">
+                <a:spAutoFit/>
+              </a:bodyPr>
+              <a:lstStyle/>
+              <a:p>
+                <a:pPr/>
+                <a14:m>
+                  <m:oMathPara xmlns:m="http://schemas.openxmlformats.org/officeDocument/2006/math">
+                    <m:oMathParaPr>
+                      <m:jc m:val="centerGroup"/>
+                    </m:oMathParaPr>
+                    <m:oMath xmlns:m="http://schemas.openxmlformats.org/officeDocument/2006/math">
+                      <m:r>
+                        <a:rPr lang="en-US" altLang="ja-JP" sz="825" b="0" i="1" smtClean="0">
+                          <a:latin typeface="Cambria Math" panose="02040503050406030204" pitchFamily="18" charset="0"/>
+                        </a:rPr>
+                        <m:t>𝐽</m:t>
+                      </m:r>
+                      <m:r>
+                        <a:rPr lang="en-US" altLang="ja-JP" sz="825" i="1" smtClean="0">
+                          <a:latin typeface="Cambria Math" panose="02040503050406030204" pitchFamily="18" charset="0"/>
+                        </a:rPr>
+                        <m:t>=</m:t>
+                      </m:r>
+                      <m:d>
+                        <m:dPr>
+                          <m:begChr m:val="["/>
+                          <m:endChr m:val="]"/>
+                          <m:ctrlPr>
+                            <a:rPr lang="en-US" altLang="ja-JP" sz="825" i="1">
+                              <a:latin typeface="Cambria Math" panose="02040503050406030204" pitchFamily="18" charset="0"/>
+                            </a:rPr>
+                          </m:ctrlPr>
+                        </m:dPr>
+                        <m:e>
+                          <m:m>
+                            <m:mPr>
+                              <m:mcs>
+                                <m:mc>
+                                  <m:mcPr>
+                                    <m:count m:val="2"/>
+                                    <m:mcJc m:val="center"/>
+                                  </m:mcPr>
+                                </m:mc>
+                              </m:mcs>
+                              <m:ctrlPr>
+                                <a:rPr lang="en-US" altLang="ja-JP" sz="825" i="1">
+                                  <a:latin typeface="Cambria Math" panose="02040503050406030204" pitchFamily="18" charset="0"/>
+                                </a:rPr>
+                              </m:ctrlPr>
+                            </m:mPr>
+                            <m:mr>
+                              <m:e>
+                                <m:r>
+                                  <m:rPr>
+                                    <m:brk m:alnAt="7"/>
+                                  </m:rPr>
+                                  <a:rPr lang="en-US" altLang="ja-JP" sz="825" b="0" i="1">
+                                    <a:latin typeface="Cambria Math" panose="02040503050406030204" pitchFamily="18" charset="0"/>
+                                  </a:rPr>
+                                  <m:t>0</m:t>
+                                </m:r>
+                              </m:e>
+                              <m:e>
+                                <m:r>
+                                  <a:rPr lang="en-US" altLang="ja-JP" sz="825" b="0" i="1" smtClean="0">
+                                    <a:latin typeface="Cambria Math" panose="02040503050406030204" pitchFamily="18" charset="0"/>
+                                  </a:rPr>
+                                  <m:t>1</m:t>
+                                </m:r>
+                              </m:e>
+                            </m:mr>
+                            <m:mr>
+                              <m:e>
+                                <m:r>
+                                  <a:rPr lang="en-US" altLang="ja-JP" sz="825" b="0" i="1" smtClean="0">
+                                    <a:latin typeface="Cambria Math" panose="02040503050406030204" pitchFamily="18" charset="0"/>
+                                  </a:rPr>
+                                  <m:t>0</m:t>
+                                </m:r>
+                              </m:e>
+                              <m:e>
+                                <m:r>
+                                  <a:rPr lang="en-US" altLang="ja-JP" sz="825" b="0" i="1" smtClean="0">
+                                    <a:latin typeface="Cambria Math" panose="02040503050406030204" pitchFamily="18" charset="0"/>
+                                  </a:rPr>
+                                  <m:t>0</m:t>
+                                </m:r>
+                              </m:e>
+                            </m:mr>
+                          </m:m>
+                        </m:e>
+                      </m:d>
+                    </m:oMath>
+                  </m:oMathPara>
+                </a14:m>
+                <a:endParaRPr lang="ja-JP" altLang="en-US" sz="825"/>
+              </a:p>
+            </p:txBody>
+          </p:sp>
+        </mc:Choice>
+        <mc:Fallback xmlns="">
+          <p:sp>
+            <p:nvSpPr>
+              <p:cNvPr id="75" name="テキスト ボックス 74">
+                <a:extLst>
+                  <a:ext uri="{FF2B5EF4-FFF2-40B4-BE49-F238E27FC236}">
+                    <a16:creationId xmlns:a16="http://schemas.microsoft.com/office/drawing/2014/main" id="{687FACA9-7EF8-8240-749A-FD0D9BC2E53D}"/>
+                  </a:ext>
+                </a:extLst>
+              </p:cNvPr>
+              <p:cNvSpPr txBox="1">
+                <a:spLocks noRot="1" noChangeAspect="1" noMove="1" noResize="1" noEditPoints="1" noAdjustHandles="1" noChangeArrowheads="1" noChangeShapeType="1" noTextEdit="1"/>
+              </p:cNvSpPr>
+              <p:nvPr/>
+            </p:nvSpPr>
+            <p:spPr>
+              <a:xfrm>
+                <a:off x="6913359" y="2658629"/>
+                <a:ext cx="801864" cy="210892"/>
+              </a:xfrm>
+              <a:prstGeom prst="rect">
+                <a:avLst/>
+              </a:prstGeom>
+              <a:blipFill>
+                <a:blip r:embed="rId49"/>
+                <a:stretch>
+                  <a:fillRect b="-11111"/>
+                </a:stretch>
+              </a:blipFill>
+            </p:spPr>
+            <p:txBody>
+              <a:bodyPr/>
+              <a:lstStyle/>
+              <a:p>
+                <a:r>
+                  <a:rPr lang="ja-JP" altLang="en-US">
+                    <a:noFill/>
+                  </a:rPr>
+                  <a:t> </a:t>
+                </a:r>
+              </a:p>
+            </p:txBody>
+          </p:sp>
+        </mc:Fallback>
+      </mc:AlternateContent>
+      <p:sp>
+        <p:nvSpPr>
+          <p:cNvPr id="22" name="テキスト ボックス 21">
+            <a:extLst>
+              <a:ext uri="{FF2B5EF4-FFF2-40B4-BE49-F238E27FC236}">
+                <a16:creationId xmlns:a16="http://schemas.microsoft.com/office/drawing/2014/main" id="{50D1CBAB-ECBE-0077-2B26-89C9C02B657C}"/>
+              </a:ext>
+            </a:extLst>
+          </p:cNvPr>
+          <p:cNvSpPr txBox="1"/>
+          <p:nvPr/>
+        </p:nvSpPr>
+        <p:spPr>
+          <a:xfrm>
+            <a:off x="94284" y="4965650"/>
+            <a:ext cx="2135521" cy="738151"/>
+          </a:xfrm>
+          <a:prstGeom prst="rect">
+            <a:avLst/>
+          </a:prstGeom>
+          <a:noFill/>
+        </p:spPr>
+        <p:txBody>
+          <a:bodyPr wrap="none" rtlCol="0">
+            <a:spAutoFit/>
+          </a:bodyPr>
+          <a:lstStyle/>
+          <a:p>
+            <a:r>
+              <a:rPr lang="en-US" altLang="ja-JP" sz="1049" i="1" dirty="0">
+                <a:solidFill>
+                  <a:schemeClr val="bg2">
+                    <a:lumMod val="50000"/>
+                  </a:schemeClr>
+                </a:solidFill>
+                <a:latin typeface="Times New Roman" panose="02020603050405020304" pitchFamily="18" charset="0"/>
+                <a:cs typeface="Times New Roman" panose="02020603050405020304" pitchFamily="18" charset="0"/>
+              </a:rPr>
+              <a:t>Drawn by Kenji Hiranabe</a:t>
+            </a:r>
+          </a:p>
+          <a:p>
+            <a:r>
+              <a:rPr lang="en-US" altLang="ja-JP" sz="1049" i="1" dirty="0">
+                <a:solidFill>
+                  <a:schemeClr val="bg2">
+                    <a:lumMod val="50000"/>
+                  </a:schemeClr>
+                </a:solidFill>
+                <a:latin typeface="Times New Roman" panose="02020603050405020304" pitchFamily="18" charset="0"/>
+                <a:cs typeface="Times New Roman" panose="02020603050405020304" pitchFamily="18" charset="0"/>
+              </a:rPr>
+              <a:t>with the help of Prof. Gilbert Strang</a:t>
+            </a:r>
+          </a:p>
+          <a:p>
+            <a:r>
+              <a:rPr lang="en-US" altLang="ja-JP" sz="1049" i="1" dirty="0">
+                <a:solidFill>
+                  <a:schemeClr val="bg2">
+                    <a:lumMod val="50000"/>
+                  </a:schemeClr>
+                </a:solidFill>
+                <a:latin typeface="Times New Roman" panose="02020603050405020304" pitchFamily="18" charset="0"/>
+                <a:cs typeface="Times New Roman" panose="02020603050405020304" pitchFamily="18" charset="0"/>
+              </a:rPr>
+              <a:t>(v1.4.7, Oct.25,2022)</a:t>
+            </a:r>
+          </a:p>
+          <a:p>
+            <a:r>
+              <a:rPr lang="en-US" altLang="ja-JP" sz="1049" i="1" dirty="0">
+                <a:solidFill>
+                  <a:schemeClr val="bg2">
+                    <a:lumMod val="50000"/>
+                  </a:schemeClr>
+                </a:solidFill>
+                <a:latin typeface="Times New Roman" panose="02020603050405020304" pitchFamily="18" charset="0"/>
+                <a:cs typeface="Times New Roman" panose="02020603050405020304" pitchFamily="18" charset="0"/>
+              </a:rPr>
+              <a:t>Translator</a:t>
+            </a:r>
+            <a:r>
+              <a:rPr lang="en-US" altLang="zh-CN" sz="1049" i="1" dirty="0">
+                <a:solidFill>
+                  <a:schemeClr val="bg2">
+                    <a:lumMod val="50000"/>
+                  </a:schemeClr>
+                </a:solidFill>
+                <a:latin typeface="Times New Roman" panose="02020603050405020304" pitchFamily="18" charset="0"/>
+                <a:cs typeface="Times New Roman" panose="02020603050405020304" pitchFamily="18" charset="0"/>
+              </a:rPr>
+              <a:t>:</a:t>
+            </a:r>
+            <a:r>
+              <a:rPr lang="zh-CN" altLang="en-US" sz="1049" i="1" dirty="0">
+                <a:solidFill>
+                  <a:schemeClr val="bg2">
+                    <a:lumMod val="50000"/>
+                  </a:schemeClr>
+                </a:solidFill>
+                <a:latin typeface="Times New Roman" panose="02020603050405020304" pitchFamily="18" charset="0"/>
+                <a:cs typeface="Times New Roman" panose="02020603050405020304" pitchFamily="18" charset="0"/>
+              </a:rPr>
+              <a:t> </a:t>
+            </a:r>
+            <a:r>
+              <a:rPr lang="en-US" altLang="zh-CN" sz="1049" i="1" dirty="0" err="1">
+                <a:solidFill>
+                  <a:schemeClr val="bg2">
+                    <a:lumMod val="50000"/>
+                  </a:schemeClr>
+                </a:solidFill>
+                <a:latin typeface="Times New Roman" panose="02020603050405020304" pitchFamily="18" charset="0"/>
+                <a:cs typeface="Times New Roman" panose="02020603050405020304" pitchFamily="18" charset="0"/>
+              </a:rPr>
+              <a:t>Kefang</a:t>
+            </a:r>
+            <a:r>
+              <a:rPr lang="zh-CN" altLang="en-US" sz="1049" i="1" dirty="0">
+                <a:solidFill>
+                  <a:schemeClr val="bg2">
+                    <a:lumMod val="50000"/>
+                  </a:schemeClr>
+                </a:solidFill>
+                <a:latin typeface="Times New Roman" panose="02020603050405020304" pitchFamily="18" charset="0"/>
+                <a:cs typeface="Times New Roman" panose="02020603050405020304" pitchFamily="18" charset="0"/>
+              </a:rPr>
+              <a:t> </a:t>
+            </a:r>
+            <a:r>
+              <a:rPr lang="en-US" altLang="zh-CN" sz="1049" i="1" dirty="0">
+                <a:solidFill>
+                  <a:schemeClr val="bg2">
+                    <a:lumMod val="50000"/>
+                  </a:schemeClr>
+                </a:solidFill>
+                <a:latin typeface="Times New Roman" panose="02020603050405020304" pitchFamily="18" charset="0"/>
+                <a:cs typeface="Times New Roman" panose="02020603050405020304" pitchFamily="18" charset="0"/>
+              </a:rPr>
+              <a:t>Liu</a:t>
+            </a:r>
+            <a:endParaRPr lang="en-US" altLang="ja-JP" sz="1049" i="1" dirty="0">
+              <a:solidFill>
+                <a:schemeClr val="bg2">
+                  <a:lumMod val="50000"/>
+                </a:schemeClr>
+              </a:solidFill>
+              <a:latin typeface="Times New Roman" panose="02020603050405020304" pitchFamily="18" charset="0"/>
+              <a:cs typeface="Times New Roman" panose="02020603050405020304" pitchFamily="18" charset="0"/>
+            </a:endParaRPr>
+          </a:p>
+        </p:txBody>
+      </p:sp>
+      <mc:AlternateContent xmlns:mc="http://schemas.openxmlformats.org/markup-compatibility/2006">
+        <mc:Choice xmlns:a14="http://schemas.microsoft.com/office/drawing/2010/main" Requires="a14">
+          <p:sp>
+            <p:nvSpPr>
+              <p:cNvPr id="74" name="テキスト ボックス 73">
+                <a:extLst>
+                  <a:ext uri="{FF2B5EF4-FFF2-40B4-BE49-F238E27FC236}">
+                    <a16:creationId xmlns:a16="http://schemas.microsoft.com/office/drawing/2014/main" id="{6C30ADF9-37A9-E64C-90B8-EC25DD6D5EC9}"/>
+                  </a:ext>
+                </a:extLst>
+              </p:cNvPr>
+              <p:cNvSpPr txBox="1"/>
+              <p:nvPr/>
+            </p:nvSpPr>
+            <p:spPr>
+              <a:xfrm>
+                <a:off x="3888746" y="1332969"/>
+                <a:ext cx="691689" cy="127727"/>
+              </a:xfrm>
+              <a:prstGeom prst="rect">
+                <a:avLst/>
+              </a:prstGeom>
+              <a:solidFill>
+                <a:schemeClr val="bg1"/>
+              </a:solidFill>
+            </p:spPr>
+            <p:txBody>
+              <a:bodyPr wrap="square" lIns="0" tIns="0" rIns="0" bIns="0" rtlCol="0">
+                <a:spAutoFit/>
+              </a:bodyPr>
+              <a:lstStyle/>
+              <a:p>
+                <a:pPr/>
+                <a14:m>
+                  <m:oMathPara xmlns:m="http://schemas.openxmlformats.org/officeDocument/2006/math">
+                    <m:oMathParaPr>
+                      <m:jc m:val="centerGroup"/>
+                    </m:oMathParaPr>
+                    <m:oMath xmlns:m="http://schemas.openxmlformats.org/officeDocument/2006/math">
+                      <m:r>
+                        <a:rPr lang="ja-JP" altLang="en-US" sz="830">
+                          <a:latin typeface="DengXian" panose="02010600030101010101" pitchFamily="2" charset="-122"/>
+                          <a:ea typeface="DengXian" panose="02010600030101010101" pitchFamily="2" charset="-122"/>
+                        </a:rPr>
+                        <m:t>三角化</m:t>
+                      </m:r>
+                    </m:oMath>
+                  </m:oMathPara>
+                </a14:m>
+                <a:endParaRPr lang="ja-JP" altLang="en-US" sz="830">
+                  <a:latin typeface="DengXian" panose="02010600030101010101" pitchFamily="2" charset="-122"/>
+                  <a:ea typeface="DengXian" panose="02010600030101010101" pitchFamily="2" charset="-122"/>
+                </a:endParaRPr>
+              </a:p>
+            </p:txBody>
+          </p:sp>
+        </mc:Choice>
+        <mc:Fallback>
+          <p:sp>
+            <p:nvSpPr>
+              <p:cNvPr id="74" name="テキスト ボックス 73">
+                <a:extLst>
+                  <a:ext uri="{FF2B5EF4-FFF2-40B4-BE49-F238E27FC236}">
+                    <a16:creationId xmlns:a16="http://schemas.microsoft.com/office/drawing/2014/main" id="{6C30ADF9-37A9-E64C-90B8-EC25DD6D5EC9}"/>
+                  </a:ext>
+                </a:extLst>
+              </p:cNvPr>
+              <p:cNvSpPr txBox="1">
+                <a:spLocks noRot="1" noChangeAspect="1" noMove="1" noResize="1" noEditPoints="1" noAdjustHandles="1" noChangeArrowheads="1" noChangeShapeType="1" noTextEdit="1"/>
+              </p:cNvSpPr>
+              <p:nvPr/>
+            </p:nvSpPr>
+            <p:spPr>
+              <a:xfrm>
+                <a:off x="3888746" y="1332969"/>
+                <a:ext cx="691689" cy="127727"/>
+              </a:xfrm>
+              <a:prstGeom prst="rect">
+                <a:avLst/>
+              </a:prstGeom>
+              <a:blipFill>
+                <a:blip r:embed="rId50"/>
+                <a:stretch>
+                  <a:fillRect t="-18182" b="-27273"/>
+                </a:stretch>
+              </a:blipFill>
+            </p:spPr>
+            <p:txBody>
+              <a:bodyPr/>
+              <a:lstStyle/>
+              <a:p>
+                <a:r>
+                  <a:rPr lang="zh-CN" altLang="en-US">
+                    <a:noFill/>
+                  </a:rPr>
+                  <a:t> </a:t>
+                </a:r>
+              </a:p>
+            </p:txBody>
+          </p:sp>
+        </mc:Fallback>
+      </mc:AlternateContent>
+      <mc:AlternateContent xmlns:mc="http://schemas.openxmlformats.org/markup-compatibility/2006" xmlns:a14="http://schemas.microsoft.com/office/drawing/2010/main">
+        <mc:Choice Requires="a14">
+          <p:sp>
+            <p:nvSpPr>
+              <p:cNvPr id="43" name="テキスト ボックス 42">
+                <a:extLst>
+                  <a:ext uri="{FF2B5EF4-FFF2-40B4-BE49-F238E27FC236}">
+                    <a16:creationId xmlns:a16="http://schemas.microsoft.com/office/drawing/2014/main" id="{46603D4F-4366-DD97-101D-D23618363163}"/>
+                  </a:ext>
+                </a:extLst>
+              </p:cNvPr>
+              <p:cNvSpPr txBox="1"/>
+              <p:nvPr/>
+            </p:nvSpPr>
+            <p:spPr>
+              <a:xfrm>
+                <a:off x="5624713" y="3522644"/>
+                <a:ext cx="576295" cy="221792"/>
+              </a:xfrm>
+              <a:prstGeom prst="rect">
+                <a:avLst/>
+              </a:prstGeom>
+              <a:noFill/>
+            </p:spPr>
+            <p:txBody>
+              <a:bodyPr wrap="square" lIns="0" tIns="0" rIns="0" bIns="0" rtlCol="0">
+                <a:spAutoFit/>
+              </a:bodyPr>
+              <a:lstStyle/>
+              <a:p>
+                <a:pPr/>
+                <a14:m>
+                  <m:oMathPara xmlns:m="http://schemas.openxmlformats.org/officeDocument/2006/math">
+                    <m:oMathParaPr>
+                      <m:jc m:val="centerGroup"/>
+                    </m:oMathParaPr>
+                    <m:oMath xmlns:m="http://schemas.openxmlformats.org/officeDocument/2006/math">
+                      <m:r>
+                        <m:rPr>
+                          <m:sty m:val="p"/>
+                        </m:rPr>
+                        <a:rPr lang="el-GR" altLang="ja-JP" sz="825" i="1" smtClean="0">
+                          <a:latin typeface="Cambria Math" panose="02040503050406030204" pitchFamily="18" charset="0"/>
+                          <a:ea typeface="Cambria Math" panose="02040503050406030204" pitchFamily="18" charset="0"/>
+                        </a:rPr>
+                        <m:t>Λ</m:t>
+                      </m:r>
+                      <m:r>
+                        <a:rPr lang="en-US" altLang="ja-JP" sz="825" i="1" smtClean="0">
+                          <a:latin typeface="Cambria Math" panose="02040503050406030204" pitchFamily="18" charset="0"/>
+                        </a:rPr>
+                        <m:t>=</m:t>
+                      </m:r>
+                      <m:d>
+                        <m:dPr>
+                          <m:begChr m:val="["/>
+                          <m:endChr m:val="]"/>
+                          <m:ctrlPr>
+                            <a:rPr lang="en-US" altLang="ja-JP" sz="825" i="1">
+                              <a:latin typeface="Cambria Math" panose="02040503050406030204" pitchFamily="18" charset="0"/>
+                            </a:rPr>
+                          </m:ctrlPr>
+                        </m:dPr>
+                        <m:e>
+                          <m:m>
+                            <m:mPr>
+                              <m:mcs>
+                                <m:mc>
+                                  <m:mcPr>
+                                    <m:count m:val="2"/>
+                                    <m:mcJc m:val="center"/>
+                                  </m:mcPr>
+                                </m:mc>
+                              </m:mcs>
+                              <m:ctrlPr>
+                                <a:rPr lang="en-US" altLang="ja-JP" sz="825" i="1">
+                                  <a:latin typeface="Cambria Math" panose="02040503050406030204" pitchFamily="18" charset="0"/>
+                                </a:rPr>
+                              </m:ctrlPr>
+                            </m:mPr>
+                            <m:mr>
+                              <m:e>
+                                <m:r>
+                                  <m:rPr>
+                                    <m:brk m:alnAt="7"/>
+                                  </m:rPr>
+                                  <a:rPr lang="en-US" altLang="ja-JP" sz="825" i="1">
+                                    <a:latin typeface="Cambria Math" panose="02040503050406030204" pitchFamily="18" charset="0"/>
+                                    <a:ea typeface="Cambria Math" panose="02040503050406030204" pitchFamily="18" charset="0"/>
+                                  </a:rPr>
+                                  <m:t>𝜆</m:t>
+                                </m:r>
+                              </m:e>
+                              <m:e>
+                                <m:r>
+                                  <a:rPr lang="en-US" altLang="ja-JP" sz="825" b="0" i="1">
+                                    <a:latin typeface="Cambria Math" panose="02040503050406030204" pitchFamily="18" charset="0"/>
+                                  </a:rPr>
+                                  <m:t>0</m:t>
+                                </m:r>
+                              </m:e>
+                            </m:mr>
+                            <m:mr>
+                              <m:e>
+                                <m:r>
+                                  <a:rPr lang="en-US" altLang="ja-JP" sz="825" b="0" i="1" smtClean="0">
+                                    <a:latin typeface="Cambria Math" panose="02040503050406030204" pitchFamily="18" charset="0"/>
+                                  </a:rPr>
+                                  <m:t>0</m:t>
+                                </m:r>
+                              </m:e>
+                              <m:e>
+                                <m:r>
+                                  <m:rPr>
+                                    <m:brk m:alnAt="7"/>
+                                  </m:rPr>
+                                  <a:rPr lang="en-US" altLang="ja-JP" sz="825" i="1">
+                                    <a:latin typeface="Cambria Math" panose="02040503050406030204" pitchFamily="18" charset="0"/>
+                                    <a:ea typeface="Cambria Math" panose="02040503050406030204" pitchFamily="18" charset="0"/>
+                                  </a:rPr>
+                                  <m:t>𝜆</m:t>
+                                </m:r>
+                              </m:e>
+                            </m:mr>
+                          </m:m>
+                        </m:e>
+                      </m:d>
+                    </m:oMath>
+                  </m:oMathPara>
+                </a14:m>
+                <a:endParaRPr lang="ja-JP" altLang="en-US" sz="825"/>
+              </a:p>
+            </p:txBody>
+          </p:sp>
+        </mc:Choice>
+        <mc:Fallback xmlns="">
+          <p:sp>
+            <p:nvSpPr>
+              <p:cNvPr id="43" name="テキスト ボックス 42">
+                <a:extLst>
+                  <a:ext uri="{FF2B5EF4-FFF2-40B4-BE49-F238E27FC236}">
+                    <a16:creationId xmlns:a16="http://schemas.microsoft.com/office/drawing/2014/main" id="{46603D4F-4366-DD97-101D-D23618363163}"/>
+                  </a:ext>
+                </a:extLst>
+              </p:cNvPr>
+              <p:cNvSpPr txBox="1">
+                <a:spLocks noRot="1" noChangeAspect="1" noMove="1" noResize="1" noEditPoints="1" noAdjustHandles="1" noChangeArrowheads="1" noChangeShapeType="1" noTextEdit="1"/>
+              </p:cNvSpPr>
+              <p:nvPr/>
+            </p:nvSpPr>
+            <p:spPr>
+              <a:xfrm>
+                <a:off x="5624713" y="3522644"/>
+                <a:ext cx="576295" cy="221792"/>
+              </a:xfrm>
+              <a:prstGeom prst="rect">
+                <a:avLst/>
+              </a:prstGeom>
+              <a:blipFill>
+                <a:blip r:embed="rId51"/>
+                <a:stretch>
+                  <a:fillRect l="-2174" b="-16667"/>
+                </a:stretch>
+              </a:blipFill>
+            </p:spPr>
+            <p:txBody>
+              <a:bodyPr/>
+              <a:lstStyle/>
+              <a:p>
+                <a:r>
+                  <a:rPr lang="ja-JP" altLang="en-US">
+                    <a:noFill/>
+                  </a:rPr>
+                  <a:t> </a:t>
+                </a:r>
+              </a:p>
+            </p:txBody>
+          </p:sp>
+        </mc:Fallback>
+      </mc:AlternateContent>
+      <mc:AlternateContent xmlns:mc="http://schemas.openxmlformats.org/markup-compatibility/2006" xmlns:a14="http://schemas.microsoft.com/office/drawing/2010/main">
+        <mc:Choice Requires="a14">
+          <p:sp>
+            <p:nvSpPr>
+              <p:cNvPr id="44" name="テキスト ボックス 43">
+                <a:extLst>
+                  <a:ext uri="{FF2B5EF4-FFF2-40B4-BE49-F238E27FC236}">
+                    <a16:creationId xmlns:a16="http://schemas.microsoft.com/office/drawing/2014/main" id="{CB970422-5A65-B1F5-7F16-BD7298D55F1F}"/>
+                  </a:ext>
+                </a:extLst>
+              </p:cNvPr>
+              <p:cNvSpPr txBox="1"/>
+              <p:nvPr/>
+            </p:nvSpPr>
+            <p:spPr>
+              <a:xfrm>
+                <a:off x="4768567" y="3529243"/>
+                <a:ext cx="801864" cy="227948"/>
+              </a:xfrm>
+              <a:prstGeom prst="rect">
+                <a:avLst/>
+              </a:prstGeom>
+              <a:noFill/>
+            </p:spPr>
+            <p:txBody>
+              <a:bodyPr wrap="square" lIns="0" tIns="0" rIns="0" bIns="0" rtlCol="0">
+                <a:spAutoFit/>
+              </a:bodyPr>
+              <a:lstStyle/>
+              <a:p>
+                <a:pPr/>
+                <a14:m>
+                  <m:oMathPara xmlns:m="http://schemas.openxmlformats.org/officeDocument/2006/math">
+                    <m:oMathParaPr>
+                      <m:jc m:val="centerGroup"/>
+                    </m:oMathParaPr>
+                    <m:oMath xmlns:m="http://schemas.openxmlformats.org/officeDocument/2006/math">
+                      <m:r>
+                        <m:rPr>
+                          <m:sty m:val="p"/>
+                        </m:rPr>
+                        <a:rPr lang="el-GR" altLang="ja-JP" sz="825" i="1" smtClean="0">
+                          <a:latin typeface="Cambria Math" panose="02040503050406030204" pitchFamily="18" charset="0"/>
+                          <a:ea typeface="Cambria Math" panose="02040503050406030204" pitchFamily="18" charset="0"/>
+                        </a:rPr>
+                        <m:t>Σ</m:t>
+                      </m:r>
+                      <m:r>
+                        <a:rPr lang="en-US" altLang="ja-JP" sz="825" i="1" smtClean="0">
+                          <a:latin typeface="Cambria Math" panose="02040503050406030204" pitchFamily="18" charset="0"/>
+                        </a:rPr>
+                        <m:t>=</m:t>
+                      </m:r>
+                      <m:d>
+                        <m:dPr>
+                          <m:begChr m:val="["/>
+                          <m:endChr m:val="]"/>
+                          <m:ctrlPr>
+                            <a:rPr lang="en-US" altLang="ja-JP" sz="825" i="1">
+                              <a:latin typeface="Cambria Math" panose="02040503050406030204" pitchFamily="18" charset="0"/>
+                            </a:rPr>
+                          </m:ctrlPr>
+                        </m:dPr>
+                        <m:e>
+                          <m:m>
+                            <m:mPr>
+                              <m:mcs>
+                                <m:mc>
+                                  <m:mcPr>
+                                    <m:count m:val="2"/>
+                                    <m:mcJc m:val="center"/>
+                                  </m:mcPr>
+                                </m:mc>
+                              </m:mcs>
+                              <m:ctrlPr>
+                                <a:rPr lang="en-US" altLang="ja-JP" sz="825" i="1">
+                                  <a:latin typeface="Cambria Math" panose="02040503050406030204" pitchFamily="18" charset="0"/>
+                                </a:rPr>
+                              </m:ctrlPr>
+                            </m:mPr>
+                            <m:mr>
+                              <m:e>
+                                <m:sSup>
+                                  <m:sSupPr>
+                                    <m:ctrlPr>
+                                      <a:rPr lang="en-US" altLang="ja-JP" sz="825" i="1">
+                                        <a:latin typeface="Cambria Math" panose="02040503050406030204" pitchFamily="18" charset="0"/>
+                                        <a:ea typeface="Cambria Math" panose="02040503050406030204" pitchFamily="18" charset="0"/>
+                                      </a:rPr>
+                                    </m:ctrlPr>
+                                  </m:sSupPr>
+                                  <m:e>
+                                    <m:r>
+                                      <a:rPr lang="en-US" altLang="ja-JP" sz="825" i="1">
+                                        <a:latin typeface="Cambria Math" panose="02040503050406030204" pitchFamily="18" charset="0"/>
+                                        <a:ea typeface="Cambria Math" panose="02040503050406030204" pitchFamily="18" charset="0"/>
+                                      </a:rPr>
+                                      <m:t>𝜎</m:t>
+                                    </m:r>
+                                  </m:e>
+                                  <m:sup>
+                                    <m:r>
+                                      <a:rPr lang="en-US" altLang="ja-JP" sz="825" b="0" i="1">
+                                        <a:latin typeface="Cambria Math" panose="02040503050406030204" pitchFamily="18" charset="0"/>
+                                        <a:ea typeface="Cambria Math" panose="02040503050406030204" pitchFamily="18" charset="0"/>
+                                      </a:rPr>
+                                      <m:t>2</m:t>
+                                    </m:r>
+                                  </m:sup>
+                                </m:sSup>
+                              </m:e>
+                              <m:e>
+                                <m:r>
+                                  <a:rPr lang="en-US" altLang="ja-JP" sz="825" b="0" i="1">
+                                    <a:latin typeface="Cambria Math" panose="02040503050406030204" pitchFamily="18" charset="0"/>
+                                  </a:rPr>
+                                  <m:t>0</m:t>
+                                </m:r>
+                              </m:e>
+                            </m:mr>
+                            <m:mr>
+                              <m:e>
+                                <m:r>
+                                  <a:rPr lang="en-US" altLang="ja-JP" sz="825" b="0" i="1" smtClean="0">
+                                    <a:latin typeface="Cambria Math" panose="02040503050406030204" pitchFamily="18" charset="0"/>
+                                  </a:rPr>
+                                  <m:t>0</m:t>
+                                </m:r>
+                              </m:e>
+                              <m:e>
+                                <m:sSup>
+                                  <m:sSupPr>
+                                    <m:ctrlPr>
+                                      <a:rPr lang="en-US" altLang="ja-JP" sz="825" i="1">
+                                        <a:latin typeface="Cambria Math" panose="02040503050406030204" pitchFamily="18" charset="0"/>
+                                        <a:ea typeface="Cambria Math" panose="02040503050406030204" pitchFamily="18" charset="0"/>
+                                      </a:rPr>
+                                    </m:ctrlPr>
+                                  </m:sSupPr>
+                                  <m:e>
+                                    <m:r>
+                                      <a:rPr lang="en-US" altLang="ja-JP" sz="825" i="1">
+                                        <a:latin typeface="Cambria Math" panose="02040503050406030204" pitchFamily="18" charset="0"/>
+                                        <a:ea typeface="Cambria Math" panose="02040503050406030204" pitchFamily="18" charset="0"/>
+                                      </a:rPr>
+                                      <m:t>𝜎</m:t>
+                                    </m:r>
+                                  </m:e>
+                                  <m:sup>
+                                    <m:r>
+                                      <a:rPr lang="en-US" altLang="ja-JP" sz="825" i="1">
+                                        <a:latin typeface="Cambria Math" panose="02040503050406030204" pitchFamily="18" charset="0"/>
+                                        <a:ea typeface="Cambria Math" panose="02040503050406030204" pitchFamily="18" charset="0"/>
+                                      </a:rPr>
+                                      <m:t>2</m:t>
+                                    </m:r>
+                                  </m:sup>
+                                </m:sSup>
+                              </m:e>
+                            </m:mr>
+                          </m:m>
+                        </m:e>
+                      </m:d>
+                    </m:oMath>
+                  </m:oMathPara>
+                </a14:m>
+                <a:endParaRPr lang="ja-JP" altLang="en-US" sz="825"/>
+              </a:p>
+            </p:txBody>
+          </p:sp>
+        </mc:Choice>
+        <mc:Fallback xmlns="">
+          <p:sp>
+            <p:nvSpPr>
+              <p:cNvPr id="44" name="テキスト ボックス 43">
+                <a:extLst>
+                  <a:ext uri="{FF2B5EF4-FFF2-40B4-BE49-F238E27FC236}">
+                    <a16:creationId xmlns:a16="http://schemas.microsoft.com/office/drawing/2014/main" id="{CB970422-5A65-B1F5-7F16-BD7298D55F1F}"/>
+                  </a:ext>
+                </a:extLst>
+              </p:cNvPr>
+              <p:cNvSpPr txBox="1">
+                <a:spLocks noRot="1" noChangeAspect="1" noMove="1" noResize="1" noEditPoints="1" noAdjustHandles="1" noChangeArrowheads="1" noChangeShapeType="1" noTextEdit="1"/>
+              </p:cNvSpPr>
+              <p:nvPr/>
+            </p:nvSpPr>
+            <p:spPr>
+              <a:xfrm>
+                <a:off x="4768567" y="3529243"/>
+                <a:ext cx="801864" cy="227948"/>
+              </a:xfrm>
+              <a:prstGeom prst="rect">
+                <a:avLst/>
+              </a:prstGeom>
+              <a:blipFill>
+                <a:blip r:embed="rId52"/>
+                <a:stretch>
+                  <a:fillRect b="-15789"/>
+                </a:stretch>
+              </a:blipFill>
+            </p:spPr>
+            <p:txBody>
+              <a:bodyPr/>
+              <a:lstStyle/>
+              <a:p>
+                <a:r>
+                  <a:rPr lang="ja-JP" altLang="en-US">
+                    <a:noFill/>
+                  </a:rPr>
+                  <a:t> </a:t>
+                </a:r>
+              </a:p>
+            </p:txBody>
+          </p:sp>
+        </mc:Fallback>
+      </mc:AlternateContent>
+    </p:spTree>
+    <p:extLst>
+      <p:ext uri="{BB962C8B-B14F-4D97-AF65-F5344CB8AC3E}">
+        <p14:creationId xmlns:p14="http://schemas.microsoft.com/office/powerpoint/2010/main" val="1537733654"/>
+      </p:ext>
+    </p:extLst>
+  </p:cSld>
+  <p:clrMapOvr>
+    <a:masterClrMapping/>
+  </p:clrMapOvr>
+</p:sld>
+</file>
+
 <file path=ppt/theme/theme1.xml><?xml version="1.0" encoding="utf-8"?>
 <a:theme xmlns:a="http://schemas.openxmlformats.org/drawingml/2006/main" name="Office テーマ">
   <a:themeElements>
